--- a/backend/uploads/output.pptx
+++ b/backend/uploads/output.pptx
@@ -6,6 +6,8 @@
   </p:sldMasterIdLst>
   <p:sldIdLst>
     <p:sldId id="256" r:id="rId7"/>
+    <p:sldId id="257" r:id="rId8"/>
+    <p:sldId id="258" r:id="rId9"/>
   </p:sldIdLst>
   <p:sldSz cx="9144000" cy="6858000" type="screen4x3"/>
   <p:notesSz cx="6858000" cy="9144000"/>
@@ -113,8 +115,2564 @@
   <c:chart>
     <c:autoTitleDeleted val="0"/>
     <c:plotArea>
+      <c:lineChart>
+        <c:grouping val="standard"/>
+        <c:varyColors val="0"/>
+        <c:ser>
+          <c:idx val="0"/>
+          <c:order val="0"/>
+          <c:tx>
+            <c:strRef>
+              <c:f>Sheet1!$B$1</c:f>
+              <c:strCache>
+                <c:ptCount val="1"/>
+                <c:pt idx="0">
+                  <c:v>Positive</c:v>
+                </c:pt>
+              </c:strCache>
+            </c:strRef>
+          </c:tx>
+          <c:spPr>
+            <a:ln w="31750"/>
+          </c:spPr>
+          <c:marker>
+            <c:symbol val="none"/>
+          </c:marker>
+          <c:cat>
+            <c:strRef>
+              <c:f>Sheet1!$A$2:$A$126</c:f>
+              <c:strCache>
+                <c:ptCount val="125"/>
+                <c:pt idx="0">
+                  <c:v>2025-04-02T06:45</c:v>
+                </c:pt>
+                <c:pt idx="1">
+                  <c:v>2025-04-02T07:45</c:v>
+                </c:pt>
+                <c:pt idx="2">
+                  <c:v>2025-04-02T13:53</c:v>
+                </c:pt>
+                <c:pt idx="3">
+                  <c:v>2025-04-05T06:41</c:v>
+                </c:pt>
+                <c:pt idx="4">
+                  <c:v>2025-04-05T07:50</c:v>
+                </c:pt>
+                <c:pt idx="5">
+                  <c:v>2025-04-07T08:55</c:v>
+                </c:pt>
+                <c:pt idx="6">
+                  <c:v>2025-04-08T11:31</c:v>
+                </c:pt>
+                <c:pt idx="7">
+                  <c:v>2025-04-08T15:25</c:v>
+                </c:pt>
+                <c:pt idx="8">
+                  <c:v>2025-04-08T15:28</c:v>
+                </c:pt>
+                <c:pt idx="9">
+                  <c:v>2025-04-09T12:00</c:v>
+                </c:pt>
+                <c:pt idx="10">
+                  <c:v>2025-04-10T12:06</c:v>
+                </c:pt>
+                <c:pt idx="11">
+                  <c:v>2025-04-10T13:50</c:v>
+                </c:pt>
+                <c:pt idx="12">
+                  <c:v>2025-04-11T04:51</c:v>
+                </c:pt>
+                <c:pt idx="13">
+                  <c:v>2025-04-11T05:04</c:v>
+                </c:pt>
+                <c:pt idx="14">
+                  <c:v>2025-04-11T10:23</c:v>
+                </c:pt>
+                <c:pt idx="15">
+                  <c:v>2025-04-11T12:52</c:v>
+                </c:pt>
+                <c:pt idx="16">
+                  <c:v>2025-04-11T12:57</c:v>
+                </c:pt>
+                <c:pt idx="17">
+                  <c:v>2025-04-11T13:03</c:v>
+                </c:pt>
+                <c:pt idx="18">
+                  <c:v>2025-04-11T13:18</c:v>
+                </c:pt>
+                <c:pt idx="19">
+                  <c:v>2025-04-11T13:26</c:v>
+                </c:pt>
+                <c:pt idx="20">
+                  <c:v>2025-04-11T13:43</c:v>
+                </c:pt>
+                <c:pt idx="21">
+                  <c:v>2025-04-11T14:15</c:v>
+                </c:pt>
+                <c:pt idx="22">
+                  <c:v>2025-04-12T09:39</c:v>
+                </c:pt>
+                <c:pt idx="23">
+                  <c:v>2025-04-12T10:14</c:v>
+                </c:pt>
+                <c:pt idx="24">
+                  <c:v>2025-04-14T07:51</c:v>
+                </c:pt>
+                <c:pt idx="25">
+                  <c:v>2025-04-15T06:29</c:v>
+                </c:pt>
+                <c:pt idx="26">
+                  <c:v>2025-04-15T07:37</c:v>
+                </c:pt>
+                <c:pt idx="27">
+                  <c:v>2025-04-15T07:45</c:v>
+                </c:pt>
+                <c:pt idx="28">
+                  <c:v>2025-04-15T09:21</c:v>
+                </c:pt>
+                <c:pt idx="29">
+                  <c:v>2025-04-15T09:31</c:v>
+                </c:pt>
+                <c:pt idx="30">
+                  <c:v>2025-04-15T11:39</c:v>
+                </c:pt>
+                <c:pt idx="31">
+                  <c:v>2025-04-15T11:52</c:v>
+                </c:pt>
+                <c:pt idx="32">
+                  <c:v>2025-04-15T12:03</c:v>
+                </c:pt>
+                <c:pt idx="33">
+                  <c:v>2025-04-15T12:06</c:v>
+                </c:pt>
+                <c:pt idx="34">
+                  <c:v>2025-04-16T10:02</c:v>
+                </c:pt>
+                <c:pt idx="35">
+                  <c:v>2025-04-16T10:45</c:v>
+                </c:pt>
+                <c:pt idx="36">
+                  <c:v>2025-04-17T07:18</c:v>
+                </c:pt>
+                <c:pt idx="37">
+                  <c:v>2025-04-17T14:16</c:v>
+                </c:pt>
+                <c:pt idx="38">
+                  <c:v>2025-04-18T06:51</c:v>
+                </c:pt>
+                <c:pt idx="39">
+                  <c:v>2025-04-18T07:08</c:v>
+                </c:pt>
+                <c:pt idx="40">
+                  <c:v>2025-04-18T10:15</c:v>
+                </c:pt>
+                <c:pt idx="41">
+                  <c:v>2025-04-20T11:26</c:v>
+                </c:pt>
+                <c:pt idx="42">
+                  <c:v>2025-04-20T16:40</c:v>
+                </c:pt>
+                <c:pt idx="43">
+                  <c:v>2025-04-20T19:23</c:v>
+                </c:pt>
+                <c:pt idx="44">
+                  <c:v>2025-04-20T19:27</c:v>
+                </c:pt>
+                <c:pt idx="45">
+                  <c:v>2025-04-21T07:08</c:v>
+                </c:pt>
+                <c:pt idx="46">
+                  <c:v>2025-04-21T07:40</c:v>
+                </c:pt>
+                <c:pt idx="47">
+                  <c:v>2025-04-21T08:09</c:v>
+                </c:pt>
+                <c:pt idx="48">
+                  <c:v>2025-04-21T10:06</c:v>
+                </c:pt>
+                <c:pt idx="49">
+                  <c:v>2025-04-21T11:34</c:v>
+                </c:pt>
+                <c:pt idx="50">
+                  <c:v>2025-04-21T13:18</c:v>
+                </c:pt>
+                <c:pt idx="51">
+                  <c:v>2025-04-21T13:40</c:v>
+                </c:pt>
+                <c:pt idx="52">
+                  <c:v>2025-04-21T13:44</c:v>
+                </c:pt>
+                <c:pt idx="53">
+                  <c:v>2025-04-21T13:57</c:v>
+                </c:pt>
+                <c:pt idx="54">
+                  <c:v>2025-04-21T14:04</c:v>
+                </c:pt>
+                <c:pt idx="55">
+                  <c:v>2025-04-21T14:30</c:v>
+                </c:pt>
+                <c:pt idx="56">
+                  <c:v>2025-04-21T14:43</c:v>
+                </c:pt>
+                <c:pt idx="57">
+                  <c:v>2025-04-22T05:41</c:v>
+                </c:pt>
+                <c:pt idx="58">
+                  <c:v>2025-04-22T08:21</c:v>
+                </c:pt>
+                <c:pt idx="59">
+                  <c:v>2025-04-22T11:47</c:v>
+                </c:pt>
+                <c:pt idx="60">
+                  <c:v>2025-04-22T12:10</c:v>
+                </c:pt>
+                <c:pt idx="61">
+                  <c:v>2025-04-23T09:48</c:v>
+                </c:pt>
+                <c:pt idx="62">
+                  <c:v>2025-04-23T10:17</c:v>
+                </c:pt>
+                <c:pt idx="63">
+                  <c:v>2025-04-23T10:51</c:v>
+                </c:pt>
+                <c:pt idx="64">
+                  <c:v>2025-04-23T11:42</c:v>
+                </c:pt>
+                <c:pt idx="65">
+                  <c:v>2025-04-23T11:44</c:v>
+                </c:pt>
+                <c:pt idx="66">
+                  <c:v>2025-04-23T12:04</c:v>
+                </c:pt>
+                <c:pt idx="67">
+                  <c:v>2025-04-23T12:09</c:v>
+                </c:pt>
+                <c:pt idx="68">
+                  <c:v>2025-04-23T12:23</c:v>
+                </c:pt>
+                <c:pt idx="69">
+                  <c:v>2025-04-23T12:24</c:v>
+                </c:pt>
+                <c:pt idx="70">
+                  <c:v>2025-04-23T12:30</c:v>
+                </c:pt>
+                <c:pt idx="71">
+                  <c:v>2025-04-23T12:32</c:v>
+                </c:pt>
+                <c:pt idx="72">
+                  <c:v>2025-04-23T12:47</c:v>
+                </c:pt>
+                <c:pt idx="73">
+                  <c:v>2025-04-23T12:48</c:v>
+                </c:pt>
+                <c:pt idx="74">
+                  <c:v>2025-04-23T12:50</c:v>
+                </c:pt>
+                <c:pt idx="75">
+                  <c:v>2025-04-23T12:57</c:v>
+                </c:pt>
+                <c:pt idx="76">
+                  <c:v>2025-04-23T13:12</c:v>
+                </c:pt>
+                <c:pt idx="77">
+                  <c:v>2025-04-23T13:15</c:v>
+                </c:pt>
+                <c:pt idx="78">
+                  <c:v>2025-04-23T15:03</c:v>
+                </c:pt>
+                <c:pt idx="79">
+                  <c:v>2025-04-23T16:49</c:v>
+                </c:pt>
+                <c:pt idx="80">
+                  <c:v>2025-04-23T18:55</c:v>
+                </c:pt>
+                <c:pt idx="81">
+                  <c:v>2025-04-23T20:08</c:v>
+                </c:pt>
+                <c:pt idx="82">
+                  <c:v>2025-04-24T03:30</c:v>
+                </c:pt>
+                <c:pt idx="83">
+                  <c:v>2025-04-24T04:39</c:v>
+                </c:pt>
+                <c:pt idx="84">
+                  <c:v>2025-04-24T04:41</c:v>
+                </c:pt>
+                <c:pt idx="85">
+                  <c:v>2025-04-24T06:13</c:v>
+                </c:pt>
+                <c:pt idx="86">
+                  <c:v>2025-04-24T06:23</c:v>
+                </c:pt>
+                <c:pt idx="87">
+                  <c:v>2025-04-24T06:33</c:v>
+                </c:pt>
+                <c:pt idx="88">
+                  <c:v>2025-04-24T06:51</c:v>
+                </c:pt>
+                <c:pt idx="89">
+                  <c:v>2025-04-24T07:14</c:v>
+                </c:pt>
+                <c:pt idx="90">
+                  <c:v>2025-04-24T07:21</c:v>
+                </c:pt>
+                <c:pt idx="91">
+                  <c:v>2025-04-24T08:06</c:v>
+                </c:pt>
+                <c:pt idx="92">
+                  <c:v>2025-04-24T08:31</c:v>
+                </c:pt>
+                <c:pt idx="93">
+                  <c:v>2025-04-24T08:33</c:v>
+                </c:pt>
+                <c:pt idx="94">
+                  <c:v>2025-04-24T08:45</c:v>
+                </c:pt>
+                <c:pt idx="95">
+                  <c:v>2025-04-24T09:00</c:v>
+                </c:pt>
+                <c:pt idx="96">
+                  <c:v>2025-04-24T09:02</c:v>
+                </c:pt>
+                <c:pt idx="97">
+                  <c:v>2025-04-24T09:06</c:v>
+                </c:pt>
+                <c:pt idx="98">
+                  <c:v>2025-04-24T09:11</c:v>
+                </c:pt>
+                <c:pt idx="99">
+                  <c:v>2025-04-24T09:26</c:v>
+                </c:pt>
+                <c:pt idx="100">
+                  <c:v>2025-04-24T09:39</c:v>
+                </c:pt>
+                <c:pt idx="101">
+                  <c:v>2025-04-24T11:02</c:v>
+                </c:pt>
+                <c:pt idx="102">
+                  <c:v>2025-04-24T11:05</c:v>
+                </c:pt>
+                <c:pt idx="103">
+                  <c:v>2025-04-24T11:07</c:v>
+                </c:pt>
+                <c:pt idx="104">
+                  <c:v>2025-04-24T11:09</c:v>
+                </c:pt>
+                <c:pt idx="105">
+                  <c:v>2025-04-24T12:19</c:v>
+                </c:pt>
+                <c:pt idx="106">
+                  <c:v>2025-04-24T12:34</c:v>
+                </c:pt>
+                <c:pt idx="107">
+                  <c:v>2025-04-24T13:36</c:v>
+                </c:pt>
+                <c:pt idx="108">
+                  <c:v>2025-04-24T13:47</c:v>
+                </c:pt>
+                <c:pt idx="109">
+                  <c:v>2025-04-24T14:15</c:v>
+                </c:pt>
+                <c:pt idx="110">
+                  <c:v>2025-04-24T15:31</c:v>
+                </c:pt>
+                <c:pt idx="111">
+                  <c:v>2025-04-24T15:45</c:v>
+                </c:pt>
+                <c:pt idx="112">
+                  <c:v>2025-04-24T16:03</c:v>
+                </c:pt>
+                <c:pt idx="113">
+                  <c:v>2025-04-24T21:24</c:v>
+                </c:pt>
+                <c:pt idx="114">
+                  <c:v>2025-04-25T05:09</c:v>
+                </c:pt>
+                <c:pt idx="115">
+                  <c:v>2025-04-25T05:16</c:v>
+                </c:pt>
+                <c:pt idx="116">
+                  <c:v>2025-04-25T06:24</c:v>
+                </c:pt>
+                <c:pt idx="117">
+                  <c:v>2025-04-25T07:57</c:v>
+                </c:pt>
+                <c:pt idx="118">
+                  <c:v>2025-04-25T13:52</c:v>
+                </c:pt>
+                <c:pt idx="119">
+                  <c:v>2025-04-25T14:00</c:v>
+                </c:pt>
+                <c:pt idx="120">
+                  <c:v>2025-04-25T14:22</c:v>
+                </c:pt>
+                <c:pt idx="121">
+                  <c:v>2025-04-28T09:51</c:v>
+                </c:pt>
+                <c:pt idx="122">
+                  <c:v>2025-04-29T05:05</c:v>
+                </c:pt>
+                <c:pt idx="123">
+                  <c:v>2025-04-29T05:33</c:v>
+                </c:pt>
+                <c:pt idx="124">
+                  <c:v>2025-04-29T05:53</c:v>
+                </c:pt>
+              </c:strCache>
+            </c:strRef>
+          </c:cat>
+          <c:val>
+            <c:numRef>
+              <c:f>Sheet1!$B$2:$B$126</c:f>
+              <c:numCache>
+                <c:formatCode>General</c:formatCode>
+                <c:ptCount val="125"/>
+                <c:pt idx="0">
+                  <c:v>0</c:v>
+                </c:pt>
+                <c:pt idx="1">
+                  <c:v>0</c:v>
+                </c:pt>
+                <c:pt idx="2">
+                  <c:v>0</c:v>
+                </c:pt>
+                <c:pt idx="3">
+                  <c:v>0</c:v>
+                </c:pt>
+                <c:pt idx="4">
+                  <c:v>0</c:v>
+                </c:pt>
+                <c:pt idx="5">
+                  <c:v>0</c:v>
+                </c:pt>
+                <c:pt idx="6">
+                  <c:v>1</c:v>
+                </c:pt>
+                <c:pt idx="7">
+                  <c:v>0</c:v>
+                </c:pt>
+                <c:pt idx="8">
+                  <c:v>0</c:v>
+                </c:pt>
+                <c:pt idx="9">
+                  <c:v>1</c:v>
+                </c:pt>
+                <c:pt idx="10">
+                  <c:v>0</c:v>
+                </c:pt>
+                <c:pt idx="11">
+                  <c:v>1</c:v>
+                </c:pt>
+                <c:pt idx="12">
+                  <c:v>1</c:v>
+                </c:pt>
+                <c:pt idx="13">
+                  <c:v>1</c:v>
+                </c:pt>
+                <c:pt idx="14">
+                  <c:v>0</c:v>
+                </c:pt>
+                <c:pt idx="15">
+                  <c:v>1</c:v>
+                </c:pt>
+                <c:pt idx="16">
+                  <c:v>1</c:v>
+                </c:pt>
+                <c:pt idx="17">
+                  <c:v>1</c:v>
+                </c:pt>
+                <c:pt idx="18">
+                  <c:v>1</c:v>
+                </c:pt>
+                <c:pt idx="19">
+                  <c:v>1</c:v>
+                </c:pt>
+                <c:pt idx="20">
+                  <c:v>1</c:v>
+                </c:pt>
+                <c:pt idx="21">
+                  <c:v>1</c:v>
+                </c:pt>
+                <c:pt idx="22">
+                  <c:v>1</c:v>
+                </c:pt>
+                <c:pt idx="23">
+                  <c:v>0</c:v>
+                </c:pt>
+                <c:pt idx="24">
+                  <c:v>1</c:v>
+                </c:pt>
+                <c:pt idx="25">
+                  <c:v>1</c:v>
+                </c:pt>
+                <c:pt idx="26">
+                  <c:v>1</c:v>
+                </c:pt>
+                <c:pt idx="27">
+                  <c:v>0</c:v>
+                </c:pt>
+                <c:pt idx="28">
+                  <c:v>0</c:v>
+                </c:pt>
+                <c:pt idx="29">
+                  <c:v>0</c:v>
+                </c:pt>
+                <c:pt idx="30">
+                  <c:v>2</c:v>
+                </c:pt>
+                <c:pt idx="31">
+                  <c:v>1</c:v>
+                </c:pt>
+                <c:pt idx="32">
+                  <c:v>0</c:v>
+                </c:pt>
+                <c:pt idx="33">
+                  <c:v>1</c:v>
+                </c:pt>
+                <c:pt idx="34">
+                  <c:v>0</c:v>
+                </c:pt>
+                <c:pt idx="35">
+                  <c:v>1</c:v>
+                </c:pt>
+                <c:pt idx="36">
+                  <c:v>1</c:v>
+                </c:pt>
+                <c:pt idx="37">
+                  <c:v>1</c:v>
+                </c:pt>
+                <c:pt idx="38">
+                  <c:v>1</c:v>
+                </c:pt>
+                <c:pt idx="39">
+                  <c:v>0</c:v>
+                </c:pt>
+                <c:pt idx="40">
+                  <c:v>1</c:v>
+                </c:pt>
+                <c:pt idx="41">
+                  <c:v>0</c:v>
+                </c:pt>
+                <c:pt idx="42">
+                  <c:v>0</c:v>
+                </c:pt>
+                <c:pt idx="43">
+                  <c:v>0</c:v>
+                </c:pt>
+                <c:pt idx="44">
+                  <c:v>0</c:v>
+                </c:pt>
+                <c:pt idx="45">
+                  <c:v>0</c:v>
+                </c:pt>
+                <c:pt idx="46">
+                  <c:v>0</c:v>
+                </c:pt>
+                <c:pt idx="47">
+                  <c:v>0</c:v>
+                </c:pt>
+                <c:pt idx="48">
+                  <c:v>1</c:v>
+                </c:pt>
+                <c:pt idx="49">
+                  <c:v>1</c:v>
+                </c:pt>
+                <c:pt idx="50">
+                  <c:v>1</c:v>
+                </c:pt>
+                <c:pt idx="51">
+                  <c:v>1</c:v>
+                </c:pt>
+                <c:pt idx="52">
+                  <c:v>1</c:v>
+                </c:pt>
+                <c:pt idx="53">
+                  <c:v>1</c:v>
+                </c:pt>
+                <c:pt idx="54">
+                  <c:v>1</c:v>
+                </c:pt>
+                <c:pt idx="55">
+                  <c:v>1</c:v>
+                </c:pt>
+                <c:pt idx="56">
+                  <c:v>1</c:v>
+                </c:pt>
+                <c:pt idx="57">
+                  <c:v>1</c:v>
+                </c:pt>
+                <c:pt idx="58">
+                  <c:v>1</c:v>
+                </c:pt>
+                <c:pt idx="59">
+                  <c:v>1</c:v>
+                </c:pt>
+                <c:pt idx="60">
+                  <c:v>0</c:v>
+                </c:pt>
+                <c:pt idx="61">
+                  <c:v>0</c:v>
+                </c:pt>
+                <c:pt idx="62">
+                  <c:v>0</c:v>
+                </c:pt>
+                <c:pt idx="63">
+                  <c:v>0</c:v>
+                </c:pt>
+                <c:pt idx="64">
+                  <c:v>0</c:v>
+                </c:pt>
+                <c:pt idx="65">
+                  <c:v>0</c:v>
+                </c:pt>
+                <c:pt idx="66">
+                  <c:v>0</c:v>
+                </c:pt>
+                <c:pt idx="67">
+                  <c:v>0</c:v>
+                </c:pt>
+                <c:pt idx="68">
+                  <c:v>0</c:v>
+                </c:pt>
+                <c:pt idx="69">
+                  <c:v>0</c:v>
+                </c:pt>
+                <c:pt idx="70">
+                  <c:v>0</c:v>
+                </c:pt>
+                <c:pt idx="71">
+                  <c:v>0</c:v>
+                </c:pt>
+                <c:pt idx="72">
+                  <c:v>0</c:v>
+                </c:pt>
+                <c:pt idx="73">
+                  <c:v>0</c:v>
+                </c:pt>
+                <c:pt idx="74">
+                  <c:v>0</c:v>
+                </c:pt>
+                <c:pt idx="75">
+                  <c:v>0</c:v>
+                </c:pt>
+                <c:pt idx="76">
+                  <c:v>0</c:v>
+                </c:pt>
+                <c:pt idx="77">
+                  <c:v>0</c:v>
+                </c:pt>
+                <c:pt idx="78">
+                  <c:v>0</c:v>
+                </c:pt>
+                <c:pt idx="79">
+                  <c:v>0</c:v>
+                </c:pt>
+                <c:pt idx="80">
+                  <c:v>0</c:v>
+                </c:pt>
+                <c:pt idx="81">
+                  <c:v>0</c:v>
+                </c:pt>
+                <c:pt idx="82">
+                  <c:v>0</c:v>
+                </c:pt>
+                <c:pt idx="83">
+                  <c:v>0</c:v>
+                </c:pt>
+                <c:pt idx="84">
+                  <c:v>0</c:v>
+                </c:pt>
+                <c:pt idx="85">
+                  <c:v>0</c:v>
+                </c:pt>
+                <c:pt idx="86">
+                  <c:v>0</c:v>
+                </c:pt>
+                <c:pt idx="87">
+                  <c:v>0</c:v>
+                </c:pt>
+                <c:pt idx="88">
+                  <c:v>0</c:v>
+                </c:pt>
+                <c:pt idx="89">
+                  <c:v>0</c:v>
+                </c:pt>
+                <c:pt idx="90">
+                  <c:v>0</c:v>
+                </c:pt>
+                <c:pt idx="91">
+                  <c:v>0</c:v>
+                </c:pt>
+                <c:pt idx="92">
+                  <c:v>0</c:v>
+                </c:pt>
+                <c:pt idx="93">
+                  <c:v>0</c:v>
+                </c:pt>
+                <c:pt idx="94">
+                  <c:v>0</c:v>
+                </c:pt>
+                <c:pt idx="95">
+                  <c:v>0</c:v>
+                </c:pt>
+                <c:pt idx="96">
+                  <c:v>0</c:v>
+                </c:pt>
+                <c:pt idx="97">
+                  <c:v>0</c:v>
+                </c:pt>
+                <c:pt idx="98">
+                  <c:v>0</c:v>
+                </c:pt>
+                <c:pt idx="99">
+                  <c:v>0</c:v>
+                </c:pt>
+                <c:pt idx="100">
+                  <c:v>0</c:v>
+                </c:pt>
+                <c:pt idx="101">
+                  <c:v>0</c:v>
+                </c:pt>
+                <c:pt idx="102">
+                  <c:v>0</c:v>
+                </c:pt>
+                <c:pt idx="103">
+                  <c:v>0</c:v>
+                </c:pt>
+                <c:pt idx="104">
+                  <c:v>0</c:v>
+                </c:pt>
+                <c:pt idx="105">
+                  <c:v>0</c:v>
+                </c:pt>
+                <c:pt idx="106">
+                  <c:v>0</c:v>
+                </c:pt>
+                <c:pt idx="107">
+                  <c:v>0</c:v>
+                </c:pt>
+                <c:pt idx="108">
+                  <c:v>0</c:v>
+                </c:pt>
+                <c:pt idx="109">
+                  <c:v>0</c:v>
+                </c:pt>
+                <c:pt idx="110">
+                  <c:v>0</c:v>
+                </c:pt>
+                <c:pt idx="111">
+                  <c:v>0</c:v>
+                </c:pt>
+                <c:pt idx="112">
+                  <c:v>0</c:v>
+                </c:pt>
+                <c:pt idx="113">
+                  <c:v>0</c:v>
+                </c:pt>
+                <c:pt idx="114">
+                  <c:v>0</c:v>
+                </c:pt>
+                <c:pt idx="115">
+                  <c:v>0</c:v>
+                </c:pt>
+                <c:pt idx="116">
+                  <c:v>0</c:v>
+                </c:pt>
+                <c:pt idx="117">
+                  <c:v>0</c:v>
+                </c:pt>
+                <c:pt idx="118">
+                  <c:v>1</c:v>
+                </c:pt>
+                <c:pt idx="119">
+                  <c:v>1</c:v>
+                </c:pt>
+                <c:pt idx="120">
+                  <c:v>1</c:v>
+                </c:pt>
+                <c:pt idx="121">
+                  <c:v>0</c:v>
+                </c:pt>
+                <c:pt idx="122">
+                  <c:v>0</c:v>
+                </c:pt>
+                <c:pt idx="123">
+                  <c:v>0</c:v>
+                </c:pt>
+                <c:pt idx="124">
+                  <c:v>0</c:v>
+                </c:pt>
+              </c:numCache>
+            </c:numRef>
+          </c:val>
+          <c:smooth val="0"/>
+        </c:ser>
+        <c:ser>
+          <c:idx val="1"/>
+          <c:order val="1"/>
+          <c:tx>
+            <c:strRef>
+              <c:f>Sheet1!$C$1</c:f>
+              <c:strCache>
+                <c:ptCount val="1"/>
+                <c:pt idx="0">
+                  <c:v>Neutral</c:v>
+                </c:pt>
+              </c:strCache>
+            </c:strRef>
+          </c:tx>
+          <c:spPr>
+            <a:ln w="31750"/>
+          </c:spPr>
+          <c:marker>
+            <c:symbol val="none"/>
+          </c:marker>
+          <c:cat>
+            <c:strRef>
+              <c:f>Sheet1!$A$2:$A$126</c:f>
+              <c:strCache>
+                <c:ptCount val="125"/>
+                <c:pt idx="0">
+                  <c:v>2025-04-02T06:45</c:v>
+                </c:pt>
+                <c:pt idx="1">
+                  <c:v>2025-04-02T07:45</c:v>
+                </c:pt>
+                <c:pt idx="2">
+                  <c:v>2025-04-02T13:53</c:v>
+                </c:pt>
+                <c:pt idx="3">
+                  <c:v>2025-04-05T06:41</c:v>
+                </c:pt>
+                <c:pt idx="4">
+                  <c:v>2025-04-05T07:50</c:v>
+                </c:pt>
+                <c:pt idx="5">
+                  <c:v>2025-04-07T08:55</c:v>
+                </c:pt>
+                <c:pt idx="6">
+                  <c:v>2025-04-08T11:31</c:v>
+                </c:pt>
+                <c:pt idx="7">
+                  <c:v>2025-04-08T15:25</c:v>
+                </c:pt>
+                <c:pt idx="8">
+                  <c:v>2025-04-08T15:28</c:v>
+                </c:pt>
+                <c:pt idx="9">
+                  <c:v>2025-04-09T12:00</c:v>
+                </c:pt>
+                <c:pt idx="10">
+                  <c:v>2025-04-10T12:06</c:v>
+                </c:pt>
+                <c:pt idx="11">
+                  <c:v>2025-04-10T13:50</c:v>
+                </c:pt>
+                <c:pt idx="12">
+                  <c:v>2025-04-11T04:51</c:v>
+                </c:pt>
+                <c:pt idx="13">
+                  <c:v>2025-04-11T05:04</c:v>
+                </c:pt>
+                <c:pt idx="14">
+                  <c:v>2025-04-11T10:23</c:v>
+                </c:pt>
+                <c:pt idx="15">
+                  <c:v>2025-04-11T12:52</c:v>
+                </c:pt>
+                <c:pt idx="16">
+                  <c:v>2025-04-11T12:57</c:v>
+                </c:pt>
+                <c:pt idx="17">
+                  <c:v>2025-04-11T13:03</c:v>
+                </c:pt>
+                <c:pt idx="18">
+                  <c:v>2025-04-11T13:18</c:v>
+                </c:pt>
+                <c:pt idx="19">
+                  <c:v>2025-04-11T13:26</c:v>
+                </c:pt>
+                <c:pt idx="20">
+                  <c:v>2025-04-11T13:43</c:v>
+                </c:pt>
+                <c:pt idx="21">
+                  <c:v>2025-04-11T14:15</c:v>
+                </c:pt>
+                <c:pt idx="22">
+                  <c:v>2025-04-12T09:39</c:v>
+                </c:pt>
+                <c:pt idx="23">
+                  <c:v>2025-04-12T10:14</c:v>
+                </c:pt>
+                <c:pt idx="24">
+                  <c:v>2025-04-14T07:51</c:v>
+                </c:pt>
+                <c:pt idx="25">
+                  <c:v>2025-04-15T06:29</c:v>
+                </c:pt>
+                <c:pt idx="26">
+                  <c:v>2025-04-15T07:37</c:v>
+                </c:pt>
+                <c:pt idx="27">
+                  <c:v>2025-04-15T07:45</c:v>
+                </c:pt>
+                <c:pt idx="28">
+                  <c:v>2025-04-15T09:21</c:v>
+                </c:pt>
+                <c:pt idx="29">
+                  <c:v>2025-04-15T09:31</c:v>
+                </c:pt>
+                <c:pt idx="30">
+                  <c:v>2025-04-15T11:39</c:v>
+                </c:pt>
+                <c:pt idx="31">
+                  <c:v>2025-04-15T11:52</c:v>
+                </c:pt>
+                <c:pt idx="32">
+                  <c:v>2025-04-15T12:03</c:v>
+                </c:pt>
+                <c:pt idx="33">
+                  <c:v>2025-04-15T12:06</c:v>
+                </c:pt>
+                <c:pt idx="34">
+                  <c:v>2025-04-16T10:02</c:v>
+                </c:pt>
+                <c:pt idx="35">
+                  <c:v>2025-04-16T10:45</c:v>
+                </c:pt>
+                <c:pt idx="36">
+                  <c:v>2025-04-17T07:18</c:v>
+                </c:pt>
+                <c:pt idx="37">
+                  <c:v>2025-04-17T14:16</c:v>
+                </c:pt>
+                <c:pt idx="38">
+                  <c:v>2025-04-18T06:51</c:v>
+                </c:pt>
+                <c:pt idx="39">
+                  <c:v>2025-04-18T07:08</c:v>
+                </c:pt>
+                <c:pt idx="40">
+                  <c:v>2025-04-18T10:15</c:v>
+                </c:pt>
+                <c:pt idx="41">
+                  <c:v>2025-04-20T11:26</c:v>
+                </c:pt>
+                <c:pt idx="42">
+                  <c:v>2025-04-20T16:40</c:v>
+                </c:pt>
+                <c:pt idx="43">
+                  <c:v>2025-04-20T19:23</c:v>
+                </c:pt>
+                <c:pt idx="44">
+                  <c:v>2025-04-20T19:27</c:v>
+                </c:pt>
+                <c:pt idx="45">
+                  <c:v>2025-04-21T07:08</c:v>
+                </c:pt>
+                <c:pt idx="46">
+                  <c:v>2025-04-21T07:40</c:v>
+                </c:pt>
+                <c:pt idx="47">
+                  <c:v>2025-04-21T08:09</c:v>
+                </c:pt>
+                <c:pt idx="48">
+                  <c:v>2025-04-21T10:06</c:v>
+                </c:pt>
+                <c:pt idx="49">
+                  <c:v>2025-04-21T11:34</c:v>
+                </c:pt>
+                <c:pt idx="50">
+                  <c:v>2025-04-21T13:18</c:v>
+                </c:pt>
+                <c:pt idx="51">
+                  <c:v>2025-04-21T13:40</c:v>
+                </c:pt>
+                <c:pt idx="52">
+                  <c:v>2025-04-21T13:44</c:v>
+                </c:pt>
+                <c:pt idx="53">
+                  <c:v>2025-04-21T13:57</c:v>
+                </c:pt>
+                <c:pt idx="54">
+                  <c:v>2025-04-21T14:04</c:v>
+                </c:pt>
+                <c:pt idx="55">
+                  <c:v>2025-04-21T14:30</c:v>
+                </c:pt>
+                <c:pt idx="56">
+                  <c:v>2025-04-21T14:43</c:v>
+                </c:pt>
+                <c:pt idx="57">
+                  <c:v>2025-04-22T05:41</c:v>
+                </c:pt>
+                <c:pt idx="58">
+                  <c:v>2025-04-22T08:21</c:v>
+                </c:pt>
+                <c:pt idx="59">
+                  <c:v>2025-04-22T11:47</c:v>
+                </c:pt>
+                <c:pt idx="60">
+                  <c:v>2025-04-22T12:10</c:v>
+                </c:pt>
+                <c:pt idx="61">
+                  <c:v>2025-04-23T09:48</c:v>
+                </c:pt>
+                <c:pt idx="62">
+                  <c:v>2025-04-23T10:17</c:v>
+                </c:pt>
+                <c:pt idx="63">
+                  <c:v>2025-04-23T10:51</c:v>
+                </c:pt>
+                <c:pt idx="64">
+                  <c:v>2025-04-23T11:42</c:v>
+                </c:pt>
+                <c:pt idx="65">
+                  <c:v>2025-04-23T11:44</c:v>
+                </c:pt>
+                <c:pt idx="66">
+                  <c:v>2025-04-23T12:04</c:v>
+                </c:pt>
+                <c:pt idx="67">
+                  <c:v>2025-04-23T12:09</c:v>
+                </c:pt>
+                <c:pt idx="68">
+                  <c:v>2025-04-23T12:23</c:v>
+                </c:pt>
+                <c:pt idx="69">
+                  <c:v>2025-04-23T12:24</c:v>
+                </c:pt>
+                <c:pt idx="70">
+                  <c:v>2025-04-23T12:30</c:v>
+                </c:pt>
+                <c:pt idx="71">
+                  <c:v>2025-04-23T12:32</c:v>
+                </c:pt>
+                <c:pt idx="72">
+                  <c:v>2025-04-23T12:47</c:v>
+                </c:pt>
+                <c:pt idx="73">
+                  <c:v>2025-04-23T12:48</c:v>
+                </c:pt>
+                <c:pt idx="74">
+                  <c:v>2025-04-23T12:50</c:v>
+                </c:pt>
+                <c:pt idx="75">
+                  <c:v>2025-04-23T12:57</c:v>
+                </c:pt>
+                <c:pt idx="76">
+                  <c:v>2025-04-23T13:12</c:v>
+                </c:pt>
+                <c:pt idx="77">
+                  <c:v>2025-04-23T13:15</c:v>
+                </c:pt>
+                <c:pt idx="78">
+                  <c:v>2025-04-23T15:03</c:v>
+                </c:pt>
+                <c:pt idx="79">
+                  <c:v>2025-04-23T16:49</c:v>
+                </c:pt>
+                <c:pt idx="80">
+                  <c:v>2025-04-23T18:55</c:v>
+                </c:pt>
+                <c:pt idx="81">
+                  <c:v>2025-04-23T20:08</c:v>
+                </c:pt>
+                <c:pt idx="82">
+                  <c:v>2025-04-24T03:30</c:v>
+                </c:pt>
+                <c:pt idx="83">
+                  <c:v>2025-04-24T04:39</c:v>
+                </c:pt>
+                <c:pt idx="84">
+                  <c:v>2025-04-24T04:41</c:v>
+                </c:pt>
+                <c:pt idx="85">
+                  <c:v>2025-04-24T06:13</c:v>
+                </c:pt>
+                <c:pt idx="86">
+                  <c:v>2025-04-24T06:23</c:v>
+                </c:pt>
+                <c:pt idx="87">
+                  <c:v>2025-04-24T06:33</c:v>
+                </c:pt>
+                <c:pt idx="88">
+                  <c:v>2025-04-24T06:51</c:v>
+                </c:pt>
+                <c:pt idx="89">
+                  <c:v>2025-04-24T07:14</c:v>
+                </c:pt>
+                <c:pt idx="90">
+                  <c:v>2025-04-24T07:21</c:v>
+                </c:pt>
+                <c:pt idx="91">
+                  <c:v>2025-04-24T08:06</c:v>
+                </c:pt>
+                <c:pt idx="92">
+                  <c:v>2025-04-24T08:31</c:v>
+                </c:pt>
+                <c:pt idx="93">
+                  <c:v>2025-04-24T08:33</c:v>
+                </c:pt>
+                <c:pt idx="94">
+                  <c:v>2025-04-24T08:45</c:v>
+                </c:pt>
+                <c:pt idx="95">
+                  <c:v>2025-04-24T09:00</c:v>
+                </c:pt>
+                <c:pt idx="96">
+                  <c:v>2025-04-24T09:02</c:v>
+                </c:pt>
+                <c:pt idx="97">
+                  <c:v>2025-04-24T09:06</c:v>
+                </c:pt>
+                <c:pt idx="98">
+                  <c:v>2025-04-24T09:11</c:v>
+                </c:pt>
+                <c:pt idx="99">
+                  <c:v>2025-04-24T09:26</c:v>
+                </c:pt>
+                <c:pt idx="100">
+                  <c:v>2025-04-24T09:39</c:v>
+                </c:pt>
+                <c:pt idx="101">
+                  <c:v>2025-04-24T11:02</c:v>
+                </c:pt>
+                <c:pt idx="102">
+                  <c:v>2025-04-24T11:05</c:v>
+                </c:pt>
+                <c:pt idx="103">
+                  <c:v>2025-04-24T11:07</c:v>
+                </c:pt>
+                <c:pt idx="104">
+                  <c:v>2025-04-24T11:09</c:v>
+                </c:pt>
+                <c:pt idx="105">
+                  <c:v>2025-04-24T12:19</c:v>
+                </c:pt>
+                <c:pt idx="106">
+                  <c:v>2025-04-24T12:34</c:v>
+                </c:pt>
+                <c:pt idx="107">
+                  <c:v>2025-04-24T13:36</c:v>
+                </c:pt>
+                <c:pt idx="108">
+                  <c:v>2025-04-24T13:47</c:v>
+                </c:pt>
+                <c:pt idx="109">
+                  <c:v>2025-04-24T14:15</c:v>
+                </c:pt>
+                <c:pt idx="110">
+                  <c:v>2025-04-24T15:31</c:v>
+                </c:pt>
+                <c:pt idx="111">
+                  <c:v>2025-04-24T15:45</c:v>
+                </c:pt>
+                <c:pt idx="112">
+                  <c:v>2025-04-24T16:03</c:v>
+                </c:pt>
+                <c:pt idx="113">
+                  <c:v>2025-04-24T21:24</c:v>
+                </c:pt>
+                <c:pt idx="114">
+                  <c:v>2025-04-25T05:09</c:v>
+                </c:pt>
+                <c:pt idx="115">
+                  <c:v>2025-04-25T05:16</c:v>
+                </c:pt>
+                <c:pt idx="116">
+                  <c:v>2025-04-25T06:24</c:v>
+                </c:pt>
+                <c:pt idx="117">
+                  <c:v>2025-04-25T07:57</c:v>
+                </c:pt>
+                <c:pt idx="118">
+                  <c:v>2025-04-25T13:52</c:v>
+                </c:pt>
+                <c:pt idx="119">
+                  <c:v>2025-04-25T14:00</c:v>
+                </c:pt>
+                <c:pt idx="120">
+                  <c:v>2025-04-25T14:22</c:v>
+                </c:pt>
+                <c:pt idx="121">
+                  <c:v>2025-04-28T09:51</c:v>
+                </c:pt>
+                <c:pt idx="122">
+                  <c:v>2025-04-29T05:05</c:v>
+                </c:pt>
+                <c:pt idx="123">
+                  <c:v>2025-04-29T05:33</c:v>
+                </c:pt>
+                <c:pt idx="124">
+                  <c:v>2025-04-29T05:53</c:v>
+                </c:pt>
+              </c:strCache>
+            </c:strRef>
+          </c:cat>
+          <c:val>
+            <c:numRef>
+              <c:f>Sheet1!$C$2:$C$126</c:f>
+              <c:numCache>
+                <c:formatCode>General</c:formatCode>
+                <c:ptCount val="125"/>
+                <c:pt idx="0">
+                  <c:v>1</c:v>
+                </c:pt>
+                <c:pt idx="1">
+                  <c:v>1</c:v>
+                </c:pt>
+                <c:pt idx="2">
+                  <c:v>0</c:v>
+                </c:pt>
+                <c:pt idx="3">
+                  <c:v>1</c:v>
+                </c:pt>
+                <c:pt idx="4">
+                  <c:v>1</c:v>
+                </c:pt>
+                <c:pt idx="5">
+                  <c:v>1</c:v>
+                </c:pt>
+                <c:pt idx="6">
+                  <c:v>0</c:v>
+                </c:pt>
+                <c:pt idx="7">
+                  <c:v>1</c:v>
+                </c:pt>
+                <c:pt idx="8">
+                  <c:v>1</c:v>
+                </c:pt>
+                <c:pt idx="9">
+                  <c:v>0</c:v>
+                </c:pt>
+                <c:pt idx="10">
+                  <c:v>1</c:v>
+                </c:pt>
+                <c:pt idx="11">
+                  <c:v>0</c:v>
+                </c:pt>
+                <c:pt idx="12">
+                  <c:v>0</c:v>
+                </c:pt>
+                <c:pt idx="13">
+                  <c:v>0</c:v>
+                </c:pt>
+                <c:pt idx="14">
+                  <c:v>0</c:v>
+                </c:pt>
+                <c:pt idx="15">
+                  <c:v>0</c:v>
+                </c:pt>
+                <c:pt idx="16">
+                  <c:v>0</c:v>
+                </c:pt>
+                <c:pt idx="17">
+                  <c:v>0</c:v>
+                </c:pt>
+                <c:pt idx="18">
+                  <c:v>0</c:v>
+                </c:pt>
+                <c:pt idx="19">
+                  <c:v>0</c:v>
+                </c:pt>
+                <c:pt idx="20">
+                  <c:v>0</c:v>
+                </c:pt>
+                <c:pt idx="21">
+                  <c:v>0</c:v>
+                </c:pt>
+                <c:pt idx="22">
+                  <c:v>0</c:v>
+                </c:pt>
+                <c:pt idx="23">
+                  <c:v>1</c:v>
+                </c:pt>
+                <c:pt idx="24">
+                  <c:v>0</c:v>
+                </c:pt>
+                <c:pt idx="25">
+                  <c:v>1</c:v>
+                </c:pt>
+                <c:pt idx="26">
+                  <c:v>0</c:v>
+                </c:pt>
+                <c:pt idx="27">
+                  <c:v>0</c:v>
+                </c:pt>
+                <c:pt idx="28">
+                  <c:v>1</c:v>
+                </c:pt>
+                <c:pt idx="29">
+                  <c:v>0</c:v>
+                </c:pt>
+                <c:pt idx="30">
+                  <c:v>0</c:v>
+                </c:pt>
+                <c:pt idx="31">
+                  <c:v>0</c:v>
+                </c:pt>
+                <c:pt idx="32">
+                  <c:v>1</c:v>
+                </c:pt>
+                <c:pt idx="33">
+                  <c:v>1</c:v>
+                </c:pt>
+                <c:pt idx="34">
+                  <c:v>0</c:v>
+                </c:pt>
+                <c:pt idx="35">
+                  <c:v>0</c:v>
+                </c:pt>
+                <c:pt idx="36">
+                  <c:v>0</c:v>
+                </c:pt>
+                <c:pt idx="37">
+                  <c:v>0</c:v>
+                </c:pt>
+                <c:pt idx="38">
+                  <c:v>0</c:v>
+                </c:pt>
+                <c:pt idx="39">
+                  <c:v>0</c:v>
+                </c:pt>
+                <c:pt idx="40">
+                  <c:v>0</c:v>
+                </c:pt>
+                <c:pt idx="41">
+                  <c:v>0</c:v>
+                </c:pt>
+                <c:pt idx="42">
+                  <c:v>0</c:v>
+                </c:pt>
+                <c:pt idx="43">
+                  <c:v>0</c:v>
+                </c:pt>
+                <c:pt idx="44">
+                  <c:v>0</c:v>
+                </c:pt>
+                <c:pt idx="45">
+                  <c:v>1</c:v>
+                </c:pt>
+                <c:pt idx="46">
+                  <c:v>1</c:v>
+                </c:pt>
+                <c:pt idx="47">
+                  <c:v>0</c:v>
+                </c:pt>
+                <c:pt idx="48">
+                  <c:v>0</c:v>
+                </c:pt>
+                <c:pt idx="49">
+                  <c:v>0</c:v>
+                </c:pt>
+                <c:pt idx="50">
+                  <c:v>0</c:v>
+                </c:pt>
+                <c:pt idx="51">
+                  <c:v>0</c:v>
+                </c:pt>
+                <c:pt idx="52">
+                  <c:v>0</c:v>
+                </c:pt>
+                <c:pt idx="53">
+                  <c:v>0</c:v>
+                </c:pt>
+                <c:pt idx="54">
+                  <c:v>0</c:v>
+                </c:pt>
+                <c:pt idx="55">
+                  <c:v>0</c:v>
+                </c:pt>
+                <c:pt idx="56">
+                  <c:v>0</c:v>
+                </c:pt>
+                <c:pt idx="57">
+                  <c:v>0</c:v>
+                </c:pt>
+                <c:pt idx="58">
+                  <c:v>0</c:v>
+                </c:pt>
+                <c:pt idx="59">
+                  <c:v>0</c:v>
+                </c:pt>
+                <c:pt idx="60">
+                  <c:v>1</c:v>
+                </c:pt>
+                <c:pt idx="61">
+                  <c:v>0</c:v>
+                </c:pt>
+                <c:pt idx="62">
+                  <c:v>0</c:v>
+                </c:pt>
+                <c:pt idx="63">
+                  <c:v>0</c:v>
+                </c:pt>
+                <c:pt idx="64">
+                  <c:v>0</c:v>
+                </c:pt>
+                <c:pt idx="65">
+                  <c:v>0</c:v>
+                </c:pt>
+                <c:pt idx="66">
+                  <c:v>0</c:v>
+                </c:pt>
+                <c:pt idx="67">
+                  <c:v>0</c:v>
+                </c:pt>
+                <c:pt idx="68">
+                  <c:v>0</c:v>
+                </c:pt>
+                <c:pt idx="69">
+                  <c:v>0</c:v>
+                </c:pt>
+                <c:pt idx="70">
+                  <c:v>0</c:v>
+                </c:pt>
+                <c:pt idx="71">
+                  <c:v>0</c:v>
+                </c:pt>
+                <c:pt idx="72">
+                  <c:v>0</c:v>
+                </c:pt>
+                <c:pt idx="73">
+                  <c:v>0</c:v>
+                </c:pt>
+                <c:pt idx="74">
+                  <c:v>0</c:v>
+                </c:pt>
+                <c:pt idx="75">
+                  <c:v>0</c:v>
+                </c:pt>
+                <c:pt idx="76">
+                  <c:v>0</c:v>
+                </c:pt>
+                <c:pt idx="77">
+                  <c:v>0</c:v>
+                </c:pt>
+                <c:pt idx="78">
+                  <c:v>0</c:v>
+                </c:pt>
+                <c:pt idx="79">
+                  <c:v>1</c:v>
+                </c:pt>
+                <c:pt idx="80">
+                  <c:v>0</c:v>
+                </c:pt>
+                <c:pt idx="81">
+                  <c:v>0</c:v>
+                </c:pt>
+                <c:pt idx="82">
+                  <c:v>0</c:v>
+                </c:pt>
+                <c:pt idx="83">
+                  <c:v>0</c:v>
+                </c:pt>
+                <c:pt idx="84">
+                  <c:v>0</c:v>
+                </c:pt>
+                <c:pt idx="85">
+                  <c:v>1</c:v>
+                </c:pt>
+                <c:pt idx="86">
+                  <c:v>0</c:v>
+                </c:pt>
+                <c:pt idx="87">
+                  <c:v>0</c:v>
+                </c:pt>
+                <c:pt idx="88">
+                  <c:v>0</c:v>
+                </c:pt>
+                <c:pt idx="89">
+                  <c:v>0</c:v>
+                </c:pt>
+                <c:pt idx="90">
+                  <c:v>0</c:v>
+                </c:pt>
+                <c:pt idx="91">
+                  <c:v>0</c:v>
+                </c:pt>
+                <c:pt idx="92">
+                  <c:v>0</c:v>
+                </c:pt>
+                <c:pt idx="93">
+                  <c:v>0</c:v>
+                </c:pt>
+                <c:pt idx="94">
+                  <c:v>0</c:v>
+                </c:pt>
+                <c:pt idx="95">
+                  <c:v>0</c:v>
+                </c:pt>
+                <c:pt idx="96">
+                  <c:v>0</c:v>
+                </c:pt>
+                <c:pt idx="97">
+                  <c:v>0</c:v>
+                </c:pt>
+                <c:pt idx="98">
+                  <c:v>0</c:v>
+                </c:pt>
+                <c:pt idx="99">
+                  <c:v>0</c:v>
+                </c:pt>
+                <c:pt idx="100">
+                  <c:v>0</c:v>
+                </c:pt>
+                <c:pt idx="101">
+                  <c:v>0</c:v>
+                </c:pt>
+                <c:pt idx="102">
+                  <c:v>0</c:v>
+                </c:pt>
+                <c:pt idx="103">
+                  <c:v>0</c:v>
+                </c:pt>
+                <c:pt idx="104">
+                  <c:v>0</c:v>
+                </c:pt>
+                <c:pt idx="105">
+                  <c:v>0</c:v>
+                </c:pt>
+                <c:pt idx="106">
+                  <c:v>0</c:v>
+                </c:pt>
+                <c:pt idx="107">
+                  <c:v>0</c:v>
+                </c:pt>
+                <c:pt idx="108">
+                  <c:v>0</c:v>
+                </c:pt>
+                <c:pt idx="109">
+                  <c:v>0</c:v>
+                </c:pt>
+                <c:pt idx="110">
+                  <c:v>0</c:v>
+                </c:pt>
+                <c:pt idx="111">
+                  <c:v>0</c:v>
+                </c:pt>
+                <c:pt idx="112">
+                  <c:v>0</c:v>
+                </c:pt>
+                <c:pt idx="113">
+                  <c:v>0</c:v>
+                </c:pt>
+                <c:pt idx="114">
+                  <c:v>0</c:v>
+                </c:pt>
+                <c:pt idx="115">
+                  <c:v>0</c:v>
+                </c:pt>
+                <c:pt idx="116">
+                  <c:v>0</c:v>
+                </c:pt>
+                <c:pt idx="117">
+                  <c:v>0</c:v>
+                </c:pt>
+                <c:pt idx="118">
+                  <c:v>0</c:v>
+                </c:pt>
+                <c:pt idx="119">
+                  <c:v>0</c:v>
+                </c:pt>
+                <c:pt idx="120">
+                  <c:v>0</c:v>
+                </c:pt>
+                <c:pt idx="121">
+                  <c:v>0</c:v>
+                </c:pt>
+                <c:pt idx="122">
+                  <c:v>1</c:v>
+                </c:pt>
+                <c:pt idx="123">
+                  <c:v>1</c:v>
+                </c:pt>
+                <c:pt idx="124">
+                  <c:v>1</c:v>
+                </c:pt>
+              </c:numCache>
+            </c:numRef>
+          </c:val>
+          <c:smooth val="0"/>
+        </c:ser>
+        <c:ser>
+          <c:idx val="2"/>
+          <c:order val="2"/>
+          <c:tx>
+            <c:strRef>
+              <c:f>Sheet1!$D$1</c:f>
+              <c:strCache>
+                <c:ptCount val="1"/>
+                <c:pt idx="0">
+                  <c:v>Negative</c:v>
+                </c:pt>
+              </c:strCache>
+            </c:strRef>
+          </c:tx>
+          <c:spPr>
+            <a:ln w="31750"/>
+          </c:spPr>
+          <c:marker>
+            <c:symbol val="none"/>
+          </c:marker>
+          <c:cat>
+            <c:strRef>
+              <c:f>Sheet1!$A$2:$A$126</c:f>
+              <c:strCache>
+                <c:ptCount val="125"/>
+                <c:pt idx="0">
+                  <c:v>2025-04-02T06:45</c:v>
+                </c:pt>
+                <c:pt idx="1">
+                  <c:v>2025-04-02T07:45</c:v>
+                </c:pt>
+                <c:pt idx="2">
+                  <c:v>2025-04-02T13:53</c:v>
+                </c:pt>
+                <c:pt idx="3">
+                  <c:v>2025-04-05T06:41</c:v>
+                </c:pt>
+                <c:pt idx="4">
+                  <c:v>2025-04-05T07:50</c:v>
+                </c:pt>
+                <c:pt idx="5">
+                  <c:v>2025-04-07T08:55</c:v>
+                </c:pt>
+                <c:pt idx="6">
+                  <c:v>2025-04-08T11:31</c:v>
+                </c:pt>
+                <c:pt idx="7">
+                  <c:v>2025-04-08T15:25</c:v>
+                </c:pt>
+                <c:pt idx="8">
+                  <c:v>2025-04-08T15:28</c:v>
+                </c:pt>
+                <c:pt idx="9">
+                  <c:v>2025-04-09T12:00</c:v>
+                </c:pt>
+                <c:pt idx="10">
+                  <c:v>2025-04-10T12:06</c:v>
+                </c:pt>
+                <c:pt idx="11">
+                  <c:v>2025-04-10T13:50</c:v>
+                </c:pt>
+                <c:pt idx="12">
+                  <c:v>2025-04-11T04:51</c:v>
+                </c:pt>
+                <c:pt idx="13">
+                  <c:v>2025-04-11T05:04</c:v>
+                </c:pt>
+                <c:pt idx="14">
+                  <c:v>2025-04-11T10:23</c:v>
+                </c:pt>
+                <c:pt idx="15">
+                  <c:v>2025-04-11T12:52</c:v>
+                </c:pt>
+                <c:pt idx="16">
+                  <c:v>2025-04-11T12:57</c:v>
+                </c:pt>
+                <c:pt idx="17">
+                  <c:v>2025-04-11T13:03</c:v>
+                </c:pt>
+                <c:pt idx="18">
+                  <c:v>2025-04-11T13:18</c:v>
+                </c:pt>
+                <c:pt idx="19">
+                  <c:v>2025-04-11T13:26</c:v>
+                </c:pt>
+                <c:pt idx="20">
+                  <c:v>2025-04-11T13:43</c:v>
+                </c:pt>
+                <c:pt idx="21">
+                  <c:v>2025-04-11T14:15</c:v>
+                </c:pt>
+                <c:pt idx="22">
+                  <c:v>2025-04-12T09:39</c:v>
+                </c:pt>
+                <c:pt idx="23">
+                  <c:v>2025-04-12T10:14</c:v>
+                </c:pt>
+                <c:pt idx="24">
+                  <c:v>2025-04-14T07:51</c:v>
+                </c:pt>
+                <c:pt idx="25">
+                  <c:v>2025-04-15T06:29</c:v>
+                </c:pt>
+                <c:pt idx="26">
+                  <c:v>2025-04-15T07:37</c:v>
+                </c:pt>
+                <c:pt idx="27">
+                  <c:v>2025-04-15T07:45</c:v>
+                </c:pt>
+                <c:pt idx="28">
+                  <c:v>2025-04-15T09:21</c:v>
+                </c:pt>
+                <c:pt idx="29">
+                  <c:v>2025-04-15T09:31</c:v>
+                </c:pt>
+                <c:pt idx="30">
+                  <c:v>2025-04-15T11:39</c:v>
+                </c:pt>
+                <c:pt idx="31">
+                  <c:v>2025-04-15T11:52</c:v>
+                </c:pt>
+                <c:pt idx="32">
+                  <c:v>2025-04-15T12:03</c:v>
+                </c:pt>
+                <c:pt idx="33">
+                  <c:v>2025-04-15T12:06</c:v>
+                </c:pt>
+                <c:pt idx="34">
+                  <c:v>2025-04-16T10:02</c:v>
+                </c:pt>
+                <c:pt idx="35">
+                  <c:v>2025-04-16T10:45</c:v>
+                </c:pt>
+                <c:pt idx="36">
+                  <c:v>2025-04-17T07:18</c:v>
+                </c:pt>
+                <c:pt idx="37">
+                  <c:v>2025-04-17T14:16</c:v>
+                </c:pt>
+                <c:pt idx="38">
+                  <c:v>2025-04-18T06:51</c:v>
+                </c:pt>
+                <c:pt idx="39">
+                  <c:v>2025-04-18T07:08</c:v>
+                </c:pt>
+                <c:pt idx="40">
+                  <c:v>2025-04-18T10:15</c:v>
+                </c:pt>
+                <c:pt idx="41">
+                  <c:v>2025-04-20T11:26</c:v>
+                </c:pt>
+                <c:pt idx="42">
+                  <c:v>2025-04-20T16:40</c:v>
+                </c:pt>
+                <c:pt idx="43">
+                  <c:v>2025-04-20T19:23</c:v>
+                </c:pt>
+                <c:pt idx="44">
+                  <c:v>2025-04-20T19:27</c:v>
+                </c:pt>
+                <c:pt idx="45">
+                  <c:v>2025-04-21T07:08</c:v>
+                </c:pt>
+                <c:pt idx="46">
+                  <c:v>2025-04-21T07:40</c:v>
+                </c:pt>
+                <c:pt idx="47">
+                  <c:v>2025-04-21T08:09</c:v>
+                </c:pt>
+                <c:pt idx="48">
+                  <c:v>2025-04-21T10:06</c:v>
+                </c:pt>
+                <c:pt idx="49">
+                  <c:v>2025-04-21T11:34</c:v>
+                </c:pt>
+                <c:pt idx="50">
+                  <c:v>2025-04-21T13:18</c:v>
+                </c:pt>
+                <c:pt idx="51">
+                  <c:v>2025-04-21T13:40</c:v>
+                </c:pt>
+                <c:pt idx="52">
+                  <c:v>2025-04-21T13:44</c:v>
+                </c:pt>
+                <c:pt idx="53">
+                  <c:v>2025-04-21T13:57</c:v>
+                </c:pt>
+                <c:pt idx="54">
+                  <c:v>2025-04-21T14:04</c:v>
+                </c:pt>
+                <c:pt idx="55">
+                  <c:v>2025-04-21T14:30</c:v>
+                </c:pt>
+                <c:pt idx="56">
+                  <c:v>2025-04-21T14:43</c:v>
+                </c:pt>
+                <c:pt idx="57">
+                  <c:v>2025-04-22T05:41</c:v>
+                </c:pt>
+                <c:pt idx="58">
+                  <c:v>2025-04-22T08:21</c:v>
+                </c:pt>
+                <c:pt idx="59">
+                  <c:v>2025-04-22T11:47</c:v>
+                </c:pt>
+                <c:pt idx="60">
+                  <c:v>2025-04-22T12:10</c:v>
+                </c:pt>
+                <c:pt idx="61">
+                  <c:v>2025-04-23T09:48</c:v>
+                </c:pt>
+                <c:pt idx="62">
+                  <c:v>2025-04-23T10:17</c:v>
+                </c:pt>
+                <c:pt idx="63">
+                  <c:v>2025-04-23T10:51</c:v>
+                </c:pt>
+                <c:pt idx="64">
+                  <c:v>2025-04-23T11:42</c:v>
+                </c:pt>
+                <c:pt idx="65">
+                  <c:v>2025-04-23T11:44</c:v>
+                </c:pt>
+                <c:pt idx="66">
+                  <c:v>2025-04-23T12:04</c:v>
+                </c:pt>
+                <c:pt idx="67">
+                  <c:v>2025-04-23T12:09</c:v>
+                </c:pt>
+                <c:pt idx="68">
+                  <c:v>2025-04-23T12:23</c:v>
+                </c:pt>
+                <c:pt idx="69">
+                  <c:v>2025-04-23T12:24</c:v>
+                </c:pt>
+                <c:pt idx="70">
+                  <c:v>2025-04-23T12:30</c:v>
+                </c:pt>
+                <c:pt idx="71">
+                  <c:v>2025-04-23T12:32</c:v>
+                </c:pt>
+                <c:pt idx="72">
+                  <c:v>2025-04-23T12:47</c:v>
+                </c:pt>
+                <c:pt idx="73">
+                  <c:v>2025-04-23T12:48</c:v>
+                </c:pt>
+                <c:pt idx="74">
+                  <c:v>2025-04-23T12:50</c:v>
+                </c:pt>
+                <c:pt idx="75">
+                  <c:v>2025-04-23T12:57</c:v>
+                </c:pt>
+                <c:pt idx="76">
+                  <c:v>2025-04-23T13:12</c:v>
+                </c:pt>
+                <c:pt idx="77">
+                  <c:v>2025-04-23T13:15</c:v>
+                </c:pt>
+                <c:pt idx="78">
+                  <c:v>2025-04-23T15:03</c:v>
+                </c:pt>
+                <c:pt idx="79">
+                  <c:v>2025-04-23T16:49</c:v>
+                </c:pt>
+                <c:pt idx="80">
+                  <c:v>2025-04-23T18:55</c:v>
+                </c:pt>
+                <c:pt idx="81">
+                  <c:v>2025-04-23T20:08</c:v>
+                </c:pt>
+                <c:pt idx="82">
+                  <c:v>2025-04-24T03:30</c:v>
+                </c:pt>
+                <c:pt idx="83">
+                  <c:v>2025-04-24T04:39</c:v>
+                </c:pt>
+                <c:pt idx="84">
+                  <c:v>2025-04-24T04:41</c:v>
+                </c:pt>
+                <c:pt idx="85">
+                  <c:v>2025-04-24T06:13</c:v>
+                </c:pt>
+                <c:pt idx="86">
+                  <c:v>2025-04-24T06:23</c:v>
+                </c:pt>
+                <c:pt idx="87">
+                  <c:v>2025-04-24T06:33</c:v>
+                </c:pt>
+                <c:pt idx="88">
+                  <c:v>2025-04-24T06:51</c:v>
+                </c:pt>
+                <c:pt idx="89">
+                  <c:v>2025-04-24T07:14</c:v>
+                </c:pt>
+                <c:pt idx="90">
+                  <c:v>2025-04-24T07:21</c:v>
+                </c:pt>
+                <c:pt idx="91">
+                  <c:v>2025-04-24T08:06</c:v>
+                </c:pt>
+                <c:pt idx="92">
+                  <c:v>2025-04-24T08:31</c:v>
+                </c:pt>
+                <c:pt idx="93">
+                  <c:v>2025-04-24T08:33</c:v>
+                </c:pt>
+                <c:pt idx="94">
+                  <c:v>2025-04-24T08:45</c:v>
+                </c:pt>
+                <c:pt idx="95">
+                  <c:v>2025-04-24T09:00</c:v>
+                </c:pt>
+                <c:pt idx="96">
+                  <c:v>2025-04-24T09:02</c:v>
+                </c:pt>
+                <c:pt idx="97">
+                  <c:v>2025-04-24T09:06</c:v>
+                </c:pt>
+                <c:pt idx="98">
+                  <c:v>2025-04-24T09:11</c:v>
+                </c:pt>
+                <c:pt idx="99">
+                  <c:v>2025-04-24T09:26</c:v>
+                </c:pt>
+                <c:pt idx="100">
+                  <c:v>2025-04-24T09:39</c:v>
+                </c:pt>
+                <c:pt idx="101">
+                  <c:v>2025-04-24T11:02</c:v>
+                </c:pt>
+                <c:pt idx="102">
+                  <c:v>2025-04-24T11:05</c:v>
+                </c:pt>
+                <c:pt idx="103">
+                  <c:v>2025-04-24T11:07</c:v>
+                </c:pt>
+                <c:pt idx="104">
+                  <c:v>2025-04-24T11:09</c:v>
+                </c:pt>
+                <c:pt idx="105">
+                  <c:v>2025-04-24T12:19</c:v>
+                </c:pt>
+                <c:pt idx="106">
+                  <c:v>2025-04-24T12:34</c:v>
+                </c:pt>
+                <c:pt idx="107">
+                  <c:v>2025-04-24T13:36</c:v>
+                </c:pt>
+                <c:pt idx="108">
+                  <c:v>2025-04-24T13:47</c:v>
+                </c:pt>
+                <c:pt idx="109">
+                  <c:v>2025-04-24T14:15</c:v>
+                </c:pt>
+                <c:pt idx="110">
+                  <c:v>2025-04-24T15:31</c:v>
+                </c:pt>
+                <c:pt idx="111">
+                  <c:v>2025-04-24T15:45</c:v>
+                </c:pt>
+                <c:pt idx="112">
+                  <c:v>2025-04-24T16:03</c:v>
+                </c:pt>
+                <c:pt idx="113">
+                  <c:v>2025-04-24T21:24</c:v>
+                </c:pt>
+                <c:pt idx="114">
+                  <c:v>2025-04-25T05:09</c:v>
+                </c:pt>
+                <c:pt idx="115">
+                  <c:v>2025-04-25T05:16</c:v>
+                </c:pt>
+                <c:pt idx="116">
+                  <c:v>2025-04-25T06:24</c:v>
+                </c:pt>
+                <c:pt idx="117">
+                  <c:v>2025-04-25T07:57</c:v>
+                </c:pt>
+                <c:pt idx="118">
+                  <c:v>2025-04-25T13:52</c:v>
+                </c:pt>
+                <c:pt idx="119">
+                  <c:v>2025-04-25T14:00</c:v>
+                </c:pt>
+                <c:pt idx="120">
+                  <c:v>2025-04-25T14:22</c:v>
+                </c:pt>
+                <c:pt idx="121">
+                  <c:v>2025-04-28T09:51</c:v>
+                </c:pt>
+                <c:pt idx="122">
+                  <c:v>2025-04-29T05:05</c:v>
+                </c:pt>
+                <c:pt idx="123">
+                  <c:v>2025-04-29T05:33</c:v>
+                </c:pt>
+                <c:pt idx="124">
+                  <c:v>2025-04-29T05:53</c:v>
+                </c:pt>
+              </c:strCache>
+            </c:strRef>
+          </c:cat>
+          <c:val>
+            <c:numRef>
+              <c:f>Sheet1!$D$2:$D$126</c:f>
+              <c:numCache>
+                <c:formatCode>General</c:formatCode>
+                <c:ptCount val="125"/>
+                <c:pt idx="0">
+                  <c:v>0</c:v>
+                </c:pt>
+                <c:pt idx="1">
+                  <c:v>0</c:v>
+                </c:pt>
+                <c:pt idx="2">
+                  <c:v>1</c:v>
+                </c:pt>
+                <c:pt idx="3">
+                  <c:v>0</c:v>
+                </c:pt>
+                <c:pt idx="4">
+                  <c:v>0</c:v>
+                </c:pt>
+                <c:pt idx="5">
+                  <c:v>0</c:v>
+                </c:pt>
+                <c:pt idx="6">
+                  <c:v>0</c:v>
+                </c:pt>
+                <c:pt idx="7">
+                  <c:v>0</c:v>
+                </c:pt>
+                <c:pt idx="8">
+                  <c:v>0</c:v>
+                </c:pt>
+                <c:pt idx="9">
+                  <c:v>0</c:v>
+                </c:pt>
+                <c:pt idx="10">
+                  <c:v>0</c:v>
+                </c:pt>
+                <c:pt idx="11">
+                  <c:v>0</c:v>
+                </c:pt>
+                <c:pt idx="12">
+                  <c:v>0</c:v>
+                </c:pt>
+                <c:pt idx="13">
+                  <c:v>0</c:v>
+                </c:pt>
+                <c:pt idx="14">
+                  <c:v>1</c:v>
+                </c:pt>
+                <c:pt idx="15">
+                  <c:v>0</c:v>
+                </c:pt>
+                <c:pt idx="16">
+                  <c:v>0</c:v>
+                </c:pt>
+                <c:pt idx="17">
+                  <c:v>0</c:v>
+                </c:pt>
+                <c:pt idx="18">
+                  <c:v>0</c:v>
+                </c:pt>
+                <c:pt idx="19">
+                  <c:v>0</c:v>
+                </c:pt>
+                <c:pt idx="20">
+                  <c:v>0</c:v>
+                </c:pt>
+                <c:pt idx="21">
+                  <c:v>0</c:v>
+                </c:pt>
+                <c:pt idx="22">
+                  <c:v>0</c:v>
+                </c:pt>
+                <c:pt idx="23">
+                  <c:v>0</c:v>
+                </c:pt>
+                <c:pt idx="24">
+                  <c:v>0</c:v>
+                </c:pt>
+                <c:pt idx="25">
+                  <c:v>0</c:v>
+                </c:pt>
+                <c:pt idx="26">
+                  <c:v>0</c:v>
+                </c:pt>
+                <c:pt idx="27">
+                  <c:v>1</c:v>
+                </c:pt>
+                <c:pt idx="28">
+                  <c:v>0</c:v>
+                </c:pt>
+                <c:pt idx="29">
+                  <c:v>1</c:v>
+                </c:pt>
+                <c:pt idx="30">
+                  <c:v>0</c:v>
+                </c:pt>
+                <c:pt idx="31">
+                  <c:v>0</c:v>
+                </c:pt>
+                <c:pt idx="32">
+                  <c:v>0</c:v>
+                </c:pt>
+                <c:pt idx="33">
+                  <c:v>0</c:v>
+                </c:pt>
+                <c:pt idx="34">
+                  <c:v>1</c:v>
+                </c:pt>
+                <c:pt idx="35">
+                  <c:v>0</c:v>
+                </c:pt>
+                <c:pt idx="36">
+                  <c:v>0</c:v>
+                </c:pt>
+                <c:pt idx="37">
+                  <c:v>0</c:v>
+                </c:pt>
+                <c:pt idx="38">
+                  <c:v>0</c:v>
+                </c:pt>
+                <c:pt idx="39">
+                  <c:v>1</c:v>
+                </c:pt>
+                <c:pt idx="40">
+                  <c:v>0</c:v>
+                </c:pt>
+                <c:pt idx="41">
+                  <c:v>2</c:v>
+                </c:pt>
+                <c:pt idx="42">
+                  <c:v>1</c:v>
+                </c:pt>
+                <c:pt idx="43">
+                  <c:v>1</c:v>
+                </c:pt>
+                <c:pt idx="44">
+                  <c:v>1</c:v>
+                </c:pt>
+                <c:pt idx="45">
+                  <c:v>0</c:v>
+                </c:pt>
+                <c:pt idx="46">
+                  <c:v>0</c:v>
+                </c:pt>
+                <c:pt idx="47">
+                  <c:v>1</c:v>
+                </c:pt>
+                <c:pt idx="48">
+                  <c:v>0</c:v>
+                </c:pt>
+                <c:pt idx="49">
+                  <c:v>0</c:v>
+                </c:pt>
+                <c:pt idx="50">
+                  <c:v>0</c:v>
+                </c:pt>
+                <c:pt idx="51">
+                  <c:v>0</c:v>
+                </c:pt>
+                <c:pt idx="52">
+                  <c:v>0</c:v>
+                </c:pt>
+                <c:pt idx="53">
+                  <c:v>0</c:v>
+                </c:pt>
+                <c:pt idx="54">
+                  <c:v>0</c:v>
+                </c:pt>
+                <c:pt idx="55">
+                  <c:v>0</c:v>
+                </c:pt>
+                <c:pt idx="56">
+                  <c:v>0</c:v>
+                </c:pt>
+                <c:pt idx="57">
+                  <c:v>0</c:v>
+                </c:pt>
+                <c:pt idx="58">
+                  <c:v>0</c:v>
+                </c:pt>
+                <c:pt idx="59">
+                  <c:v>0</c:v>
+                </c:pt>
+                <c:pt idx="60">
+                  <c:v>0</c:v>
+                </c:pt>
+                <c:pt idx="61">
+                  <c:v>1</c:v>
+                </c:pt>
+                <c:pt idx="62">
+                  <c:v>1</c:v>
+                </c:pt>
+                <c:pt idx="63">
+                  <c:v>1</c:v>
+                </c:pt>
+                <c:pt idx="64">
+                  <c:v>1</c:v>
+                </c:pt>
+                <c:pt idx="65">
+                  <c:v>1</c:v>
+                </c:pt>
+                <c:pt idx="66">
+                  <c:v>2</c:v>
+                </c:pt>
+                <c:pt idx="67">
+                  <c:v>1</c:v>
+                </c:pt>
+                <c:pt idx="68">
+                  <c:v>1</c:v>
+                </c:pt>
+                <c:pt idx="69">
+                  <c:v>1</c:v>
+                </c:pt>
+                <c:pt idx="70">
+                  <c:v>1</c:v>
+                </c:pt>
+                <c:pt idx="71">
+                  <c:v>2</c:v>
+                </c:pt>
+                <c:pt idx="72">
+                  <c:v>1</c:v>
+                </c:pt>
+                <c:pt idx="73">
+                  <c:v>1</c:v>
+                </c:pt>
+                <c:pt idx="74">
+                  <c:v>1</c:v>
+                </c:pt>
+                <c:pt idx="75">
+                  <c:v>1</c:v>
+                </c:pt>
+                <c:pt idx="76">
+                  <c:v>1</c:v>
+                </c:pt>
+                <c:pt idx="77">
+                  <c:v>1</c:v>
+                </c:pt>
+                <c:pt idx="78">
+                  <c:v>1</c:v>
+                </c:pt>
+                <c:pt idx="79">
+                  <c:v>0</c:v>
+                </c:pt>
+                <c:pt idx="80">
+                  <c:v>1</c:v>
+                </c:pt>
+                <c:pt idx="81">
+                  <c:v>1</c:v>
+                </c:pt>
+                <c:pt idx="82">
+                  <c:v>1</c:v>
+                </c:pt>
+                <c:pt idx="83">
+                  <c:v>1</c:v>
+                </c:pt>
+                <c:pt idx="84">
+                  <c:v>1</c:v>
+                </c:pt>
+                <c:pt idx="85">
+                  <c:v>0</c:v>
+                </c:pt>
+                <c:pt idx="86">
+                  <c:v>1</c:v>
+                </c:pt>
+                <c:pt idx="87">
+                  <c:v>1</c:v>
+                </c:pt>
+                <c:pt idx="88">
+                  <c:v>1</c:v>
+                </c:pt>
+                <c:pt idx="89">
+                  <c:v>1</c:v>
+                </c:pt>
+                <c:pt idx="90">
+                  <c:v>1</c:v>
+                </c:pt>
+                <c:pt idx="91">
+                  <c:v>1</c:v>
+                </c:pt>
+                <c:pt idx="92">
+                  <c:v>1</c:v>
+                </c:pt>
+                <c:pt idx="93">
+                  <c:v>1</c:v>
+                </c:pt>
+                <c:pt idx="94">
+                  <c:v>1</c:v>
+                </c:pt>
+                <c:pt idx="95">
+                  <c:v>1</c:v>
+                </c:pt>
+                <c:pt idx="96">
+                  <c:v>1</c:v>
+                </c:pt>
+                <c:pt idx="97">
+                  <c:v>1</c:v>
+                </c:pt>
+                <c:pt idx="98">
+                  <c:v>1</c:v>
+                </c:pt>
+                <c:pt idx="99">
+                  <c:v>1</c:v>
+                </c:pt>
+                <c:pt idx="100">
+                  <c:v>1</c:v>
+                </c:pt>
+                <c:pt idx="101">
+                  <c:v>1</c:v>
+                </c:pt>
+                <c:pt idx="102">
+                  <c:v>1</c:v>
+                </c:pt>
+                <c:pt idx="103">
+                  <c:v>2</c:v>
+                </c:pt>
+                <c:pt idx="104">
+                  <c:v>1</c:v>
+                </c:pt>
+                <c:pt idx="105">
+                  <c:v>1</c:v>
+                </c:pt>
+                <c:pt idx="106">
+                  <c:v>1</c:v>
+                </c:pt>
+                <c:pt idx="107">
+                  <c:v>2</c:v>
+                </c:pt>
+                <c:pt idx="108">
+                  <c:v>1</c:v>
+                </c:pt>
+                <c:pt idx="109">
+                  <c:v>1</c:v>
+                </c:pt>
+                <c:pt idx="110">
+                  <c:v>1</c:v>
+                </c:pt>
+                <c:pt idx="111">
+                  <c:v>1</c:v>
+                </c:pt>
+                <c:pt idx="112">
+                  <c:v>1</c:v>
+                </c:pt>
+                <c:pt idx="113">
+                  <c:v>1</c:v>
+                </c:pt>
+                <c:pt idx="114">
+                  <c:v>1</c:v>
+                </c:pt>
+                <c:pt idx="115">
+                  <c:v>1</c:v>
+                </c:pt>
+                <c:pt idx="116">
+                  <c:v>1</c:v>
+                </c:pt>
+                <c:pt idx="117">
+                  <c:v>1</c:v>
+                </c:pt>
+                <c:pt idx="118">
+                  <c:v>0</c:v>
+                </c:pt>
+                <c:pt idx="119">
+                  <c:v>0</c:v>
+                </c:pt>
+                <c:pt idx="120">
+                  <c:v>0</c:v>
+                </c:pt>
+                <c:pt idx="121">
+                  <c:v>1</c:v>
+                </c:pt>
+                <c:pt idx="122">
+                  <c:v>0</c:v>
+                </c:pt>
+                <c:pt idx="123">
+                  <c:v>0</c:v>
+                </c:pt>
+                <c:pt idx="124">
+                  <c:v>0</c:v>
+                </c:pt>
+              </c:numCache>
+            </c:numRef>
+          </c:val>
+          <c:smooth val="0"/>
+        </c:ser>
+        <c:marker val="1"/>
+        <c:smooth val="0"/>
+        <c:axId val="2118791784"/>
+        <c:axId val="2140495176"/>
+      </c:lineChart>
+      <c:catAx>
+        <c:axId val="2118791784"/>
+        <c:scaling>
+          <c:orientation val="minMax"/>
+        </c:scaling>
+        <c:delete val="0"/>
+        <c:axPos val="b"/>
+        <c:majorGridlines/>
+        <c:majorTickMark val="out"/>
+        <c:minorTickMark val="none"/>
+        <c:tickLblPos val="nextTo"/>
+        <c:txPr>
+          <a:bodyPr/>
+          <a:lstStyle/>
+          <a:p>
+            <a:pPr>
+              <a:defRPr sz="1000"/>
+            </a:pPr>
+          </a:p>
+        </c:txPr>
+        <c:crossAx val="2140495176"/>
+        <c:crosses val="autoZero"/>
+        <c:auto val="1"/>
+        <c:lblAlgn val="ctr"/>
+        <c:lblOffset val="100"/>
+        <c:noMultiLvlLbl val="0"/>
+      </c:catAx>
+      <c:valAx>
+        <c:axId val="2140495176"/>
+        <c:scaling/>
+        <c:delete val="0"/>
+        <c:axPos val="l"/>
+        <c:majorGridlines/>
+        <c:majorTickMark val="out"/>
+        <c:minorTickMark val="none"/>
+        <c:tickLblPos val="nextTo"/>
+        <c:txPr>
+          <a:bodyPr/>
+          <a:lstStyle/>
+          <a:p>
+            <a:pPr>
+              <a:defRPr sz="1000"/>
+            </a:pPr>
+          </a:p>
+        </c:txPr>
+        <c:crossAx val="2118791784"/>
+        <c:crosses val="autoZero"/>
+      </c:valAx>
+    </c:plotArea>
+    <c:legend>
+      <c:legendPos val="b"/>
+      <c:layout/>
+      <c:overlay val="0"/>
+    </c:legend>
+    <c:plotVisOnly val="1"/>
+    <c:dispBlanksAs val="gap"/>
+    <c:showDLblsOverMax val="0"/>
+  </c:chart>
+  <c:txPr>
+    <a:bodyPr/>
+    <a:lstStyle/>
+    <a:p>
+      <a:pPr>
+        <a:defRPr sz="1800"/>
+      </a:pPr>
+      <a:endParaRPr lang="en-US"/>
+    </a:p>
+  </c:txPr>
+  <c:externalData r:id="rId1">
+    <c:autoUpdate val="0"/>
+  </c:externalData>
+</c:chartSpace>
+</file>
+
+<file path=ppt/charts/chart2.xml><?xml version="1.0" encoding="utf-8"?>
+<c:chartSpace xmlns:c="http://schemas.openxmlformats.org/drawingml/2006/chart" xmlns:a="http://schemas.openxmlformats.org/drawingml/2006/main" xmlns:r="http://schemas.openxmlformats.org/officeDocument/2006/relationships">
+  <c:date1904 val="0"/>
+  <c:roundedCorners val="0"/>
+  <c:chart>
+    <c:autoTitleDeleted val="0"/>
+    <c:plotArea>
+      <c:layout/>
+      <c:doughnutChart>
+        <c:varyColors val="1"/>
+        <c:ser>
+          <c:idx val="0"/>
+          <c:order val="0"/>
+          <c:tx>
+            <c:strRef>
+              <c:f>Sheet1!$B$1</c:f>
+              <c:strCache>
+                <c:ptCount val="1"/>
+                <c:pt idx="0">
+                  <c:v>Sentiment Distribution</c:v>
+                </c:pt>
+              </c:strCache>
+            </c:strRef>
+          </c:tx>
+          <c:spPr>
+            <a:ln w="31750"/>
+          </c:spPr>
+          <c:cat>
+            <c:strRef>
+              <c:f>Sheet1!$A$2:$A$4</c:f>
+              <c:strCache>
+                <c:ptCount val="3"/>
+                <c:pt idx="0">
+                  <c:v>Positive</c:v>
+                </c:pt>
+                <c:pt idx="1">
+                  <c:v>Neutral</c:v>
+                </c:pt>
+                <c:pt idx="2">
+                  <c:v>Negative</c:v>
+                </c:pt>
+              </c:strCache>
+            </c:strRef>
+          </c:cat>
+          <c:val>
+            <c:numRef>
+              <c:f>Sheet1!$B$2:$B$4</c:f>
+              <c:numCache>
+                <c:formatCode>General</c:formatCode>
+                <c:ptCount val="3"/>
+                <c:pt idx="0">
+                  <c:v>2224</c:v>
+                </c:pt>
+                <c:pt idx="1">
+                  <c:v>2199</c:v>
+                </c:pt>
+                <c:pt idx="2">
+                  <c:v>470</c:v>
+                </c:pt>
+              </c:numCache>
+            </c:numRef>
+          </c:val>
+        </c:ser>
+        <c:dLbls>
+          <c:showLegendKey val="0"/>
+          <c:showVal val="0"/>
+          <c:showCatName val="0"/>
+          <c:showSerName val="0"/>
+          <c:showPercent val="0"/>
+          <c:showBubbleSize val="0"/>
+          <c:showLeaderLines val="1"/>
+        </c:dLbls>
+        <c:firstSliceAng val="0"/>
+        <c:holeSize val="50"/>
+      </c:doughnutChart>
+    </c:plotArea>
+    <c:legend>
+      <c:legendPos val="b"/>
+      <c:layout/>
+      <c:overlay val="0"/>
+    </c:legend>
+    <c:plotVisOnly val="1"/>
+    <c:dispBlanksAs val="gap"/>
+    <c:showDLblsOverMax val="0"/>
+  </c:chart>
+  <c:txPr>
+    <a:bodyPr/>
+    <a:lstStyle/>
+    <a:p>
+      <a:pPr>
+        <a:defRPr sz="1800"/>
+      </a:pPr>
+      <a:endParaRPr/>
+    </a:p>
+  </c:txPr>
+  <c:externalData r:id="rId1">
+    <c:autoUpdate val="0"/>
+  </c:externalData>
+</c:chartSpace>
+</file>
+
+<file path=ppt/charts/chart3.xml><?xml version="1.0" encoding="utf-8"?>
+<c:chartSpace xmlns:c="http://schemas.openxmlformats.org/drawingml/2006/chart" xmlns:a="http://schemas.openxmlformats.org/drawingml/2006/main" xmlns:r="http://schemas.openxmlformats.org/officeDocument/2006/relationships">
+  <c:date1904 val="0"/>
+  <c:chart>
+    <c:autoTitleDeleted val="0"/>
+    <c:plotArea>
       <c:barChart>
-        <c:barDir val="col"/>
+        <c:barDir val="bar"/>
         <c:grouping val="clustered"/>
         <c:ser>
           <c:idx val="0"/>
@@ -125,42 +2683,475 @@
               <c:strCache>
                 <c:ptCount val="1"/>
                 <c:pt idx="0">
-                  <c:v>Values</c:v>
+                  <c:v>Positive</c:v>
                 </c:pt>
               </c:strCache>
             </c:strRef>
           </c:tx>
+          <c:spPr>
+            <a:ln w="31750"/>
+          </c:spPr>
           <c:cat>
             <c:strRef>
-              <c:f>Sheet1!$A$2:$A$4</c:f>
+              <c:f>Sheet1!$A$2:$A$22</c:f>
               <c:strCache>
-                <c:ptCount val="3"/>
+                <c:ptCount val="21"/>
                 <c:pt idx="0">
-                  <c:v>A</c:v>
+                  <c:v>ABB Bank</c:v>
                 </c:pt>
                 <c:pt idx="1">
-                  <c:v>B</c:v>
+                  <c:v>AFB Bank</c:v>
                 </c:pt>
                 <c:pt idx="2">
-                  <c:v>C</c:v>
+                  <c:v>AccessBank</c:v>
+                </c:pt>
+                <c:pt idx="3">
+                  <c:v>Azər Türk Bank</c:v>
+                </c:pt>
+                <c:pt idx="4">
+                  <c:v>Azərbaycan Sənaye Bankı</c:v>
+                </c:pt>
+                <c:pt idx="5">
+                  <c:v>BTB Bank</c:v>
+                </c:pt>
+                <c:pt idx="6">
+                  <c:v>Bank Avrasiya</c:v>
+                </c:pt>
+                <c:pt idx="7">
+                  <c:v>Bank Of Baku</c:v>
+                </c:pt>
+                <c:pt idx="8">
+                  <c:v>Bank Respublika</c:v>
+                </c:pt>
+                <c:pt idx="9">
+                  <c:v>Express Bank</c:v>
+                </c:pt>
+                <c:pt idx="10">
+                  <c:v>Kapital Bank</c:v>
+                </c:pt>
+                <c:pt idx="11">
+                  <c:v>Leobank</c:v>
+                </c:pt>
+                <c:pt idx="12">
+                  <c:v>Paşa Bank</c:v>
+                </c:pt>
+                <c:pt idx="13">
+                  <c:v>Rabita Bank</c:v>
+                </c:pt>
+                <c:pt idx="14">
+                  <c:v>Turan Bank</c:v>
+                </c:pt>
+                <c:pt idx="15">
+                  <c:v>Unibank</c:v>
+                </c:pt>
+                <c:pt idx="16">
+                  <c:v>VTB Bank</c:v>
+                </c:pt>
+                <c:pt idx="17">
+                  <c:v>Xalq Bank</c:v>
+                </c:pt>
+                <c:pt idx="18">
+                  <c:v>Yapı Kredi Bank</c:v>
+                </c:pt>
+                <c:pt idx="19">
+                  <c:v>Yelo Bank</c:v>
+                </c:pt>
+                <c:pt idx="20">
+                  <c:v>Ziraat Bank</c:v>
                 </c:pt>
               </c:strCache>
             </c:strRef>
           </c:cat>
           <c:val>
             <c:numRef>
-              <c:f>Sheet1!$B$2:$B$4</c:f>
+              <c:f>Sheet1!$B$2:$B$22</c:f>
               <c:numCache>
                 <c:formatCode>General</c:formatCode>
-                <c:ptCount val="3"/>
+                <c:ptCount val="21"/>
                 <c:pt idx="0">
+                  <c:v>275</c:v>
+                </c:pt>
+                <c:pt idx="1">
+                  <c:v>4</c:v>
+                </c:pt>
+                <c:pt idx="2">
+                  <c:v>107</c:v>
+                </c:pt>
+                <c:pt idx="3">
+                  <c:v>55</c:v>
+                </c:pt>
+                <c:pt idx="4">
+                  <c:v>23</c:v>
+                </c:pt>
+                <c:pt idx="5">
+                  <c:v>40</c:v>
+                </c:pt>
+                <c:pt idx="6">
+                  <c:v>22</c:v>
+                </c:pt>
+                <c:pt idx="7">
+                  <c:v>62</c:v>
+                </c:pt>
+                <c:pt idx="8">
+                  <c:v>83</c:v>
+                </c:pt>
+                <c:pt idx="9">
+                  <c:v>132</c:v>
+                </c:pt>
+                <c:pt idx="10">
+                  <c:v>635</c:v>
+                </c:pt>
+                <c:pt idx="11">
+                  <c:v>0</c:v>
+                </c:pt>
+                <c:pt idx="12">
+                  <c:v>90</c:v>
+                </c:pt>
+                <c:pt idx="13">
+                  <c:v>44</c:v>
+                </c:pt>
+                <c:pt idx="14">
+                  <c:v>119</c:v>
+                </c:pt>
+                <c:pt idx="15">
+                  <c:v>116</c:v>
+                </c:pt>
+                <c:pt idx="16">
+                  <c:v>53</c:v>
+                </c:pt>
+                <c:pt idx="17">
+                  <c:v>58</c:v>
+                </c:pt>
+                <c:pt idx="18">
+                  <c:v>7</c:v>
+                </c:pt>
+                <c:pt idx="19">
+                  <c:v>224</c:v>
+                </c:pt>
+                <c:pt idx="20">
+                  <c:v>75</c:v>
+                </c:pt>
+              </c:numCache>
+            </c:numRef>
+          </c:val>
+        </c:ser>
+        <c:ser>
+          <c:idx val="1"/>
+          <c:order val="1"/>
+          <c:tx>
+            <c:strRef>
+              <c:f>Sheet1!$C$1</c:f>
+              <c:strCache>
+                <c:ptCount val="1"/>
+                <c:pt idx="0">
+                  <c:v>Neutral</c:v>
+                </c:pt>
+              </c:strCache>
+            </c:strRef>
+          </c:tx>
+          <c:spPr>
+            <a:ln w="31750"/>
+          </c:spPr>
+          <c:cat>
+            <c:strRef>
+              <c:f>Sheet1!$A$2:$A$22</c:f>
+              <c:strCache>
+                <c:ptCount val="21"/>
+                <c:pt idx="0">
+                  <c:v>ABB Bank</c:v>
+                </c:pt>
+                <c:pt idx="1">
+                  <c:v>AFB Bank</c:v>
+                </c:pt>
+                <c:pt idx="2">
+                  <c:v>AccessBank</c:v>
+                </c:pt>
+                <c:pt idx="3">
+                  <c:v>Azər Türk Bank</c:v>
+                </c:pt>
+                <c:pt idx="4">
+                  <c:v>Azərbaycan Sənaye Bankı</c:v>
+                </c:pt>
+                <c:pt idx="5">
+                  <c:v>BTB Bank</c:v>
+                </c:pt>
+                <c:pt idx="6">
+                  <c:v>Bank Avrasiya</c:v>
+                </c:pt>
+                <c:pt idx="7">
+                  <c:v>Bank Of Baku</c:v>
+                </c:pt>
+                <c:pt idx="8">
+                  <c:v>Bank Respublika</c:v>
+                </c:pt>
+                <c:pt idx="9">
+                  <c:v>Express Bank</c:v>
+                </c:pt>
+                <c:pt idx="10">
+                  <c:v>Kapital Bank</c:v>
+                </c:pt>
+                <c:pt idx="11">
+                  <c:v>Leobank</c:v>
+                </c:pt>
+                <c:pt idx="12">
+                  <c:v>Paşa Bank</c:v>
+                </c:pt>
+                <c:pt idx="13">
+                  <c:v>Rabita Bank</c:v>
+                </c:pt>
+                <c:pt idx="14">
+                  <c:v>Turan Bank</c:v>
+                </c:pt>
+                <c:pt idx="15">
+                  <c:v>Unibank</c:v>
+                </c:pt>
+                <c:pt idx="16">
+                  <c:v>VTB Bank</c:v>
+                </c:pt>
+                <c:pt idx="17">
+                  <c:v>Xalq Bank</c:v>
+                </c:pt>
+                <c:pt idx="18">
+                  <c:v>Yapı Kredi Bank</c:v>
+                </c:pt>
+                <c:pt idx="19">
+                  <c:v>Yelo Bank</c:v>
+                </c:pt>
+                <c:pt idx="20">
+                  <c:v>Ziraat Bank</c:v>
+                </c:pt>
+              </c:strCache>
+            </c:strRef>
+          </c:cat>
+          <c:val>
+            <c:numRef>
+              <c:f>Sheet1!$C$2:$C$22</c:f>
+              <c:numCache>
+                <c:formatCode>General</c:formatCode>
+                <c:ptCount val="21"/>
+                <c:pt idx="0">
+                  <c:v>263</c:v>
+                </c:pt>
+                <c:pt idx="1">
+                  <c:v>18</c:v>
+                </c:pt>
+                <c:pt idx="2">
+                  <c:v>173</c:v>
+                </c:pt>
+                <c:pt idx="3">
+                  <c:v>34</c:v>
+                </c:pt>
+                <c:pt idx="4">
+                  <c:v>18</c:v>
+                </c:pt>
+                <c:pt idx="5">
+                  <c:v>21</c:v>
+                </c:pt>
+                <c:pt idx="6">
+                  <c:v>21</c:v>
+                </c:pt>
+                <c:pt idx="7">
+                  <c:v>75</c:v>
+                </c:pt>
+                <c:pt idx="8">
+                  <c:v>180</c:v>
+                </c:pt>
+                <c:pt idx="9">
+                  <c:v>40</c:v>
+                </c:pt>
+                <c:pt idx="10">
+                  <c:v>358</c:v>
+                </c:pt>
+                <c:pt idx="11">
+                  <c:v>56</c:v>
+                </c:pt>
+                <c:pt idx="12">
+                  <c:v>189</c:v>
+                </c:pt>
+                <c:pt idx="13">
+                  <c:v>54</c:v>
+                </c:pt>
+                <c:pt idx="14">
+                  <c:v>50</c:v>
+                </c:pt>
+                <c:pt idx="15">
+                  <c:v>160</c:v>
+                </c:pt>
+                <c:pt idx="16">
+                  <c:v>26</c:v>
+                </c:pt>
+                <c:pt idx="17">
+                  <c:v>44</c:v>
+                </c:pt>
+                <c:pt idx="18">
+                  <c:v>3</c:v>
+                </c:pt>
+                <c:pt idx="19">
+                  <c:v>283</c:v>
+                </c:pt>
+                <c:pt idx="20">
+                  <c:v>133</c:v>
+                </c:pt>
+              </c:numCache>
+            </c:numRef>
+          </c:val>
+        </c:ser>
+        <c:ser>
+          <c:idx val="2"/>
+          <c:order val="2"/>
+          <c:tx>
+            <c:strRef>
+              <c:f>Sheet1!$D$1</c:f>
+              <c:strCache>
+                <c:ptCount val="1"/>
+                <c:pt idx="0">
+                  <c:v>Negative</c:v>
+                </c:pt>
+              </c:strCache>
+            </c:strRef>
+          </c:tx>
+          <c:spPr>
+            <a:ln w="31750"/>
+          </c:spPr>
+          <c:cat>
+            <c:strRef>
+              <c:f>Sheet1!$A$2:$A$22</c:f>
+              <c:strCache>
+                <c:ptCount val="21"/>
+                <c:pt idx="0">
+                  <c:v>ABB Bank</c:v>
+                </c:pt>
+                <c:pt idx="1">
+                  <c:v>AFB Bank</c:v>
+                </c:pt>
+                <c:pt idx="2">
+                  <c:v>AccessBank</c:v>
+                </c:pt>
+                <c:pt idx="3">
+                  <c:v>Azər Türk Bank</c:v>
+                </c:pt>
+                <c:pt idx="4">
+                  <c:v>Azərbaycan Sənaye Bankı</c:v>
+                </c:pt>
+                <c:pt idx="5">
+                  <c:v>BTB Bank</c:v>
+                </c:pt>
+                <c:pt idx="6">
+                  <c:v>Bank Avrasiya</c:v>
+                </c:pt>
+                <c:pt idx="7">
+                  <c:v>Bank Of Baku</c:v>
+                </c:pt>
+                <c:pt idx="8">
+                  <c:v>Bank Respublika</c:v>
+                </c:pt>
+                <c:pt idx="9">
+                  <c:v>Express Bank</c:v>
+                </c:pt>
+                <c:pt idx="10">
+                  <c:v>Kapital Bank</c:v>
+                </c:pt>
+                <c:pt idx="11">
+                  <c:v>Leobank</c:v>
+                </c:pt>
+                <c:pt idx="12">
+                  <c:v>Paşa Bank</c:v>
+                </c:pt>
+                <c:pt idx="13">
+                  <c:v>Rabita Bank</c:v>
+                </c:pt>
+                <c:pt idx="14">
+                  <c:v>Turan Bank</c:v>
+                </c:pt>
+                <c:pt idx="15">
+                  <c:v>Unibank</c:v>
+                </c:pt>
+                <c:pt idx="16">
+                  <c:v>VTB Bank</c:v>
+                </c:pt>
+                <c:pt idx="17">
+                  <c:v>Xalq Bank</c:v>
+                </c:pt>
+                <c:pt idx="18">
+                  <c:v>Yapı Kredi Bank</c:v>
+                </c:pt>
+                <c:pt idx="19">
+                  <c:v>Yelo Bank</c:v>
+                </c:pt>
+                <c:pt idx="20">
+                  <c:v>Ziraat Bank</c:v>
+                </c:pt>
+              </c:strCache>
+            </c:strRef>
+          </c:cat>
+          <c:val>
+            <c:numRef>
+              <c:f>Sheet1!$D$2:$D$22</c:f>
+              <c:numCache>
+                <c:formatCode>General</c:formatCode>
+                <c:ptCount val="21"/>
+                <c:pt idx="0">
+                  <c:v>33</c:v>
+                </c:pt>
+                <c:pt idx="1">
+                  <c:v>2</c:v>
+                </c:pt>
+                <c:pt idx="2">
+                  <c:v>12</c:v>
+                </c:pt>
+                <c:pt idx="3">
                   <c:v>10</c:v>
                 </c:pt>
-                <c:pt idx="1">
-                  <c:v>30</c:v>
-                </c:pt>
-                <c:pt idx="2">
-                  <c:v>20</c:v>
+                <c:pt idx="4">
+                  <c:v>12</c:v>
+                </c:pt>
+                <c:pt idx="5">
+                  <c:v>72</c:v>
+                </c:pt>
+                <c:pt idx="6">
+                  <c:v>52</c:v>
+                </c:pt>
+                <c:pt idx="7">
+                  <c:v>9</c:v>
+                </c:pt>
+                <c:pt idx="8">
+                  <c:v>9</c:v>
+                </c:pt>
+                <c:pt idx="9">
+                  <c:v>7</c:v>
+                </c:pt>
+                <c:pt idx="10">
+                  <c:v>71</c:v>
+                </c:pt>
+                <c:pt idx="11">
+                  <c:v>2</c:v>
+                </c:pt>
+                <c:pt idx="12">
+                  <c:v>36</c:v>
+                </c:pt>
+                <c:pt idx="13">
+                  <c:v>17</c:v>
+                </c:pt>
+                <c:pt idx="14">
+                  <c:v>28</c:v>
+                </c:pt>
+                <c:pt idx="15">
+                  <c:v>34</c:v>
+                </c:pt>
+                <c:pt idx="16">
+                  <c:v>6</c:v>
+                </c:pt>
+                <c:pt idx="17">
+                  <c:v>5</c:v>
+                </c:pt>
+                <c:pt idx="18">
+                  <c:v>13</c:v>
+                </c:pt>
+                <c:pt idx="19">
+                  <c:v>26</c:v>
+                </c:pt>
+                <c:pt idx="20">
+                  <c:v>14</c:v>
                 </c:pt>
               </c:numCache>
             </c:numRef>
@@ -175,10 +3166,20 @@
           <c:orientation val="minMax"/>
         </c:scaling>
         <c:delete val="0"/>
-        <c:axPos val="b"/>
+        <c:axPos val="l"/>
+        <c:majorGridlines/>
         <c:majorTickMark val="out"/>
         <c:minorTickMark val="none"/>
         <c:tickLblPos val="nextTo"/>
+        <c:txPr>
+          <a:bodyPr/>
+          <a:lstStyle/>
+          <a:p>
+            <a:pPr>
+              <a:defRPr sz="1000"/>
+            </a:pPr>
+          </a:p>
+        </c:txPr>
         <c:crossAx val="-2113994440"/>
         <c:crosses val="autoZero"/>
         <c:auto val="1"/>
@@ -190,15 +3191,27 @@
         <c:axId val="-2113994440"/>
         <c:scaling/>
         <c:delete val="0"/>
-        <c:axPos val="l"/>
+        <c:axPos val="b"/>
         <c:majorGridlines/>
         <c:majorTickMark val="out"/>
         <c:minorTickMark val="none"/>
         <c:tickLblPos val="nextTo"/>
+        <c:txPr>
+          <a:bodyPr/>
+          <a:lstStyle/>
+          <a:p>
+            <a:pPr>
+              <a:defRPr sz="1000"/>
+            </a:pPr>
+          </a:p>
+        </c:txPr>
         <c:crossAx val="-2068027336"/>
         <c:crosses val="autoZero"/>
       </c:valAx>
     </c:plotArea>
+    <c:legend>
+      <c:legendPos val="b"/>
+    </c:legend>
     <c:dispBlanksAs val="gap"/>
   </c:chart>
   <c:txPr>
@@ -3205,6 +6218,66 @@
             <a:spLocks noGrp="1"/>
           </p:cNvSpPr>
           <p:nvPr>
+            <p:ph type="ctrTitle"/>
+          </p:nvPr>
+        </p:nvSpPr>
+        <p:spPr/>
+        <p:txBody>
+          <a:bodyPr/>
+          <a:lstStyle/>
+          <a:p>
+            <a:r>
+              <a:t>Report for BTB Bank</a:t>
+            </a:r>
+          </a:p>
+        </p:txBody>
+      </p:sp>
+      <p:sp>
+        <p:nvSpPr>
+          <p:cNvPr id="3" name="Subtitle 2"/>
+          <p:cNvSpPr>
+            <a:spLocks noGrp="1"/>
+          </p:cNvSpPr>
+          <p:nvPr>
+            <p:ph type="subTitle" idx="1"/>
+          </p:nvPr>
+        </p:nvSpPr>
+        <p:spPr/>
+        <p:txBody>
+          <a:bodyPr/>
+          <a:lstStyle/>
+          <a:p>
+            <a:r>
+              <a:t>Date: 2025-05-30</a:t>
+            </a:r>
+          </a:p>
+        </p:txBody>
+      </p:sp>
+    </p:spTree>
+  </p:cSld>
+  <p:clrMapOvr>
+    <a:masterClrMapping/>
+  </p:clrMapOvr>
+</p:sld>
+</file>
+
+<file path=ppt/slides/slide2.xml><?xml version="1.0" encoding="utf-8"?>
+<p:sld xmlns:a="http://schemas.openxmlformats.org/drawingml/2006/main" xmlns:p="http://schemas.openxmlformats.org/presentationml/2006/main" xmlns:r="http://schemas.openxmlformats.org/officeDocument/2006/relationships">
+  <p:cSld>
+    <p:spTree>
+      <p:nvGrpSpPr>
+        <p:cNvPr id="1" name=""/>
+        <p:cNvGrpSpPr/>
+        <p:nvPr/>
+      </p:nvGrpSpPr>
+      <p:grpSpPr/>
+      <p:sp>
+        <p:nvSpPr>
+          <p:cNvPr id="2" name="Title 1"/>
+          <p:cNvSpPr>
+            <a:spLocks noGrp="1"/>
+          </p:cNvSpPr>
+          <p:nvPr>
             <p:ph type="title"/>
           </p:nvPr>
         </p:nvSpPr>
@@ -3215,73 +6288,92 @@
           <a:p/>
         </p:txBody>
       </p:sp>
-      <p:pic>
-        <p:nvPicPr>
-          <p:cNvPr id="3" name="Picture 2" descr="WhatsApp Image 2025-04-17 at 5.00.14 PM.jpeg"/>
-          <p:cNvPicPr>
-            <a:picLocks noChangeAspect="1"/>
-          </p:cNvPicPr>
-          <p:nvPr/>
-        </p:nvPicPr>
-        <p:blipFill>
-          <a:blip r:embed="rId2"/>
-          <a:stretch>
-            <a:fillRect/>
-          </a:stretch>
-        </p:blipFill>
-        <p:spPr>
-          <a:xfrm>
-            <a:off x="457200" y="457200"/>
-            <a:ext cx="1371600" cy="1828800"/>
-          </a:xfrm>
-          <a:prstGeom prst="rect">
-            <a:avLst/>
-          </a:prstGeom>
-        </p:spPr>
-      </p:pic>
-      <p:sp>
-        <p:nvSpPr>
-          <p:cNvPr id="4" name="TextBox 3"/>
-          <p:cNvSpPr txBox="1"/>
-          <p:nvPr/>
-        </p:nvSpPr>
-        <p:spPr>
-          <a:xfrm>
-            <a:off x="2743200" y="457200"/>
-            <a:ext cx="4572000" cy="914400"/>
-          </a:xfrm>
-          <a:prstGeom prst="rect">
-            <a:avLst/>
-          </a:prstGeom>
-          <a:noFill/>
-        </p:spPr>
-        <p:txBody>
-          <a:bodyPr wrap="none">
-            <a:spAutoFit/>
-          </a:bodyPr>
-          <a:lstStyle/>
-          <a:p>
-            <a:r>
-              <a:t>yoyo</a:t>
-            </a:r>
-          </a:p>
-        </p:txBody>
-      </p:sp>
       <p:graphicFrame>
         <p:nvGraphicFramePr>
-          <p:cNvPr id="5" name="Chart 4"/>
+          <p:cNvPr id="3" name="Chart 2"/>
           <p:cNvGraphicFramePr>
             <a:graphicFrameLocks noGrp="1"/>
           </p:cNvGraphicFramePr>
           <p:nvPr/>
         </p:nvGraphicFramePr>
         <p:xfrm>
-          <a:off x="914400" y="2743200"/>
-          <a:ext cx="5486400" cy="2743200"/>
+          <a:off x="457200" y="914400"/>
+          <a:ext cx="4114800" cy="3657600"/>
+        </p:xfrm>
+        <a:graphic>
+          <a:graphicData uri="http://schemas.openxmlformats.org/drawingml/2006/chart">
+            <c:chart xmlns:c="http://schemas.openxmlformats.org/drawingml/2006/chart" r:id="rId2"/>
+          </a:graphicData>
+        </a:graphic>
+      </p:graphicFrame>
+      <p:graphicFrame>
+        <p:nvGraphicFramePr>
+          <p:cNvPr id="4" name="Chart 3"/>
+          <p:cNvGraphicFramePr>
+            <a:graphicFrameLocks noGrp="1"/>
+          </p:cNvGraphicFramePr>
+          <p:nvPr/>
+        </p:nvGraphicFramePr>
+        <p:xfrm>
+          <a:off x="5029200" y="914400"/>
+          <a:ext cx="4114800" cy="3657600"/>
         </p:xfrm>
         <a:graphic>
           <a:graphicData uri="http://schemas.openxmlformats.org/drawingml/2006/chart">
             <c:chart xmlns:c="http://schemas.openxmlformats.org/drawingml/2006/chart" r:id="rId3"/>
+          </a:graphicData>
+        </a:graphic>
+      </p:graphicFrame>
+    </p:spTree>
+  </p:cSld>
+  <p:clrMapOvr>
+    <a:masterClrMapping/>
+  </p:clrMapOvr>
+</p:sld>
+</file>
+
+<file path=ppt/slides/slide3.xml><?xml version="1.0" encoding="utf-8"?>
+<p:sld xmlns:a="http://schemas.openxmlformats.org/drawingml/2006/main" xmlns:p="http://schemas.openxmlformats.org/presentationml/2006/main" xmlns:r="http://schemas.openxmlformats.org/officeDocument/2006/relationships">
+  <p:cSld>
+    <p:spTree>
+      <p:nvGrpSpPr>
+        <p:cNvPr id="1" name=""/>
+        <p:cNvGrpSpPr/>
+        <p:nvPr/>
+      </p:nvGrpSpPr>
+      <p:grpSpPr/>
+      <p:sp>
+        <p:nvSpPr>
+          <p:cNvPr id="2" name="Title 1"/>
+          <p:cNvSpPr>
+            <a:spLocks noGrp="1"/>
+          </p:cNvSpPr>
+          <p:nvPr>
+            <p:ph type="title"/>
+          </p:nvPr>
+        </p:nvSpPr>
+        <p:spPr/>
+        <p:txBody>
+          <a:bodyPr/>
+          <a:lstStyle/>
+          <a:p/>
+        </p:txBody>
+      </p:sp>
+      <p:graphicFrame>
+        <p:nvGraphicFramePr>
+          <p:cNvPr id="3" name="Chart 2"/>
+          <p:cNvGraphicFramePr>
+            <a:graphicFrameLocks noGrp="1"/>
+          </p:cNvGraphicFramePr>
+          <p:nvPr/>
+        </p:nvGraphicFramePr>
+        <p:xfrm>
+          <a:off x="457200" y="914400"/>
+          <a:ext cx="8229600" cy="4572000"/>
+        </p:xfrm>
+        <a:graphic>
+          <a:graphicData uri="http://schemas.openxmlformats.org/drawingml/2006/chart">
+            <c:chart xmlns:c="http://schemas.openxmlformats.org/drawingml/2006/chart" r:id="rId2"/>
           </a:graphicData>
         </a:graphic>
       </p:graphicFrame>

--- a/backend/uploads/output.pptx
+++ b/backend/uploads/output.pptx
@@ -8,6 +8,9 @@
     <p:sldId id="256" r:id="rId7"/>
     <p:sldId id="257" r:id="rId8"/>
     <p:sldId id="258" r:id="rId9"/>
+    <p:sldId id="259" r:id="rId10"/>
+    <p:sldId id="260" r:id="rId11"/>
+    <p:sldId id="261" r:id="rId12"/>
   </p:sldIdLst>
   <p:sldSz cx="9144000" cy="6858000" type="screen4x3"/>
   <p:notesSz cx="6858000" cy="9144000"/>
@@ -112,6 +115,7 @@
 <file path=ppt/charts/chart1.xml><?xml version="1.0" encoding="utf-8"?>
 <c:chartSpace xmlns:c="http://schemas.openxmlformats.org/drawingml/2006/chart" xmlns:a="http://schemas.openxmlformats.org/drawingml/2006/main" xmlns:r="http://schemas.openxmlformats.org/officeDocument/2006/relationships">
   <c:date1904 val="0"/>
+  <c:style val="2"/>
   <c:chart>
     <c:autoTitleDeleted val="0"/>
     <c:plotArea>
@@ -133,7 +137,11 @@
             </c:strRef>
           </c:tx>
           <c:spPr>
-            <a:ln w="31750"/>
+            <a:ln w="25400">
+              <a:solidFill>
+                <a:srgbClr val="45C27E"/>
+              </a:solidFill>
+            </a:ln>
           </c:spPr>
           <c:marker>
             <c:symbol val="none"/>
@@ -922,7 +930,11 @@
             </c:strRef>
           </c:tx>
           <c:spPr>
-            <a:ln w="31750"/>
+            <a:ln w="25400">
+              <a:solidFill>
+                <a:srgbClr val="FFBF00"/>
+              </a:solidFill>
+            </a:ln>
           </c:spPr>
           <c:marker>
             <c:symbol val="none"/>
@@ -1711,7 +1723,11 @@
             </c:strRef>
           </c:tx>
           <c:spPr>
-            <a:ln w="31750"/>
+            <a:ln w="25400">
+              <a:solidFill>
+                <a:srgbClr val="F60140"/>
+              </a:solidFill>
+            </a:ln>
           </c:spPr>
           <c:marker>
             <c:symbol val="none"/>
@@ -2497,19 +2513,9 @@
         </c:scaling>
         <c:delete val="0"/>
         <c:axPos val="b"/>
-        <c:majorGridlines/>
         <c:majorTickMark val="out"/>
         <c:minorTickMark val="none"/>
         <c:tickLblPos val="nextTo"/>
-        <c:txPr>
-          <a:bodyPr/>
-          <a:lstStyle/>
-          <a:p>
-            <a:pPr>
-              <a:defRPr sz="1000"/>
-            </a:pPr>
-          </a:p>
-        </c:txPr>
         <c:crossAx val="2140495176"/>
         <c:crosses val="autoZero"/>
         <c:auto val="1"/>
@@ -2526,15 +2532,6 @@
         <c:majorTickMark val="out"/>
         <c:minorTickMark val="none"/>
         <c:tickLblPos val="nextTo"/>
-        <c:txPr>
-          <a:bodyPr/>
-          <a:lstStyle/>
-          <a:p>
-            <a:pPr>
-              <a:defRPr sz="1000"/>
-            </a:pPr>
-          </a:p>
-        </c:txPr>
         <c:crossAx val="2118791784"/>
         <c:crosses val="autoZero"/>
       </c:valAx>
@@ -2543,6 +2540,15 @@
       <c:legendPos val="b"/>
       <c:layout/>
       <c:overlay val="0"/>
+      <c:txPr>
+        <a:bodyPr/>
+        <a:lstStyle/>
+        <a:p>
+          <a:pPr>
+            <a:defRPr sz="1000"/>
+          </a:pPr>
+        </a:p>
+      </c:txPr>
     </c:legend>
     <c:plotVisOnly val="1"/>
     <c:dispBlanksAs val="gap"/>
@@ -2568,6 +2574,7 @@
 <c:chartSpace xmlns:c="http://schemas.openxmlformats.org/drawingml/2006/chart" xmlns:a="http://schemas.openxmlformats.org/drawingml/2006/main" xmlns:r="http://schemas.openxmlformats.org/officeDocument/2006/relationships">
   <c:date1904 val="0"/>
   <c:roundedCorners val="0"/>
+  <c:style val="2"/>
   <c:chart>
     <c:autoTitleDeleted val="0"/>
     <c:plotArea>
@@ -2588,9 +2595,30 @@
               </c:strCache>
             </c:strRef>
           </c:tx>
-          <c:spPr>
-            <a:ln w="31750"/>
-          </c:spPr>
+          <c:dPt>
+            <c:idx val="0"/>
+            <c:spPr>
+              <a:solidFill>
+                <a:srgbClr val="45C27E"/>
+              </a:solidFill>
+            </c:spPr>
+          </c:dPt>
+          <c:dPt>
+            <c:idx val="1"/>
+            <c:spPr>
+              <a:solidFill>
+                <a:srgbClr val="FFBF00"/>
+              </a:solidFill>
+            </c:spPr>
+          </c:dPt>
+          <c:dPt>
+            <c:idx val="2"/>
+            <c:spPr>
+              <a:solidFill>
+                <a:srgbClr val="F60140"/>
+              </a:solidFill>
+            </c:spPr>
+          </c:dPt>
           <c:cat>
             <c:strRef>
               <c:f>Sheet1!$A$2:$A$4</c:f>
@@ -2644,6 +2672,15 @@
       <c:legendPos val="b"/>
       <c:layout/>
       <c:overlay val="0"/>
+      <c:txPr>
+        <a:bodyPr/>
+        <a:lstStyle/>
+        <a:p>
+          <a:pPr>
+            <a:defRPr sz="1000"/>
+          </a:pPr>
+        </a:p>
+      </c:txPr>
     </c:legend>
     <c:plotVisOnly val="1"/>
     <c:dispBlanksAs val="gap"/>
@@ -2668,6 +2705,578 @@
 <file path=ppt/charts/chart3.xml><?xml version="1.0" encoding="utf-8"?>
 <c:chartSpace xmlns:c="http://schemas.openxmlformats.org/drawingml/2006/chart" xmlns:a="http://schemas.openxmlformats.org/drawingml/2006/main" xmlns:r="http://schemas.openxmlformats.org/officeDocument/2006/relationships">
   <c:date1904 val="0"/>
+  <c:style val="2"/>
+  <c:chart>
+    <c:autoTitleDeleted val="0"/>
+    <c:plotArea>
+      <c:barChart>
+        <c:barDir val="col"/>
+        <c:grouping val="clustered"/>
+        <c:ser>
+          <c:idx val="0"/>
+          <c:order val="0"/>
+          <c:tx>
+            <c:strRef>
+              <c:f>Sheet1!$B$1</c:f>
+              <c:strCache>
+                <c:ptCount val="1"/>
+                <c:pt idx="0">
+                  <c:v>Positive</c:v>
+                </c:pt>
+              </c:strCache>
+            </c:strRef>
+          </c:tx>
+          <c:spPr>
+            <a:solidFill>
+              <a:srgbClr val="45C27E"/>
+            </a:solidFill>
+          </c:spPr>
+          <c:cat>
+            <c:strRef>
+              <c:f>Sheet1!$A$2:$A$22</c:f>
+              <c:strCache>
+                <c:ptCount val="21"/>
+                <c:pt idx="0">
+                  <c:v>ABB Bank</c:v>
+                </c:pt>
+                <c:pt idx="1">
+                  <c:v>AFB Bank</c:v>
+                </c:pt>
+                <c:pt idx="2">
+                  <c:v>AccessBank</c:v>
+                </c:pt>
+                <c:pt idx="3">
+                  <c:v>Azər Türk Bank</c:v>
+                </c:pt>
+                <c:pt idx="4">
+                  <c:v>Azərbaycan Sənaye Bankı</c:v>
+                </c:pt>
+                <c:pt idx="5">
+                  <c:v>BTB Bank</c:v>
+                </c:pt>
+                <c:pt idx="6">
+                  <c:v>Bank Avrasiya</c:v>
+                </c:pt>
+                <c:pt idx="7">
+                  <c:v>Bank Of Baku</c:v>
+                </c:pt>
+                <c:pt idx="8">
+                  <c:v>Bank Respublika</c:v>
+                </c:pt>
+                <c:pt idx="9">
+                  <c:v>Express Bank</c:v>
+                </c:pt>
+                <c:pt idx="10">
+                  <c:v>Kapital Bank</c:v>
+                </c:pt>
+                <c:pt idx="11">
+                  <c:v>Leobank</c:v>
+                </c:pt>
+                <c:pt idx="12">
+                  <c:v>Paşa Bank</c:v>
+                </c:pt>
+                <c:pt idx="13">
+                  <c:v>Rabita Bank</c:v>
+                </c:pt>
+                <c:pt idx="14">
+                  <c:v>Turan Bank</c:v>
+                </c:pt>
+                <c:pt idx="15">
+                  <c:v>Unibank</c:v>
+                </c:pt>
+                <c:pt idx="16">
+                  <c:v>VTB Bank</c:v>
+                </c:pt>
+                <c:pt idx="17">
+                  <c:v>Xalq Bank</c:v>
+                </c:pt>
+                <c:pt idx="18">
+                  <c:v>Yapı Kredi Bank</c:v>
+                </c:pt>
+                <c:pt idx="19">
+                  <c:v>Yelo Bank</c:v>
+                </c:pt>
+                <c:pt idx="20">
+                  <c:v>Ziraat Bank</c:v>
+                </c:pt>
+              </c:strCache>
+            </c:strRef>
+          </c:cat>
+          <c:val>
+            <c:numRef>
+              <c:f>Sheet1!$B$2:$B$22</c:f>
+              <c:numCache>
+                <c:formatCode>General</c:formatCode>
+                <c:ptCount val="21"/>
+                <c:pt idx="0">
+                  <c:v>275</c:v>
+                </c:pt>
+                <c:pt idx="1">
+                  <c:v>4</c:v>
+                </c:pt>
+                <c:pt idx="2">
+                  <c:v>107</c:v>
+                </c:pt>
+                <c:pt idx="3">
+                  <c:v>55</c:v>
+                </c:pt>
+                <c:pt idx="4">
+                  <c:v>23</c:v>
+                </c:pt>
+                <c:pt idx="5">
+                  <c:v>40</c:v>
+                </c:pt>
+                <c:pt idx="6">
+                  <c:v>22</c:v>
+                </c:pt>
+                <c:pt idx="7">
+                  <c:v>62</c:v>
+                </c:pt>
+                <c:pt idx="8">
+                  <c:v>83</c:v>
+                </c:pt>
+                <c:pt idx="9">
+                  <c:v>132</c:v>
+                </c:pt>
+                <c:pt idx="10">
+                  <c:v>635</c:v>
+                </c:pt>
+                <c:pt idx="11">
+                  <c:v>0</c:v>
+                </c:pt>
+                <c:pt idx="12">
+                  <c:v>90</c:v>
+                </c:pt>
+                <c:pt idx="13">
+                  <c:v>44</c:v>
+                </c:pt>
+                <c:pt idx="14">
+                  <c:v>119</c:v>
+                </c:pt>
+                <c:pt idx="15">
+                  <c:v>116</c:v>
+                </c:pt>
+                <c:pt idx="16">
+                  <c:v>53</c:v>
+                </c:pt>
+                <c:pt idx="17">
+                  <c:v>58</c:v>
+                </c:pt>
+                <c:pt idx="18">
+                  <c:v>7</c:v>
+                </c:pt>
+                <c:pt idx="19">
+                  <c:v>224</c:v>
+                </c:pt>
+                <c:pt idx="20">
+                  <c:v>75</c:v>
+                </c:pt>
+              </c:numCache>
+            </c:numRef>
+          </c:val>
+        </c:ser>
+        <c:ser>
+          <c:idx val="1"/>
+          <c:order val="1"/>
+          <c:tx>
+            <c:strRef>
+              <c:f>Sheet1!$C$1</c:f>
+              <c:strCache>
+                <c:ptCount val="1"/>
+                <c:pt idx="0">
+                  <c:v>Neutral</c:v>
+                </c:pt>
+              </c:strCache>
+            </c:strRef>
+          </c:tx>
+          <c:spPr>
+            <a:solidFill>
+              <a:srgbClr val="FFBF00"/>
+            </a:solidFill>
+          </c:spPr>
+          <c:cat>
+            <c:strRef>
+              <c:f>Sheet1!$A$2:$A$22</c:f>
+              <c:strCache>
+                <c:ptCount val="21"/>
+                <c:pt idx="0">
+                  <c:v>ABB Bank</c:v>
+                </c:pt>
+                <c:pt idx="1">
+                  <c:v>AFB Bank</c:v>
+                </c:pt>
+                <c:pt idx="2">
+                  <c:v>AccessBank</c:v>
+                </c:pt>
+                <c:pt idx="3">
+                  <c:v>Azər Türk Bank</c:v>
+                </c:pt>
+                <c:pt idx="4">
+                  <c:v>Azərbaycan Sənaye Bankı</c:v>
+                </c:pt>
+                <c:pt idx="5">
+                  <c:v>BTB Bank</c:v>
+                </c:pt>
+                <c:pt idx="6">
+                  <c:v>Bank Avrasiya</c:v>
+                </c:pt>
+                <c:pt idx="7">
+                  <c:v>Bank Of Baku</c:v>
+                </c:pt>
+                <c:pt idx="8">
+                  <c:v>Bank Respublika</c:v>
+                </c:pt>
+                <c:pt idx="9">
+                  <c:v>Express Bank</c:v>
+                </c:pt>
+                <c:pt idx="10">
+                  <c:v>Kapital Bank</c:v>
+                </c:pt>
+                <c:pt idx="11">
+                  <c:v>Leobank</c:v>
+                </c:pt>
+                <c:pt idx="12">
+                  <c:v>Paşa Bank</c:v>
+                </c:pt>
+                <c:pt idx="13">
+                  <c:v>Rabita Bank</c:v>
+                </c:pt>
+                <c:pt idx="14">
+                  <c:v>Turan Bank</c:v>
+                </c:pt>
+                <c:pt idx="15">
+                  <c:v>Unibank</c:v>
+                </c:pt>
+                <c:pt idx="16">
+                  <c:v>VTB Bank</c:v>
+                </c:pt>
+                <c:pt idx="17">
+                  <c:v>Xalq Bank</c:v>
+                </c:pt>
+                <c:pt idx="18">
+                  <c:v>Yapı Kredi Bank</c:v>
+                </c:pt>
+                <c:pt idx="19">
+                  <c:v>Yelo Bank</c:v>
+                </c:pt>
+                <c:pt idx="20">
+                  <c:v>Ziraat Bank</c:v>
+                </c:pt>
+              </c:strCache>
+            </c:strRef>
+          </c:cat>
+          <c:val>
+            <c:numRef>
+              <c:f>Sheet1!$C$2:$C$22</c:f>
+              <c:numCache>
+                <c:formatCode>General</c:formatCode>
+                <c:ptCount val="21"/>
+                <c:pt idx="0">
+                  <c:v>263</c:v>
+                </c:pt>
+                <c:pt idx="1">
+                  <c:v>18</c:v>
+                </c:pt>
+                <c:pt idx="2">
+                  <c:v>173</c:v>
+                </c:pt>
+                <c:pt idx="3">
+                  <c:v>34</c:v>
+                </c:pt>
+                <c:pt idx="4">
+                  <c:v>18</c:v>
+                </c:pt>
+                <c:pt idx="5">
+                  <c:v>21</c:v>
+                </c:pt>
+                <c:pt idx="6">
+                  <c:v>21</c:v>
+                </c:pt>
+                <c:pt idx="7">
+                  <c:v>75</c:v>
+                </c:pt>
+                <c:pt idx="8">
+                  <c:v>180</c:v>
+                </c:pt>
+                <c:pt idx="9">
+                  <c:v>40</c:v>
+                </c:pt>
+                <c:pt idx="10">
+                  <c:v>358</c:v>
+                </c:pt>
+                <c:pt idx="11">
+                  <c:v>56</c:v>
+                </c:pt>
+                <c:pt idx="12">
+                  <c:v>189</c:v>
+                </c:pt>
+                <c:pt idx="13">
+                  <c:v>54</c:v>
+                </c:pt>
+                <c:pt idx="14">
+                  <c:v>50</c:v>
+                </c:pt>
+                <c:pt idx="15">
+                  <c:v>160</c:v>
+                </c:pt>
+                <c:pt idx="16">
+                  <c:v>26</c:v>
+                </c:pt>
+                <c:pt idx="17">
+                  <c:v>44</c:v>
+                </c:pt>
+                <c:pt idx="18">
+                  <c:v>3</c:v>
+                </c:pt>
+                <c:pt idx="19">
+                  <c:v>283</c:v>
+                </c:pt>
+                <c:pt idx="20">
+                  <c:v>133</c:v>
+                </c:pt>
+              </c:numCache>
+            </c:numRef>
+          </c:val>
+        </c:ser>
+        <c:ser>
+          <c:idx val="2"/>
+          <c:order val="2"/>
+          <c:tx>
+            <c:strRef>
+              <c:f>Sheet1!$D$1</c:f>
+              <c:strCache>
+                <c:ptCount val="1"/>
+                <c:pt idx="0">
+                  <c:v>Negative</c:v>
+                </c:pt>
+              </c:strCache>
+            </c:strRef>
+          </c:tx>
+          <c:spPr>
+            <a:solidFill>
+              <a:srgbClr val="F60140"/>
+            </a:solidFill>
+          </c:spPr>
+          <c:cat>
+            <c:strRef>
+              <c:f>Sheet1!$A$2:$A$22</c:f>
+              <c:strCache>
+                <c:ptCount val="21"/>
+                <c:pt idx="0">
+                  <c:v>ABB Bank</c:v>
+                </c:pt>
+                <c:pt idx="1">
+                  <c:v>AFB Bank</c:v>
+                </c:pt>
+                <c:pt idx="2">
+                  <c:v>AccessBank</c:v>
+                </c:pt>
+                <c:pt idx="3">
+                  <c:v>Azər Türk Bank</c:v>
+                </c:pt>
+                <c:pt idx="4">
+                  <c:v>Azərbaycan Sənaye Bankı</c:v>
+                </c:pt>
+                <c:pt idx="5">
+                  <c:v>BTB Bank</c:v>
+                </c:pt>
+                <c:pt idx="6">
+                  <c:v>Bank Avrasiya</c:v>
+                </c:pt>
+                <c:pt idx="7">
+                  <c:v>Bank Of Baku</c:v>
+                </c:pt>
+                <c:pt idx="8">
+                  <c:v>Bank Respublika</c:v>
+                </c:pt>
+                <c:pt idx="9">
+                  <c:v>Express Bank</c:v>
+                </c:pt>
+                <c:pt idx="10">
+                  <c:v>Kapital Bank</c:v>
+                </c:pt>
+                <c:pt idx="11">
+                  <c:v>Leobank</c:v>
+                </c:pt>
+                <c:pt idx="12">
+                  <c:v>Paşa Bank</c:v>
+                </c:pt>
+                <c:pt idx="13">
+                  <c:v>Rabita Bank</c:v>
+                </c:pt>
+                <c:pt idx="14">
+                  <c:v>Turan Bank</c:v>
+                </c:pt>
+                <c:pt idx="15">
+                  <c:v>Unibank</c:v>
+                </c:pt>
+                <c:pt idx="16">
+                  <c:v>VTB Bank</c:v>
+                </c:pt>
+                <c:pt idx="17">
+                  <c:v>Xalq Bank</c:v>
+                </c:pt>
+                <c:pt idx="18">
+                  <c:v>Yapı Kredi Bank</c:v>
+                </c:pt>
+                <c:pt idx="19">
+                  <c:v>Yelo Bank</c:v>
+                </c:pt>
+                <c:pt idx="20">
+                  <c:v>Ziraat Bank</c:v>
+                </c:pt>
+              </c:strCache>
+            </c:strRef>
+          </c:cat>
+          <c:val>
+            <c:numRef>
+              <c:f>Sheet1!$D$2:$D$22</c:f>
+              <c:numCache>
+                <c:formatCode>General</c:formatCode>
+                <c:ptCount val="21"/>
+                <c:pt idx="0">
+                  <c:v>33</c:v>
+                </c:pt>
+                <c:pt idx="1">
+                  <c:v>2</c:v>
+                </c:pt>
+                <c:pt idx="2">
+                  <c:v>12</c:v>
+                </c:pt>
+                <c:pt idx="3">
+                  <c:v>10</c:v>
+                </c:pt>
+                <c:pt idx="4">
+                  <c:v>12</c:v>
+                </c:pt>
+                <c:pt idx="5">
+                  <c:v>72</c:v>
+                </c:pt>
+                <c:pt idx="6">
+                  <c:v>52</c:v>
+                </c:pt>
+                <c:pt idx="7">
+                  <c:v>9</c:v>
+                </c:pt>
+                <c:pt idx="8">
+                  <c:v>9</c:v>
+                </c:pt>
+                <c:pt idx="9">
+                  <c:v>7</c:v>
+                </c:pt>
+                <c:pt idx="10">
+                  <c:v>71</c:v>
+                </c:pt>
+                <c:pt idx="11">
+                  <c:v>2</c:v>
+                </c:pt>
+                <c:pt idx="12">
+                  <c:v>36</c:v>
+                </c:pt>
+                <c:pt idx="13">
+                  <c:v>17</c:v>
+                </c:pt>
+                <c:pt idx="14">
+                  <c:v>28</c:v>
+                </c:pt>
+                <c:pt idx="15">
+                  <c:v>34</c:v>
+                </c:pt>
+                <c:pt idx="16">
+                  <c:v>6</c:v>
+                </c:pt>
+                <c:pt idx="17">
+                  <c:v>5</c:v>
+                </c:pt>
+                <c:pt idx="18">
+                  <c:v>13</c:v>
+                </c:pt>
+                <c:pt idx="19">
+                  <c:v>26</c:v>
+                </c:pt>
+                <c:pt idx="20">
+                  <c:v>14</c:v>
+                </c:pt>
+              </c:numCache>
+            </c:numRef>
+          </c:val>
+        </c:ser>
+        <c:axId val="-2068027336"/>
+        <c:axId val="-2113994440"/>
+      </c:barChart>
+      <c:catAx>
+        <c:axId val="-2068027336"/>
+        <c:scaling>
+          <c:orientation val="minMax"/>
+        </c:scaling>
+        <c:delete val="0"/>
+        <c:axPos val="b"/>
+        <c:majorTickMark val="out"/>
+        <c:minorTickMark val="none"/>
+        <c:tickLblPos val="nextTo"/>
+        <c:txPr>
+          <a:bodyPr/>
+          <a:lstStyle/>
+          <a:p>
+            <a:pPr>
+              <a:defRPr sz="800"/>
+            </a:pPr>
+          </a:p>
+        </c:txPr>
+        <c:crossAx val="-2113994440"/>
+        <c:crosses val="autoZero"/>
+        <c:auto val="1"/>
+        <c:lblAlgn val="ctr"/>
+        <c:lblOffset val="100"/>
+        <c:noMultiLvlLbl val="0"/>
+      </c:catAx>
+      <c:valAx>
+        <c:axId val="-2113994440"/>
+        <c:scaling/>
+        <c:delete val="0"/>
+        <c:axPos val="l"/>
+        <c:majorGridlines/>
+        <c:majorTickMark val="out"/>
+        <c:minorTickMark val="none"/>
+        <c:tickLblPos val="nextTo"/>
+        <c:crossAx val="-2068027336"/>
+        <c:crosses val="autoZero"/>
+      </c:valAx>
+    </c:plotArea>
+    <c:legend>
+      <c:legendPos val="b"/>
+      <c:txPr>
+        <a:bodyPr/>
+        <a:lstStyle/>
+        <a:p>
+          <a:pPr>
+            <a:defRPr sz="1000"/>
+          </a:pPr>
+        </a:p>
+      </c:txPr>
+    </c:legend>
+    <c:dispBlanksAs val="gap"/>
+  </c:chart>
+  <c:txPr>
+    <a:bodyPr/>
+    <a:lstStyle/>
+    <a:p>
+      <a:pPr>
+        <a:defRPr sz="1800"/>
+      </a:pPr>
+      <a:endParaRPr lang="en-US"/>
+    </a:p>
+  </c:txPr>
+  <c:externalData r:id="rId1">
+    <c:autoUpdate val="0"/>
+  </c:externalData>
+</c:chartSpace>
+</file>
+
+<file path=ppt/charts/chart4.xml><?xml version="1.0" encoding="utf-8"?>
+<c:chartSpace xmlns:c="http://schemas.openxmlformats.org/drawingml/2006/chart" xmlns:a="http://schemas.openxmlformats.org/drawingml/2006/main" xmlns:r="http://schemas.openxmlformats.org/officeDocument/2006/relationships">
+  <c:date1904 val="0"/>
+  <c:style val="2"/>
   <c:chart>
     <c:autoTitleDeleted val="0"/>
     <c:plotArea>
@@ -2683,475 +3292,395 @@
               <c:strCache>
                 <c:ptCount val="1"/>
                 <c:pt idx="0">
-                  <c:v>Positive</c:v>
+                  <c:v>Post Count</c:v>
                 </c:pt>
               </c:strCache>
             </c:strRef>
           </c:tx>
           <c:spPr>
-            <a:ln w="31750"/>
+            <a:solidFill>
+              <a:srgbClr val="0070C0"/>
+            </a:solidFill>
           </c:spPr>
           <c:cat>
             <c:strRef>
-              <c:f>Sheet1!$A$2:$A$22</c:f>
+              <c:f>Sheet1!$A$2:$A$62</c:f>
               <c:strCache>
-                <c:ptCount val="21"/>
+                <c:ptCount val="61"/>
                 <c:pt idx="0">
-                  <c:v>ABB Bank</c:v>
+                  <c:v>Iqtisadiyyat.az</c:v>
                 </c:pt>
                 <c:pt idx="1">
-                  <c:v>AFB Bank</c:v>
+                  <c:v>Poliqon.info</c:v>
                 </c:pt>
                 <c:pt idx="2">
-                  <c:v>AccessBank</c:v>
+                  <c:v>Dunyapress.info</c:v>
                 </c:pt>
                 <c:pt idx="3">
-                  <c:v>Azər Türk Bank</c:v>
+                  <c:v>azia.az</c:v>
                 </c:pt>
                 <c:pt idx="4">
-                  <c:v>Azərbaycan Sənaye Bankı</c:v>
+                  <c:v>azertimes.az</c:v>
                 </c:pt>
                 <c:pt idx="5">
-                  <c:v>BTB Bank</c:v>
+                  <c:v>az.trend.az</c:v>
                 </c:pt>
                 <c:pt idx="6">
-                  <c:v>Bank Avrasiya</c:v>
+                  <c:v>axar.az</c:v>
                 </c:pt>
                 <c:pt idx="7">
-                  <c:v>Bank Of Baku</c:v>
+                  <c:v>apa.az</c:v>
                 </c:pt>
                 <c:pt idx="8">
-                  <c:v>Bank Respublika</c:v>
+                  <c:v>azpolitika.info</c:v>
                 </c:pt>
                 <c:pt idx="9">
-                  <c:v>Express Bank</c:v>
+                  <c:v>dogruxeber.az</c:v>
                 </c:pt>
                 <c:pt idx="10">
-                  <c:v>Kapital Bank</c:v>
+                  <c:v>kanal14.az</c:v>
                 </c:pt>
                 <c:pt idx="11">
-                  <c:v>Leobank</c:v>
+                  <c:v>gundeminfo.az</c:v>
                 </c:pt>
                 <c:pt idx="12">
-                  <c:v>Paşa Bank</c:v>
+                  <c:v>bizim.media</c:v>
                 </c:pt>
                 <c:pt idx="13">
-                  <c:v>Rabita Bank</c:v>
+                  <c:v>cia.az</c:v>
                 </c:pt>
                 <c:pt idx="14">
-                  <c:v>Turan Bank</c:v>
+                  <c:v>bakupost.az</c:v>
                 </c:pt>
                 <c:pt idx="15">
-                  <c:v>Unibank</c:v>
+                  <c:v>azxeber.com</c:v>
                 </c:pt>
                 <c:pt idx="16">
-                  <c:v>VTB Bank</c:v>
+                  <c:v>stimulxeber.az</c:v>
                 </c:pt>
                 <c:pt idx="17">
-                  <c:v>Xalq Bank</c:v>
+                  <c:v>tereqqi.az</c:v>
                 </c:pt>
                 <c:pt idx="18">
-                  <c:v>Yapı Kredi Bank</c:v>
+                  <c:v>xezernews.az</c:v>
                 </c:pt>
                 <c:pt idx="19">
-                  <c:v>Yelo Bank</c:v>
+                  <c:v>xalqxeber.az</c:v>
                 </c:pt>
                 <c:pt idx="20">
-                  <c:v>Ziraat Bank</c:v>
+                  <c:v>yenixeber.az</c:v>
+                </c:pt>
+                <c:pt idx="21">
+                  <c:v>yenimeydan.info</c:v>
+                </c:pt>
+                <c:pt idx="22">
+                  <c:v>qlobal.az</c:v>
+                </c:pt>
+                <c:pt idx="23">
+                  <c:v>sia.az</c:v>
+                </c:pt>
+                <c:pt idx="24">
+                  <c:v>patriot.az</c:v>
+                </c:pt>
+                <c:pt idx="25">
+                  <c:v>publika.az</c:v>
+                </c:pt>
+                <c:pt idx="26">
+                  <c:v>regionxeberlericom.az</c:v>
+                </c:pt>
+                <c:pt idx="27">
+                  <c:v>news24.az</c:v>
+                </c:pt>
+                <c:pt idx="28">
+                  <c:v>milletinsesi.az</c:v>
+                </c:pt>
+                <c:pt idx="29">
+                  <c:v>milletinsesi.info</c:v>
+                </c:pt>
+                <c:pt idx="30">
+                  <c:v>musavat.com</c:v>
+                </c:pt>
+                <c:pt idx="31">
+                  <c:v>mediatv.az</c:v>
+                </c:pt>
+                <c:pt idx="32">
+                  <c:v>tribunainfo.az</c:v>
+                </c:pt>
+                <c:pt idx="33">
+                  <c:v>valyuta.az</c:v>
+                </c:pt>
+                <c:pt idx="34">
+                  <c:v>nocomment.az</c:v>
+                </c:pt>
+                <c:pt idx="35">
+                  <c:v>pravda.az</c:v>
+                </c:pt>
+                <c:pt idx="36">
+                  <c:v>mia.az</c:v>
+                </c:pt>
+                <c:pt idx="37">
+                  <c:v>konkret.az</c:v>
+                </c:pt>
+                <c:pt idx="38">
+                  <c:v>tehsil-press.az</c:v>
+                </c:pt>
+                <c:pt idx="39">
+                  <c:v>time.net.az</c:v>
+                </c:pt>
+                <c:pt idx="40">
+                  <c:v>ulusal.az</c:v>
+                </c:pt>
+                <c:pt idx="41">
+                  <c:v>Azerforum.com</c:v>
+                </c:pt>
+                <c:pt idx="42">
+                  <c:v>cebheinfo.az</c:v>
+                </c:pt>
+                <c:pt idx="43">
+                  <c:v>Banco.az</c:v>
+                </c:pt>
+                <c:pt idx="44">
+                  <c:v>azpost.info</c:v>
+                </c:pt>
+                <c:pt idx="45">
+                  <c:v>Azertaym.az</c:v>
+                </c:pt>
+                <c:pt idx="46">
+                  <c:v>Azfakt.com</c:v>
+                </c:pt>
+                <c:pt idx="47">
+                  <c:v>gununsesi.info</c:v>
+                </c:pt>
+                <c:pt idx="48">
+                  <c:v>abc.az</c:v>
+                </c:pt>
+                <c:pt idx="49">
+                  <c:v>referans.az</c:v>
+                </c:pt>
+                <c:pt idx="50">
+                  <c:v>teref.az</c:v>
+                </c:pt>
+                <c:pt idx="51">
+                  <c:v>azinforum.az</c:v>
+                </c:pt>
+                <c:pt idx="52">
+                  <c:v>bbn.az</c:v>
+                </c:pt>
+                <c:pt idx="53">
+                  <c:v>banker.az</c:v>
+                </c:pt>
+                <c:pt idx="54">
+                  <c:v>demokrat.az</c:v>
+                </c:pt>
+                <c:pt idx="55">
+                  <c:v>financetime.az</c:v>
+                </c:pt>
+                <c:pt idx="56">
+                  <c:v>ena.az</c:v>
+                </c:pt>
+                <c:pt idx="57">
+                  <c:v>fins.az</c:v>
+                </c:pt>
+                <c:pt idx="58">
+                  <c:v>yeniavaz.com</c:v>
+                </c:pt>
+                <c:pt idx="59">
+                  <c:v>marja.az</c:v>
+                </c:pt>
+                <c:pt idx="60">
+                  <c:v>fed.az</c:v>
                 </c:pt>
               </c:strCache>
             </c:strRef>
           </c:cat>
           <c:val>
             <c:numRef>
-              <c:f>Sheet1!$B$2:$B$22</c:f>
+              <c:f>Sheet1!$B$2:$B$62</c:f>
               <c:numCache>
                 <c:formatCode>General</c:formatCode>
-                <c:ptCount val="21"/>
+                <c:ptCount val="61"/>
                 <c:pt idx="0">
-                  <c:v>275</c:v>
+                  <c:v>1</c:v>
                 </c:pt>
                 <c:pt idx="1">
+                  <c:v>1</c:v>
+                </c:pt>
+                <c:pt idx="2">
+                  <c:v>1</c:v>
+                </c:pt>
+                <c:pt idx="3">
+                  <c:v>1</c:v>
+                </c:pt>
+                <c:pt idx="4">
+                  <c:v>1</c:v>
+                </c:pt>
+                <c:pt idx="5">
+                  <c:v>1</c:v>
+                </c:pt>
+                <c:pt idx="6">
+                  <c:v>1</c:v>
+                </c:pt>
+                <c:pt idx="7">
+                  <c:v>1</c:v>
+                </c:pt>
+                <c:pt idx="8">
+                  <c:v>1</c:v>
+                </c:pt>
+                <c:pt idx="9">
+                  <c:v>1</c:v>
+                </c:pt>
+                <c:pt idx="10">
+                  <c:v>1</c:v>
+                </c:pt>
+                <c:pt idx="11">
+                  <c:v>1</c:v>
+                </c:pt>
+                <c:pt idx="12">
+                  <c:v>1</c:v>
+                </c:pt>
+                <c:pt idx="13">
+                  <c:v>1</c:v>
+                </c:pt>
+                <c:pt idx="14">
+                  <c:v>1</c:v>
+                </c:pt>
+                <c:pt idx="15">
+                  <c:v>1</c:v>
+                </c:pt>
+                <c:pt idx="16">
+                  <c:v>1</c:v>
+                </c:pt>
+                <c:pt idx="17">
+                  <c:v>1</c:v>
+                </c:pt>
+                <c:pt idx="18">
+                  <c:v>1</c:v>
+                </c:pt>
+                <c:pt idx="19">
+                  <c:v>1</c:v>
+                </c:pt>
+                <c:pt idx="20">
+                  <c:v>1</c:v>
+                </c:pt>
+                <c:pt idx="21">
+                  <c:v>1</c:v>
+                </c:pt>
+                <c:pt idx="22">
+                  <c:v>1</c:v>
+                </c:pt>
+                <c:pt idx="23">
+                  <c:v>1</c:v>
+                </c:pt>
+                <c:pt idx="24">
+                  <c:v>1</c:v>
+                </c:pt>
+                <c:pt idx="25">
+                  <c:v>1</c:v>
+                </c:pt>
+                <c:pt idx="26">
+                  <c:v>1</c:v>
+                </c:pt>
+                <c:pt idx="27">
+                  <c:v>1</c:v>
+                </c:pt>
+                <c:pt idx="28">
+                  <c:v>1</c:v>
+                </c:pt>
+                <c:pt idx="29">
+                  <c:v>1</c:v>
+                </c:pt>
+                <c:pt idx="30">
+                  <c:v>1</c:v>
+                </c:pt>
+                <c:pt idx="31">
+                  <c:v>1</c:v>
+                </c:pt>
+                <c:pt idx="32">
+                  <c:v>2</c:v>
+                </c:pt>
+                <c:pt idx="33">
+                  <c:v>2</c:v>
+                </c:pt>
+                <c:pt idx="34">
+                  <c:v>2</c:v>
+                </c:pt>
+                <c:pt idx="35">
+                  <c:v>2</c:v>
+                </c:pt>
+                <c:pt idx="36">
+                  <c:v>2</c:v>
+                </c:pt>
+                <c:pt idx="37">
+                  <c:v>2</c:v>
+                </c:pt>
+                <c:pt idx="38">
+                  <c:v>2</c:v>
+                </c:pt>
+                <c:pt idx="39">
+                  <c:v>2</c:v>
+                </c:pt>
+                <c:pt idx="40">
+                  <c:v>2</c:v>
+                </c:pt>
+                <c:pt idx="41">
+                  <c:v>2</c:v>
+                </c:pt>
+                <c:pt idx="42">
+                  <c:v>2</c:v>
+                </c:pt>
+                <c:pt idx="43">
+                  <c:v>2</c:v>
+                </c:pt>
+                <c:pt idx="44">
+                  <c:v>2</c:v>
+                </c:pt>
+                <c:pt idx="45">
+                  <c:v>2</c:v>
+                </c:pt>
+                <c:pt idx="46">
+                  <c:v>2</c:v>
+                </c:pt>
+                <c:pt idx="47">
+                  <c:v>2</c:v>
+                </c:pt>
+                <c:pt idx="48">
+                  <c:v>3</c:v>
+                </c:pt>
+                <c:pt idx="49">
+                  <c:v>3</c:v>
+                </c:pt>
+                <c:pt idx="50">
+                  <c:v>3</c:v>
+                </c:pt>
+                <c:pt idx="51">
+                  <c:v>3</c:v>
+                </c:pt>
+                <c:pt idx="52">
+                  <c:v>3</c:v>
+                </c:pt>
+                <c:pt idx="53">
+                  <c:v>3</c:v>
+                </c:pt>
+                <c:pt idx="54">
+                  <c:v>3</c:v>
+                </c:pt>
+                <c:pt idx="55">
                   <c:v>4</c:v>
                 </c:pt>
-                <c:pt idx="2">
-                  <c:v>107</c:v>
-                </c:pt>
-                <c:pt idx="3">
-                  <c:v>55</c:v>
-                </c:pt>
-                <c:pt idx="4">
-                  <c:v>23</c:v>
-                </c:pt>
-                <c:pt idx="5">
-                  <c:v>40</c:v>
-                </c:pt>
-                <c:pt idx="6">
-                  <c:v>22</c:v>
-                </c:pt>
-                <c:pt idx="7">
-                  <c:v>62</c:v>
-                </c:pt>
-                <c:pt idx="8">
-                  <c:v>83</c:v>
-                </c:pt>
-                <c:pt idx="9">
-                  <c:v>132</c:v>
-                </c:pt>
-                <c:pt idx="10">
-                  <c:v>635</c:v>
-                </c:pt>
-                <c:pt idx="11">
-                  <c:v>0</c:v>
-                </c:pt>
-                <c:pt idx="12">
-                  <c:v>90</c:v>
-                </c:pt>
-                <c:pt idx="13">
-                  <c:v>44</c:v>
-                </c:pt>
-                <c:pt idx="14">
-                  <c:v>119</c:v>
-                </c:pt>
-                <c:pt idx="15">
-                  <c:v>116</c:v>
-                </c:pt>
-                <c:pt idx="16">
-                  <c:v>53</c:v>
-                </c:pt>
-                <c:pt idx="17">
-                  <c:v>58</c:v>
-                </c:pt>
-                <c:pt idx="18">
-                  <c:v>7</c:v>
-                </c:pt>
-                <c:pt idx="19">
-                  <c:v>224</c:v>
-                </c:pt>
-                <c:pt idx="20">
-                  <c:v>75</c:v>
-                </c:pt>
-              </c:numCache>
-            </c:numRef>
-          </c:val>
-        </c:ser>
-        <c:ser>
-          <c:idx val="1"/>
-          <c:order val="1"/>
-          <c:tx>
-            <c:strRef>
-              <c:f>Sheet1!$C$1</c:f>
-              <c:strCache>
-                <c:ptCount val="1"/>
-                <c:pt idx="0">
-                  <c:v>Neutral</c:v>
-                </c:pt>
-              </c:strCache>
-            </c:strRef>
-          </c:tx>
-          <c:spPr>
-            <a:ln w="31750"/>
-          </c:spPr>
-          <c:cat>
-            <c:strRef>
-              <c:f>Sheet1!$A$2:$A$22</c:f>
-              <c:strCache>
-                <c:ptCount val="21"/>
-                <c:pt idx="0">
-                  <c:v>ABB Bank</c:v>
-                </c:pt>
-                <c:pt idx="1">
-                  <c:v>AFB Bank</c:v>
-                </c:pt>
-                <c:pt idx="2">
-                  <c:v>AccessBank</c:v>
-                </c:pt>
-                <c:pt idx="3">
-                  <c:v>Azər Türk Bank</c:v>
-                </c:pt>
-                <c:pt idx="4">
-                  <c:v>Azərbaycan Sənaye Bankı</c:v>
-                </c:pt>
-                <c:pt idx="5">
-                  <c:v>BTB Bank</c:v>
-                </c:pt>
-                <c:pt idx="6">
-                  <c:v>Bank Avrasiya</c:v>
-                </c:pt>
-                <c:pt idx="7">
-                  <c:v>Bank Of Baku</c:v>
-                </c:pt>
-                <c:pt idx="8">
-                  <c:v>Bank Respublika</c:v>
-                </c:pt>
-                <c:pt idx="9">
-                  <c:v>Express Bank</c:v>
-                </c:pt>
-                <c:pt idx="10">
-                  <c:v>Kapital Bank</c:v>
-                </c:pt>
-                <c:pt idx="11">
-                  <c:v>Leobank</c:v>
-                </c:pt>
-                <c:pt idx="12">
-                  <c:v>Paşa Bank</c:v>
-                </c:pt>
-                <c:pt idx="13">
-                  <c:v>Rabita Bank</c:v>
-                </c:pt>
-                <c:pt idx="14">
-                  <c:v>Turan Bank</c:v>
-                </c:pt>
-                <c:pt idx="15">
-                  <c:v>Unibank</c:v>
-                </c:pt>
-                <c:pt idx="16">
-                  <c:v>VTB Bank</c:v>
-                </c:pt>
-                <c:pt idx="17">
-                  <c:v>Xalq Bank</c:v>
-                </c:pt>
-                <c:pt idx="18">
-                  <c:v>Yapı Kredi Bank</c:v>
-                </c:pt>
-                <c:pt idx="19">
-                  <c:v>Yelo Bank</c:v>
-                </c:pt>
-                <c:pt idx="20">
-                  <c:v>Ziraat Bank</c:v>
-                </c:pt>
-              </c:strCache>
-            </c:strRef>
-          </c:cat>
-          <c:val>
-            <c:numRef>
-              <c:f>Sheet1!$C$2:$C$22</c:f>
-              <c:numCache>
-                <c:formatCode>General</c:formatCode>
-                <c:ptCount val="21"/>
-                <c:pt idx="0">
-                  <c:v>263</c:v>
-                </c:pt>
-                <c:pt idx="1">
-                  <c:v>18</c:v>
-                </c:pt>
-                <c:pt idx="2">
-                  <c:v>173</c:v>
-                </c:pt>
-                <c:pt idx="3">
-                  <c:v>34</c:v>
-                </c:pt>
-                <c:pt idx="4">
-                  <c:v>18</c:v>
-                </c:pt>
-                <c:pt idx="5">
-                  <c:v>21</c:v>
-                </c:pt>
-                <c:pt idx="6">
-                  <c:v>21</c:v>
-                </c:pt>
-                <c:pt idx="7">
-                  <c:v>75</c:v>
-                </c:pt>
-                <c:pt idx="8">
-                  <c:v>180</c:v>
-                </c:pt>
-                <c:pt idx="9">
-                  <c:v>40</c:v>
-                </c:pt>
-                <c:pt idx="10">
-                  <c:v>358</c:v>
-                </c:pt>
-                <c:pt idx="11">
-                  <c:v>56</c:v>
-                </c:pt>
-                <c:pt idx="12">
-                  <c:v>189</c:v>
-                </c:pt>
-                <c:pt idx="13">
-                  <c:v>54</c:v>
-                </c:pt>
-                <c:pt idx="14">
-                  <c:v>50</c:v>
-                </c:pt>
-                <c:pt idx="15">
-                  <c:v>160</c:v>
-                </c:pt>
-                <c:pt idx="16">
-                  <c:v>26</c:v>
-                </c:pt>
-                <c:pt idx="17">
-                  <c:v>44</c:v>
-                </c:pt>
-                <c:pt idx="18">
-                  <c:v>3</c:v>
-                </c:pt>
-                <c:pt idx="19">
-                  <c:v>283</c:v>
-                </c:pt>
-                <c:pt idx="20">
-                  <c:v>133</c:v>
-                </c:pt>
-              </c:numCache>
-            </c:numRef>
-          </c:val>
-        </c:ser>
-        <c:ser>
-          <c:idx val="2"/>
-          <c:order val="2"/>
-          <c:tx>
-            <c:strRef>
-              <c:f>Sheet1!$D$1</c:f>
-              <c:strCache>
-                <c:ptCount val="1"/>
-                <c:pt idx="0">
-                  <c:v>Negative</c:v>
-                </c:pt>
-              </c:strCache>
-            </c:strRef>
-          </c:tx>
-          <c:spPr>
-            <a:ln w="31750"/>
-          </c:spPr>
-          <c:cat>
-            <c:strRef>
-              <c:f>Sheet1!$A$2:$A$22</c:f>
-              <c:strCache>
-                <c:ptCount val="21"/>
-                <c:pt idx="0">
-                  <c:v>ABB Bank</c:v>
-                </c:pt>
-                <c:pt idx="1">
-                  <c:v>AFB Bank</c:v>
-                </c:pt>
-                <c:pt idx="2">
-                  <c:v>AccessBank</c:v>
-                </c:pt>
-                <c:pt idx="3">
-                  <c:v>Azər Türk Bank</c:v>
-                </c:pt>
-                <c:pt idx="4">
-                  <c:v>Azərbaycan Sənaye Bankı</c:v>
-                </c:pt>
-                <c:pt idx="5">
-                  <c:v>BTB Bank</c:v>
-                </c:pt>
-                <c:pt idx="6">
-                  <c:v>Bank Avrasiya</c:v>
-                </c:pt>
-                <c:pt idx="7">
-                  <c:v>Bank Of Baku</c:v>
-                </c:pt>
-                <c:pt idx="8">
-                  <c:v>Bank Respublika</c:v>
-                </c:pt>
-                <c:pt idx="9">
-                  <c:v>Express Bank</c:v>
-                </c:pt>
-                <c:pt idx="10">
-                  <c:v>Kapital Bank</c:v>
-                </c:pt>
-                <c:pt idx="11">
-                  <c:v>Leobank</c:v>
-                </c:pt>
-                <c:pt idx="12">
-                  <c:v>Paşa Bank</c:v>
-                </c:pt>
-                <c:pt idx="13">
-                  <c:v>Rabita Bank</c:v>
-                </c:pt>
-                <c:pt idx="14">
-                  <c:v>Turan Bank</c:v>
-                </c:pt>
-                <c:pt idx="15">
-                  <c:v>Unibank</c:v>
-                </c:pt>
-                <c:pt idx="16">
-                  <c:v>VTB Bank</c:v>
-                </c:pt>
-                <c:pt idx="17">
-                  <c:v>Xalq Bank</c:v>
-                </c:pt>
-                <c:pt idx="18">
-                  <c:v>Yapı Kredi Bank</c:v>
-                </c:pt>
-                <c:pt idx="19">
-                  <c:v>Yelo Bank</c:v>
-                </c:pt>
-                <c:pt idx="20">
-                  <c:v>Ziraat Bank</c:v>
-                </c:pt>
-              </c:strCache>
-            </c:strRef>
-          </c:cat>
-          <c:val>
-            <c:numRef>
-              <c:f>Sheet1!$D$2:$D$22</c:f>
-              <c:numCache>
-                <c:formatCode>General</c:formatCode>
-                <c:ptCount val="21"/>
-                <c:pt idx="0">
-                  <c:v>33</c:v>
-                </c:pt>
-                <c:pt idx="1">
-                  <c:v>2</c:v>
-                </c:pt>
-                <c:pt idx="2">
-                  <c:v>12</c:v>
-                </c:pt>
-                <c:pt idx="3">
-                  <c:v>10</c:v>
-                </c:pt>
-                <c:pt idx="4">
-                  <c:v>12</c:v>
-                </c:pt>
-                <c:pt idx="5">
-                  <c:v>72</c:v>
-                </c:pt>
-                <c:pt idx="6">
-                  <c:v>52</c:v>
-                </c:pt>
-                <c:pt idx="7">
-                  <c:v>9</c:v>
-                </c:pt>
-                <c:pt idx="8">
-                  <c:v>9</c:v>
-                </c:pt>
-                <c:pt idx="9">
-                  <c:v>7</c:v>
-                </c:pt>
-                <c:pt idx="10">
-                  <c:v>71</c:v>
-                </c:pt>
-                <c:pt idx="11">
-                  <c:v>2</c:v>
-                </c:pt>
-                <c:pt idx="12">
-                  <c:v>36</c:v>
-                </c:pt>
-                <c:pt idx="13">
-                  <c:v>17</c:v>
-                </c:pt>
-                <c:pt idx="14">
-                  <c:v>28</c:v>
-                </c:pt>
-                <c:pt idx="15">
-                  <c:v>34</c:v>
-                </c:pt>
-                <c:pt idx="16">
+                <c:pt idx="56">
+                  <c:v>5</c:v>
+                </c:pt>
+                <c:pt idx="57">
                   <c:v>6</c:v>
                 </c:pt>
-                <c:pt idx="17">
-                  <c:v>5</c:v>
-                </c:pt>
-                <c:pt idx="18">
-                  <c:v>13</c:v>
-                </c:pt>
-                <c:pt idx="19">
-                  <c:v>26</c:v>
-                </c:pt>
-                <c:pt idx="20">
-                  <c:v>14</c:v>
+                <c:pt idx="58">
+                  <c:v>6</c:v>
+                </c:pt>
+                <c:pt idx="59">
+                  <c:v>8</c:v>
+                </c:pt>
+                <c:pt idx="60">
+                  <c:v>19</c:v>
                 </c:pt>
               </c:numCache>
             </c:numRef>
@@ -3167,16 +3696,15 @@
         </c:scaling>
         <c:delete val="0"/>
         <c:axPos val="l"/>
-        <c:majorGridlines/>
         <c:majorTickMark val="out"/>
         <c:minorTickMark val="none"/>
-        <c:tickLblPos val="nextTo"/>
+        <c:tickLblPos val="low"/>
         <c:txPr>
           <a:bodyPr/>
           <a:lstStyle/>
           <a:p>
             <a:pPr>
-              <a:defRPr sz="1000"/>
+              <a:defRPr sz="800"/>
             </a:pPr>
           </a:p>
         </c:txPr>
@@ -3196,21 +3724,1154 @@
         <c:majorTickMark val="out"/>
         <c:minorTickMark val="none"/>
         <c:tickLblPos val="nextTo"/>
+        <c:crossAx val="-2068027336"/>
+        <c:crosses val="autoZero"/>
+      </c:valAx>
+    </c:plotArea>
+    <c:dispBlanksAs val="gap"/>
+  </c:chart>
+  <c:txPr>
+    <a:bodyPr/>
+    <a:lstStyle/>
+    <a:p>
+      <a:pPr>
+        <a:defRPr sz="1800"/>
+      </a:pPr>
+      <a:endParaRPr lang="en-US"/>
+    </a:p>
+  </c:txPr>
+  <c:externalData r:id="rId1">
+    <c:autoUpdate val="0"/>
+  </c:externalData>
+</c:chartSpace>
+</file>
+
+<file path=ppt/charts/chart5.xml><?xml version="1.0" encoding="utf-8"?>
+<c:chartSpace xmlns:c="http://schemas.openxmlformats.org/drawingml/2006/chart" xmlns:a="http://schemas.openxmlformats.org/drawingml/2006/main" xmlns:r="http://schemas.openxmlformats.org/officeDocument/2006/relationships">
+  <c:date1904 val="0"/>
+  <c:roundedCorners val="0"/>
+  <c:style val="2"/>
+  <c:chart>
+    <c:autoTitleDeleted val="0"/>
+    <c:plotArea>
+      <c:layout/>
+      <c:doughnutChart>
+        <c:varyColors val="1"/>
+        <c:ser>
+          <c:idx val="0"/>
+          <c:order val="0"/>
+          <c:tx>
+            <c:strRef>
+              <c:f>Sheet1!$B$1</c:f>
+              <c:strCache>
+                <c:ptCount val="1"/>
+                <c:pt idx="0">
+                  <c:v>Sentiment Distribution</c:v>
+                </c:pt>
+              </c:strCache>
+            </c:strRef>
+          </c:tx>
+          <c:dPt>
+            <c:idx val="0"/>
+            <c:spPr>
+              <a:solidFill>
+                <a:srgbClr val="45C27E"/>
+              </a:solidFill>
+            </c:spPr>
+          </c:dPt>
+          <c:dPt>
+            <c:idx val="1"/>
+            <c:spPr>
+              <a:solidFill>
+                <a:srgbClr val="FFBF00"/>
+              </a:solidFill>
+            </c:spPr>
+          </c:dPt>
+          <c:dPt>
+            <c:idx val="2"/>
+            <c:spPr>
+              <a:solidFill>
+                <a:srgbClr val="F60140"/>
+              </a:solidFill>
+            </c:spPr>
+          </c:dPt>
+          <c:cat>
+            <c:strRef>
+              <c:f>Sheet1!$A$2:$A$4</c:f>
+              <c:strCache>
+                <c:ptCount val="3"/>
+                <c:pt idx="0">
+                  <c:v>Positive</c:v>
+                </c:pt>
+                <c:pt idx="1">
+                  <c:v>Neutral</c:v>
+                </c:pt>
+                <c:pt idx="2">
+                  <c:v>Negative</c:v>
+                </c:pt>
+              </c:strCache>
+            </c:strRef>
+          </c:cat>
+          <c:val>
+            <c:numRef>
+              <c:f>Sheet1!$B$2:$B$4</c:f>
+              <c:numCache>
+                <c:formatCode>General</c:formatCode>
+                <c:ptCount val="3"/>
+                <c:pt idx="0">
+                  <c:v>5</c:v>
+                </c:pt>
+                <c:pt idx="1">
+                  <c:v>16</c:v>
+                </c:pt>
+                <c:pt idx="2">
+                  <c:v>1</c:v>
+                </c:pt>
+              </c:numCache>
+            </c:numRef>
+          </c:val>
+        </c:ser>
+        <c:dLbls>
+          <c:showLegendKey val="0"/>
+          <c:showVal val="0"/>
+          <c:showCatName val="0"/>
+          <c:showSerName val="0"/>
+          <c:showPercent val="0"/>
+          <c:showBubbleSize val="0"/>
+          <c:showLeaderLines val="1"/>
+        </c:dLbls>
+        <c:firstSliceAng val="0"/>
+        <c:holeSize val="50"/>
+      </c:doughnutChart>
+    </c:plotArea>
+    <c:legend>
+      <c:legendPos val="b"/>
+      <c:layout/>
+      <c:overlay val="0"/>
+      <c:txPr>
+        <a:bodyPr/>
+        <a:lstStyle/>
+        <a:p>
+          <a:pPr>
+            <a:defRPr sz="1000"/>
+          </a:pPr>
+        </a:p>
+      </c:txPr>
+    </c:legend>
+    <c:plotVisOnly val="1"/>
+    <c:dispBlanksAs val="gap"/>
+    <c:showDLblsOverMax val="0"/>
+  </c:chart>
+  <c:txPr>
+    <a:bodyPr/>
+    <a:lstStyle/>
+    <a:p>
+      <a:pPr>
+        <a:defRPr sz="1800"/>
+      </a:pPr>
+      <a:endParaRPr/>
+    </a:p>
+  </c:txPr>
+  <c:externalData r:id="rId1">
+    <c:autoUpdate val="0"/>
+  </c:externalData>
+</c:chartSpace>
+</file>
+
+<file path=ppt/charts/chart6.xml><?xml version="1.0" encoding="utf-8"?>
+<c:chartSpace xmlns:c="http://schemas.openxmlformats.org/drawingml/2006/chart" xmlns:a="http://schemas.openxmlformats.org/drawingml/2006/main" xmlns:r="http://schemas.openxmlformats.org/officeDocument/2006/relationships">
+  <c:date1904 val="0"/>
+  <c:style val="2"/>
+  <c:chart>
+    <c:autoTitleDeleted val="0"/>
+    <c:plotArea>
+      <c:lineChart>
+        <c:grouping val="standard"/>
+        <c:varyColors val="0"/>
+        <c:ser>
+          <c:idx val="0"/>
+          <c:order val="0"/>
+          <c:tx>
+            <c:strRef>
+              <c:f>Sheet1!$B$1</c:f>
+              <c:strCache>
+                <c:ptCount val="1"/>
+                <c:pt idx="0">
+                  <c:v>Positive</c:v>
+                </c:pt>
+              </c:strCache>
+            </c:strRef>
+          </c:tx>
+          <c:spPr>
+            <a:ln w="25400">
+              <a:solidFill>
+                <a:srgbClr val="45C27E"/>
+              </a:solidFill>
+            </a:ln>
+          </c:spPr>
+          <c:marker>
+            <c:symbol val="none"/>
+          </c:marker>
+          <c:cat>
+            <c:strRef>
+              <c:f>Sheet1!$A$2:$A$15</c:f>
+              <c:strCache>
+                <c:ptCount val="14"/>
+                <c:pt idx="0">
+                  <c:v>2025-04-06T07:40:56</c:v>
+                </c:pt>
+                <c:pt idx="1">
+                  <c:v>2025-04-10T05:02:17</c:v>
+                </c:pt>
+                <c:pt idx="2">
+                  <c:v>2025-04-11T13:42:01</c:v>
+                </c:pt>
+                <c:pt idx="3">
+                  <c:v>2025-04-14T13:59:18</c:v>
+                </c:pt>
+                <c:pt idx="4">
+                  <c:v>2025-04-15T15:02:19</c:v>
+                </c:pt>
+                <c:pt idx="5">
+                  <c:v>2025-04-21T14:53:59</c:v>
+                </c:pt>
+                <c:pt idx="6">
+                  <c:v>2025-04-22T08:26:13</c:v>
+                </c:pt>
+                <c:pt idx="7">
+                  <c:v>2025-04-22T08:27:46</c:v>
+                </c:pt>
+                <c:pt idx="8">
+                  <c:v>2025-04-22T13:49:19</c:v>
+                </c:pt>
+                <c:pt idx="9">
+                  <c:v>2025-04-25T14:34:02</c:v>
+                </c:pt>
+                <c:pt idx="10">
+                  <c:v>2025-04-28T11:10</c:v>
+                </c:pt>
+                <c:pt idx="11">
+                  <c:v>2025-04-28T14:09:24</c:v>
+                </c:pt>
+                <c:pt idx="12">
+                  <c:v>2025-04-29T07:24:15</c:v>
+                </c:pt>
+                <c:pt idx="13">
+                  <c:v>2025-04-30T05:45:42</c:v>
+                </c:pt>
+              </c:strCache>
+            </c:strRef>
+          </c:cat>
+          <c:val>
+            <c:numRef>
+              <c:f>Sheet1!$B$2:$B$15</c:f>
+              <c:numCache>
+                <c:formatCode>General</c:formatCode>
+                <c:ptCount val="14"/>
+                <c:pt idx="0">
+                  <c:v>0</c:v>
+                </c:pt>
+                <c:pt idx="1">
+                  <c:v>0</c:v>
+                </c:pt>
+                <c:pt idx="2">
+                  <c:v>0</c:v>
+                </c:pt>
+                <c:pt idx="3">
+                  <c:v>0</c:v>
+                </c:pt>
+                <c:pt idx="4">
+                  <c:v>0</c:v>
+                </c:pt>
+                <c:pt idx="5">
+                  <c:v>1</c:v>
+                </c:pt>
+                <c:pt idx="6">
+                  <c:v>1</c:v>
+                </c:pt>
+                <c:pt idx="7">
+                  <c:v>1</c:v>
+                </c:pt>
+                <c:pt idx="8">
+                  <c:v>0</c:v>
+                </c:pt>
+                <c:pt idx="9">
+                  <c:v>1</c:v>
+                </c:pt>
+                <c:pt idx="10">
+                  <c:v>0</c:v>
+                </c:pt>
+                <c:pt idx="11">
+                  <c:v>1</c:v>
+                </c:pt>
+                <c:pt idx="12">
+                  <c:v>0</c:v>
+                </c:pt>
+                <c:pt idx="13">
+                  <c:v>0</c:v>
+                </c:pt>
+              </c:numCache>
+            </c:numRef>
+          </c:val>
+          <c:smooth val="0"/>
+        </c:ser>
+        <c:ser>
+          <c:idx val="1"/>
+          <c:order val="1"/>
+          <c:tx>
+            <c:strRef>
+              <c:f>Sheet1!$C$1</c:f>
+              <c:strCache>
+                <c:ptCount val="1"/>
+                <c:pt idx="0">
+                  <c:v>Neutral</c:v>
+                </c:pt>
+              </c:strCache>
+            </c:strRef>
+          </c:tx>
+          <c:spPr>
+            <a:ln w="25400">
+              <a:solidFill>
+                <a:srgbClr val="FFBF00"/>
+              </a:solidFill>
+            </a:ln>
+          </c:spPr>
+          <c:marker>
+            <c:symbol val="none"/>
+          </c:marker>
+          <c:cat>
+            <c:strRef>
+              <c:f>Sheet1!$A$2:$A$15</c:f>
+              <c:strCache>
+                <c:ptCount val="14"/>
+                <c:pt idx="0">
+                  <c:v>2025-04-06T07:40:56</c:v>
+                </c:pt>
+                <c:pt idx="1">
+                  <c:v>2025-04-10T05:02:17</c:v>
+                </c:pt>
+                <c:pt idx="2">
+                  <c:v>2025-04-11T13:42:01</c:v>
+                </c:pt>
+                <c:pt idx="3">
+                  <c:v>2025-04-14T13:59:18</c:v>
+                </c:pt>
+                <c:pt idx="4">
+                  <c:v>2025-04-15T15:02:19</c:v>
+                </c:pt>
+                <c:pt idx="5">
+                  <c:v>2025-04-21T14:53:59</c:v>
+                </c:pt>
+                <c:pt idx="6">
+                  <c:v>2025-04-22T08:26:13</c:v>
+                </c:pt>
+                <c:pt idx="7">
+                  <c:v>2025-04-22T08:27:46</c:v>
+                </c:pt>
+                <c:pt idx="8">
+                  <c:v>2025-04-22T13:49:19</c:v>
+                </c:pt>
+                <c:pt idx="9">
+                  <c:v>2025-04-25T14:34:02</c:v>
+                </c:pt>
+                <c:pt idx="10">
+                  <c:v>2025-04-28T11:10</c:v>
+                </c:pt>
+                <c:pt idx="11">
+                  <c:v>2025-04-28T14:09:24</c:v>
+                </c:pt>
+                <c:pt idx="12">
+                  <c:v>2025-04-29T07:24:15</c:v>
+                </c:pt>
+                <c:pt idx="13">
+                  <c:v>2025-04-30T05:45:42</c:v>
+                </c:pt>
+              </c:strCache>
+            </c:strRef>
+          </c:cat>
+          <c:val>
+            <c:numRef>
+              <c:f>Sheet1!$C$2:$C$15</c:f>
+              <c:numCache>
+                <c:formatCode>General</c:formatCode>
+                <c:ptCount val="14"/>
+                <c:pt idx="0">
+                  <c:v>1</c:v>
+                </c:pt>
+                <c:pt idx="1">
+                  <c:v>1</c:v>
+                </c:pt>
+                <c:pt idx="2">
+                  <c:v>2</c:v>
+                </c:pt>
+                <c:pt idx="3">
+                  <c:v>3</c:v>
+                </c:pt>
+                <c:pt idx="4">
+                  <c:v>1</c:v>
+                </c:pt>
+                <c:pt idx="5">
+                  <c:v>0</c:v>
+                </c:pt>
+                <c:pt idx="6">
+                  <c:v>0</c:v>
+                </c:pt>
+                <c:pt idx="7">
+                  <c:v>0</c:v>
+                </c:pt>
+                <c:pt idx="8">
+                  <c:v>2</c:v>
+                </c:pt>
+                <c:pt idx="9">
+                  <c:v>0</c:v>
+                </c:pt>
+                <c:pt idx="10">
+                  <c:v>0</c:v>
+                </c:pt>
+                <c:pt idx="11">
+                  <c:v>0</c:v>
+                </c:pt>
+                <c:pt idx="12">
+                  <c:v>3</c:v>
+                </c:pt>
+                <c:pt idx="13">
+                  <c:v>3</c:v>
+                </c:pt>
+              </c:numCache>
+            </c:numRef>
+          </c:val>
+          <c:smooth val="0"/>
+        </c:ser>
+        <c:ser>
+          <c:idx val="2"/>
+          <c:order val="2"/>
+          <c:tx>
+            <c:strRef>
+              <c:f>Sheet1!$D$1</c:f>
+              <c:strCache>
+                <c:ptCount val="1"/>
+                <c:pt idx="0">
+                  <c:v>Negative</c:v>
+                </c:pt>
+              </c:strCache>
+            </c:strRef>
+          </c:tx>
+          <c:spPr>
+            <a:ln w="25400">
+              <a:solidFill>
+                <a:srgbClr val="F60140"/>
+              </a:solidFill>
+            </a:ln>
+          </c:spPr>
+          <c:marker>
+            <c:symbol val="none"/>
+          </c:marker>
+          <c:cat>
+            <c:strRef>
+              <c:f>Sheet1!$A$2:$A$15</c:f>
+              <c:strCache>
+                <c:ptCount val="14"/>
+                <c:pt idx="0">
+                  <c:v>2025-04-06T07:40:56</c:v>
+                </c:pt>
+                <c:pt idx="1">
+                  <c:v>2025-04-10T05:02:17</c:v>
+                </c:pt>
+                <c:pt idx="2">
+                  <c:v>2025-04-11T13:42:01</c:v>
+                </c:pt>
+                <c:pt idx="3">
+                  <c:v>2025-04-14T13:59:18</c:v>
+                </c:pt>
+                <c:pt idx="4">
+                  <c:v>2025-04-15T15:02:19</c:v>
+                </c:pt>
+                <c:pt idx="5">
+                  <c:v>2025-04-21T14:53:59</c:v>
+                </c:pt>
+                <c:pt idx="6">
+                  <c:v>2025-04-22T08:26:13</c:v>
+                </c:pt>
+                <c:pt idx="7">
+                  <c:v>2025-04-22T08:27:46</c:v>
+                </c:pt>
+                <c:pt idx="8">
+                  <c:v>2025-04-22T13:49:19</c:v>
+                </c:pt>
+                <c:pt idx="9">
+                  <c:v>2025-04-25T14:34:02</c:v>
+                </c:pt>
+                <c:pt idx="10">
+                  <c:v>2025-04-28T11:10</c:v>
+                </c:pt>
+                <c:pt idx="11">
+                  <c:v>2025-04-28T14:09:24</c:v>
+                </c:pt>
+                <c:pt idx="12">
+                  <c:v>2025-04-29T07:24:15</c:v>
+                </c:pt>
+                <c:pt idx="13">
+                  <c:v>2025-04-30T05:45:42</c:v>
+                </c:pt>
+              </c:strCache>
+            </c:strRef>
+          </c:cat>
+          <c:val>
+            <c:numRef>
+              <c:f>Sheet1!$D$2:$D$15</c:f>
+              <c:numCache>
+                <c:formatCode>General</c:formatCode>
+                <c:ptCount val="14"/>
+                <c:pt idx="0">
+                  <c:v>0</c:v>
+                </c:pt>
+                <c:pt idx="1">
+                  <c:v>0</c:v>
+                </c:pt>
+                <c:pt idx="2">
+                  <c:v>0</c:v>
+                </c:pt>
+                <c:pt idx="3">
+                  <c:v>0</c:v>
+                </c:pt>
+                <c:pt idx="4">
+                  <c:v>0</c:v>
+                </c:pt>
+                <c:pt idx="5">
+                  <c:v>0</c:v>
+                </c:pt>
+                <c:pt idx="6">
+                  <c:v>0</c:v>
+                </c:pt>
+                <c:pt idx="7">
+                  <c:v>0</c:v>
+                </c:pt>
+                <c:pt idx="8">
+                  <c:v>0</c:v>
+                </c:pt>
+                <c:pt idx="9">
+                  <c:v>0</c:v>
+                </c:pt>
+                <c:pt idx="10">
+                  <c:v>1</c:v>
+                </c:pt>
+                <c:pt idx="11">
+                  <c:v>0</c:v>
+                </c:pt>
+                <c:pt idx="12">
+                  <c:v>0</c:v>
+                </c:pt>
+                <c:pt idx="13">
+                  <c:v>0</c:v>
+                </c:pt>
+              </c:numCache>
+            </c:numRef>
+          </c:val>
+          <c:smooth val="0"/>
+        </c:ser>
+        <c:marker val="1"/>
+        <c:smooth val="0"/>
+        <c:axId val="2118791784"/>
+        <c:axId val="2140495176"/>
+      </c:lineChart>
+      <c:catAx>
+        <c:axId val="2118791784"/>
+        <c:scaling>
+          <c:orientation val="minMax"/>
+        </c:scaling>
+        <c:delete val="0"/>
+        <c:axPos val="b"/>
+        <c:majorTickMark val="out"/>
+        <c:minorTickMark val="none"/>
+        <c:tickLblPos val="nextTo"/>
+        <c:crossAx val="2140495176"/>
+        <c:crosses val="autoZero"/>
+        <c:auto val="1"/>
+        <c:lblAlgn val="ctr"/>
+        <c:lblOffset val="100"/>
+        <c:noMultiLvlLbl val="0"/>
+      </c:catAx>
+      <c:valAx>
+        <c:axId val="2140495176"/>
+        <c:scaling/>
+        <c:delete val="0"/>
+        <c:axPos val="l"/>
+        <c:majorGridlines/>
+        <c:majorTickMark val="out"/>
+        <c:minorTickMark val="none"/>
+        <c:tickLblPos val="nextTo"/>
+        <c:crossAx val="2118791784"/>
+        <c:crosses val="autoZero"/>
+      </c:valAx>
+    </c:plotArea>
+    <c:legend>
+      <c:legendPos val="b"/>
+      <c:layout/>
+      <c:overlay val="0"/>
+      <c:txPr>
+        <a:bodyPr/>
+        <a:lstStyle/>
+        <a:p>
+          <a:pPr>
+            <a:defRPr sz="1000"/>
+          </a:pPr>
+        </a:p>
+      </c:txPr>
+    </c:legend>
+    <c:plotVisOnly val="1"/>
+    <c:dispBlanksAs val="gap"/>
+    <c:showDLblsOverMax val="0"/>
+  </c:chart>
+  <c:txPr>
+    <a:bodyPr/>
+    <a:lstStyle/>
+    <a:p>
+      <a:pPr>
+        <a:defRPr sz="1800"/>
+      </a:pPr>
+      <a:endParaRPr lang="en-US"/>
+    </a:p>
+  </c:txPr>
+  <c:externalData r:id="rId1">
+    <c:autoUpdate val="0"/>
+  </c:externalData>
+</c:chartSpace>
+</file>
+
+<file path=ppt/charts/chart7.xml><?xml version="1.0" encoding="utf-8"?>
+<c:chartSpace xmlns:c="http://schemas.openxmlformats.org/drawingml/2006/chart" xmlns:a="http://schemas.openxmlformats.org/drawingml/2006/main" xmlns:r="http://schemas.openxmlformats.org/officeDocument/2006/relationships">
+  <c:date1904 val="0"/>
+  <c:style val="2"/>
+  <c:chart>
+    <c:autoTitleDeleted val="0"/>
+    <c:plotArea>
+      <c:barChart>
+        <c:barDir val="col"/>
+        <c:grouping val="clustered"/>
+        <c:ser>
+          <c:idx val="0"/>
+          <c:order val="0"/>
+          <c:tx>
+            <c:strRef>
+              <c:f>Sheet1!$B$1</c:f>
+              <c:strCache>
+                <c:ptCount val="1"/>
+                <c:pt idx="0">
+                  <c:v>Positive</c:v>
+                </c:pt>
+              </c:strCache>
+            </c:strRef>
+          </c:tx>
+          <c:spPr>
+            <a:solidFill>
+              <a:srgbClr val="45C27E"/>
+            </a:solidFill>
+          </c:spPr>
+          <c:cat>
+            <c:strRef>
+              <c:f>Sheet1!$A$2:$A$21</c:f>
+              <c:strCache>
+                <c:ptCount val="20"/>
+                <c:pt idx="0">
+                  <c:v>ABB Bank</c:v>
+                </c:pt>
+                <c:pt idx="1">
+                  <c:v>AFB Bank</c:v>
+                </c:pt>
+                <c:pt idx="2">
+                  <c:v>AccessBank</c:v>
+                </c:pt>
+                <c:pt idx="3">
+                  <c:v>Azər Türk Bank</c:v>
+                </c:pt>
+                <c:pt idx="4">
+                  <c:v>Azərbaycan Sənaye Bankı</c:v>
+                </c:pt>
+                <c:pt idx="5">
+                  <c:v>BTB Bank</c:v>
+                </c:pt>
+                <c:pt idx="6">
+                  <c:v>Bank Avrasiya</c:v>
+                </c:pt>
+                <c:pt idx="7">
+                  <c:v>Bank Of Baku</c:v>
+                </c:pt>
+                <c:pt idx="8">
+                  <c:v>Bank Respublika</c:v>
+                </c:pt>
+                <c:pt idx="9">
+                  <c:v>Express Bank</c:v>
+                </c:pt>
+                <c:pt idx="10">
+                  <c:v>Kapital Bank</c:v>
+                </c:pt>
+                <c:pt idx="11">
+                  <c:v>Leobank</c:v>
+                </c:pt>
+                <c:pt idx="12">
+                  <c:v>Paşa Bank</c:v>
+                </c:pt>
+                <c:pt idx="13">
+                  <c:v>Rabita Bank</c:v>
+                </c:pt>
+                <c:pt idx="14">
+                  <c:v>Turan Bank</c:v>
+                </c:pt>
+                <c:pt idx="15">
+                  <c:v>Unibank</c:v>
+                </c:pt>
+                <c:pt idx="16">
+                  <c:v>VTB Bank</c:v>
+                </c:pt>
+                <c:pt idx="17">
+                  <c:v>Xalq Bank</c:v>
+                </c:pt>
+                <c:pt idx="18">
+                  <c:v>Yelo Bank</c:v>
+                </c:pt>
+                <c:pt idx="19">
+                  <c:v>Ziraat Bank</c:v>
+                </c:pt>
+              </c:strCache>
+            </c:strRef>
+          </c:cat>
+          <c:val>
+            <c:numRef>
+              <c:f>Sheet1!$B$2:$B$21</c:f>
+              <c:numCache>
+                <c:formatCode>General</c:formatCode>
+                <c:ptCount val="20"/>
+                <c:pt idx="0">
+                  <c:v>33</c:v>
+                </c:pt>
+                <c:pt idx="1">
+                  <c:v>3</c:v>
+                </c:pt>
+                <c:pt idx="2">
+                  <c:v>9</c:v>
+                </c:pt>
+                <c:pt idx="3">
+                  <c:v>17</c:v>
+                </c:pt>
+                <c:pt idx="4">
+                  <c:v>1</c:v>
+                </c:pt>
+                <c:pt idx="5">
+                  <c:v>5</c:v>
+                </c:pt>
+                <c:pt idx="6">
+                  <c:v>2</c:v>
+                </c:pt>
+                <c:pt idx="7">
+                  <c:v>42</c:v>
+                </c:pt>
+                <c:pt idx="8">
+                  <c:v>18</c:v>
+                </c:pt>
+                <c:pt idx="9">
+                  <c:v>14</c:v>
+                </c:pt>
+                <c:pt idx="10">
+                  <c:v>122</c:v>
+                </c:pt>
+                <c:pt idx="11">
+                  <c:v>0</c:v>
+                </c:pt>
+                <c:pt idx="12">
+                  <c:v>37</c:v>
+                </c:pt>
+                <c:pt idx="13">
+                  <c:v>19</c:v>
+                </c:pt>
+                <c:pt idx="14">
+                  <c:v>128</c:v>
+                </c:pt>
+                <c:pt idx="15">
+                  <c:v>19</c:v>
+                </c:pt>
+                <c:pt idx="16">
+                  <c:v>22</c:v>
+                </c:pt>
+                <c:pt idx="17">
+                  <c:v>40</c:v>
+                </c:pt>
+                <c:pt idx="18">
+                  <c:v>115</c:v>
+                </c:pt>
+                <c:pt idx="19">
+                  <c:v>1</c:v>
+                </c:pt>
+              </c:numCache>
+            </c:numRef>
+          </c:val>
+        </c:ser>
+        <c:ser>
+          <c:idx val="1"/>
+          <c:order val="1"/>
+          <c:tx>
+            <c:strRef>
+              <c:f>Sheet1!$C$1</c:f>
+              <c:strCache>
+                <c:ptCount val="1"/>
+                <c:pt idx="0">
+                  <c:v>Neutral</c:v>
+                </c:pt>
+              </c:strCache>
+            </c:strRef>
+          </c:tx>
+          <c:spPr>
+            <a:solidFill>
+              <a:srgbClr val="FFBF00"/>
+            </a:solidFill>
+          </c:spPr>
+          <c:cat>
+            <c:strRef>
+              <c:f>Sheet1!$A$2:$A$21</c:f>
+              <c:strCache>
+                <c:ptCount val="20"/>
+                <c:pt idx="0">
+                  <c:v>ABB Bank</c:v>
+                </c:pt>
+                <c:pt idx="1">
+                  <c:v>AFB Bank</c:v>
+                </c:pt>
+                <c:pt idx="2">
+                  <c:v>AccessBank</c:v>
+                </c:pt>
+                <c:pt idx="3">
+                  <c:v>Azər Türk Bank</c:v>
+                </c:pt>
+                <c:pt idx="4">
+                  <c:v>Azərbaycan Sənaye Bankı</c:v>
+                </c:pt>
+                <c:pt idx="5">
+                  <c:v>BTB Bank</c:v>
+                </c:pt>
+                <c:pt idx="6">
+                  <c:v>Bank Avrasiya</c:v>
+                </c:pt>
+                <c:pt idx="7">
+                  <c:v>Bank Of Baku</c:v>
+                </c:pt>
+                <c:pt idx="8">
+                  <c:v>Bank Respublika</c:v>
+                </c:pt>
+                <c:pt idx="9">
+                  <c:v>Express Bank</c:v>
+                </c:pt>
+                <c:pt idx="10">
+                  <c:v>Kapital Bank</c:v>
+                </c:pt>
+                <c:pt idx="11">
+                  <c:v>Leobank</c:v>
+                </c:pt>
+                <c:pt idx="12">
+                  <c:v>Paşa Bank</c:v>
+                </c:pt>
+                <c:pt idx="13">
+                  <c:v>Rabita Bank</c:v>
+                </c:pt>
+                <c:pt idx="14">
+                  <c:v>Turan Bank</c:v>
+                </c:pt>
+                <c:pt idx="15">
+                  <c:v>Unibank</c:v>
+                </c:pt>
+                <c:pt idx="16">
+                  <c:v>VTB Bank</c:v>
+                </c:pt>
+                <c:pt idx="17">
+                  <c:v>Xalq Bank</c:v>
+                </c:pt>
+                <c:pt idx="18">
+                  <c:v>Yelo Bank</c:v>
+                </c:pt>
+                <c:pt idx="19">
+                  <c:v>Ziraat Bank</c:v>
+                </c:pt>
+              </c:strCache>
+            </c:strRef>
+          </c:cat>
+          <c:val>
+            <c:numRef>
+              <c:f>Sheet1!$C$2:$C$21</c:f>
+              <c:numCache>
+                <c:formatCode>General</c:formatCode>
+                <c:ptCount val="20"/>
+                <c:pt idx="0">
+                  <c:v>223</c:v>
+                </c:pt>
+                <c:pt idx="1">
+                  <c:v>6</c:v>
+                </c:pt>
+                <c:pt idx="2">
+                  <c:v>100</c:v>
+                </c:pt>
+                <c:pt idx="3">
+                  <c:v>26</c:v>
+                </c:pt>
+                <c:pt idx="4">
+                  <c:v>2</c:v>
+                </c:pt>
+                <c:pt idx="5">
+                  <c:v>16</c:v>
+                </c:pt>
+                <c:pt idx="6">
+                  <c:v>7</c:v>
+                </c:pt>
+                <c:pt idx="7">
+                  <c:v>81</c:v>
+                </c:pt>
+                <c:pt idx="8">
+                  <c:v>146</c:v>
+                </c:pt>
+                <c:pt idx="9">
+                  <c:v>23</c:v>
+                </c:pt>
+                <c:pt idx="10">
+                  <c:v>131</c:v>
+                </c:pt>
+                <c:pt idx="11">
+                  <c:v>9</c:v>
+                </c:pt>
+                <c:pt idx="12">
+                  <c:v>89</c:v>
+                </c:pt>
+                <c:pt idx="13">
+                  <c:v>102</c:v>
+                </c:pt>
+                <c:pt idx="14">
+                  <c:v>95</c:v>
+                </c:pt>
+                <c:pt idx="15">
+                  <c:v>33</c:v>
+                </c:pt>
+                <c:pt idx="16">
+                  <c:v>35</c:v>
+                </c:pt>
+                <c:pt idx="17">
+                  <c:v>48</c:v>
+                </c:pt>
+                <c:pt idx="18">
+                  <c:v>69</c:v>
+                </c:pt>
+                <c:pt idx="19">
+                  <c:v>13</c:v>
+                </c:pt>
+              </c:numCache>
+            </c:numRef>
+          </c:val>
+        </c:ser>
+        <c:ser>
+          <c:idx val="2"/>
+          <c:order val="2"/>
+          <c:tx>
+            <c:strRef>
+              <c:f>Sheet1!$D$1</c:f>
+              <c:strCache>
+                <c:ptCount val="1"/>
+                <c:pt idx="0">
+                  <c:v>Negative</c:v>
+                </c:pt>
+              </c:strCache>
+            </c:strRef>
+          </c:tx>
+          <c:spPr>
+            <a:solidFill>
+              <a:srgbClr val="F60140"/>
+            </a:solidFill>
+          </c:spPr>
+          <c:cat>
+            <c:strRef>
+              <c:f>Sheet1!$A$2:$A$21</c:f>
+              <c:strCache>
+                <c:ptCount val="20"/>
+                <c:pt idx="0">
+                  <c:v>ABB Bank</c:v>
+                </c:pt>
+                <c:pt idx="1">
+                  <c:v>AFB Bank</c:v>
+                </c:pt>
+                <c:pt idx="2">
+                  <c:v>AccessBank</c:v>
+                </c:pt>
+                <c:pt idx="3">
+                  <c:v>Azər Türk Bank</c:v>
+                </c:pt>
+                <c:pt idx="4">
+                  <c:v>Azərbaycan Sənaye Bankı</c:v>
+                </c:pt>
+                <c:pt idx="5">
+                  <c:v>BTB Bank</c:v>
+                </c:pt>
+                <c:pt idx="6">
+                  <c:v>Bank Avrasiya</c:v>
+                </c:pt>
+                <c:pt idx="7">
+                  <c:v>Bank Of Baku</c:v>
+                </c:pt>
+                <c:pt idx="8">
+                  <c:v>Bank Respublika</c:v>
+                </c:pt>
+                <c:pt idx="9">
+                  <c:v>Express Bank</c:v>
+                </c:pt>
+                <c:pt idx="10">
+                  <c:v>Kapital Bank</c:v>
+                </c:pt>
+                <c:pt idx="11">
+                  <c:v>Leobank</c:v>
+                </c:pt>
+                <c:pt idx="12">
+                  <c:v>Paşa Bank</c:v>
+                </c:pt>
+                <c:pt idx="13">
+                  <c:v>Rabita Bank</c:v>
+                </c:pt>
+                <c:pt idx="14">
+                  <c:v>Turan Bank</c:v>
+                </c:pt>
+                <c:pt idx="15">
+                  <c:v>Unibank</c:v>
+                </c:pt>
+                <c:pt idx="16">
+                  <c:v>VTB Bank</c:v>
+                </c:pt>
+                <c:pt idx="17">
+                  <c:v>Xalq Bank</c:v>
+                </c:pt>
+                <c:pt idx="18">
+                  <c:v>Yelo Bank</c:v>
+                </c:pt>
+                <c:pt idx="19">
+                  <c:v>Ziraat Bank</c:v>
+                </c:pt>
+              </c:strCache>
+            </c:strRef>
+          </c:cat>
+          <c:val>
+            <c:numRef>
+              <c:f>Sheet1!$D$2:$D$21</c:f>
+              <c:numCache>
+                <c:formatCode>General</c:formatCode>
+                <c:ptCount val="20"/>
+                <c:pt idx="0">
+                  <c:v>13</c:v>
+                </c:pt>
+                <c:pt idx="1">
+                  <c:v>1</c:v>
+                </c:pt>
+                <c:pt idx="2">
+                  <c:v>12</c:v>
+                </c:pt>
+                <c:pt idx="3">
+                  <c:v>14</c:v>
+                </c:pt>
+                <c:pt idx="4">
+                  <c:v>8</c:v>
+                </c:pt>
+                <c:pt idx="5">
+                  <c:v>1</c:v>
+                </c:pt>
+                <c:pt idx="6">
+                  <c:v>17</c:v>
+                </c:pt>
+                <c:pt idx="7">
+                  <c:v>11</c:v>
+                </c:pt>
+                <c:pt idx="8">
+                  <c:v>6</c:v>
+                </c:pt>
+                <c:pt idx="9">
+                  <c:v>4</c:v>
+                </c:pt>
+                <c:pt idx="10">
+                  <c:v>91</c:v>
+                </c:pt>
+                <c:pt idx="11">
+                  <c:v>4</c:v>
+                </c:pt>
+                <c:pt idx="12">
+                  <c:v>8</c:v>
+                </c:pt>
+                <c:pt idx="13">
+                  <c:v>16</c:v>
+                </c:pt>
+                <c:pt idx="14">
+                  <c:v>69</c:v>
+                </c:pt>
+                <c:pt idx="15">
+                  <c:v>8</c:v>
+                </c:pt>
+                <c:pt idx="16">
+                  <c:v>3</c:v>
+                </c:pt>
+                <c:pt idx="17">
+                  <c:v>5</c:v>
+                </c:pt>
+                <c:pt idx="18">
+                  <c:v>2</c:v>
+                </c:pt>
+                <c:pt idx="19">
+                  <c:v>1</c:v>
+                </c:pt>
+              </c:numCache>
+            </c:numRef>
+          </c:val>
+        </c:ser>
+        <c:axId val="-2068027336"/>
+        <c:axId val="-2113994440"/>
+      </c:barChart>
+      <c:catAx>
+        <c:axId val="-2068027336"/>
+        <c:scaling>
+          <c:orientation val="minMax"/>
+        </c:scaling>
+        <c:delete val="0"/>
+        <c:axPos val="b"/>
+        <c:majorTickMark val="out"/>
+        <c:minorTickMark val="none"/>
+        <c:tickLblPos val="nextTo"/>
         <c:txPr>
           <a:bodyPr/>
           <a:lstStyle/>
           <a:p>
             <a:pPr>
-              <a:defRPr sz="1000"/>
+              <a:defRPr sz="800"/>
             </a:pPr>
           </a:p>
         </c:txPr>
+        <c:crossAx val="-2113994440"/>
+        <c:crosses val="autoZero"/>
+        <c:auto val="1"/>
+        <c:lblAlgn val="ctr"/>
+        <c:lblOffset val="100"/>
+        <c:noMultiLvlLbl val="0"/>
+      </c:catAx>
+      <c:valAx>
+        <c:axId val="-2113994440"/>
+        <c:scaling/>
+        <c:delete val="0"/>
+        <c:axPos val="l"/>
+        <c:majorGridlines/>
+        <c:majorTickMark val="out"/>
+        <c:minorTickMark val="none"/>
+        <c:tickLblPos val="nextTo"/>
         <c:crossAx val="-2068027336"/>
         <c:crosses val="autoZero"/>
       </c:valAx>
     </c:plotArea>
     <c:legend>
       <c:legendPos val="b"/>
+      <c:txPr>
+        <a:bodyPr/>
+        <a:lstStyle/>
+        <a:p>
+          <a:pPr>
+            <a:defRPr sz="1000"/>
+          </a:pPr>
+        </a:p>
+      </c:txPr>
     </c:legend>
     <c:dispBlanksAs val="gap"/>
   </c:chart>
@@ -6204,6 +7865,14 @@
 <file path=ppt/slides/slide1.xml><?xml version="1.0" encoding="utf-8"?>
 <p:sld xmlns:a="http://schemas.openxmlformats.org/drawingml/2006/main" xmlns:p="http://schemas.openxmlformats.org/presentationml/2006/main" xmlns:r="http://schemas.openxmlformats.org/officeDocument/2006/relationships">
   <p:cSld>
+    <p:bg>
+      <p:bgPr>
+        <a:solidFill>
+          <a:srgbClr val="F0F0F0"/>
+        </a:solidFill>
+        <a:effectLst/>
+      </p:bgPr>
+    </p:bg>
     <p:spTree>
       <p:nvGrpSpPr>
         <p:cNvPr id="1" name=""/>
@@ -6226,6 +7895,9 @@
           <a:bodyPr/>
           <a:lstStyle/>
           <a:p>
+            <a:pPr>
+              <a:defRPr sz="3200"/>
+            </a:pPr>
             <a:r>
               <a:t>Report for BTB Bank</a:t>
             </a:r>
@@ -6247,6 +7919,9 @@
           <a:bodyPr/>
           <a:lstStyle/>
           <a:p>
+            <a:pPr>
+              <a:defRPr sz="2400"/>
+            </a:pPr>
             <a:r>
               <a:t>Date: 2025-05-30</a:t>
             </a:r>
@@ -6264,6 +7939,14 @@
 <file path=ppt/slides/slide2.xml><?xml version="1.0" encoding="utf-8"?>
 <p:sld xmlns:a="http://schemas.openxmlformats.org/drawingml/2006/main" xmlns:p="http://schemas.openxmlformats.org/presentationml/2006/main" xmlns:r="http://schemas.openxmlformats.org/officeDocument/2006/relationships">
   <p:cSld>
+    <p:bg>
+      <p:bgPr>
+        <a:solidFill>
+          <a:srgbClr val="F0F0F0"/>
+        </a:solidFill>
+        <a:effectLst/>
+      </p:bgPr>
+    </p:bg>
     <p:spTree>
       <p:nvGrpSpPr>
         <p:cNvPr id="1" name=""/>
@@ -6335,6 +8018,14 @@
 <file path=ppt/slides/slide3.xml><?xml version="1.0" encoding="utf-8"?>
 <p:sld xmlns:a="http://schemas.openxmlformats.org/drawingml/2006/main" xmlns:p="http://schemas.openxmlformats.org/presentationml/2006/main" xmlns:r="http://schemas.openxmlformats.org/officeDocument/2006/relationships">
   <p:cSld>
+    <p:bg>
+      <p:bgPr>
+        <a:solidFill>
+          <a:srgbClr val="F0F0F0"/>
+        </a:solidFill>
+        <a:effectLst/>
+      </p:bgPr>
+    </p:bg>
     <p:spTree>
       <p:nvGrpSpPr>
         <p:cNvPr id="1" name=""/>
@@ -6374,6 +8065,2593 @@
         <a:graphic>
           <a:graphicData uri="http://schemas.openxmlformats.org/drawingml/2006/chart">
             <c:chart xmlns:c="http://schemas.openxmlformats.org/drawingml/2006/chart" r:id="rId2"/>
+          </a:graphicData>
+        </a:graphic>
+      </p:graphicFrame>
+    </p:spTree>
+  </p:cSld>
+  <p:clrMapOvr>
+    <a:masterClrMapping/>
+  </p:clrMapOvr>
+</p:sld>
+</file>
+
+<file path=ppt/slides/slide4.xml><?xml version="1.0" encoding="utf-8"?>
+<p:sld xmlns:a="http://schemas.openxmlformats.org/drawingml/2006/main" xmlns:p="http://schemas.openxmlformats.org/presentationml/2006/main" xmlns:r="http://schemas.openxmlformats.org/officeDocument/2006/relationships">
+  <p:cSld>
+    <p:bg>
+      <p:bgPr>
+        <a:solidFill>
+          <a:srgbClr val="F0F0F0"/>
+        </a:solidFill>
+        <a:effectLst/>
+      </p:bgPr>
+    </p:bg>
+    <p:spTree>
+      <p:nvGrpSpPr>
+        <p:cNvPr id="1" name=""/>
+        <p:cNvGrpSpPr/>
+        <p:nvPr/>
+      </p:nvGrpSpPr>
+      <p:grpSpPr/>
+      <p:sp>
+        <p:nvSpPr>
+          <p:cNvPr id="2" name="Title 1"/>
+          <p:cNvSpPr>
+            <a:spLocks noGrp="1"/>
+          </p:cNvSpPr>
+          <p:nvPr>
+            <p:ph type="title"/>
+          </p:nvPr>
+        </p:nvSpPr>
+        <p:spPr/>
+        <p:txBody>
+          <a:bodyPr/>
+          <a:lstStyle/>
+          <a:p/>
+        </p:txBody>
+      </p:sp>
+      <p:graphicFrame>
+        <p:nvGraphicFramePr>
+          <p:cNvPr id="3" name="Chart 2"/>
+          <p:cNvGraphicFramePr>
+            <a:graphicFrameLocks noGrp="1"/>
+          </p:cNvGraphicFramePr>
+          <p:nvPr/>
+        </p:nvGraphicFramePr>
+        <p:xfrm>
+          <a:off x="457200" y="914400"/>
+          <a:ext cx="8229600" cy="4572000"/>
+        </p:xfrm>
+        <a:graphic>
+          <a:graphicData uri="http://schemas.openxmlformats.org/drawingml/2006/chart">
+            <c:chart xmlns:c="http://schemas.openxmlformats.org/drawingml/2006/chart" r:id="rId2"/>
+          </a:graphicData>
+        </a:graphic>
+      </p:graphicFrame>
+    </p:spTree>
+  </p:cSld>
+  <p:clrMapOvr>
+    <a:masterClrMapping/>
+  </p:clrMapOvr>
+</p:sld>
+</file>
+
+<file path=ppt/slides/slide5.xml><?xml version="1.0" encoding="utf-8"?>
+<p:sld xmlns:a="http://schemas.openxmlformats.org/drawingml/2006/main" xmlns:p="http://schemas.openxmlformats.org/presentationml/2006/main" xmlns:r="http://schemas.openxmlformats.org/officeDocument/2006/relationships">
+  <p:cSld>
+    <p:bg>
+      <p:bgPr>
+        <a:solidFill>
+          <a:srgbClr val="F0F0F0"/>
+        </a:solidFill>
+        <a:effectLst/>
+      </p:bgPr>
+    </p:bg>
+    <p:spTree>
+      <p:nvGrpSpPr>
+        <p:cNvPr id="1" name=""/>
+        <p:cNvGrpSpPr/>
+        <p:nvPr/>
+      </p:nvGrpSpPr>
+      <p:grpSpPr/>
+      <p:sp>
+        <p:nvSpPr>
+          <p:cNvPr id="2" name="Title 1"/>
+          <p:cNvSpPr>
+            <a:spLocks noGrp="1"/>
+          </p:cNvSpPr>
+          <p:nvPr>
+            <p:ph type="title"/>
+          </p:nvPr>
+        </p:nvSpPr>
+        <p:spPr/>
+        <p:txBody>
+          <a:bodyPr/>
+          <a:lstStyle/>
+          <a:p/>
+        </p:txBody>
+      </p:sp>
+      <p:sp>
+        <p:nvSpPr>
+          <p:cNvPr id="3" name="Rectangle 2"/>
+          <p:cNvSpPr/>
+          <p:nvPr/>
+        </p:nvSpPr>
+        <p:spPr>
+          <a:xfrm>
+            <a:off x="457200" y="914400"/>
+            <a:ext cx="1828800" cy="4572000"/>
+          </a:xfrm>
+          <a:prstGeom prst="rect">
+            <a:avLst/>
+          </a:prstGeom>
+          <a:solidFill>
+            <a:srgbClr val="FF0000"/>
+          </a:solidFill>
+        </p:spPr>
+        <p:style>
+          <a:lnRef idx="1">
+            <a:schemeClr val="accent1"/>
+          </a:lnRef>
+          <a:fillRef idx="3">
+            <a:schemeClr val="accent1"/>
+          </a:fillRef>
+          <a:effectRef idx="2">
+            <a:schemeClr val="accent1"/>
+          </a:effectRef>
+          <a:fontRef idx="minor">
+            <a:schemeClr val="lt1"/>
+          </a:fontRef>
+        </p:style>
+        <p:txBody>
+          <a:bodyPr rtlCol="0" anchor="ctr"/>
+          <a:lstStyle/>
+          <a:p>
+            <a:pPr algn="ctr"/>
+          </a:p>
+        </p:txBody>
+      </p:sp>
+      <p:sp>
+        <p:nvSpPr>
+          <p:cNvPr id="4" name="TextBox 3"/>
+          <p:cNvSpPr txBox="1"/>
+          <p:nvPr/>
+        </p:nvSpPr>
+        <p:spPr>
+          <a:xfrm>
+            <a:off x="457200" y="914400"/>
+            <a:ext cx="1828800" cy="4572000"/>
+          </a:xfrm>
+          <a:prstGeom prst="rect">
+            <a:avLst/>
+          </a:prstGeom>
+          <a:noFill/>
+        </p:spPr>
+        <p:txBody>
+          <a:bodyPr wrap="none">
+            <a:spAutoFit/>
+          </a:bodyPr>
+          <a:lstStyle/>
+          <a:p/>
+          <a:p>
+            <a:pPr algn="l">
+              <a:defRPr sz="1200">
+                <a:solidFill>
+                  <a:srgbClr val="FFFFFF"/>
+                </a:solidFill>
+              </a:defRPr>
+            </a:pPr>
+            <a:r>
+              <a:t>Posts Count: 6</a:t>
+            </a:r>
+          </a:p>
+          <a:p>
+            <a:pPr algn="l">
+              <a:defRPr sz="1200">
+                <a:solidFill>
+                  <a:srgbClr val="FFFFFF"/>
+                </a:solidFill>
+              </a:defRPr>
+            </a:pPr>
+            <a:r>
+              <a:t>Total Comments: 1</a:t>
+            </a:r>
+          </a:p>
+          <a:p>
+            <a:pPr algn="l">
+              <a:defRPr sz="1200">
+                <a:solidFill>
+                  <a:srgbClr val="FFFFFF"/>
+                </a:solidFill>
+              </a:defRPr>
+            </a:pPr>
+            <a:r>
+              <a:t>Total Likes: 249</a:t>
+            </a:r>
+          </a:p>
+          <a:p>
+            <a:pPr algn="l">
+              <a:defRPr sz="1200">
+                <a:solidFill>
+                  <a:srgbClr val="FFFFFF"/>
+                </a:solidFill>
+              </a:defRPr>
+            </a:pPr>
+            <a:r>
+              <a:t>Total Shares: 59</a:t>
+            </a:r>
+          </a:p>
+          <a:p>
+            <a:pPr algn="l">
+              <a:defRPr sz="1200">
+                <a:solidFill>
+                  <a:srgbClr val="FFFFFF"/>
+                </a:solidFill>
+              </a:defRPr>
+            </a:pPr>
+            <a:r>
+              <a:t>Total Views: 11,217</a:t>
+            </a:r>
+          </a:p>
+        </p:txBody>
+      </p:sp>
+      <p:graphicFrame>
+        <p:nvGraphicFramePr>
+          <p:cNvPr id="5" name="Chart 4"/>
+          <p:cNvGraphicFramePr>
+            <a:graphicFrameLocks noGrp="1"/>
+          </p:cNvGraphicFramePr>
+          <p:nvPr/>
+        </p:nvGraphicFramePr>
+        <p:xfrm>
+          <a:off x="2743200" y="914400"/>
+          <a:ext cx="2743200" cy="2743200"/>
+        </p:xfrm>
+        <a:graphic>
+          <a:graphicData uri="http://schemas.openxmlformats.org/drawingml/2006/chart">
+            <c:chart xmlns:c="http://schemas.openxmlformats.org/drawingml/2006/chart" r:id="rId2"/>
+          </a:graphicData>
+        </a:graphic>
+      </p:graphicFrame>
+      <p:graphicFrame>
+        <p:nvGraphicFramePr>
+          <p:cNvPr id="6" name="Chart 5"/>
+          <p:cNvGraphicFramePr>
+            <a:graphicFrameLocks noGrp="1"/>
+          </p:cNvGraphicFramePr>
+          <p:nvPr/>
+        </p:nvGraphicFramePr>
+        <p:xfrm>
+          <a:off x="5486400" y="914400"/>
+          <a:ext cx="2743200" cy="2743200"/>
+        </p:xfrm>
+        <a:graphic>
+          <a:graphicData uri="http://schemas.openxmlformats.org/drawingml/2006/chart">
+            <c:chart xmlns:c="http://schemas.openxmlformats.org/drawingml/2006/chart" r:id="rId3"/>
+          </a:graphicData>
+        </a:graphic>
+      </p:graphicFrame>
+      <p:graphicFrame>
+        <p:nvGraphicFramePr>
+          <p:cNvPr id="7" name="Chart 6"/>
+          <p:cNvGraphicFramePr>
+            <a:graphicFrameLocks noGrp="1"/>
+          </p:cNvGraphicFramePr>
+          <p:nvPr/>
+        </p:nvGraphicFramePr>
+        <p:xfrm>
+          <a:off x="2743200" y="3657600"/>
+          <a:ext cx="5486400" cy="2743200"/>
+        </p:xfrm>
+        <a:graphic>
+          <a:graphicData uri="http://schemas.openxmlformats.org/drawingml/2006/chart">
+            <c:chart xmlns:c="http://schemas.openxmlformats.org/drawingml/2006/chart" r:id="rId4"/>
+          </a:graphicData>
+        </a:graphic>
+      </p:graphicFrame>
+    </p:spTree>
+  </p:cSld>
+  <p:clrMapOvr>
+    <a:masterClrMapping/>
+  </p:clrMapOvr>
+</p:sld>
+</file>
+
+<file path=ppt/slides/slide6.xml><?xml version="1.0" encoding="utf-8"?>
+<p:sld xmlns:a="http://schemas.openxmlformats.org/drawingml/2006/main" xmlns:p="http://schemas.openxmlformats.org/presentationml/2006/main" xmlns:r="http://schemas.openxmlformats.org/officeDocument/2006/relationships">
+  <p:cSld>
+    <p:bg>
+      <p:bgPr>
+        <a:solidFill>
+          <a:srgbClr val="F0F0F0"/>
+        </a:solidFill>
+        <a:effectLst/>
+      </p:bgPr>
+    </p:bg>
+    <p:spTree>
+      <p:nvGrpSpPr>
+        <p:cNvPr id="1" name=""/>
+        <p:cNvGrpSpPr/>
+        <p:nvPr/>
+      </p:nvGrpSpPr>
+      <p:grpSpPr/>
+      <p:sp>
+        <p:nvSpPr>
+          <p:cNvPr id="2" name="Title 1"/>
+          <p:cNvSpPr>
+            <a:spLocks noGrp="1"/>
+          </p:cNvSpPr>
+          <p:nvPr>
+            <p:ph type="title"/>
+          </p:nvPr>
+        </p:nvSpPr>
+        <p:spPr/>
+        <p:txBody>
+          <a:bodyPr/>
+          <a:lstStyle/>
+          <a:p/>
+        </p:txBody>
+      </p:sp>
+      <p:graphicFrame>
+        <p:nvGraphicFramePr>
+          <p:cNvPr id="3" name="Table 2"/>
+          <p:cNvGraphicFramePr>
+            <a:graphicFrameLocks noGrp="1"/>
+          </p:cNvGraphicFramePr>
+          <p:nvPr/>
+        </p:nvGraphicFramePr>
+        <p:xfrm>
+          <a:off x="457200" y="914400"/>
+          <a:ext cx="8229600" cy="4572000"/>
+        </p:xfrm>
+        <a:graphic>
+          <a:graphicData uri="http://schemas.openxmlformats.org/drawingml/2006/table">
+            <a:tbl>
+              <a:tblPr firstRow="1" bandRow="1">
+                <a:tableStyleId>{5C22544A-7EE6-4342-B048-85BDC9FD1C3A}</a:tableStyleId>
+              </a:tblPr>
+              <a:tblGrid>
+                <a:gridCol w="1828800"/>
+                <a:gridCol w="1280160"/>
+                <a:gridCol w="1280160"/>
+                <a:gridCol w="1280160"/>
+                <a:gridCol w="1280160"/>
+                <a:gridCol w="1280160"/>
+              </a:tblGrid>
+              <a:tr h="190500">
+                <a:tc>
+                  <a:txBody>
+                    <a:bodyPr/>
+                    <a:lstStyle/>
+                    <a:p>
+                      <a:pPr>
+                        <a:defRPr sz="1200" b="1"/>
+                      </a:pPr>
+                      <a:r>
+                        <a:t>Company</a:t>
+                      </a:r>
+                    </a:p>
+                  </a:txBody>
+                  <a:tcPr>
+                    <a:solidFill>
+                      <a:srgbClr val="C8C8C8"/>
+                    </a:solidFill>
+                  </a:tcPr>
+                </a:tc>
+                <a:tc>
+                  <a:txBody>
+                    <a:bodyPr/>
+                    <a:lstStyle/>
+                    <a:p>
+                      <a:pPr>
+                        <a:defRPr sz="1200" b="1"/>
+                      </a:pPr>
+                      <a:r>
+                        <a:t>Posts</a:t>
+                      </a:r>
+                    </a:p>
+                  </a:txBody>
+                  <a:tcPr>
+                    <a:solidFill>
+                      <a:srgbClr val="C8C8C8"/>
+                    </a:solidFill>
+                  </a:tcPr>
+                </a:tc>
+                <a:tc>
+                  <a:txBody>
+                    <a:bodyPr/>
+                    <a:lstStyle/>
+                    <a:p>
+                      <a:pPr>
+                        <a:defRPr sz="1200" b="1"/>
+                      </a:pPr>
+                      <a:r>
+                        <a:t>Comments</a:t>
+                      </a:r>
+                    </a:p>
+                  </a:txBody>
+                  <a:tcPr>
+                    <a:solidFill>
+                      <a:srgbClr val="C8C8C8"/>
+                    </a:solidFill>
+                  </a:tcPr>
+                </a:tc>
+                <a:tc>
+                  <a:txBody>
+                    <a:bodyPr/>
+                    <a:lstStyle/>
+                    <a:p>
+                      <a:pPr>
+                        <a:defRPr sz="1200" b="1"/>
+                      </a:pPr>
+                      <a:r>
+                        <a:t>Likes</a:t>
+                      </a:r>
+                    </a:p>
+                  </a:txBody>
+                  <a:tcPr>
+                    <a:solidFill>
+                      <a:srgbClr val="C8C8C8"/>
+                    </a:solidFill>
+                  </a:tcPr>
+                </a:tc>
+                <a:tc>
+                  <a:txBody>
+                    <a:bodyPr/>
+                    <a:lstStyle/>
+                    <a:p>
+                      <a:pPr>
+                        <a:defRPr sz="1200" b="1"/>
+                      </a:pPr>
+                      <a:r>
+                        <a:t>Shares</a:t>
+                      </a:r>
+                    </a:p>
+                  </a:txBody>
+                  <a:tcPr>
+                    <a:solidFill>
+                      <a:srgbClr val="C8C8C8"/>
+                    </a:solidFill>
+                  </a:tcPr>
+                </a:tc>
+                <a:tc>
+                  <a:txBody>
+                    <a:bodyPr/>
+                    <a:lstStyle/>
+                    <a:p>
+                      <a:pPr>
+                        <a:defRPr sz="1200" b="1"/>
+                      </a:pPr>
+                      <a:r>
+                        <a:t>Views</a:t>
+                      </a:r>
+                    </a:p>
+                  </a:txBody>
+                  <a:tcPr>
+                    <a:solidFill>
+                      <a:srgbClr val="C8C8C8"/>
+                    </a:solidFill>
+                  </a:tcPr>
+                </a:tc>
+              </a:tr>
+              <a:tr h="190500">
+                <a:tc>
+                  <a:txBody>
+                    <a:bodyPr/>
+                    <a:lstStyle/>
+                    <a:p>
+                      <a:pPr>
+                        <a:defRPr sz="1000"/>
+                      </a:pPr>
+                      <a:r>
+                        <a:t>ABB bank</a:t>
+                      </a:r>
+                    </a:p>
+                  </a:txBody>
+                  <a:tcPr/>
+                </a:tc>
+                <a:tc>
+                  <a:txBody>
+                    <a:bodyPr/>
+                    <a:lstStyle/>
+                    <a:p>
+                      <a:pPr>
+                        <a:defRPr sz="1000"/>
+                      </a:pPr>
+                      <a:r>
+                        <a:t>57</a:t>
+                      </a:r>
+                    </a:p>
+                  </a:txBody>
+                  <a:tcPr/>
+                </a:tc>
+                <a:tc>
+                  <a:txBody>
+                    <a:bodyPr/>
+                    <a:lstStyle/>
+                    <a:p>
+                      <a:pPr>
+                        <a:defRPr sz="1000"/>
+                      </a:pPr>
+                      <a:r>
+                        <a:t>484</a:t>
+                      </a:r>
+                    </a:p>
+                  </a:txBody>
+                  <a:tcPr/>
+                </a:tc>
+                <a:tc>
+                  <a:txBody>
+                    <a:bodyPr/>
+                    <a:lstStyle/>
+                    <a:p>
+                      <a:pPr>
+                        <a:defRPr sz="1000"/>
+                      </a:pPr>
+                      <a:r>
+                        <a:t>5923</a:t>
+                      </a:r>
+                    </a:p>
+                  </a:txBody>
+                  <a:tcPr/>
+                </a:tc>
+                <a:tc>
+                  <a:txBody>
+                    <a:bodyPr/>
+                    <a:lstStyle/>
+                    <a:p>
+                      <a:pPr>
+                        <a:defRPr sz="1000"/>
+                      </a:pPr>
+                      <a:r>
+                        <a:t>495</a:t>
+                      </a:r>
+                    </a:p>
+                  </a:txBody>
+                  <a:tcPr/>
+                </a:tc>
+                <a:tc>
+                  <a:txBody>
+                    <a:bodyPr/>
+                    <a:lstStyle/>
+                    <a:p>
+                      <a:pPr>
+                        <a:defRPr sz="1000"/>
+                      </a:pPr>
+                      <a:r>
+                        <a:t>210609</a:t>
+                      </a:r>
+                    </a:p>
+                  </a:txBody>
+                  <a:tcPr/>
+                </a:tc>
+              </a:tr>
+              <a:tr h="190500">
+                <a:tc>
+                  <a:txBody>
+                    <a:bodyPr/>
+                    <a:lstStyle/>
+                    <a:p>
+                      <a:pPr>
+                        <a:defRPr sz="1000"/>
+                      </a:pPr>
+                      <a:r>
+                        <a:t>AFB Bank</a:t>
+                      </a:r>
+                    </a:p>
+                  </a:txBody>
+                  <a:tcPr/>
+                </a:tc>
+                <a:tc>
+                  <a:txBody>
+                    <a:bodyPr/>
+                    <a:lstStyle/>
+                    <a:p>
+                      <a:pPr>
+                        <a:defRPr sz="1000"/>
+                      </a:pPr>
+                      <a:r>
+                        <a:t>6</a:t>
+                      </a:r>
+                    </a:p>
+                  </a:txBody>
+                  <a:tcPr/>
+                </a:tc>
+                <a:tc>
+                  <a:txBody>
+                    <a:bodyPr/>
+                    <a:lstStyle/>
+                    <a:p>
+                      <a:pPr>
+                        <a:defRPr sz="1000"/>
+                      </a:pPr>
+                      <a:r>
+                        <a:t>15</a:t>
+                      </a:r>
+                    </a:p>
+                  </a:txBody>
+                  <a:tcPr/>
+                </a:tc>
+                <a:tc>
+                  <a:txBody>
+                    <a:bodyPr/>
+                    <a:lstStyle/>
+                    <a:p>
+                      <a:pPr>
+                        <a:defRPr sz="1000"/>
+                      </a:pPr>
+                      <a:r>
+                        <a:t>161</a:t>
+                      </a:r>
+                    </a:p>
+                  </a:txBody>
+                  <a:tcPr/>
+                </a:tc>
+                <a:tc>
+                  <a:txBody>
+                    <a:bodyPr/>
+                    <a:lstStyle/>
+                    <a:p>
+                      <a:pPr>
+                        <a:defRPr sz="1000"/>
+                      </a:pPr>
+                      <a:r>
+                        <a:t>16</a:t>
+                      </a:r>
+                    </a:p>
+                  </a:txBody>
+                  <a:tcPr/>
+                </a:tc>
+                <a:tc>
+                  <a:txBody>
+                    <a:bodyPr/>
+                    <a:lstStyle/>
+                    <a:p>
+                      <a:pPr>
+                        <a:defRPr sz="1000"/>
+                      </a:pPr>
+                      <a:r>
+                        <a:t>5846</a:t>
+                      </a:r>
+                    </a:p>
+                  </a:txBody>
+                  <a:tcPr/>
+                </a:tc>
+              </a:tr>
+              <a:tr h="190500">
+                <a:tc>
+                  <a:txBody>
+                    <a:bodyPr/>
+                    <a:lstStyle/>
+                    <a:p>
+                      <a:pPr>
+                        <a:defRPr sz="1000"/>
+                      </a:pPr>
+                      <a:r>
+                        <a:t>Access bank </a:t>
+                      </a:r>
+                    </a:p>
+                  </a:txBody>
+                  <a:tcPr/>
+                </a:tc>
+                <a:tc>
+                  <a:txBody>
+                    <a:bodyPr/>
+                    <a:lstStyle/>
+                    <a:p>
+                      <a:pPr>
+                        <a:defRPr sz="1000"/>
+                      </a:pPr>
+                      <a:r>
+                        <a:t>24</a:t>
+                      </a:r>
+                    </a:p>
+                  </a:txBody>
+                  <a:tcPr/>
+                </a:tc>
+                <a:tc>
+                  <a:txBody>
+                    <a:bodyPr/>
+                    <a:lstStyle/>
+                    <a:p>
+                      <a:pPr>
+                        <a:defRPr sz="1000"/>
+                      </a:pPr>
+                      <a:r>
+                        <a:t>22</a:t>
+                      </a:r>
+                    </a:p>
+                  </a:txBody>
+                  <a:tcPr/>
+                </a:tc>
+                <a:tc>
+                  <a:txBody>
+                    <a:bodyPr/>
+                    <a:lstStyle/>
+                    <a:p>
+                      <a:pPr>
+                        <a:defRPr sz="1000"/>
+                      </a:pPr>
+                      <a:r>
+                        <a:t>1267</a:t>
+                      </a:r>
+                    </a:p>
+                  </a:txBody>
+                  <a:tcPr/>
+                </a:tc>
+                <a:tc>
+                  <a:txBody>
+                    <a:bodyPr/>
+                    <a:lstStyle/>
+                    <a:p>
+                      <a:pPr>
+                        <a:defRPr sz="1000"/>
+                      </a:pPr>
+                      <a:r>
+                        <a:t>231</a:t>
+                      </a:r>
+                    </a:p>
+                  </a:txBody>
+                  <a:tcPr/>
+                </a:tc>
+                <a:tc>
+                  <a:txBody>
+                    <a:bodyPr/>
+                    <a:lstStyle/>
+                    <a:p>
+                      <a:pPr>
+                        <a:defRPr sz="1000"/>
+                      </a:pPr>
+                      <a:r>
+                        <a:t>47330</a:t>
+                      </a:r>
+                    </a:p>
+                  </a:txBody>
+                  <a:tcPr/>
+                </a:tc>
+              </a:tr>
+              <a:tr h="190500">
+                <a:tc>
+                  <a:txBody>
+                    <a:bodyPr/>
+                    <a:lstStyle/>
+                    <a:p>
+                      <a:pPr>
+                        <a:defRPr sz="1000"/>
+                      </a:pPr>
+                      <a:r>
+                        <a:t>Azer Turk Bank</a:t>
+                      </a:r>
+                    </a:p>
+                  </a:txBody>
+                  <a:tcPr/>
+                </a:tc>
+                <a:tc>
+                  <a:txBody>
+                    <a:bodyPr/>
+                    <a:lstStyle/>
+                    <a:p>
+                      <a:pPr>
+                        <a:defRPr sz="1000"/>
+                      </a:pPr>
+                      <a:r>
+                        <a:t>4</a:t>
+                      </a:r>
+                    </a:p>
+                  </a:txBody>
+                  <a:tcPr/>
+                </a:tc>
+                <a:tc>
+                  <a:txBody>
+                    <a:bodyPr/>
+                    <a:lstStyle/>
+                    <a:p>
+                      <a:pPr>
+                        <a:defRPr sz="1000"/>
+                      </a:pPr>
+                      <a:r>
+                        <a:t>3</a:t>
+                      </a:r>
+                    </a:p>
+                  </a:txBody>
+                  <a:tcPr/>
+                </a:tc>
+                <a:tc>
+                  <a:txBody>
+                    <a:bodyPr/>
+                    <a:lstStyle/>
+                    <a:p>
+                      <a:pPr>
+                        <a:defRPr sz="1000"/>
+                      </a:pPr>
+                      <a:r>
+                        <a:t>128</a:t>
+                      </a:r>
+                    </a:p>
+                  </a:txBody>
+                  <a:tcPr/>
+                </a:tc>
+                <a:tc>
+                  <a:txBody>
+                    <a:bodyPr/>
+                    <a:lstStyle/>
+                    <a:p>
+                      <a:pPr>
+                        <a:defRPr sz="1000"/>
+                      </a:pPr>
+                      <a:r>
+                        <a:t>31</a:t>
+                      </a:r>
+                    </a:p>
+                  </a:txBody>
+                  <a:tcPr/>
+                </a:tc>
+                <a:tc>
+                  <a:txBody>
+                    <a:bodyPr/>
+                    <a:lstStyle/>
+                    <a:p>
+                      <a:pPr>
+                        <a:defRPr sz="1000"/>
+                      </a:pPr>
+                      <a:r>
+                        <a:t>5336</a:t>
+                      </a:r>
+                    </a:p>
+                  </a:txBody>
+                  <a:tcPr/>
+                </a:tc>
+              </a:tr>
+              <a:tr h="190500">
+                <a:tc>
+                  <a:txBody>
+                    <a:bodyPr/>
+                    <a:lstStyle/>
+                    <a:p>
+                      <a:pPr>
+                        <a:defRPr sz="1000"/>
+                      </a:pPr>
+                      <a:r>
+                        <a:t>Azərbaycan Sənaye Bankı</a:t>
+                      </a:r>
+                    </a:p>
+                  </a:txBody>
+                  <a:tcPr/>
+                </a:tc>
+                <a:tc>
+                  <a:txBody>
+                    <a:bodyPr/>
+                    <a:lstStyle/>
+                    <a:p>
+                      <a:pPr>
+                        <a:defRPr sz="1000"/>
+                      </a:pPr>
+                      <a:r>
+                        <a:t>7</a:t>
+                      </a:r>
+                    </a:p>
+                  </a:txBody>
+                  <a:tcPr/>
+                </a:tc>
+                <a:tc>
+                  <a:txBody>
+                    <a:bodyPr/>
+                    <a:lstStyle/>
+                    <a:p>
+                      <a:pPr>
+                        <a:defRPr sz="1000"/>
+                      </a:pPr>
+                      <a:r>
+                        <a:t>3</a:t>
+                      </a:r>
+                    </a:p>
+                  </a:txBody>
+                  <a:tcPr/>
+                </a:tc>
+                <a:tc>
+                  <a:txBody>
+                    <a:bodyPr/>
+                    <a:lstStyle/>
+                    <a:p>
+                      <a:pPr>
+                        <a:defRPr sz="1000"/>
+                      </a:pPr>
+                      <a:r>
+                        <a:t>97</a:t>
+                      </a:r>
+                    </a:p>
+                  </a:txBody>
+                  <a:tcPr/>
+                </a:tc>
+                <a:tc>
+                  <a:txBody>
+                    <a:bodyPr/>
+                    <a:lstStyle/>
+                    <a:p>
+                      <a:pPr>
+                        <a:defRPr sz="1000"/>
+                      </a:pPr>
+                      <a:r>
+                        <a:t>0</a:t>
+                      </a:r>
+                    </a:p>
+                  </a:txBody>
+                  <a:tcPr/>
+                </a:tc>
+                <a:tc>
+                  <a:txBody>
+                    <a:bodyPr/>
+                    <a:lstStyle/>
+                    <a:p>
+                      <a:pPr>
+                        <a:defRPr sz="1000"/>
+                      </a:pPr>
+                      <a:r>
+                        <a:t>4361</a:t>
+                      </a:r>
+                    </a:p>
+                  </a:txBody>
+                  <a:tcPr/>
+                </a:tc>
+              </a:tr>
+              <a:tr h="190500">
+                <a:tc>
+                  <a:txBody>
+                    <a:bodyPr/>
+                    <a:lstStyle/>
+                    <a:p>
+                      <a:pPr>
+                        <a:defRPr sz="1000"/>
+                      </a:pPr>
+                      <a:r>
+                        <a:t>BTB Bank</a:t>
+                      </a:r>
+                    </a:p>
+                  </a:txBody>
+                  <a:tcPr/>
+                </a:tc>
+                <a:tc>
+                  <a:txBody>
+                    <a:bodyPr/>
+                    <a:lstStyle/>
+                    <a:p>
+                      <a:pPr>
+                        <a:defRPr sz="1000"/>
+                      </a:pPr>
+                      <a:r>
+                        <a:t>6</a:t>
+                      </a:r>
+                    </a:p>
+                  </a:txBody>
+                  <a:tcPr/>
+                </a:tc>
+                <a:tc>
+                  <a:txBody>
+                    <a:bodyPr/>
+                    <a:lstStyle/>
+                    <a:p>
+                      <a:pPr>
+                        <a:defRPr sz="1000"/>
+                      </a:pPr>
+                      <a:r>
+                        <a:t>1</a:t>
+                      </a:r>
+                    </a:p>
+                  </a:txBody>
+                  <a:tcPr/>
+                </a:tc>
+                <a:tc>
+                  <a:txBody>
+                    <a:bodyPr/>
+                    <a:lstStyle/>
+                    <a:p>
+                      <a:pPr>
+                        <a:defRPr sz="1000"/>
+                      </a:pPr>
+                      <a:r>
+                        <a:t>249</a:t>
+                      </a:r>
+                    </a:p>
+                  </a:txBody>
+                  <a:tcPr/>
+                </a:tc>
+                <a:tc>
+                  <a:txBody>
+                    <a:bodyPr/>
+                    <a:lstStyle/>
+                    <a:p>
+                      <a:pPr>
+                        <a:defRPr sz="1000"/>
+                      </a:pPr>
+                      <a:r>
+                        <a:t>59</a:t>
+                      </a:r>
+                    </a:p>
+                  </a:txBody>
+                  <a:tcPr/>
+                </a:tc>
+                <a:tc>
+                  <a:txBody>
+                    <a:bodyPr/>
+                    <a:lstStyle/>
+                    <a:p>
+                      <a:pPr>
+                        <a:defRPr sz="1000"/>
+                      </a:pPr>
+                      <a:r>
+                        <a:t>11217</a:t>
+                      </a:r>
+                    </a:p>
+                  </a:txBody>
+                  <a:tcPr/>
+                </a:tc>
+              </a:tr>
+              <a:tr h="190500">
+                <a:tc>
+                  <a:txBody>
+                    <a:bodyPr/>
+                    <a:lstStyle/>
+                    <a:p>
+                      <a:pPr>
+                        <a:defRPr sz="1000"/>
+                      </a:pPr>
+                      <a:r>
+                        <a:t>Bank Avrasiya</a:t>
+                      </a:r>
+                    </a:p>
+                  </a:txBody>
+                  <a:tcPr/>
+                </a:tc>
+                <a:tc>
+                  <a:txBody>
+                    <a:bodyPr/>
+                    <a:lstStyle/>
+                    <a:p>
+                      <a:pPr>
+                        <a:defRPr sz="1000"/>
+                      </a:pPr>
+                      <a:r>
+                        <a:t>9</a:t>
+                      </a:r>
+                    </a:p>
+                  </a:txBody>
+                  <a:tcPr/>
+                </a:tc>
+                <a:tc>
+                  <a:txBody>
+                    <a:bodyPr/>
+                    <a:lstStyle/>
+                    <a:p>
+                      <a:pPr>
+                        <a:defRPr sz="1000"/>
+                      </a:pPr>
+                      <a:r>
+                        <a:t>0</a:t>
+                      </a:r>
+                    </a:p>
+                  </a:txBody>
+                  <a:tcPr/>
+                </a:tc>
+                <a:tc>
+                  <a:txBody>
+                    <a:bodyPr/>
+                    <a:lstStyle/>
+                    <a:p>
+                      <a:pPr>
+                        <a:defRPr sz="1000"/>
+                      </a:pPr>
+                      <a:r>
+                        <a:t>22</a:t>
+                      </a:r>
+                    </a:p>
+                  </a:txBody>
+                  <a:tcPr/>
+                </a:tc>
+                <a:tc>
+                  <a:txBody>
+                    <a:bodyPr/>
+                    <a:lstStyle/>
+                    <a:p>
+                      <a:pPr>
+                        <a:defRPr sz="1000"/>
+                      </a:pPr>
+                      <a:r>
+                        <a:t>0</a:t>
+                      </a:r>
+                    </a:p>
+                  </a:txBody>
+                  <a:tcPr/>
+                </a:tc>
+                <a:tc>
+                  <a:txBody>
+                    <a:bodyPr/>
+                    <a:lstStyle/>
+                    <a:p>
+                      <a:pPr>
+                        <a:defRPr sz="1000"/>
+                      </a:pPr>
+                      <a:r>
+                        <a:t>1985</a:t>
+                      </a:r>
+                    </a:p>
+                  </a:txBody>
+                  <a:tcPr/>
+                </a:tc>
+              </a:tr>
+              <a:tr h="190500">
+                <a:tc>
+                  <a:txBody>
+                    <a:bodyPr/>
+                    <a:lstStyle/>
+                    <a:p>
+                      <a:pPr>
+                        <a:defRPr sz="1000"/>
+                      </a:pPr>
+                      <a:r>
+                        <a:t>Bank Avrasiya </a:t>
+                      </a:r>
+                    </a:p>
+                  </a:txBody>
+                  <a:tcPr/>
+                </a:tc>
+                <a:tc>
+                  <a:txBody>
+                    <a:bodyPr/>
+                    <a:lstStyle/>
+                    <a:p>
+                      <a:pPr>
+                        <a:defRPr sz="1000"/>
+                      </a:pPr>
+                      <a:r>
+                        <a:t>2</a:t>
+                      </a:r>
+                    </a:p>
+                  </a:txBody>
+                  <a:tcPr/>
+                </a:tc>
+                <a:tc>
+                  <a:txBody>
+                    <a:bodyPr/>
+                    <a:lstStyle/>
+                    <a:p>
+                      <a:pPr>
+                        <a:defRPr sz="1000"/>
+                      </a:pPr>
+                      <a:r>
+                        <a:t>0</a:t>
+                      </a:r>
+                    </a:p>
+                  </a:txBody>
+                  <a:tcPr/>
+                </a:tc>
+                <a:tc>
+                  <a:txBody>
+                    <a:bodyPr/>
+                    <a:lstStyle/>
+                    <a:p>
+                      <a:pPr>
+                        <a:defRPr sz="1000"/>
+                      </a:pPr>
+                      <a:r>
+                        <a:t>2</a:t>
+                      </a:r>
+                    </a:p>
+                  </a:txBody>
+                  <a:tcPr/>
+                </a:tc>
+                <a:tc>
+                  <a:txBody>
+                    <a:bodyPr/>
+                    <a:lstStyle/>
+                    <a:p>
+                      <a:pPr>
+                        <a:defRPr sz="1000"/>
+                      </a:pPr>
+                      <a:r>
+                        <a:t>0</a:t>
+                      </a:r>
+                    </a:p>
+                  </a:txBody>
+                  <a:tcPr/>
+                </a:tc>
+                <a:tc>
+                  <a:txBody>
+                    <a:bodyPr/>
+                    <a:lstStyle/>
+                    <a:p>
+                      <a:pPr>
+                        <a:defRPr sz="1000"/>
+                      </a:pPr>
+                      <a:r>
+                        <a:t>396</a:t>
+                      </a:r>
+                    </a:p>
+                  </a:txBody>
+                  <a:tcPr/>
+                </a:tc>
+              </a:tr>
+              <a:tr h="190500">
+                <a:tc>
+                  <a:txBody>
+                    <a:bodyPr/>
+                    <a:lstStyle/>
+                    <a:p>
+                      <a:pPr>
+                        <a:defRPr sz="1000"/>
+                      </a:pPr>
+                      <a:r>
+                        <a:t>Bank Respublika</a:t>
+                      </a:r>
+                    </a:p>
+                  </a:txBody>
+                  <a:tcPr/>
+                </a:tc>
+                <a:tc>
+                  <a:txBody>
+                    <a:bodyPr/>
+                    <a:lstStyle/>
+                    <a:p>
+                      <a:pPr>
+                        <a:defRPr sz="1000"/>
+                      </a:pPr>
+                      <a:r>
+                        <a:t>17</a:t>
+                      </a:r>
+                    </a:p>
+                  </a:txBody>
+                  <a:tcPr/>
+                </a:tc>
+                <a:tc>
+                  <a:txBody>
+                    <a:bodyPr/>
+                    <a:lstStyle/>
+                    <a:p>
+                      <a:pPr>
+                        <a:defRPr sz="1000"/>
+                      </a:pPr>
+                      <a:r>
+                        <a:t>49</a:t>
+                      </a:r>
+                    </a:p>
+                  </a:txBody>
+                  <a:tcPr/>
+                </a:tc>
+                <a:tc>
+                  <a:txBody>
+                    <a:bodyPr/>
+                    <a:lstStyle/>
+                    <a:p>
+                      <a:pPr>
+                        <a:defRPr sz="1000"/>
+                      </a:pPr>
+                      <a:r>
+                        <a:t>848</a:t>
+                      </a:r>
+                    </a:p>
+                  </a:txBody>
+                  <a:tcPr/>
+                </a:tc>
+                <a:tc>
+                  <a:txBody>
+                    <a:bodyPr/>
+                    <a:lstStyle/>
+                    <a:p>
+                      <a:pPr>
+                        <a:defRPr sz="1000"/>
+                      </a:pPr>
+                      <a:r>
+                        <a:t>214</a:t>
+                      </a:r>
+                    </a:p>
+                  </a:txBody>
+                  <a:tcPr/>
+                </a:tc>
+                <a:tc>
+                  <a:txBody>
+                    <a:bodyPr/>
+                    <a:lstStyle/>
+                    <a:p>
+                      <a:pPr>
+                        <a:defRPr sz="1000"/>
+                      </a:pPr>
+                      <a:r>
+                        <a:t>39241</a:t>
+                      </a:r>
+                    </a:p>
+                  </a:txBody>
+                  <a:tcPr/>
+                </a:tc>
+              </a:tr>
+              <a:tr h="190500">
+                <a:tc>
+                  <a:txBody>
+                    <a:bodyPr/>
+                    <a:lstStyle/>
+                    <a:p>
+                      <a:pPr>
+                        <a:defRPr sz="1000"/>
+                      </a:pPr>
+                      <a:r>
+                        <a:t>Bank of Baku</a:t>
+                      </a:r>
+                    </a:p>
+                  </a:txBody>
+                  <a:tcPr/>
+                </a:tc>
+                <a:tc>
+                  <a:txBody>
+                    <a:bodyPr/>
+                    <a:lstStyle/>
+                    <a:p>
+                      <a:pPr>
+                        <a:defRPr sz="1000"/>
+                      </a:pPr>
+                      <a:r>
+                        <a:t>10</a:t>
+                      </a:r>
+                    </a:p>
+                  </a:txBody>
+                  <a:tcPr/>
+                </a:tc>
+                <a:tc>
+                  <a:txBody>
+                    <a:bodyPr/>
+                    <a:lstStyle/>
+                    <a:p>
+                      <a:pPr>
+                        <a:defRPr sz="1000"/>
+                      </a:pPr>
+                      <a:r>
+                        <a:t>208</a:t>
+                      </a:r>
+                    </a:p>
+                  </a:txBody>
+                  <a:tcPr/>
+                </a:tc>
+                <a:tc>
+                  <a:txBody>
+                    <a:bodyPr/>
+                    <a:lstStyle/>
+                    <a:p>
+                      <a:pPr>
+                        <a:defRPr sz="1000"/>
+                      </a:pPr>
+                      <a:r>
+                        <a:t>2232</a:t>
+                      </a:r>
+                    </a:p>
+                  </a:txBody>
+                  <a:tcPr/>
+                </a:tc>
+                <a:tc>
+                  <a:txBody>
+                    <a:bodyPr/>
+                    <a:lstStyle/>
+                    <a:p>
+                      <a:pPr>
+                        <a:defRPr sz="1000"/>
+                      </a:pPr>
+                      <a:r>
+                        <a:t>39</a:t>
+                      </a:r>
+                    </a:p>
+                  </a:txBody>
+                  <a:tcPr/>
+                </a:tc>
+                <a:tc>
+                  <a:txBody>
+                    <a:bodyPr/>
+                    <a:lstStyle/>
+                    <a:p>
+                      <a:pPr>
+                        <a:defRPr sz="1000"/>
+                      </a:pPr>
+                      <a:r>
+                        <a:t>217174</a:t>
+                      </a:r>
+                    </a:p>
+                  </a:txBody>
+                  <a:tcPr/>
+                </a:tc>
+              </a:tr>
+              <a:tr h="190500">
+                <a:tc>
+                  <a:txBody>
+                    <a:bodyPr/>
+                    <a:lstStyle/>
+                    <a:p>
+                      <a:pPr>
+                        <a:defRPr sz="1000"/>
+                      </a:pPr>
+                      <a:r>
+                        <a:t>Express bank</a:t>
+                      </a:r>
+                    </a:p>
+                  </a:txBody>
+                  <a:tcPr/>
+                </a:tc>
+                <a:tc>
+                  <a:txBody>
+                    <a:bodyPr/>
+                    <a:lstStyle/>
+                    <a:p>
+                      <a:pPr>
+                        <a:defRPr sz="1000"/>
+                      </a:pPr>
+                      <a:r>
+                        <a:t>25</a:t>
+                      </a:r>
+                    </a:p>
+                  </a:txBody>
+                  <a:tcPr/>
+                </a:tc>
+                <a:tc>
+                  <a:txBody>
+                    <a:bodyPr/>
+                    <a:lstStyle/>
+                    <a:p>
+                      <a:pPr>
+                        <a:defRPr sz="1000"/>
+                      </a:pPr>
+                      <a:r>
+                        <a:t>26</a:t>
+                      </a:r>
+                    </a:p>
+                  </a:txBody>
+                  <a:tcPr/>
+                </a:tc>
+                <a:tc>
+                  <a:txBody>
+                    <a:bodyPr/>
+                    <a:lstStyle/>
+                    <a:p>
+                      <a:pPr>
+                        <a:defRPr sz="1000"/>
+                      </a:pPr>
+                      <a:r>
+                        <a:t>957</a:t>
+                      </a:r>
+                    </a:p>
+                  </a:txBody>
+                  <a:tcPr/>
+                </a:tc>
+                <a:tc>
+                  <a:txBody>
+                    <a:bodyPr/>
+                    <a:lstStyle/>
+                    <a:p>
+                      <a:pPr>
+                        <a:defRPr sz="1000"/>
+                      </a:pPr>
+                      <a:r>
+                        <a:t>140</a:t>
+                      </a:r>
+                    </a:p>
+                  </a:txBody>
+                  <a:tcPr/>
+                </a:tc>
+                <a:tc>
+                  <a:txBody>
+                    <a:bodyPr/>
+                    <a:lstStyle/>
+                    <a:p>
+                      <a:pPr>
+                        <a:defRPr sz="1000"/>
+                      </a:pPr>
+                      <a:r>
+                        <a:t>38300</a:t>
+                      </a:r>
+                    </a:p>
+                  </a:txBody>
+                  <a:tcPr/>
+                </a:tc>
+              </a:tr>
+              <a:tr h="190500">
+                <a:tc>
+                  <a:txBody>
+                    <a:bodyPr/>
+                    <a:lstStyle/>
+                    <a:p>
+                      <a:pPr>
+                        <a:defRPr sz="1000"/>
+                      </a:pPr>
+                      <a:r>
+                        <a:t>Kapital bank</a:t>
+                      </a:r>
+                    </a:p>
+                  </a:txBody>
+                  <a:tcPr/>
+                </a:tc>
+                <a:tc>
+                  <a:txBody>
+                    <a:bodyPr/>
+                    <a:lstStyle/>
+                    <a:p>
+                      <a:pPr>
+                        <a:defRPr sz="1000"/>
+                      </a:pPr>
+                      <a:r>
+                        <a:t>5</a:t>
+                      </a:r>
+                    </a:p>
+                  </a:txBody>
+                  <a:tcPr/>
+                </a:tc>
+                <a:tc>
+                  <a:txBody>
+                    <a:bodyPr/>
+                    <a:lstStyle/>
+                    <a:p>
+                      <a:pPr>
+                        <a:defRPr sz="1000"/>
+                      </a:pPr>
+                      <a:r>
+                        <a:t>130</a:t>
+                      </a:r>
+                    </a:p>
+                  </a:txBody>
+                  <a:tcPr/>
+                </a:tc>
+                <a:tc>
+                  <a:txBody>
+                    <a:bodyPr/>
+                    <a:lstStyle/>
+                    <a:p>
+                      <a:pPr>
+                        <a:defRPr sz="1000"/>
+                      </a:pPr>
+                      <a:r>
+                        <a:t>335</a:t>
+                      </a:r>
+                    </a:p>
+                  </a:txBody>
+                  <a:tcPr/>
+                </a:tc>
+                <a:tc>
+                  <a:txBody>
+                    <a:bodyPr/>
+                    <a:lstStyle/>
+                    <a:p>
+                      <a:pPr>
+                        <a:defRPr sz="1000"/>
+                      </a:pPr>
+                      <a:r>
+                        <a:t>10</a:t>
+                      </a:r>
+                    </a:p>
+                  </a:txBody>
+                  <a:tcPr/>
+                </a:tc>
+                <a:tc>
+                  <a:txBody>
+                    <a:bodyPr/>
+                    <a:lstStyle/>
+                    <a:p>
+                      <a:pPr>
+                        <a:defRPr sz="1000"/>
+                      </a:pPr>
+                      <a:r>
+                        <a:t>22582</a:t>
+                      </a:r>
+                    </a:p>
+                  </a:txBody>
+                  <a:tcPr/>
+                </a:tc>
+              </a:tr>
+              <a:tr h="190500">
+                <a:tc>
+                  <a:txBody>
+                    <a:bodyPr/>
+                    <a:lstStyle/>
+                    <a:p>
+                      <a:pPr>
+                        <a:defRPr sz="1000"/>
+                      </a:pPr>
+                      <a:r>
+                        <a:t>Leobank</a:t>
+                      </a:r>
+                    </a:p>
+                  </a:txBody>
+                  <a:tcPr/>
+                </a:tc>
+                <a:tc>
+                  <a:txBody>
+                    <a:bodyPr/>
+                    <a:lstStyle/>
+                    <a:p>
+                      <a:pPr>
+                        <a:defRPr sz="1000"/>
+                      </a:pPr>
+                      <a:r>
+                        <a:t>11</a:t>
+                      </a:r>
+                    </a:p>
+                  </a:txBody>
+                  <a:tcPr/>
+                </a:tc>
+                <a:tc>
+                  <a:txBody>
+                    <a:bodyPr/>
+                    <a:lstStyle/>
+                    <a:p>
+                      <a:pPr>
+                        <a:defRPr sz="1000"/>
+                      </a:pPr>
+                      <a:r>
+                        <a:t>8</a:t>
+                      </a:r>
+                    </a:p>
+                  </a:txBody>
+                  <a:tcPr/>
+                </a:tc>
+                <a:tc>
+                  <a:txBody>
+                    <a:bodyPr/>
+                    <a:lstStyle/>
+                    <a:p>
+                      <a:pPr>
+                        <a:defRPr sz="1000"/>
+                      </a:pPr>
+                      <a:r>
+                        <a:t>67</a:t>
+                      </a:r>
+                    </a:p>
+                  </a:txBody>
+                  <a:tcPr/>
+                </a:tc>
+                <a:tc>
+                  <a:txBody>
+                    <a:bodyPr/>
+                    <a:lstStyle/>
+                    <a:p>
+                      <a:pPr>
+                        <a:defRPr sz="1000"/>
+                      </a:pPr>
+                      <a:r>
+                        <a:t>0</a:t>
+                      </a:r>
+                    </a:p>
+                  </a:txBody>
+                  <a:tcPr/>
+                </a:tc>
+                <a:tc>
+                  <a:txBody>
+                    <a:bodyPr/>
+                    <a:lstStyle/>
+                    <a:p>
+                      <a:pPr>
+                        <a:defRPr sz="1000"/>
+                      </a:pPr>
+                      <a:r>
+                        <a:t>2843</a:t>
+                      </a:r>
+                    </a:p>
+                  </a:txBody>
+                  <a:tcPr/>
+                </a:tc>
+              </a:tr>
+              <a:tr h="190500">
+                <a:tc>
+                  <a:txBody>
+                    <a:bodyPr/>
+                    <a:lstStyle/>
+                    <a:p>
+                      <a:pPr>
+                        <a:defRPr sz="1000"/>
+                      </a:pPr>
+                      <a:r>
+                        <a:t>Paşa bank</a:t>
+                      </a:r>
+                    </a:p>
+                  </a:txBody>
+                  <a:tcPr/>
+                </a:tc>
+                <a:tc>
+                  <a:txBody>
+                    <a:bodyPr/>
+                    <a:lstStyle/>
+                    <a:p>
+                      <a:pPr>
+                        <a:defRPr sz="1000"/>
+                      </a:pPr>
+                      <a:r>
+                        <a:t>22</a:t>
+                      </a:r>
+                    </a:p>
+                  </a:txBody>
+                  <a:tcPr/>
+                </a:tc>
+                <a:tc>
+                  <a:txBody>
+                    <a:bodyPr/>
+                    <a:lstStyle/>
+                    <a:p>
+                      <a:pPr>
+                        <a:defRPr sz="1000"/>
+                      </a:pPr>
+                      <a:r>
+                        <a:t>6</a:t>
+                      </a:r>
+                    </a:p>
+                  </a:txBody>
+                  <a:tcPr/>
+                </a:tc>
+                <a:tc>
+                  <a:txBody>
+                    <a:bodyPr/>
+                    <a:lstStyle/>
+                    <a:p>
+                      <a:pPr>
+                        <a:defRPr sz="1000"/>
+                      </a:pPr>
+                      <a:r>
+                        <a:t>437</a:t>
+                      </a:r>
+                    </a:p>
+                  </a:txBody>
+                  <a:tcPr/>
+                </a:tc>
+                <a:tc>
+                  <a:txBody>
+                    <a:bodyPr/>
+                    <a:lstStyle/>
+                    <a:p>
+                      <a:pPr>
+                        <a:defRPr sz="1000"/>
+                      </a:pPr>
+                      <a:r>
+                        <a:t>10</a:t>
+                      </a:r>
+                    </a:p>
+                  </a:txBody>
+                  <a:tcPr/>
+                </a:tc>
+                <a:tc>
+                  <a:txBody>
+                    <a:bodyPr/>
+                    <a:lstStyle/>
+                    <a:p>
+                      <a:pPr>
+                        <a:defRPr sz="1000"/>
+                      </a:pPr>
+                      <a:r>
+                        <a:t>92491</a:t>
+                      </a:r>
+                    </a:p>
+                  </a:txBody>
+                  <a:tcPr/>
+                </a:tc>
+              </a:tr>
+              <a:tr h="190500">
+                <a:tc>
+                  <a:txBody>
+                    <a:bodyPr/>
+                    <a:lstStyle/>
+                    <a:p>
+                      <a:pPr>
+                        <a:defRPr sz="1000"/>
+                      </a:pPr>
+                      <a:r>
+                        <a:t>Rabita bank</a:t>
+                      </a:r>
+                    </a:p>
+                  </a:txBody>
+                  <a:tcPr/>
+                </a:tc>
+                <a:tc>
+                  <a:txBody>
+                    <a:bodyPr/>
+                    <a:lstStyle/>
+                    <a:p>
+                      <a:pPr>
+                        <a:defRPr sz="1000"/>
+                      </a:pPr>
+                      <a:r>
+                        <a:t>15</a:t>
+                      </a:r>
+                    </a:p>
+                  </a:txBody>
+                  <a:tcPr/>
+                </a:tc>
+                <a:tc>
+                  <a:txBody>
+                    <a:bodyPr/>
+                    <a:lstStyle/>
+                    <a:p>
+                      <a:pPr>
+                        <a:defRPr sz="1000"/>
+                      </a:pPr>
+                      <a:r>
+                        <a:t>32</a:t>
+                      </a:r>
+                    </a:p>
+                  </a:txBody>
+                  <a:tcPr/>
+                </a:tc>
+                <a:tc>
+                  <a:txBody>
+                    <a:bodyPr/>
+                    <a:lstStyle/>
+                    <a:p>
+                      <a:pPr>
+                        <a:defRPr sz="1000"/>
+                      </a:pPr>
+                      <a:r>
+                        <a:t>1557</a:t>
+                      </a:r>
+                    </a:p>
+                  </a:txBody>
+                  <a:tcPr/>
+                </a:tc>
+                <a:tc>
+                  <a:txBody>
+                    <a:bodyPr/>
+                    <a:lstStyle/>
+                    <a:p>
+                      <a:pPr>
+                        <a:defRPr sz="1000"/>
+                      </a:pPr>
+                      <a:r>
+                        <a:t>67</a:t>
+                      </a:r>
+                    </a:p>
+                  </a:txBody>
+                  <a:tcPr/>
+                </a:tc>
+                <a:tc>
+                  <a:txBody>
+                    <a:bodyPr/>
+                    <a:lstStyle/>
+                    <a:p>
+                      <a:pPr>
+                        <a:defRPr sz="1000"/>
+                      </a:pPr>
+                      <a:r>
+                        <a:t>265904</a:t>
+                      </a:r>
+                    </a:p>
+                  </a:txBody>
+                  <a:tcPr/>
+                </a:tc>
+              </a:tr>
+              <a:tr h="190500">
+                <a:tc>
+                  <a:txBody>
+                    <a:bodyPr/>
+                    <a:lstStyle/>
+                    <a:p>
+                      <a:pPr>
+                        <a:defRPr sz="1000"/>
+                      </a:pPr>
+                      <a:r>
+                        <a:t>Turan bank</a:t>
+                      </a:r>
+                    </a:p>
+                  </a:txBody>
+                  <a:tcPr/>
+                </a:tc>
+                <a:tc>
+                  <a:txBody>
+                    <a:bodyPr/>
+                    <a:lstStyle/>
+                    <a:p>
+                      <a:pPr>
+                        <a:defRPr sz="1000"/>
+                      </a:pPr>
+                      <a:r>
+                        <a:t>11</a:t>
+                      </a:r>
+                    </a:p>
+                  </a:txBody>
+                  <a:tcPr/>
+                </a:tc>
+                <a:tc>
+                  <a:txBody>
+                    <a:bodyPr/>
+                    <a:lstStyle/>
+                    <a:p>
+                      <a:pPr>
+                        <a:defRPr sz="1000"/>
+                      </a:pPr>
+                      <a:r>
+                        <a:t>15</a:t>
+                      </a:r>
+                    </a:p>
+                  </a:txBody>
+                  <a:tcPr/>
+                </a:tc>
+                <a:tc>
+                  <a:txBody>
+                    <a:bodyPr/>
+                    <a:lstStyle/>
+                    <a:p>
+                      <a:pPr>
+                        <a:defRPr sz="1000"/>
+                      </a:pPr>
+                      <a:r>
+                        <a:t>2953</a:t>
+                      </a:r>
+                    </a:p>
+                  </a:txBody>
+                  <a:tcPr/>
+                </a:tc>
+                <a:tc>
+                  <a:txBody>
+                    <a:bodyPr/>
+                    <a:lstStyle/>
+                    <a:p>
+                      <a:pPr>
+                        <a:defRPr sz="1000"/>
+                      </a:pPr>
+                      <a:r>
+                        <a:t>205</a:t>
+                      </a:r>
+                    </a:p>
+                  </a:txBody>
+                  <a:tcPr/>
+                </a:tc>
+                <a:tc>
+                  <a:txBody>
+                    <a:bodyPr/>
+                    <a:lstStyle/>
+                    <a:p>
+                      <a:pPr>
+                        <a:defRPr sz="1000"/>
+                      </a:pPr>
+                      <a:r>
+                        <a:t>60514</a:t>
+                      </a:r>
+                    </a:p>
+                  </a:txBody>
+                  <a:tcPr/>
+                </a:tc>
+              </a:tr>
+              <a:tr h="190500">
+                <a:tc>
+                  <a:txBody>
+                    <a:bodyPr/>
+                    <a:lstStyle/>
+                    <a:p>
+                      <a:pPr>
+                        <a:defRPr sz="1000"/>
+                      </a:pPr>
+                      <a:r>
+                        <a:t>Unibank</a:t>
+                      </a:r>
+                    </a:p>
+                  </a:txBody>
+                  <a:tcPr/>
+                </a:tc>
+                <a:tc>
+                  <a:txBody>
+                    <a:bodyPr/>
+                    <a:lstStyle/>
+                    <a:p>
+                      <a:pPr>
+                        <a:defRPr sz="1000"/>
+                      </a:pPr>
+                      <a:r>
+                        <a:t>15</a:t>
+                      </a:r>
+                    </a:p>
+                  </a:txBody>
+                  <a:tcPr/>
+                </a:tc>
+                <a:tc>
+                  <a:txBody>
+                    <a:bodyPr/>
+                    <a:lstStyle/>
+                    <a:p>
+                      <a:pPr>
+                        <a:defRPr sz="1000"/>
+                      </a:pPr>
+                      <a:r>
+                        <a:t>200</a:t>
+                      </a:r>
+                    </a:p>
+                  </a:txBody>
+                  <a:tcPr/>
+                </a:tc>
+                <a:tc>
+                  <a:txBody>
+                    <a:bodyPr/>
+                    <a:lstStyle/>
+                    <a:p>
+                      <a:pPr>
+                        <a:defRPr sz="1000"/>
+                      </a:pPr>
+                      <a:r>
+                        <a:t>1055</a:t>
+                      </a:r>
+                    </a:p>
+                  </a:txBody>
+                  <a:tcPr/>
+                </a:tc>
+                <a:tc>
+                  <a:txBody>
+                    <a:bodyPr/>
+                    <a:lstStyle/>
+                    <a:p>
+                      <a:pPr>
+                        <a:defRPr sz="1000"/>
+                      </a:pPr>
+                      <a:r>
+                        <a:t>55</a:t>
+                      </a:r>
+                    </a:p>
+                  </a:txBody>
+                  <a:tcPr/>
+                </a:tc>
+                <a:tc>
+                  <a:txBody>
+                    <a:bodyPr/>
+                    <a:lstStyle/>
+                    <a:p>
+                      <a:pPr>
+                        <a:defRPr sz="1000"/>
+                      </a:pPr>
+                      <a:r>
+                        <a:t>131114</a:t>
+                      </a:r>
+                    </a:p>
+                  </a:txBody>
+                  <a:tcPr/>
+                </a:tc>
+              </a:tr>
+              <a:tr h="190500">
+                <a:tc>
+                  <a:txBody>
+                    <a:bodyPr/>
+                    <a:lstStyle/>
+                    <a:p>
+                      <a:pPr>
+                        <a:defRPr sz="1000"/>
+                      </a:pPr>
+                      <a:r>
+                        <a:t>Unibank </a:t>
+                      </a:r>
+                    </a:p>
+                  </a:txBody>
+                  <a:tcPr/>
+                </a:tc>
+                <a:tc>
+                  <a:txBody>
+                    <a:bodyPr/>
+                    <a:lstStyle/>
+                    <a:p>
+                      <a:pPr>
+                        <a:defRPr sz="1000"/>
+                      </a:pPr>
+                      <a:r>
+                        <a:t>2</a:t>
+                      </a:r>
+                    </a:p>
+                  </a:txBody>
+                  <a:tcPr/>
+                </a:tc>
+                <a:tc>
+                  <a:txBody>
+                    <a:bodyPr/>
+                    <a:lstStyle/>
+                    <a:p>
+                      <a:pPr>
+                        <a:defRPr sz="1000"/>
+                      </a:pPr>
+                      <a:r>
+                        <a:t>24</a:t>
+                      </a:r>
+                    </a:p>
+                  </a:txBody>
+                  <a:tcPr/>
+                </a:tc>
+                <a:tc>
+                  <a:txBody>
+                    <a:bodyPr/>
+                    <a:lstStyle/>
+                    <a:p>
+                      <a:pPr>
+                        <a:defRPr sz="1000"/>
+                      </a:pPr>
+                      <a:r>
+                        <a:t>157</a:t>
+                      </a:r>
+                    </a:p>
+                  </a:txBody>
+                  <a:tcPr/>
+                </a:tc>
+                <a:tc>
+                  <a:txBody>
+                    <a:bodyPr/>
+                    <a:lstStyle/>
+                    <a:p>
+                      <a:pPr>
+                        <a:defRPr sz="1000"/>
+                      </a:pPr>
+                      <a:r>
+                        <a:t>19</a:t>
+                      </a:r>
+                    </a:p>
+                  </a:txBody>
+                  <a:tcPr/>
+                </a:tc>
+                <a:tc>
+                  <a:txBody>
+                    <a:bodyPr/>
+                    <a:lstStyle/>
+                    <a:p>
+                      <a:pPr>
+                        <a:defRPr sz="1000"/>
+                      </a:pPr>
+                      <a:r>
+                        <a:t>7857</a:t>
+                      </a:r>
+                    </a:p>
+                  </a:txBody>
+                  <a:tcPr/>
+                </a:tc>
+              </a:tr>
+              <a:tr h="190500">
+                <a:tc>
+                  <a:txBody>
+                    <a:bodyPr/>
+                    <a:lstStyle/>
+                    <a:p>
+                      <a:pPr>
+                        <a:defRPr sz="1000"/>
+                      </a:pPr>
+                      <a:r>
+                        <a:t>VTB Bank</a:t>
+                      </a:r>
+                    </a:p>
+                  </a:txBody>
+                  <a:tcPr/>
+                </a:tc>
+                <a:tc>
+                  <a:txBody>
+                    <a:bodyPr/>
+                    <a:lstStyle/>
+                    <a:p>
+                      <a:pPr>
+                        <a:defRPr sz="1000"/>
+                      </a:pPr>
+                      <a:r>
+                        <a:t>23</a:t>
+                      </a:r>
+                    </a:p>
+                  </a:txBody>
+                  <a:tcPr/>
+                </a:tc>
+                <a:tc>
+                  <a:txBody>
+                    <a:bodyPr/>
+                    <a:lstStyle/>
+                    <a:p>
+                      <a:pPr>
+                        <a:defRPr sz="1000"/>
+                      </a:pPr>
+                      <a:r>
+                        <a:t>6</a:t>
+                      </a:r>
+                    </a:p>
+                  </a:txBody>
+                  <a:tcPr/>
+                </a:tc>
+                <a:tc>
+                  <a:txBody>
+                    <a:bodyPr/>
+                    <a:lstStyle/>
+                    <a:p>
+                      <a:pPr>
+                        <a:defRPr sz="1000"/>
+                      </a:pPr>
+                      <a:r>
+                        <a:t>440</a:t>
+                      </a:r>
+                    </a:p>
+                  </a:txBody>
+                  <a:tcPr/>
+                </a:tc>
+                <a:tc>
+                  <a:txBody>
+                    <a:bodyPr/>
+                    <a:lstStyle/>
+                    <a:p>
+                      <a:pPr>
+                        <a:defRPr sz="1000"/>
+                      </a:pPr>
+                      <a:r>
+                        <a:t>58</a:t>
+                      </a:r>
+                    </a:p>
+                  </a:txBody>
+                  <a:tcPr/>
+                </a:tc>
+                <a:tc>
+                  <a:txBody>
+                    <a:bodyPr/>
+                    <a:lstStyle/>
+                    <a:p>
+                      <a:pPr>
+                        <a:defRPr sz="1000"/>
+                      </a:pPr>
+                      <a:r>
+                        <a:t>11534</a:t>
+                      </a:r>
+                    </a:p>
+                  </a:txBody>
+                  <a:tcPr/>
+                </a:tc>
+              </a:tr>
+              <a:tr h="190500">
+                <a:tc>
+                  <a:txBody>
+                    <a:bodyPr/>
+                    <a:lstStyle/>
+                    <a:p>
+                      <a:pPr>
+                        <a:defRPr sz="1000"/>
+                      </a:pPr>
+                      <a:r>
+                        <a:t>Xalq Bank</a:t>
+                      </a:r>
+                    </a:p>
+                  </a:txBody>
+                  <a:tcPr/>
+                </a:tc>
+                <a:tc>
+                  <a:txBody>
+                    <a:bodyPr/>
+                    <a:lstStyle/>
+                    <a:p>
+                      <a:pPr>
+                        <a:defRPr sz="1000"/>
+                      </a:pPr>
+                      <a:r>
+                        <a:t>10</a:t>
+                      </a:r>
+                    </a:p>
+                  </a:txBody>
+                  <a:tcPr/>
+                </a:tc>
+                <a:tc>
+                  <a:txBody>
+                    <a:bodyPr/>
+                    <a:lstStyle/>
+                    <a:p>
+                      <a:pPr>
+                        <a:defRPr sz="1000"/>
+                      </a:pPr>
+                      <a:r>
+                        <a:t>14</a:t>
+                      </a:r>
+                    </a:p>
+                  </a:txBody>
+                  <a:tcPr/>
+                </a:tc>
+                <a:tc>
+                  <a:txBody>
+                    <a:bodyPr/>
+                    <a:lstStyle/>
+                    <a:p>
+                      <a:pPr>
+                        <a:defRPr sz="1000"/>
+                      </a:pPr>
+                      <a:r>
+                        <a:t>336</a:t>
+                      </a:r>
+                    </a:p>
+                  </a:txBody>
+                  <a:tcPr/>
+                </a:tc>
+                <a:tc>
+                  <a:txBody>
+                    <a:bodyPr/>
+                    <a:lstStyle/>
+                    <a:p>
+                      <a:pPr>
+                        <a:defRPr sz="1000"/>
+                      </a:pPr>
+                      <a:r>
+                        <a:t>35</a:t>
+                      </a:r>
+                    </a:p>
+                  </a:txBody>
+                  <a:tcPr/>
+                </a:tc>
+                <a:tc>
+                  <a:txBody>
+                    <a:bodyPr/>
+                    <a:lstStyle/>
+                    <a:p>
+                      <a:pPr>
+                        <a:defRPr sz="1000"/>
+                      </a:pPr>
+                      <a:r>
+                        <a:t>13539</a:t>
+                      </a:r>
+                    </a:p>
+                  </a:txBody>
+                  <a:tcPr/>
+                </a:tc>
+              </a:tr>
+              <a:tr h="190500">
+                <a:tc>
+                  <a:txBody>
+                    <a:bodyPr/>
+                    <a:lstStyle/>
+                    <a:p>
+                      <a:pPr>
+                        <a:defRPr sz="1000"/>
+                      </a:pPr>
+                      <a:r>
+                        <a:t>Yapı Kredi Bank </a:t>
+                      </a:r>
+                    </a:p>
+                  </a:txBody>
+                  <a:tcPr/>
+                </a:tc>
+                <a:tc>
+                  <a:txBody>
+                    <a:bodyPr/>
+                    <a:lstStyle/>
+                    <a:p>
+                      <a:pPr>
+                        <a:defRPr sz="1000"/>
+                      </a:pPr>
+                      <a:r>
+                        <a:t>10</a:t>
+                      </a:r>
+                    </a:p>
+                  </a:txBody>
+                  <a:tcPr/>
+                </a:tc>
+                <a:tc>
+                  <a:txBody>
+                    <a:bodyPr/>
+                    <a:lstStyle/>
+                    <a:p>
+                      <a:pPr>
+                        <a:defRPr sz="1000"/>
+                      </a:pPr>
+                      <a:r>
+                        <a:t>7</a:t>
+                      </a:r>
+                    </a:p>
+                  </a:txBody>
+                  <a:tcPr/>
+                </a:tc>
+                <a:tc>
+                  <a:txBody>
+                    <a:bodyPr/>
+                    <a:lstStyle/>
+                    <a:p>
+                      <a:pPr>
+                        <a:defRPr sz="1000"/>
+                      </a:pPr>
+                      <a:r>
+                        <a:t>99</a:t>
+                      </a:r>
+                    </a:p>
+                  </a:txBody>
+                  <a:tcPr/>
+                </a:tc>
+                <a:tc>
+                  <a:txBody>
+                    <a:bodyPr/>
+                    <a:lstStyle/>
+                    <a:p>
+                      <a:pPr>
+                        <a:defRPr sz="1000"/>
+                      </a:pPr>
+                      <a:r>
+                        <a:t>0</a:t>
+                      </a:r>
+                    </a:p>
+                  </a:txBody>
+                  <a:tcPr/>
+                </a:tc>
+                <a:tc>
+                  <a:txBody>
+                    <a:bodyPr/>
+                    <a:lstStyle/>
+                    <a:p>
+                      <a:pPr>
+                        <a:defRPr sz="1000"/>
+                      </a:pPr>
+                      <a:r>
+                        <a:t>3964</a:t>
+                      </a:r>
+                    </a:p>
+                  </a:txBody>
+                  <a:tcPr/>
+                </a:tc>
+              </a:tr>
+              <a:tr h="190500">
+                <a:tc>
+                  <a:txBody>
+                    <a:bodyPr/>
+                    <a:lstStyle/>
+                    <a:p>
+                      <a:pPr>
+                        <a:defRPr sz="1000"/>
+                      </a:pPr>
+                      <a:r>
+                        <a:t>Yelo Bank</a:t>
+                      </a:r>
+                    </a:p>
+                  </a:txBody>
+                  <a:tcPr/>
+                </a:tc>
+                <a:tc>
+                  <a:txBody>
+                    <a:bodyPr/>
+                    <a:lstStyle/>
+                    <a:p>
+                      <a:pPr>
+                        <a:defRPr sz="1000"/>
+                      </a:pPr>
+                      <a:r>
+                        <a:t>22</a:t>
+                      </a:r>
+                    </a:p>
+                  </a:txBody>
+                  <a:tcPr/>
+                </a:tc>
+                <a:tc>
+                  <a:txBody>
+                    <a:bodyPr/>
+                    <a:lstStyle/>
+                    <a:p>
+                      <a:pPr>
+                        <a:defRPr sz="1000"/>
+                      </a:pPr>
+                      <a:r>
+                        <a:t>36</a:t>
+                      </a:r>
+                    </a:p>
+                  </a:txBody>
+                  <a:tcPr/>
+                </a:tc>
+                <a:tc>
+                  <a:txBody>
+                    <a:bodyPr/>
+                    <a:lstStyle/>
+                    <a:p>
+                      <a:pPr>
+                        <a:defRPr sz="1000"/>
+                      </a:pPr>
+                      <a:r>
+                        <a:t>1150</a:t>
+                      </a:r>
+                    </a:p>
+                  </a:txBody>
+                  <a:tcPr/>
+                </a:tc>
+                <a:tc>
+                  <a:txBody>
+                    <a:bodyPr/>
+                    <a:lstStyle/>
+                    <a:p>
+                      <a:pPr>
+                        <a:defRPr sz="1000"/>
+                      </a:pPr>
+                      <a:r>
+                        <a:t>23</a:t>
+                      </a:r>
+                    </a:p>
+                  </a:txBody>
+                  <a:tcPr/>
+                </a:tc>
+                <a:tc>
+                  <a:txBody>
+                    <a:bodyPr/>
+                    <a:lstStyle/>
+                    <a:p>
+                      <a:pPr>
+                        <a:defRPr sz="1000"/>
+                      </a:pPr>
+                      <a:r>
+                        <a:t>641018</a:t>
+                      </a:r>
+                    </a:p>
+                  </a:txBody>
+                  <a:tcPr/>
+                </a:tc>
+              </a:tr>
+              <a:tr h="190500">
+                <a:tc>
+                  <a:txBody>
+                    <a:bodyPr/>
+                    <a:lstStyle/>
+                    <a:p>
+                      <a:pPr>
+                        <a:defRPr sz="1000"/>
+                      </a:pPr>
+                      <a:r>
+                        <a:t>Ziraat Bankası</a:t>
+                      </a:r>
+                    </a:p>
+                  </a:txBody>
+                  <a:tcPr/>
+                </a:tc>
+                <a:tc>
+                  <a:txBody>
+                    <a:bodyPr/>
+                    <a:lstStyle/>
+                    <a:p>
+                      <a:pPr>
+                        <a:defRPr sz="1000"/>
+                      </a:pPr>
+                      <a:r>
+                        <a:t>11</a:t>
+                      </a:r>
+                    </a:p>
+                  </a:txBody>
+                  <a:tcPr/>
+                </a:tc>
+                <a:tc>
+                  <a:txBody>
+                    <a:bodyPr/>
+                    <a:lstStyle/>
+                    <a:p>
+                      <a:pPr>
+                        <a:defRPr sz="1000"/>
+                      </a:pPr>
+                      <a:r>
+                        <a:t>441</a:t>
+                      </a:r>
+                    </a:p>
+                  </a:txBody>
+                  <a:tcPr/>
+                </a:tc>
+                <a:tc>
+                  <a:txBody>
+                    <a:bodyPr/>
+                    <a:lstStyle/>
+                    <a:p>
+                      <a:pPr>
+                        <a:defRPr sz="1000"/>
+                      </a:pPr>
+                      <a:r>
+                        <a:t>4353</a:t>
+                      </a:r>
+                    </a:p>
+                  </a:txBody>
+                  <a:tcPr/>
+                </a:tc>
+                <a:tc>
+                  <a:txBody>
+                    <a:bodyPr/>
+                    <a:lstStyle/>
+                    <a:p>
+                      <a:pPr>
+                        <a:defRPr sz="1000"/>
+                      </a:pPr>
+                      <a:r>
+                        <a:t>107</a:t>
+                      </a:r>
+                    </a:p>
+                  </a:txBody>
+                  <a:tcPr/>
+                </a:tc>
+                <a:tc>
+                  <a:txBody>
+                    <a:bodyPr/>
+                    <a:lstStyle/>
+                    <a:p>
+                      <a:pPr>
+                        <a:defRPr sz="1000"/>
+                      </a:pPr>
+                      <a:r>
+                        <a:t>329960</a:t>
+                      </a:r>
+                    </a:p>
+                  </a:txBody>
+                  <a:tcPr/>
+                </a:tc>
+              </a:tr>
+            </a:tbl>
           </a:graphicData>
         </a:graphic>
       </p:graphicFrame>

--- a/backend/uploads/output.pptx
+++ b/backend/uploads/output.pptx
@@ -11,6 +11,7 @@
     <p:sldId id="259" r:id="rId10"/>
     <p:sldId id="260" r:id="rId11"/>
     <p:sldId id="261" r:id="rId12"/>
+    <p:sldId id="262" r:id="rId13"/>
   </p:sldIdLst>
   <p:sldSz cx="9144000" cy="6858000" type="screen4x3"/>
   <p:notesSz cx="6858000" cy="9144000"/>
@@ -147,394 +148,83 @@
             <c:symbol val="none"/>
           </c:marker>
           <c:cat>
-            <c:strRef>
-              <c:f>Sheet1!$A$2:$A$126</c:f>
-              <c:strCache>
-                <c:ptCount val="125"/>
+            <c:numRef>
+              <c:f>Sheet1!$A$2:$A$22</c:f>
+              <c:numCache>
+                <c:formatCode>yyyy\-mm\-dd</c:formatCode>
+                <c:ptCount val="21"/>
                 <c:pt idx="0">
-                  <c:v>2025-04-02T06:45</c:v>
+                  <c:v>45749.0</c:v>
                 </c:pt>
                 <c:pt idx="1">
-                  <c:v>2025-04-02T07:45</c:v>
+                  <c:v>45752.0</c:v>
                 </c:pt>
                 <c:pt idx="2">
-                  <c:v>2025-04-02T13:53</c:v>
+                  <c:v>45754.0</c:v>
                 </c:pt>
                 <c:pt idx="3">
-                  <c:v>2025-04-05T06:41</c:v>
+                  <c:v>45755.0</c:v>
                 </c:pt>
                 <c:pt idx="4">
-                  <c:v>2025-04-05T07:50</c:v>
+                  <c:v>45756.0</c:v>
                 </c:pt>
                 <c:pt idx="5">
-                  <c:v>2025-04-07T08:55</c:v>
+                  <c:v>45757.0</c:v>
                 </c:pt>
                 <c:pt idx="6">
-                  <c:v>2025-04-08T11:31</c:v>
+                  <c:v>45758.0</c:v>
                 </c:pt>
                 <c:pt idx="7">
-                  <c:v>2025-04-08T15:25</c:v>
+                  <c:v>45759.0</c:v>
                 </c:pt>
                 <c:pt idx="8">
-                  <c:v>2025-04-08T15:28</c:v>
+                  <c:v>45761.0</c:v>
                 </c:pt>
                 <c:pt idx="9">
-                  <c:v>2025-04-09T12:00</c:v>
+                  <c:v>45762.0</c:v>
                 </c:pt>
                 <c:pt idx="10">
-                  <c:v>2025-04-10T12:06</c:v>
+                  <c:v>45763.0</c:v>
                 </c:pt>
                 <c:pt idx="11">
-                  <c:v>2025-04-10T13:50</c:v>
+                  <c:v>45764.0</c:v>
                 </c:pt>
                 <c:pt idx="12">
-                  <c:v>2025-04-11T04:51</c:v>
+                  <c:v>45765.0</c:v>
                 </c:pt>
                 <c:pt idx="13">
-                  <c:v>2025-04-11T05:04</c:v>
+                  <c:v>45767.0</c:v>
                 </c:pt>
                 <c:pt idx="14">
-                  <c:v>2025-04-11T10:23</c:v>
+                  <c:v>45768.0</c:v>
                 </c:pt>
                 <c:pt idx="15">
-                  <c:v>2025-04-11T12:52</c:v>
+                  <c:v>45769.0</c:v>
                 </c:pt>
                 <c:pt idx="16">
-                  <c:v>2025-04-11T12:57</c:v>
+                  <c:v>45770.0</c:v>
                 </c:pt>
                 <c:pt idx="17">
-                  <c:v>2025-04-11T13:03</c:v>
+                  <c:v>45771.0</c:v>
                 </c:pt>
                 <c:pt idx="18">
-                  <c:v>2025-04-11T13:18</c:v>
+                  <c:v>45772.0</c:v>
                 </c:pt>
                 <c:pt idx="19">
-                  <c:v>2025-04-11T13:26</c:v>
+                  <c:v>45775.0</c:v>
                 </c:pt>
                 <c:pt idx="20">
-                  <c:v>2025-04-11T13:43</c:v>
-                </c:pt>
-                <c:pt idx="21">
-                  <c:v>2025-04-11T14:15</c:v>
-                </c:pt>
-                <c:pt idx="22">
-                  <c:v>2025-04-12T09:39</c:v>
-                </c:pt>
-                <c:pt idx="23">
-                  <c:v>2025-04-12T10:14</c:v>
-                </c:pt>
-                <c:pt idx="24">
-                  <c:v>2025-04-14T07:51</c:v>
-                </c:pt>
-                <c:pt idx="25">
-                  <c:v>2025-04-15T06:29</c:v>
-                </c:pt>
-                <c:pt idx="26">
-                  <c:v>2025-04-15T07:37</c:v>
-                </c:pt>
-                <c:pt idx="27">
-                  <c:v>2025-04-15T07:45</c:v>
-                </c:pt>
-                <c:pt idx="28">
-                  <c:v>2025-04-15T09:21</c:v>
-                </c:pt>
-                <c:pt idx="29">
-                  <c:v>2025-04-15T09:31</c:v>
-                </c:pt>
-                <c:pt idx="30">
-                  <c:v>2025-04-15T11:39</c:v>
-                </c:pt>
-                <c:pt idx="31">
-                  <c:v>2025-04-15T11:52</c:v>
-                </c:pt>
-                <c:pt idx="32">
-                  <c:v>2025-04-15T12:03</c:v>
-                </c:pt>
-                <c:pt idx="33">
-                  <c:v>2025-04-15T12:06</c:v>
-                </c:pt>
-                <c:pt idx="34">
-                  <c:v>2025-04-16T10:02</c:v>
-                </c:pt>
-                <c:pt idx="35">
-                  <c:v>2025-04-16T10:45</c:v>
-                </c:pt>
-                <c:pt idx="36">
-                  <c:v>2025-04-17T07:18</c:v>
-                </c:pt>
-                <c:pt idx="37">
-                  <c:v>2025-04-17T14:16</c:v>
-                </c:pt>
-                <c:pt idx="38">
-                  <c:v>2025-04-18T06:51</c:v>
-                </c:pt>
-                <c:pt idx="39">
-                  <c:v>2025-04-18T07:08</c:v>
-                </c:pt>
-                <c:pt idx="40">
-                  <c:v>2025-04-18T10:15</c:v>
-                </c:pt>
-                <c:pt idx="41">
-                  <c:v>2025-04-20T11:26</c:v>
-                </c:pt>
-                <c:pt idx="42">
-                  <c:v>2025-04-20T16:40</c:v>
-                </c:pt>
-                <c:pt idx="43">
-                  <c:v>2025-04-20T19:23</c:v>
-                </c:pt>
-                <c:pt idx="44">
-                  <c:v>2025-04-20T19:27</c:v>
-                </c:pt>
-                <c:pt idx="45">
-                  <c:v>2025-04-21T07:08</c:v>
-                </c:pt>
-                <c:pt idx="46">
-                  <c:v>2025-04-21T07:40</c:v>
-                </c:pt>
-                <c:pt idx="47">
-                  <c:v>2025-04-21T08:09</c:v>
-                </c:pt>
-                <c:pt idx="48">
-                  <c:v>2025-04-21T10:06</c:v>
-                </c:pt>
-                <c:pt idx="49">
-                  <c:v>2025-04-21T11:34</c:v>
-                </c:pt>
-                <c:pt idx="50">
-                  <c:v>2025-04-21T13:18</c:v>
-                </c:pt>
-                <c:pt idx="51">
-                  <c:v>2025-04-21T13:40</c:v>
-                </c:pt>
-                <c:pt idx="52">
-                  <c:v>2025-04-21T13:44</c:v>
-                </c:pt>
-                <c:pt idx="53">
-                  <c:v>2025-04-21T13:57</c:v>
-                </c:pt>
-                <c:pt idx="54">
-                  <c:v>2025-04-21T14:04</c:v>
-                </c:pt>
-                <c:pt idx="55">
-                  <c:v>2025-04-21T14:30</c:v>
-                </c:pt>
-                <c:pt idx="56">
-                  <c:v>2025-04-21T14:43</c:v>
-                </c:pt>
-                <c:pt idx="57">
-                  <c:v>2025-04-22T05:41</c:v>
-                </c:pt>
-                <c:pt idx="58">
-                  <c:v>2025-04-22T08:21</c:v>
-                </c:pt>
-                <c:pt idx="59">
-                  <c:v>2025-04-22T11:47</c:v>
-                </c:pt>
-                <c:pt idx="60">
-                  <c:v>2025-04-22T12:10</c:v>
-                </c:pt>
-                <c:pt idx="61">
-                  <c:v>2025-04-23T09:48</c:v>
-                </c:pt>
-                <c:pt idx="62">
-                  <c:v>2025-04-23T10:17</c:v>
-                </c:pt>
-                <c:pt idx="63">
-                  <c:v>2025-04-23T10:51</c:v>
-                </c:pt>
-                <c:pt idx="64">
-                  <c:v>2025-04-23T11:42</c:v>
-                </c:pt>
-                <c:pt idx="65">
-                  <c:v>2025-04-23T11:44</c:v>
-                </c:pt>
-                <c:pt idx="66">
-                  <c:v>2025-04-23T12:04</c:v>
-                </c:pt>
-                <c:pt idx="67">
-                  <c:v>2025-04-23T12:09</c:v>
-                </c:pt>
-                <c:pt idx="68">
-                  <c:v>2025-04-23T12:23</c:v>
-                </c:pt>
-                <c:pt idx="69">
-                  <c:v>2025-04-23T12:24</c:v>
-                </c:pt>
-                <c:pt idx="70">
-                  <c:v>2025-04-23T12:30</c:v>
-                </c:pt>
-                <c:pt idx="71">
-                  <c:v>2025-04-23T12:32</c:v>
-                </c:pt>
-                <c:pt idx="72">
-                  <c:v>2025-04-23T12:47</c:v>
-                </c:pt>
-                <c:pt idx="73">
-                  <c:v>2025-04-23T12:48</c:v>
-                </c:pt>
-                <c:pt idx="74">
-                  <c:v>2025-04-23T12:50</c:v>
-                </c:pt>
-                <c:pt idx="75">
-                  <c:v>2025-04-23T12:57</c:v>
-                </c:pt>
-                <c:pt idx="76">
-                  <c:v>2025-04-23T13:12</c:v>
-                </c:pt>
-                <c:pt idx="77">
-                  <c:v>2025-04-23T13:15</c:v>
-                </c:pt>
-                <c:pt idx="78">
-                  <c:v>2025-04-23T15:03</c:v>
-                </c:pt>
-                <c:pt idx="79">
-                  <c:v>2025-04-23T16:49</c:v>
-                </c:pt>
-                <c:pt idx="80">
-                  <c:v>2025-04-23T18:55</c:v>
-                </c:pt>
-                <c:pt idx="81">
-                  <c:v>2025-04-23T20:08</c:v>
-                </c:pt>
-                <c:pt idx="82">
-                  <c:v>2025-04-24T03:30</c:v>
-                </c:pt>
-                <c:pt idx="83">
-                  <c:v>2025-04-24T04:39</c:v>
-                </c:pt>
-                <c:pt idx="84">
-                  <c:v>2025-04-24T04:41</c:v>
-                </c:pt>
-                <c:pt idx="85">
-                  <c:v>2025-04-24T06:13</c:v>
-                </c:pt>
-                <c:pt idx="86">
-                  <c:v>2025-04-24T06:23</c:v>
-                </c:pt>
-                <c:pt idx="87">
-                  <c:v>2025-04-24T06:33</c:v>
-                </c:pt>
-                <c:pt idx="88">
-                  <c:v>2025-04-24T06:51</c:v>
-                </c:pt>
-                <c:pt idx="89">
-                  <c:v>2025-04-24T07:14</c:v>
-                </c:pt>
-                <c:pt idx="90">
-                  <c:v>2025-04-24T07:21</c:v>
-                </c:pt>
-                <c:pt idx="91">
-                  <c:v>2025-04-24T08:06</c:v>
-                </c:pt>
-                <c:pt idx="92">
-                  <c:v>2025-04-24T08:31</c:v>
-                </c:pt>
-                <c:pt idx="93">
-                  <c:v>2025-04-24T08:33</c:v>
-                </c:pt>
-                <c:pt idx="94">
-                  <c:v>2025-04-24T08:45</c:v>
-                </c:pt>
-                <c:pt idx="95">
-                  <c:v>2025-04-24T09:00</c:v>
-                </c:pt>
-                <c:pt idx="96">
-                  <c:v>2025-04-24T09:02</c:v>
-                </c:pt>
-                <c:pt idx="97">
-                  <c:v>2025-04-24T09:06</c:v>
-                </c:pt>
-                <c:pt idx="98">
-                  <c:v>2025-04-24T09:11</c:v>
-                </c:pt>
-                <c:pt idx="99">
-                  <c:v>2025-04-24T09:26</c:v>
-                </c:pt>
-                <c:pt idx="100">
-                  <c:v>2025-04-24T09:39</c:v>
-                </c:pt>
-                <c:pt idx="101">
-                  <c:v>2025-04-24T11:02</c:v>
-                </c:pt>
-                <c:pt idx="102">
-                  <c:v>2025-04-24T11:05</c:v>
-                </c:pt>
-                <c:pt idx="103">
-                  <c:v>2025-04-24T11:07</c:v>
-                </c:pt>
-                <c:pt idx="104">
-                  <c:v>2025-04-24T11:09</c:v>
-                </c:pt>
-                <c:pt idx="105">
-                  <c:v>2025-04-24T12:19</c:v>
-                </c:pt>
-                <c:pt idx="106">
-                  <c:v>2025-04-24T12:34</c:v>
-                </c:pt>
-                <c:pt idx="107">
-                  <c:v>2025-04-24T13:36</c:v>
-                </c:pt>
-                <c:pt idx="108">
-                  <c:v>2025-04-24T13:47</c:v>
-                </c:pt>
-                <c:pt idx="109">
-                  <c:v>2025-04-24T14:15</c:v>
-                </c:pt>
-                <c:pt idx="110">
-                  <c:v>2025-04-24T15:31</c:v>
-                </c:pt>
-                <c:pt idx="111">
-                  <c:v>2025-04-24T15:45</c:v>
-                </c:pt>
-                <c:pt idx="112">
-                  <c:v>2025-04-24T16:03</c:v>
-                </c:pt>
-                <c:pt idx="113">
-                  <c:v>2025-04-24T21:24</c:v>
-                </c:pt>
-                <c:pt idx="114">
-                  <c:v>2025-04-25T05:09</c:v>
-                </c:pt>
-                <c:pt idx="115">
-                  <c:v>2025-04-25T05:16</c:v>
-                </c:pt>
-                <c:pt idx="116">
-                  <c:v>2025-04-25T06:24</c:v>
-                </c:pt>
-                <c:pt idx="117">
-                  <c:v>2025-04-25T07:57</c:v>
-                </c:pt>
-                <c:pt idx="118">
-                  <c:v>2025-04-25T13:52</c:v>
-                </c:pt>
-                <c:pt idx="119">
-                  <c:v>2025-04-25T14:00</c:v>
-                </c:pt>
-                <c:pt idx="120">
-                  <c:v>2025-04-25T14:22</c:v>
-                </c:pt>
-                <c:pt idx="121">
-                  <c:v>2025-04-28T09:51</c:v>
-                </c:pt>
-                <c:pt idx="122">
-                  <c:v>2025-04-29T05:05</c:v>
-                </c:pt>
-                <c:pt idx="123">
-                  <c:v>2025-04-29T05:33</c:v>
-                </c:pt>
-                <c:pt idx="124">
-                  <c:v>2025-04-29T05:53</c:v>
-                </c:pt>
-              </c:strCache>
-            </c:strRef>
+                  <c:v>45776.0</c:v>
+                </c:pt>
+              </c:numCache>
+            </c:numRef>
           </c:cat>
           <c:val>
             <c:numRef>
-              <c:f>Sheet1!$B$2:$B$126</c:f>
+              <c:f>Sheet1!$B$2:$B$22</c:f>
               <c:numCache>
                 <c:formatCode>General</c:formatCode>
-                <c:ptCount val="125"/>
+                <c:ptCount val="21"/>
                 <c:pt idx="0">
                   <c:v>0</c:v>
                 </c:pt>
@@ -545,369 +235,57 @@
                   <c:v>0</c:v>
                 </c:pt>
                 <c:pt idx="3">
+                  <c:v>1</c:v>
+                </c:pt>
+                <c:pt idx="4">
+                  <c:v>1</c:v>
+                </c:pt>
+                <c:pt idx="5">
+                  <c:v>1</c:v>
+                </c:pt>
+                <c:pt idx="6">
+                  <c:v>9</c:v>
+                </c:pt>
+                <c:pt idx="7">
+                  <c:v>1</c:v>
+                </c:pt>
+                <c:pt idx="8">
+                  <c:v>1</c:v>
+                </c:pt>
+                <c:pt idx="9">
+                  <c:v>6</c:v>
+                </c:pt>
+                <c:pt idx="10">
+                  <c:v>1</c:v>
+                </c:pt>
+                <c:pt idx="11">
+                  <c:v>2</c:v>
+                </c:pt>
+                <c:pt idx="12">
+                  <c:v>2</c:v>
+                </c:pt>
+                <c:pt idx="13">
                   <c:v>0</c:v>
                 </c:pt>
-                <c:pt idx="4">
+                <c:pt idx="14">
+                  <c:v>9</c:v>
+                </c:pt>
+                <c:pt idx="15">
+                  <c:v>3</c:v>
+                </c:pt>
+                <c:pt idx="16">
                   <c:v>0</c:v>
                 </c:pt>
-                <c:pt idx="5">
+                <c:pt idx="17">
                   <c:v>0</c:v>
                 </c:pt>
-                <c:pt idx="6">
-                  <c:v>1</c:v>
-                </c:pt>
-                <c:pt idx="7">
+                <c:pt idx="18">
+                  <c:v>3</c:v>
+                </c:pt>
+                <c:pt idx="19">
                   <c:v>0</c:v>
                 </c:pt>
-                <c:pt idx="8">
-                  <c:v>0</c:v>
-                </c:pt>
-                <c:pt idx="9">
-                  <c:v>1</c:v>
-                </c:pt>
-                <c:pt idx="10">
-                  <c:v>0</c:v>
-                </c:pt>
-                <c:pt idx="11">
-                  <c:v>1</c:v>
-                </c:pt>
-                <c:pt idx="12">
-                  <c:v>1</c:v>
-                </c:pt>
-                <c:pt idx="13">
-                  <c:v>1</c:v>
-                </c:pt>
-                <c:pt idx="14">
-                  <c:v>0</c:v>
-                </c:pt>
-                <c:pt idx="15">
-                  <c:v>1</c:v>
-                </c:pt>
-                <c:pt idx="16">
-                  <c:v>1</c:v>
-                </c:pt>
-                <c:pt idx="17">
-                  <c:v>1</c:v>
-                </c:pt>
-                <c:pt idx="18">
-                  <c:v>1</c:v>
-                </c:pt>
-                <c:pt idx="19">
-                  <c:v>1</c:v>
-                </c:pt>
                 <c:pt idx="20">
-                  <c:v>1</c:v>
-                </c:pt>
-                <c:pt idx="21">
-                  <c:v>1</c:v>
-                </c:pt>
-                <c:pt idx="22">
-                  <c:v>1</c:v>
-                </c:pt>
-                <c:pt idx="23">
-                  <c:v>0</c:v>
-                </c:pt>
-                <c:pt idx="24">
-                  <c:v>1</c:v>
-                </c:pt>
-                <c:pt idx="25">
-                  <c:v>1</c:v>
-                </c:pt>
-                <c:pt idx="26">
-                  <c:v>1</c:v>
-                </c:pt>
-                <c:pt idx="27">
-                  <c:v>0</c:v>
-                </c:pt>
-                <c:pt idx="28">
-                  <c:v>0</c:v>
-                </c:pt>
-                <c:pt idx="29">
-                  <c:v>0</c:v>
-                </c:pt>
-                <c:pt idx="30">
-                  <c:v>2</c:v>
-                </c:pt>
-                <c:pt idx="31">
-                  <c:v>1</c:v>
-                </c:pt>
-                <c:pt idx="32">
-                  <c:v>0</c:v>
-                </c:pt>
-                <c:pt idx="33">
-                  <c:v>1</c:v>
-                </c:pt>
-                <c:pt idx="34">
-                  <c:v>0</c:v>
-                </c:pt>
-                <c:pt idx="35">
-                  <c:v>1</c:v>
-                </c:pt>
-                <c:pt idx="36">
-                  <c:v>1</c:v>
-                </c:pt>
-                <c:pt idx="37">
-                  <c:v>1</c:v>
-                </c:pt>
-                <c:pt idx="38">
-                  <c:v>1</c:v>
-                </c:pt>
-                <c:pt idx="39">
-                  <c:v>0</c:v>
-                </c:pt>
-                <c:pt idx="40">
-                  <c:v>1</c:v>
-                </c:pt>
-                <c:pt idx="41">
-                  <c:v>0</c:v>
-                </c:pt>
-                <c:pt idx="42">
-                  <c:v>0</c:v>
-                </c:pt>
-                <c:pt idx="43">
-                  <c:v>0</c:v>
-                </c:pt>
-                <c:pt idx="44">
-                  <c:v>0</c:v>
-                </c:pt>
-                <c:pt idx="45">
-                  <c:v>0</c:v>
-                </c:pt>
-                <c:pt idx="46">
-                  <c:v>0</c:v>
-                </c:pt>
-                <c:pt idx="47">
-                  <c:v>0</c:v>
-                </c:pt>
-                <c:pt idx="48">
-                  <c:v>1</c:v>
-                </c:pt>
-                <c:pt idx="49">
-                  <c:v>1</c:v>
-                </c:pt>
-                <c:pt idx="50">
-                  <c:v>1</c:v>
-                </c:pt>
-                <c:pt idx="51">
-                  <c:v>1</c:v>
-                </c:pt>
-                <c:pt idx="52">
-                  <c:v>1</c:v>
-                </c:pt>
-                <c:pt idx="53">
-                  <c:v>1</c:v>
-                </c:pt>
-                <c:pt idx="54">
-                  <c:v>1</c:v>
-                </c:pt>
-                <c:pt idx="55">
-                  <c:v>1</c:v>
-                </c:pt>
-                <c:pt idx="56">
-                  <c:v>1</c:v>
-                </c:pt>
-                <c:pt idx="57">
-                  <c:v>1</c:v>
-                </c:pt>
-                <c:pt idx="58">
-                  <c:v>1</c:v>
-                </c:pt>
-                <c:pt idx="59">
-                  <c:v>1</c:v>
-                </c:pt>
-                <c:pt idx="60">
-                  <c:v>0</c:v>
-                </c:pt>
-                <c:pt idx="61">
-                  <c:v>0</c:v>
-                </c:pt>
-                <c:pt idx="62">
-                  <c:v>0</c:v>
-                </c:pt>
-                <c:pt idx="63">
-                  <c:v>0</c:v>
-                </c:pt>
-                <c:pt idx="64">
-                  <c:v>0</c:v>
-                </c:pt>
-                <c:pt idx="65">
-                  <c:v>0</c:v>
-                </c:pt>
-                <c:pt idx="66">
-                  <c:v>0</c:v>
-                </c:pt>
-                <c:pt idx="67">
-                  <c:v>0</c:v>
-                </c:pt>
-                <c:pt idx="68">
-                  <c:v>0</c:v>
-                </c:pt>
-                <c:pt idx="69">
-                  <c:v>0</c:v>
-                </c:pt>
-                <c:pt idx="70">
-                  <c:v>0</c:v>
-                </c:pt>
-                <c:pt idx="71">
-                  <c:v>0</c:v>
-                </c:pt>
-                <c:pt idx="72">
-                  <c:v>0</c:v>
-                </c:pt>
-                <c:pt idx="73">
-                  <c:v>0</c:v>
-                </c:pt>
-                <c:pt idx="74">
-                  <c:v>0</c:v>
-                </c:pt>
-                <c:pt idx="75">
-                  <c:v>0</c:v>
-                </c:pt>
-                <c:pt idx="76">
-                  <c:v>0</c:v>
-                </c:pt>
-                <c:pt idx="77">
-                  <c:v>0</c:v>
-                </c:pt>
-                <c:pt idx="78">
-                  <c:v>0</c:v>
-                </c:pt>
-                <c:pt idx="79">
-                  <c:v>0</c:v>
-                </c:pt>
-                <c:pt idx="80">
-                  <c:v>0</c:v>
-                </c:pt>
-                <c:pt idx="81">
-                  <c:v>0</c:v>
-                </c:pt>
-                <c:pt idx="82">
-                  <c:v>0</c:v>
-                </c:pt>
-                <c:pt idx="83">
-                  <c:v>0</c:v>
-                </c:pt>
-                <c:pt idx="84">
-                  <c:v>0</c:v>
-                </c:pt>
-                <c:pt idx="85">
-                  <c:v>0</c:v>
-                </c:pt>
-                <c:pt idx="86">
-                  <c:v>0</c:v>
-                </c:pt>
-                <c:pt idx="87">
-                  <c:v>0</c:v>
-                </c:pt>
-                <c:pt idx="88">
-                  <c:v>0</c:v>
-                </c:pt>
-                <c:pt idx="89">
-                  <c:v>0</c:v>
-                </c:pt>
-                <c:pt idx="90">
-                  <c:v>0</c:v>
-                </c:pt>
-                <c:pt idx="91">
-                  <c:v>0</c:v>
-                </c:pt>
-                <c:pt idx="92">
-                  <c:v>0</c:v>
-                </c:pt>
-                <c:pt idx="93">
-                  <c:v>0</c:v>
-                </c:pt>
-                <c:pt idx="94">
-                  <c:v>0</c:v>
-                </c:pt>
-                <c:pt idx="95">
-                  <c:v>0</c:v>
-                </c:pt>
-                <c:pt idx="96">
-                  <c:v>0</c:v>
-                </c:pt>
-                <c:pt idx="97">
-                  <c:v>0</c:v>
-                </c:pt>
-                <c:pt idx="98">
-                  <c:v>0</c:v>
-                </c:pt>
-                <c:pt idx="99">
-                  <c:v>0</c:v>
-                </c:pt>
-                <c:pt idx="100">
-                  <c:v>0</c:v>
-                </c:pt>
-                <c:pt idx="101">
-                  <c:v>0</c:v>
-                </c:pt>
-                <c:pt idx="102">
-                  <c:v>0</c:v>
-                </c:pt>
-                <c:pt idx="103">
-                  <c:v>0</c:v>
-                </c:pt>
-                <c:pt idx="104">
-                  <c:v>0</c:v>
-                </c:pt>
-                <c:pt idx="105">
-                  <c:v>0</c:v>
-                </c:pt>
-                <c:pt idx="106">
-                  <c:v>0</c:v>
-                </c:pt>
-                <c:pt idx="107">
-                  <c:v>0</c:v>
-                </c:pt>
-                <c:pt idx="108">
-                  <c:v>0</c:v>
-                </c:pt>
-                <c:pt idx="109">
-                  <c:v>0</c:v>
-                </c:pt>
-                <c:pt idx="110">
-                  <c:v>0</c:v>
-                </c:pt>
-                <c:pt idx="111">
-                  <c:v>0</c:v>
-                </c:pt>
-                <c:pt idx="112">
-                  <c:v>0</c:v>
-                </c:pt>
-                <c:pt idx="113">
-                  <c:v>0</c:v>
-                </c:pt>
-                <c:pt idx="114">
-                  <c:v>0</c:v>
-                </c:pt>
-                <c:pt idx="115">
-                  <c:v>0</c:v>
-                </c:pt>
-                <c:pt idx="116">
-                  <c:v>0</c:v>
-                </c:pt>
-                <c:pt idx="117">
-                  <c:v>0</c:v>
-                </c:pt>
-                <c:pt idx="118">
-                  <c:v>1</c:v>
-                </c:pt>
-                <c:pt idx="119">
-                  <c:v>1</c:v>
-                </c:pt>
-                <c:pt idx="120">
-                  <c:v>1</c:v>
-                </c:pt>
-                <c:pt idx="121">
-                  <c:v>0</c:v>
-                </c:pt>
-                <c:pt idx="122">
-                  <c:v>0</c:v>
-                </c:pt>
-                <c:pt idx="123">
-                  <c:v>0</c:v>
-                </c:pt>
-                <c:pt idx="124">
                   <c:v>0</c:v>
                 </c:pt>
               </c:numCache>
@@ -940,408 +318,97 @@
             <c:symbol val="none"/>
           </c:marker>
           <c:cat>
-            <c:strRef>
-              <c:f>Sheet1!$A$2:$A$126</c:f>
-              <c:strCache>
-                <c:ptCount val="125"/>
+            <c:numRef>
+              <c:f>Sheet1!$A$2:$A$22</c:f>
+              <c:numCache>
+                <c:formatCode>yyyy\-mm\-dd</c:formatCode>
+                <c:ptCount val="21"/>
                 <c:pt idx="0">
-                  <c:v>2025-04-02T06:45</c:v>
+                  <c:v>45749.0</c:v>
                 </c:pt>
                 <c:pt idx="1">
-                  <c:v>2025-04-02T07:45</c:v>
+                  <c:v>45752.0</c:v>
                 </c:pt>
                 <c:pt idx="2">
-                  <c:v>2025-04-02T13:53</c:v>
+                  <c:v>45754.0</c:v>
                 </c:pt>
                 <c:pt idx="3">
-                  <c:v>2025-04-05T06:41</c:v>
+                  <c:v>45755.0</c:v>
                 </c:pt>
                 <c:pt idx="4">
-                  <c:v>2025-04-05T07:50</c:v>
+                  <c:v>45756.0</c:v>
                 </c:pt>
                 <c:pt idx="5">
-                  <c:v>2025-04-07T08:55</c:v>
+                  <c:v>45757.0</c:v>
                 </c:pt>
                 <c:pt idx="6">
-                  <c:v>2025-04-08T11:31</c:v>
+                  <c:v>45758.0</c:v>
                 </c:pt>
                 <c:pt idx="7">
-                  <c:v>2025-04-08T15:25</c:v>
+                  <c:v>45759.0</c:v>
                 </c:pt>
                 <c:pt idx="8">
-                  <c:v>2025-04-08T15:28</c:v>
+                  <c:v>45761.0</c:v>
                 </c:pt>
                 <c:pt idx="9">
-                  <c:v>2025-04-09T12:00</c:v>
+                  <c:v>45762.0</c:v>
                 </c:pt>
                 <c:pt idx="10">
-                  <c:v>2025-04-10T12:06</c:v>
+                  <c:v>45763.0</c:v>
                 </c:pt>
                 <c:pt idx="11">
-                  <c:v>2025-04-10T13:50</c:v>
+                  <c:v>45764.0</c:v>
                 </c:pt>
                 <c:pt idx="12">
-                  <c:v>2025-04-11T04:51</c:v>
+                  <c:v>45765.0</c:v>
                 </c:pt>
                 <c:pt idx="13">
-                  <c:v>2025-04-11T05:04</c:v>
+                  <c:v>45767.0</c:v>
                 </c:pt>
                 <c:pt idx="14">
-                  <c:v>2025-04-11T10:23</c:v>
+                  <c:v>45768.0</c:v>
                 </c:pt>
                 <c:pt idx="15">
-                  <c:v>2025-04-11T12:52</c:v>
+                  <c:v>45769.0</c:v>
                 </c:pt>
                 <c:pt idx="16">
-                  <c:v>2025-04-11T12:57</c:v>
+                  <c:v>45770.0</c:v>
                 </c:pt>
                 <c:pt idx="17">
-                  <c:v>2025-04-11T13:03</c:v>
+                  <c:v>45771.0</c:v>
                 </c:pt>
                 <c:pt idx="18">
-                  <c:v>2025-04-11T13:18</c:v>
+                  <c:v>45772.0</c:v>
                 </c:pt>
                 <c:pt idx="19">
-                  <c:v>2025-04-11T13:26</c:v>
+                  <c:v>45775.0</c:v>
                 </c:pt>
                 <c:pt idx="20">
-                  <c:v>2025-04-11T13:43</c:v>
-                </c:pt>
-                <c:pt idx="21">
-                  <c:v>2025-04-11T14:15</c:v>
-                </c:pt>
-                <c:pt idx="22">
-                  <c:v>2025-04-12T09:39</c:v>
-                </c:pt>
-                <c:pt idx="23">
-                  <c:v>2025-04-12T10:14</c:v>
-                </c:pt>
-                <c:pt idx="24">
-                  <c:v>2025-04-14T07:51</c:v>
-                </c:pt>
-                <c:pt idx="25">
-                  <c:v>2025-04-15T06:29</c:v>
-                </c:pt>
-                <c:pt idx="26">
-                  <c:v>2025-04-15T07:37</c:v>
-                </c:pt>
-                <c:pt idx="27">
-                  <c:v>2025-04-15T07:45</c:v>
-                </c:pt>
-                <c:pt idx="28">
-                  <c:v>2025-04-15T09:21</c:v>
-                </c:pt>
-                <c:pt idx="29">
-                  <c:v>2025-04-15T09:31</c:v>
-                </c:pt>
-                <c:pt idx="30">
-                  <c:v>2025-04-15T11:39</c:v>
-                </c:pt>
-                <c:pt idx="31">
-                  <c:v>2025-04-15T11:52</c:v>
-                </c:pt>
-                <c:pt idx="32">
-                  <c:v>2025-04-15T12:03</c:v>
-                </c:pt>
-                <c:pt idx="33">
-                  <c:v>2025-04-15T12:06</c:v>
-                </c:pt>
-                <c:pt idx="34">
-                  <c:v>2025-04-16T10:02</c:v>
-                </c:pt>
-                <c:pt idx="35">
-                  <c:v>2025-04-16T10:45</c:v>
-                </c:pt>
-                <c:pt idx="36">
-                  <c:v>2025-04-17T07:18</c:v>
-                </c:pt>
-                <c:pt idx="37">
-                  <c:v>2025-04-17T14:16</c:v>
-                </c:pt>
-                <c:pt idx="38">
-                  <c:v>2025-04-18T06:51</c:v>
-                </c:pt>
-                <c:pt idx="39">
-                  <c:v>2025-04-18T07:08</c:v>
-                </c:pt>
-                <c:pt idx="40">
-                  <c:v>2025-04-18T10:15</c:v>
-                </c:pt>
-                <c:pt idx="41">
-                  <c:v>2025-04-20T11:26</c:v>
-                </c:pt>
-                <c:pt idx="42">
-                  <c:v>2025-04-20T16:40</c:v>
-                </c:pt>
-                <c:pt idx="43">
-                  <c:v>2025-04-20T19:23</c:v>
-                </c:pt>
-                <c:pt idx="44">
-                  <c:v>2025-04-20T19:27</c:v>
-                </c:pt>
-                <c:pt idx="45">
-                  <c:v>2025-04-21T07:08</c:v>
-                </c:pt>
-                <c:pt idx="46">
-                  <c:v>2025-04-21T07:40</c:v>
-                </c:pt>
-                <c:pt idx="47">
-                  <c:v>2025-04-21T08:09</c:v>
-                </c:pt>
-                <c:pt idx="48">
-                  <c:v>2025-04-21T10:06</c:v>
-                </c:pt>
-                <c:pt idx="49">
-                  <c:v>2025-04-21T11:34</c:v>
-                </c:pt>
-                <c:pt idx="50">
-                  <c:v>2025-04-21T13:18</c:v>
-                </c:pt>
-                <c:pt idx="51">
-                  <c:v>2025-04-21T13:40</c:v>
-                </c:pt>
-                <c:pt idx="52">
-                  <c:v>2025-04-21T13:44</c:v>
-                </c:pt>
-                <c:pt idx="53">
-                  <c:v>2025-04-21T13:57</c:v>
-                </c:pt>
-                <c:pt idx="54">
-                  <c:v>2025-04-21T14:04</c:v>
-                </c:pt>
-                <c:pt idx="55">
-                  <c:v>2025-04-21T14:30</c:v>
-                </c:pt>
-                <c:pt idx="56">
-                  <c:v>2025-04-21T14:43</c:v>
-                </c:pt>
-                <c:pt idx="57">
-                  <c:v>2025-04-22T05:41</c:v>
-                </c:pt>
-                <c:pt idx="58">
-                  <c:v>2025-04-22T08:21</c:v>
-                </c:pt>
-                <c:pt idx="59">
-                  <c:v>2025-04-22T11:47</c:v>
-                </c:pt>
-                <c:pt idx="60">
-                  <c:v>2025-04-22T12:10</c:v>
-                </c:pt>
-                <c:pt idx="61">
-                  <c:v>2025-04-23T09:48</c:v>
-                </c:pt>
-                <c:pt idx="62">
-                  <c:v>2025-04-23T10:17</c:v>
-                </c:pt>
-                <c:pt idx="63">
-                  <c:v>2025-04-23T10:51</c:v>
-                </c:pt>
-                <c:pt idx="64">
-                  <c:v>2025-04-23T11:42</c:v>
-                </c:pt>
-                <c:pt idx="65">
-                  <c:v>2025-04-23T11:44</c:v>
-                </c:pt>
-                <c:pt idx="66">
-                  <c:v>2025-04-23T12:04</c:v>
-                </c:pt>
-                <c:pt idx="67">
-                  <c:v>2025-04-23T12:09</c:v>
-                </c:pt>
-                <c:pt idx="68">
-                  <c:v>2025-04-23T12:23</c:v>
-                </c:pt>
-                <c:pt idx="69">
-                  <c:v>2025-04-23T12:24</c:v>
-                </c:pt>
-                <c:pt idx="70">
-                  <c:v>2025-04-23T12:30</c:v>
-                </c:pt>
-                <c:pt idx="71">
-                  <c:v>2025-04-23T12:32</c:v>
-                </c:pt>
-                <c:pt idx="72">
-                  <c:v>2025-04-23T12:47</c:v>
-                </c:pt>
-                <c:pt idx="73">
-                  <c:v>2025-04-23T12:48</c:v>
-                </c:pt>
-                <c:pt idx="74">
-                  <c:v>2025-04-23T12:50</c:v>
-                </c:pt>
-                <c:pt idx="75">
-                  <c:v>2025-04-23T12:57</c:v>
-                </c:pt>
-                <c:pt idx="76">
-                  <c:v>2025-04-23T13:12</c:v>
-                </c:pt>
-                <c:pt idx="77">
-                  <c:v>2025-04-23T13:15</c:v>
-                </c:pt>
-                <c:pt idx="78">
-                  <c:v>2025-04-23T15:03</c:v>
-                </c:pt>
-                <c:pt idx="79">
-                  <c:v>2025-04-23T16:49</c:v>
-                </c:pt>
-                <c:pt idx="80">
-                  <c:v>2025-04-23T18:55</c:v>
-                </c:pt>
-                <c:pt idx="81">
-                  <c:v>2025-04-23T20:08</c:v>
-                </c:pt>
-                <c:pt idx="82">
-                  <c:v>2025-04-24T03:30</c:v>
-                </c:pt>
-                <c:pt idx="83">
-                  <c:v>2025-04-24T04:39</c:v>
-                </c:pt>
-                <c:pt idx="84">
-                  <c:v>2025-04-24T04:41</c:v>
-                </c:pt>
-                <c:pt idx="85">
-                  <c:v>2025-04-24T06:13</c:v>
-                </c:pt>
-                <c:pt idx="86">
-                  <c:v>2025-04-24T06:23</c:v>
-                </c:pt>
-                <c:pt idx="87">
-                  <c:v>2025-04-24T06:33</c:v>
-                </c:pt>
-                <c:pt idx="88">
-                  <c:v>2025-04-24T06:51</c:v>
-                </c:pt>
-                <c:pt idx="89">
-                  <c:v>2025-04-24T07:14</c:v>
-                </c:pt>
-                <c:pt idx="90">
-                  <c:v>2025-04-24T07:21</c:v>
-                </c:pt>
-                <c:pt idx="91">
-                  <c:v>2025-04-24T08:06</c:v>
-                </c:pt>
-                <c:pt idx="92">
-                  <c:v>2025-04-24T08:31</c:v>
-                </c:pt>
-                <c:pt idx="93">
-                  <c:v>2025-04-24T08:33</c:v>
-                </c:pt>
-                <c:pt idx="94">
-                  <c:v>2025-04-24T08:45</c:v>
-                </c:pt>
-                <c:pt idx="95">
-                  <c:v>2025-04-24T09:00</c:v>
-                </c:pt>
-                <c:pt idx="96">
-                  <c:v>2025-04-24T09:02</c:v>
-                </c:pt>
-                <c:pt idx="97">
-                  <c:v>2025-04-24T09:06</c:v>
-                </c:pt>
-                <c:pt idx="98">
-                  <c:v>2025-04-24T09:11</c:v>
-                </c:pt>
-                <c:pt idx="99">
-                  <c:v>2025-04-24T09:26</c:v>
-                </c:pt>
-                <c:pt idx="100">
-                  <c:v>2025-04-24T09:39</c:v>
-                </c:pt>
-                <c:pt idx="101">
-                  <c:v>2025-04-24T11:02</c:v>
-                </c:pt>
-                <c:pt idx="102">
-                  <c:v>2025-04-24T11:05</c:v>
-                </c:pt>
-                <c:pt idx="103">
-                  <c:v>2025-04-24T11:07</c:v>
-                </c:pt>
-                <c:pt idx="104">
-                  <c:v>2025-04-24T11:09</c:v>
-                </c:pt>
-                <c:pt idx="105">
-                  <c:v>2025-04-24T12:19</c:v>
-                </c:pt>
-                <c:pt idx="106">
-                  <c:v>2025-04-24T12:34</c:v>
-                </c:pt>
-                <c:pt idx="107">
-                  <c:v>2025-04-24T13:36</c:v>
-                </c:pt>
-                <c:pt idx="108">
-                  <c:v>2025-04-24T13:47</c:v>
-                </c:pt>
-                <c:pt idx="109">
-                  <c:v>2025-04-24T14:15</c:v>
-                </c:pt>
-                <c:pt idx="110">
-                  <c:v>2025-04-24T15:31</c:v>
-                </c:pt>
-                <c:pt idx="111">
-                  <c:v>2025-04-24T15:45</c:v>
-                </c:pt>
-                <c:pt idx="112">
-                  <c:v>2025-04-24T16:03</c:v>
-                </c:pt>
-                <c:pt idx="113">
-                  <c:v>2025-04-24T21:24</c:v>
-                </c:pt>
-                <c:pt idx="114">
-                  <c:v>2025-04-25T05:09</c:v>
-                </c:pt>
-                <c:pt idx="115">
-                  <c:v>2025-04-25T05:16</c:v>
-                </c:pt>
-                <c:pt idx="116">
-                  <c:v>2025-04-25T06:24</c:v>
-                </c:pt>
-                <c:pt idx="117">
-                  <c:v>2025-04-25T07:57</c:v>
-                </c:pt>
-                <c:pt idx="118">
-                  <c:v>2025-04-25T13:52</c:v>
-                </c:pt>
-                <c:pt idx="119">
-                  <c:v>2025-04-25T14:00</c:v>
-                </c:pt>
-                <c:pt idx="120">
-                  <c:v>2025-04-25T14:22</c:v>
-                </c:pt>
-                <c:pt idx="121">
-                  <c:v>2025-04-28T09:51</c:v>
-                </c:pt>
-                <c:pt idx="122">
-                  <c:v>2025-04-29T05:05</c:v>
-                </c:pt>
-                <c:pt idx="123">
-                  <c:v>2025-04-29T05:33</c:v>
-                </c:pt>
-                <c:pt idx="124">
-                  <c:v>2025-04-29T05:53</c:v>
-                </c:pt>
-              </c:strCache>
-            </c:strRef>
+                  <c:v>45776.0</c:v>
+                </c:pt>
+              </c:numCache>
+            </c:numRef>
           </c:cat>
           <c:val>
             <c:numRef>
-              <c:f>Sheet1!$C$2:$C$126</c:f>
+              <c:f>Sheet1!$C$2:$C$22</c:f>
               <c:numCache>
                 <c:formatCode>General</c:formatCode>
-                <c:ptCount val="125"/>
+                <c:ptCount val="21"/>
                 <c:pt idx="0">
+                  <c:v>2</c:v>
+                </c:pt>
+                <c:pt idx="1">
+                  <c:v>2</c:v>
+                </c:pt>
+                <c:pt idx="2">
                   <c:v>1</c:v>
                 </c:pt>
-                <c:pt idx="1">
-                  <c:v>1</c:v>
-                </c:pt>
-                <c:pt idx="2">
+                <c:pt idx="3">
+                  <c:v>2</c:v>
+                </c:pt>
+                <c:pt idx="4">
                   <c:v>0</c:v>
-                </c:pt>
-                <c:pt idx="3">
-                  <c:v>1</c:v>
-                </c:pt>
-                <c:pt idx="4">
-                  <c:v>1</c:v>
                 </c:pt>
                 <c:pt idx="5">
                   <c:v>1</c:v>
@@ -1353,13 +420,13 @@
                   <c:v>1</c:v>
                 </c:pt>
                 <c:pt idx="8">
-                  <c:v>1</c:v>
+                  <c:v>0</c:v>
                 </c:pt>
                 <c:pt idx="9">
+                  <c:v>4</c:v>
+                </c:pt>
+                <c:pt idx="10">
                   <c:v>0</c:v>
-                </c:pt>
-                <c:pt idx="10">
-                  <c:v>1</c:v>
                 </c:pt>
                 <c:pt idx="11">
                   <c:v>0</c:v>
@@ -1371,16 +438,16 @@
                   <c:v>0</c:v>
                 </c:pt>
                 <c:pt idx="14">
-                  <c:v>0</c:v>
+                  <c:v>2</c:v>
                 </c:pt>
                 <c:pt idx="15">
-                  <c:v>0</c:v>
+                  <c:v>1</c:v>
                 </c:pt>
                 <c:pt idx="16">
-                  <c:v>0</c:v>
+                  <c:v>1</c:v>
                 </c:pt>
                 <c:pt idx="17">
-                  <c:v>0</c:v>
+                  <c:v>1</c:v>
                 </c:pt>
                 <c:pt idx="18">
                   <c:v>0</c:v>
@@ -1389,319 +456,7 @@
                   <c:v>0</c:v>
                 </c:pt>
                 <c:pt idx="20">
-                  <c:v>0</c:v>
-                </c:pt>
-                <c:pt idx="21">
-                  <c:v>0</c:v>
-                </c:pt>
-                <c:pt idx="22">
-                  <c:v>0</c:v>
-                </c:pt>
-                <c:pt idx="23">
-                  <c:v>1</c:v>
-                </c:pt>
-                <c:pt idx="24">
-                  <c:v>0</c:v>
-                </c:pt>
-                <c:pt idx="25">
-                  <c:v>1</c:v>
-                </c:pt>
-                <c:pt idx="26">
-                  <c:v>0</c:v>
-                </c:pt>
-                <c:pt idx="27">
-                  <c:v>0</c:v>
-                </c:pt>
-                <c:pt idx="28">
-                  <c:v>1</c:v>
-                </c:pt>
-                <c:pt idx="29">
-                  <c:v>0</c:v>
-                </c:pt>
-                <c:pt idx="30">
-                  <c:v>0</c:v>
-                </c:pt>
-                <c:pt idx="31">
-                  <c:v>0</c:v>
-                </c:pt>
-                <c:pt idx="32">
-                  <c:v>1</c:v>
-                </c:pt>
-                <c:pt idx="33">
-                  <c:v>1</c:v>
-                </c:pt>
-                <c:pt idx="34">
-                  <c:v>0</c:v>
-                </c:pt>
-                <c:pt idx="35">
-                  <c:v>0</c:v>
-                </c:pt>
-                <c:pt idx="36">
-                  <c:v>0</c:v>
-                </c:pt>
-                <c:pt idx="37">
-                  <c:v>0</c:v>
-                </c:pt>
-                <c:pt idx="38">
-                  <c:v>0</c:v>
-                </c:pt>
-                <c:pt idx="39">
-                  <c:v>0</c:v>
-                </c:pt>
-                <c:pt idx="40">
-                  <c:v>0</c:v>
-                </c:pt>
-                <c:pt idx="41">
-                  <c:v>0</c:v>
-                </c:pt>
-                <c:pt idx="42">
-                  <c:v>0</c:v>
-                </c:pt>
-                <c:pt idx="43">
-                  <c:v>0</c:v>
-                </c:pt>
-                <c:pt idx="44">
-                  <c:v>0</c:v>
-                </c:pt>
-                <c:pt idx="45">
-                  <c:v>1</c:v>
-                </c:pt>
-                <c:pt idx="46">
-                  <c:v>1</c:v>
-                </c:pt>
-                <c:pt idx="47">
-                  <c:v>0</c:v>
-                </c:pt>
-                <c:pt idx="48">
-                  <c:v>0</c:v>
-                </c:pt>
-                <c:pt idx="49">
-                  <c:v>0</c:v>
-                </c:pt>
-                <c:pt idx="50">
-                  <c:v>0</c:v>
-                </c:pt>
-                <c:pt idx="51">
-                  <c:v>0</c:v>
-                </c:pt>
-                <c:pt idx="52">
-                  <c:v>0</c:v>
-                </c:pt>
-                <c:pt idx="53">
-                  <c:v>0</c:v>
-                </c:pt>
-                <c:pt idx="54">
-                  <c:v>0</c:v>
-                </c:pt>
-                <c:pt idx="55">
-                  <c:v>0</c:v>
-                </c:pt>
-                <c:pt idx="56">
-                  <c:v>0</c:v>
-                </c:pt>
-                <c:pt idx="57">
-                  <c:v>0</c:v>
-                </c:pt>
-                <c:pt idx="58">
-                  <c:v>0</c:v>
-                </c:pt>
-                <c:pt idx="59">
-                  <c:v>0</c:v>
-                </c:pt>
-                <c:pt idx="60">
-                  <c:v>1</c:v>
-                </c:pt>
-                <c:pt idx="61">
-                  <c:v>0</c:v>
-                </c:pt>
-                <c:pt idx="62">
-                  <c:v>0</c:v>
-                </c:pt>
-                <c:pt idx="63">
-                  <c:v>0</c:v>
-                </c:pt>
-                <c:pt idx="64">
-                  <c:v>0</c:v>
-                </c:pt>
-                <c:pt idx="65">
-                  <c:v>0</c:v>
-                </c:pt>
-                <c:pt idx="66">
-                  <c:v>0</c:v>
-                </c:pt>
-                <c:pt idx="67">
-                  <c:v>0</c:v>
-                </c:pt>
-                <c:pt idx="68">
-                  <c:v>0</c:v>
-                </c:pt>
-                <c:pt idx="69">
-                  <c:v>0</c:v>
-                </c:pt>
-                <c:pt idx="70">
-                  <c:v>0</c:v>
-                </c:pt>
-                <c:pt idx="71">
-                  <c:v>0</c:v>
-                </c:pt>
-                <c:pt idx="72">
-                  <c:v>0</c:v>
-                </c:pt>
-                <c:pt idx="73">
-                  <c:v>0</c:v>
-                </c:pt>
-                <c:pt idx="74">
-                  <c:v>0</c:v>
-                </c:pt>
-                <c:pt idx="75">
-                  <c:v>0</c:v>
-                </c:pt>
-                <c:pt idx="76">
-                  <c:v>0</c:v>
-                </c:pt>
-                <c:pt idx="77">
-                  <c:v>0</c:v>
-                </c:pt>
-                <c:pt idx="78">
-                  <c:v>0</c:v>
-                </c:pt>
-                <c:pt idx="79">
-                  <c:v>1</c:v>
-                </c:pt>
-                <c:pt idx="80">
-                  <c:v>0</c:v>
-                </c:pt>
-                <c:pt idx="81">
-                  <c:v>0</c:v>
-                </c:pt>
-                <c:pt idx="82">
-                  <c:v>0</c:v>
-                </c:pt>
-                <c:pt idx="83">
-                  <c:v>0</c:v>
-                </c:pt>
-                <c:pt idx="84">
-                  <c:v>0</c:v>
-                </c:pt>
-                <c:pt idx="85">
-                  <c:v>1</c:v>
-                </c:pt>
-                <c:pt idx="86">
-                  <c:v>0</c:v>
-                </c:pt>
-                <c:pt idx="87">
-                  <c:v>0</c:v>
-                </c:pt>
-                <c:pt idx="88">
-                  <c:v>0</c:v>
-                </c:pt>
-                <c:pt idx="89">
-                  <c:v>0</c:v>
-                </c:pt>
-                <c:pt idx="90">
-                  <c:v>0</c:v>
-                </c:pt>
-                <c:pt idx="91">
-                  <c:v>0</c:v>
-                </c:pt>
-                <c:pt idx="92">
-                  <c:v>0</c:v>
-                </c:pt>
-                <c:pt idx="93">
-                  <c:v>0</c:v>
-                </c:pt>
-                <c:pt idx="94">
-                  <c:v>0</c:v>
-                </c:pt>
-                <c:pt idx="95">
-                  <c:v>0</c:v>
-                </c:pt>
-                <c:pt idx="96">
-                  <c:v>0</c:v>
-                </c:pt>
-                <c:pt idx="97">
-                  <c:v>0</c:v>
-                </c:pt>
-                <c:pt idx="98">
-                  <c:v>0</c:v>
-                </c:pt>
-                <c:pt idx="99">
-                  <c:v>0</c:v>
-                </c:pt>
-                <c:pt idx="100">
-                  <c:v>0</c:v>
-                </c:pt>
-                <c:pt idx="101">
-                  <c:v>0</c:v>
-                </c:pt>
-                <c:pt idx="102">
-                  <c:v>0</c:v>
-                </c:pt>
-                <c:pt idx="103">
-                  <c:v>0</c:v>
-                </c:pt>
-                <c:pt idx="104">
-                  <c:v>0</c:v>
-                </c:pt>
-                <c:pt idx="105">
-                  <c:v>0</c:v>
-                </c:pt>
-                <c:pt idx="106">
-                  <c:v>0</c:v>
-                </c:pt>
-                <c:pt idx="107">
-                  <c:v>0</c:v>
-                </c:pt>
-                <c:pt idx="108">
-                  <c:v>0</c:v>
-                </c:pt>
-                <c:pt idx="109">
-                  <c:v>0</c:v>
-                </c:pt>
-                <c:pt idx="110">
-                  <c:v>0</c:v>
-                </c:pt>
-                <c:pt idx="111">
-                  <c:v>0</c:v>
-                </c:pt>
-                <c:pt idx="112">
-                  <c:v>0</c:v>
-                </c:pt>
-                <c:pt idx="113">
-                  <c:v>0</c:v>
-                </c:pt>
-                <c:pt idx="114">
-                  <c:v>0</c:v>
-                </c:pt>
-                <c:pt idx="115">
-                  <c:v>0</c:v>
-                </c:pt>
-                <c:pt idx="116">
-                  <c:v>0</c:v>
-                </c:pt>
-                <c:pt idx="117">
-                  <c:v>0</c:v>
-                </c:pt>
-                <c:pt idx="118">
-                  <c:v>0</c:v>
-                </c:pt>
-                <c:pt idx="119">
-                  <c:v>0</c:v>
-                </c:pt>
-                <c:pt idx="120">
-                  <c:v>0</c:v>
-                </c:pt>
-                <c:pt idx="121">
-                  <c:v>0</c:v>
-                </c:pt>
-                <c:pt idx="122">
-                  <c:v>1</c:v>
-                </c:pt>
-                <c:pt idx="123">
-                  <c:v>1</c:v>
-                </c:pt>
-                <c:pt idx="124">
-                  <c:v>1</c:v>
+                  <c:v>3</c:v>
                 </c:pt>
               </c:numCache>
             </c:numRef>
@@ -1733,402 +488,91 @@
             <c:symbol val="none"/>
           </c:marker>
           <c:cat>
-            <c:strRef>
-              <c:f>Sheet1!$A$2:$A$126</c:f>
-              <c:strCache>
-                <c:ptCount val="125"/>
+            <c:numRef>
+              <c:f>Sheet1!$A$2:$A$22</c:f>
+              <c:numCache>
+                <c:formatCode>yyyy\-mm\-dd</c:formatCode>
+                <c:ptCount val="21"/>
                 <c:pt idx="0">
-                  <c:v>2025-04-02T06:45</c:v>
+                  <c:v>45749.0</c:v>
                 </c:pt>
                 <c:pt idx="1">
-                  <c:v>2025-04-02T07:45</c:v>
+                  <c:v>45752.0</c:v>
                 </c:pt>
                 <c:pt idx="2">
-                  <c:v>2025-04-02T13:53</c:v>
+                  <c:v>45754.0</c:v>
                 </c:pt>
                 <c:pt idx="3">
-                  <c:v>2025-04-05T06:41</c:v>
+                  <c:v>45755.0</c:v>
                 </c:pt>
                 <c:pt idx="4">
-                  <c:v>2025-04-05T07:50</c:v>
+                  <c:v>45756.0</c:v>
                 </c:pt>
                 <c:pt idx="5">
-                  <c:v>2025-04-07T08:55</c:v>
+                  <c:v>45757.0</c:v>
                 </c:pt>
                 <c:pt idx="6">
-                  <c:v>2025-04-08T11:31</c:v>
+                  <c:v>45758.0</c:v>
                 </c:pt>
                 <c:pt idx="7">
-                  <c:v>2025-04-08T15:25</c:v>
+                  <c:v>45759.0</c:v>
                 </c:pt>
                 <c:pt idx="8">
-                  <c:v>2025-04-08T15:28</c:v>
+                  <c:v>45761.0</c:v>
                 </c:pt>
                 <c:pt idx="9">
-                  <c:v>2025-04-09T12:00</c:v>
+                  <c:v>45762.0</c:v>
                 </c:pt>
                 <c:pt idx="10">
-                  <c:v>2025-04-10T12:06</c:v>
+                  <c:v>45763.0</c:v>
                 </c:pt>
                 <c:pt idx="11">
-                  <c:v>2025-04-10T13:50</c:v>
+                  <c:v>45764.0</c:v>
                 </c:pt>
                 <c:pt idx="12">
-                  <c:v>2025-04-11T04:51</c:v>
+                  <c:v>45765.0</c:v>
                 </c:pt>
                 <c:pt idx="13">
-                  <c:v>2025-04-11T05:04</c:v>
+                  <c:v>45767.0</c:v>
                 </c:pt>
                 <c:pt idx="14">
-                  <c:v>2025-04-11T10:23</c:v>
+                  <c:v>45768.0</c:v>
                 </c:pt>
                 <c:pt idx="15">
-                  <c:v>2025-04-11T12:52</c:v>
+                  <c:v>45769.0</c:v>
                 </c:pt>
                 <c:pt idx="16">
-                  <c:v>2025-04-11T12:57</c:v>
+                  <c:v>45770.0</c:v>
                 </c:pt>
                 <c:pt idx="17">
-                  <c:v>2025-04-11T13:03</c:v>
+                  <c:v>45771.0</c:v>
                 </c:pt>
                 <c:pt idx="18">
-                  <c:v>2025-04-11T13:18</c:v>
+                  <c:v>45772.0</c:v>
                 </c:pt>
                 <c:pt idx="19">
-                  <c:v>2025-04-11T13:26</c:v>
+                  <c:v>45775.0</c:v>
                 </c:pt>
                 <c:pt idx="20">
-                  <c:v>2025-04-11T13:43</c:v>
-                </c:pt>
-                <c:pt idx="21">
-                  <c:v>2025-04-11T14:15</c:v>
-                </c:pt>
-                <c:pt idx="22">
-                  <c:v>2025-04-12T09:39</c:v>
-                </c:pt>
-                <c:pt idx="23">
-                  <c:v>2025-04-12T10:14</c:v>
-                </c:pt>
-                <c:pt idx="24">
-                  <c:v>2025-04-14T07:51</c:v>
-                </c:pt>
-                <c:pt idx="25">
-                  <c:v>2025-04-15T06:29</c:v>
-                </c:pt>
-                <c:pt idx="26">
-                  <c:v>2025-04-15T07:37</c:v>
-                </c:pt>
-                <c:pt idx="27">
-                  <c:v>2025-04-15T07:45</c:v>
-                </c:pt>
-                <c:pt idx="28">
-                  <c:v>2025-04-15T09:21</c:v>
-                </c:pt>
-                <c:pt idx="29">
-                  <c:v>2025-04-15T09:31</c:v>
-                </c:pt>
-                <c:pt idx="30">
-                  <c:v>2025-04-15T11:39</c:v>
-                </c:pt>
-                <c:pt idx="31">
-                  <c:v>2025-04-15T11:52</c:v>
-                </c:pt>
-                <c:pt idx="32">
-                  <c:v>2025-04-15T12:03</c:v>
-                </c:pt>
-                <c:pt idx="33">
-                  <c:v>2025-04-15T12:06</c:v>
-                </c:pt>
-                <c:pt idx="34">
-                  <c:v>2025-04-16T10:02</c:v>
-                </c:pt>
-                <c:pt idx="35">
-                  <c:v>2025-04-16T10:45</c:v>
-                </c:pt>
-                <c:pt idx="36">
-                  <c:v>2025-04-17T07:18</c:v>
-                </c:pt>
-                <c:pt idx="37">
-                  <c:v>2025-04-17T14:16</c:v>
-                </c:pt>
-                <c:pt idx="38">
-                  <c:v>2025-04-18T06:51</c:v>
-                </c:pt>
-                <c:pt idx="39">
-                  <c:v>2025-04-18T07:08</c:v>
-                </c:pt>
-                <c:pt idx="40">
-                  <c:v>2025-04-18T10:15</c:v>
-                </c:pt>
-                <c:pt idx="41">
-                  <c:v>2025-04-20T11:26</c:v>
-                </c:pt>
-                <c:pt idx="42">
-                  <c:v>2025-04-20T16:40</c:v>
-                </c:pt>
-                <c:pt idx="43">
-                  <c:v>2025-04-20T19:23</c:v>
-                </c:pt>
-                <c:pt idx="44">
-                  <c:v>2025-04-20T19:27</c:v>
-                </c:pt>
-                <c:pt idx="45">
-                  <c:v>2025-04-21T07:08</c:v>
-                </c:pt>
-                <c:pt idx="46">
-                  <c:v>2025-04-21T07:40</c:v>
-                </c:pt>
-                <c:pt idx="47">
-                  <c:v>2025-04-21T08:09</c:v>
-                </c:pt>
-                <c:pt idx="48">
-                  <c:v>2025-04-21T10:06</c:v>
-                </c:pt>
-                <c:pt idx="49">
-                  <c:v>2025-04-21T11:34</c:v>
-                </c:pt>
-                <c:pt idx="50">
-                  <c:v>2025-04-21T13:18</c:v>
-                </c:pt>
-                <c:pt idx="51">
-                  <c:v>2025-04-21T13:40</c:v>
-                </c:pt>
-                <c:pt idx="52">
-                  <c:v>2025-04-21T13:44</c:v>
-                </c:pt>
-                <c:pt idx="53">
-                  <c:v>2025-04-21T13:57</c:v>
-                </c:pt>
-                <c:pt idx="54">
-                  <c:v>2025-04-21T14:04</c:v>
-                </c:pt>
-                <c:pt idx="55">
-                  <c:v>2025-04-21T14:30</c:v>
-                </c:pt>
-                <c:pt idx="56">
-                  <c:v>2025-04-21T14:43</c:v>
-                </c:pt>
-                <c:pt idx="57">
-                  <c:v>2025-04-22T05:41</c:v>
-                </c:pt>
-                <c:pt idx="58">
-                  <c:v>2025-04-22T08:21</c:v>
-                </c:pt>
-                <c:pt idx="59">
-                  <c:v>2025-04-22T11:47</c:v>
-                </c:pt>
-                <c:pt idx="60">
-                  <c:v>2025-04-22T12:10</c:v>
-                </c:pt>
-                <c:pt idx="61">
-                  <c:v>2025-04-23T09:48</c:v>
-                </c:pt>
-                <c:pt idx="62">
-                  <c:v>2025-04-23T10:17</c:v>
-                </c:pt>
-                <c:pt idx="63">
-                  <c:v>2025-04-23T10:51</c:v>
-                </c:pt>
-                <c:pt idx="64">
-                  <c:v>2025-04-23T11:42</c:v>
-                </c:pt>
-                <c:pt idx="65">
-                  <c:v>2025-04-23T11:44</c:v>
-                </c:pt>
-                <c:pt idx="66">
-                  <c:v>2025-04-23T12:04</c:v>
-                </c:pt>
-                <c:pt idx="67">
-                  <c:v>2025-04-23T12:09</c:v>
-                </c:pt>
-                <c:pt idx="68">
-                  <c:v>2025-04-23T12:23</c:v>
-                </c:pt>
-                <c:pt idx="69">
-                  <c:v>2025-04-23T12:24</c:v>
-                </c:pt>
-                <c:pt idx="70">
-                  <c:v>2025-04-23T12:30</c:v>
-                </c:pt>
-                <c:pt idx="71">
-                  <c:v>2025-04-23T12:32</c:v>
-                </c:pt>
-                <c:pt idx="72">
-                  <c:v>2025-04-23T12:47</c:v>
-                </c:pt>
-                <c:pt idx="73">
-                  <c:v>2025-04-23T12:48</c:v>
-                </c:pt>
-                <c:pt idx="74">
-                  <c:v>2025-04-23T12:50</c:v>
-                </c:pt>
-                <c:pt idx="75">
-                  <c:v>2025-04-23T12:57</c:v>
-                </c:pt>
-                <c:pt idx="76">
-                  <c:v>2025-04-23T13:12</c:v>
-                </c:pt>
-                <c:pt idx="77">
-                  <c:v>2025-04-23T13:15</c:v>
-                </c:pt>
-                <c:pt idx="78">
-                  <c:v>2025-04-23T15:03</c:v>
-                </c:pt>
-                <c:pt idx="79">
-                  <c:v>2025-04-23T16:49</c:v>
-                </c:pt>
-                <c:pt idx="80">
-                  <c:v>2025-04-23T18:55</c:v>
-                </c:pt>
-                <c:pt idx="81">
-                  <c:v>2025-04-23T20:08</c:v>
-                </c:pt>
-                <c:pt idx="82">
-                  <c:v>2025-04-24T03:30</c:v>
-                </c:pt>
-                <c:pt idx="83">
-                  <c:v>2025-04-24T04:39</c:v>
-                </c:pt>
-                <c:pt idx="84">
-                  <c:v>2025-04-24T04:41</c:v>
-                </c:pt>
-                <c:pt idx="85">
-                  <c:v>2025-04-24T06:13</c:v>
-                </c:pt>
-                <c:pt idx="86">
-                  <c:v>2025-04-24T06:23</c:v>
-                </c:pt>
-                <c:pt idx="87">
-                  <c:v>2025-04-24T06:33</c:v>
-                </c:pt>
-                <c:pt idx="88">
-                  <c:v>2025-04-24T06:51</c:v>
-                </c:pt>
-                <c:pt idx="89">
-                  <c:v>2025-04-24T07:14</c:v>
-                </c:pt>
-                <c:pt idx="90">
-                  <c:v>2025-04-24T07:21</c:v>
-                </c:pt>
-                <c:pt idx="91">
-                  <c:v>2025-04-24T08:06</c:v>
-                </c:pt>
-                <c:pt idx="92">
-                  <c:v>2025-04-24T08:31</c:v>
-                </c:pt>
-                <c:pt idx="93">
-                  <c:v>2025-04-24T08:33</c:v>
-                </c:pt>
-                <c:pt idx="94">
-                  <c:v>2025-04-24T08:45</c:v>
-                </c:pt>
-                <c:pt idx="95">
-                  <c:v>2025-04-24T09:00</c:v>
-                </c:pt>
-                <c:pt idx="96">
-                  <c:v>2025-04-24T09:02</c:v>
-                </c:pt>
-                <c:pt idx="97">
-                  <c:v>2025-04-24T09:06</c:v>
-                </c:pt>
-                <c:pt idx="98">
-                  <c:v>2025-04-24T09:11</c:v>
-                </c:pt>
-                <c:pt idx="99">
-                  <c:v>2025-04-24T09:26</c:v>
-                </c:pt>
-                <c:pt idx="100">
-                  <c:v>2025-04-24T09:39</c:v>
-                </c:pt>
-                <c:pt idx="101">
-                  <c:v>2025-04-24T11:02</c:v>
-                </c:pt>
-                <c:pt idx="102">
-                  <c:v>2025-04-24T11:05</c:v>
-                </c:pt>
-                <c:pt idx="103">
-                  <c:v>2025-04-24T11:07</c:v>
-                </c:pt>
-                <c:pt idx="104">
-                  <c:v>2025-04-24T11:09</c:v>
-                </c:pt>
-                <c:pt idx="105">
-                  <c:v>2025-04-24T12:19</c:v>
-                </c:pt>
-                <c:pt idx="106">
-                  <c:v>2025-04-24T12:34</c:v>
-                </c:pt>
-                <c:pt idx="107">
-                  <c:v>2025-04-24T13:36</c:v>
-                </c:pt>
-                <c:pt idx="108">
-                  <c:v>2025-04-24T13:47</c:v>
-                </c:pt>
-                <c:pt idx="109">
-                  <c:v>2025-04-24T14:15</c:v>
-                </c:pt>
-                <c:pt idx="110">
-                  <c:v>2025-04-24T15:31</c:v>
-                </c:pt>
-                <c:pt idx="111">
-                  <c:v>2025-04-24T15:45</c:v>
-                </c:pt>
-                <c:pt idx="112">
-                  <c:v>2025-04-24T16:03</c:v>
-                </c:pt>
-                <c:pt idx="113">
-                  <c:v>2025-04-24T21:24</c:v>
-                </c:pt>
-                <c:pt idx="114">
-                  <c:v>2025-04-25T05:09</c:v>
-                </c:pt>
-                <c:pt idx="115">
-                  <c:v>2025-04-25T05:16</c:v>
-                </c:pt>
-                <c:pt idx="116">
-                  <c:v>2025-04-25T06:24</c:v>
-                </c:pt>
-                <c:pt idx="117">
-                  <c:v>2025-04-25T07:57</c:v>
-                </c:pt>
-                <c:pt idx="118">
-                  <c:v>2025-04-25T13:52</c:v>
-                </c:pt>
-                <c:pt idx="119">
-                  <c:v>2025-04-25T14:00</c:v>
-                </c:pt>
-                <c:pt idx="120">
-                  <c:v>2025-04-25T14:22</c:v>
-                </c:pt>
-                <c:pt idx="121">
-                  <c:v>2025-04-28T09:51</c:v>
-                </c:pt>
-                <c:pt idx="122">
-                  <c:v>2025-04-29T05:05</c:v>
-                </c:pt>
-                <c:pt idx="123">
-                  <c:v>2025-04-29T05:33</c:v>
-                </c:pt>
-                <c:pt idx="124">
-                  <c:v>2025-04-29T05:53</c:v>
-                </c:pt>
-              </c:strCache>
-            </c:strRef>
+                  <c:v>45776.0</c:v>
+                </c:pt>
+              </c:numCache>
+            </c:numRef>
           </c:cat>
           <c:val>
             <c:numRef>
-              <c:f>Sheet1!$D$2:$D$126</c:f>
+              <c:f>Sheet1!$D$2:$D$22</c:f>
               <c:numCache>
                 <c:formatCode>General</c:formatCode>
-                <c:ptCount val="125"/>
+                <c:ptCount val="21"/>
                 <c:pt idx="0">
-                  <c:v>0</c:v>
+                  <c:v>1</c:v>
                 </c:pt>
                 <c:pt idx="1">
                   <c:v>0</c:v>
                 </c:pt>
                 <c:pt idx="2">
-                  <c:v>1</c:v>
+                  <c:v>0</c:v>
                 </c:pt>
                 <c:pt idx="3">
                   <c:v>0</c:v>
@@ -2140,7 +584,7 @@
                   <c:v>0</c:v>
                 </c:pt>
                 <c:pt idx="6">
-                  <c:v>0</c:v>
+                  <c:v>1</c:v>
                 </c:pt>
                 <c:pt idx="7">
                   <c:v>0</c:v>
@@ -2149,19 +593,19 @@
                   <c:v>0</c:v>
                 </c:pt>
                 <c:pt idx="9">
-                  <c:v>0</c:v>
+                  <c:v>2</c:v>
                 </c:pt>
                 <c:pt idx="10">
-                  <c:v>0</c:v>
+                  <c:v>1</c:v>
                 </c:pt>
                 <c:pt idx="11">
                   <c:v>0</c:v>
                 </c:pt>
                 <c:pt idx="12">
-                  <c:v>0</c:v>
+                  <c:v>1</c:v>
                 </c:pt>
                 <c:pt idx="13">
-                  <c:v>0</c:v>
+                  <c:v>5</c:v>
                 </c:pt>
                 <c:pt idx="14">
                   <c:v>1</c:v>
@@ -2170,330 +614,18 @@
                   <c:v>0</c:v>
                 </c:pt>
                 <c:pt idx="16">
-                  <c:v>0</c:v>
+                  <c:v>22</c:v>
                 </c:pt>
                 <c:pt idx="17">
-                  <c:v>0</c:v>
+                  <c:v>33</c:v>
                 </c:pt>
                 <c:pt idx="18">
-                  <c:v>0</c:v>
+                  <c:v>4</c:v>
                 </c:pt>
                 <c:pt idx="19">
-                  <c:v>0</c:v>
+                  <c:v>1</c:v>
                 </c:pt>
                 <c:pt idx="20">
-                  <c:v>0</c:v>
-                </c:pt>
-                <c:pt idx="21">
-                  <c:v>0</c:v>
-                </c:pt>
-                <c:pt idx="22">
-                  <c:v>0</c:v>
-                </c:pt>
-                <c:pt idx="23">
-                  <c:v>0</c:v>
-                </c:pt>
-                <c:pt idx="24">
-                  <c:v>0</c:v>
-                </c:pt>
-                <c:pt idx="25">
-                  <c:v>0</c:v>
-                </c:pt>
-                <c:pt idx="26">
-                  <c:v>0</c:v>
-                </c:pt>
-                <c:pt idx="27">
-                  <c:v>1</c:v>
-                </c:pt>
-                <c:pt idx="28">
-                  <c:v>0</c:v>
-                </c:pt>
-                <c:pt idx="29">
-                  <c:v>1</c:v>
-                </c:pt>
-                <c:pt idx="30">
-                  <c:v>0</c:v>
-                </c:pt>
-                <c:pt idx="31">
-                  <c:v>0</c:v>
-                </c:pt>
-                <c:pt idx="32">
-                  <c:v>0</c:v>
-                </c:pt>
-                <c:pt idx="33">
-                  <c:v>0</c:v>
-                </c:pt>
-                <c:pt idx="34">
-                  <c:v>1</c:v>
-                </c:pt>
-                <c:pt idx="35">
-                  <c:v>0</c:v>
-                </c:pt>
-                <c:pt idx="36">
-                  <c:v>0</c:v>
-                </c:pt>
-                <c:pt idx="37">
-                  <c:v>0</c:v>
-                </c:pt>
-                <c:pt idx="38">
-                  <c:v>0</c:v>
-                </c:pt>
-                <c:pt idx="39">
-                  <c:v>1</c:v>
-                </c:pt>
-                <c:pt idx="40">
-                  <c:v>0</c:v>
-                </c:pt>
-                <c:pt idx="41">
-                  <c:v>2</c:v>
-                </c:pt>
-                <c:pt idx="42">
-                  <c:v>1</c:v>
-                </c:pt>
-                <c:pt idx="43">
-                  <c:v>1</c:v>
-                </c:pt>
-                <c:pt idx="44">
-                  <c:v>1</c:v>
-                </c:pt>
-                <c:pt idx="45">
-                  <c:v>0</c:v>
-                </c:pt>
-                <c:pt idx="46">
-                  <c:v>0</c:v>
-                </c:pt>
-                <c:pt idx="47">
-                  <c:v>1</c:v>
-                </c:pt>
-                <c:pt idx="48">
-                  <c:v>0</c:v>
-                </c:pt>
-                <c:pt idx="49">
-                  <c:v>0</c:v>
-                </c:pt>
-                <c:pt idx="50">
-                  <c:v>0</c:v>
-                </c:pt>
-                <c:pt idx="51">
-                  <c:v>0</c:v>
-                </c:pt>
-                <c:pt idx="52">
-                  <c:v>0</c:v>
-                </c:pt>
-                <c:pt idx="53">
-                  <c:v>0</c:v>
-                </c:pt>
-                <c:pt idx="54">
-                  <c:v>0</c:v>
-                </c:pt>
-                <c:pt idx="55">
-                  <c:v>0</c:v>
-                </c:pt>
-                <c:pt idx="56">
-                  <c:v>0</c:v>
-                </c:pt>
-                <c:pt idx="57">
-                  <c:v>0</c:v>
-                </c:pt>
-                <c:pt idx="58">
-                  <c:v>0</c:v>
-                </c:pt>
-                <c:pt idx="59">
-                  <c:v>0</c:v>
-                </c:pt>
-                <c:pt idx="60">
-                  <c:v>0</c:v>
-                </c:pt>
-                <c:pt idx="61">
-                  <c:v>1</c:v>
-                </c:pt>
-                <c:pt idx="62">
-                  <c:v>1</c:v>
-                </c:pt>
-                <c:pt idx="63">
-                  <c:v>1</c:v>
-                </c:pt>
-                <c:pt idx="64">
-                  <c:v>1</c:v>
-                </c:pt>
-                <c:pt idx="65">
-                  <c:v>1</c:v>
-                </c:pt>
-                <c:pt idx="66">
-                  <c:v>2</c:v>
-                </c:pt>
-                <c:pt idx="67">
-                  <c:v>1</c:v>
-                </c:pt>
-                <c:pt idx="68">
-                  <c:v>1</c:v>
-                </c:pt>
-                <c:pt idx="69">
-                  <c:v>1</c:v>
-                </c:pt>
-                <c:pt idx="70">
-                  <c:v>1</c:v>
-                </c:pt>
-                <c:pt idx="71">
-                  <c:v>2</c:v>
-                </c:pt>
-                <c:pt idx="72">
-                  <c:v>1</c:v>
-                </c:pt>
-                <c:pt idx="73">
-                  <c:v>1</c:v>
-                </c:pt>
-                <c:pt idx="74">
-                  <c:v>1</c:v>
-                </c:pt>
-                <c:pt idx="75">
-                  <c:v>1</c:v>
-                </c:pt>
-                <c:pt idx="76">
-                  <c:v>1</c:v>
-                </c:pt>
-                <c:pt idx="77">
-                  <c:v>1</c:v>
-                </c:pt>
-                <c:pt idx="78">
-                  <c:v>1</c:v>
-                </c:pt>
-                <c:pt idx="79">
-                  <c:v>0</c:v>
-                </c:pt>
-                <c:pt idx="80">
-                  <c:v>1</c:v>
-                </c:pt>
-                <c:pt idx="81">
-                  <c:v>1</c:v>
-                </c:pt>
-                <c:pt idx="82">
-                  <c:v>1</c:v>
-                </c:pt>
-                <c:pt idx="83">
-                  <c:v>1</c:v>
-                </c:pt>
-                <c:pt idx="84">
-                  <c:v>1</c:v>
-                </c:pt>
-                <c:pt idx="85">
-                  <c:v>0</c:v>
-                </c:pt>
-                <c:pt idx="86">
-                  <c:v>1</c:v>
-                </c:pt>
-                <c:pt idx="87">
-                  <c:v>1</c:v>
-                </c:pt>
-                <c:pt idx="88">
-                  <c:v>1</c:v>
-                </c:pt>
-                <c:pt idx="89">
-                  <c:v>1</c:v>
-                </c:pt>
-                <c:pt idx="90">
-                  <c:v>1</c:v>
-                </c:pt>
-                <c:pt idx="91">
-                  <c:v>1</c:v>
-                </c:pt>
-                <c:pt idx="92">
-                  <c:v>1</c:v>
-                </c:pt>
-                <c:pt idx="93">
-                  <c:v>1</c:v>
-                </c:pt>
-                <c:pt idx="94">
-                  <c:v>1</c:v>
-                </c:pt>
-                <c:pt idx="95">
-                  <c:v>1</c:v>
-                </c:pt>
-                <c:pt idx="96">
-                  <c:v>1</c:v>
-                </c:pt>
-                <c:pt idx="97">
-                  <c:v>1</c:v>
-                </c:pt>
-                <c:pt idx="98">
-                  <c:v>1</c:v>
-                </c:pt>
-                <c:pt idx="99">
-                  <c:v>1</c:v>
-                </c:pt>
-                <c:pt idx="100">
-                  <c:v>1</c:v>
-                </c:pt>
-                <c:pt idx="101">
-                  <c:v>1</c:v>
-                </c:pt>
-                <c:pt idx="102">
-                  <c:v>1</c:v>
-                </c:pt>
-                <c:pt idx="103">
-                  <c:v>2</c:v>
-                </c:pt>
-                <c:pt idx="104">
-                  <c:v>1</c:v>
-                </c:pt>
-                <c:pt idx="105">
-                  <c:v>1</c:v>
-                </c:pt>
-                <c:pt idx="106">
-                  <c:v>1</c:v>
-                </c:pt>
-                <c:pt idx="107">
-                  <c:v>2</c:v>
-                </c:pt>
-                <c:pt idx="108">
-                  <c:v>1</c:v>
-                </c:pt>
-                <c:pt idx="109">
-                  <c:v>1</c:v>
-                </c:pt>
-                <c:pt idx="110">
-                  <c:v>1</c:v>
-                </c:pt>
-                <c:pt idx="111">
-                  <c:v>1</c:v>
-                </c:pt>
-                <c:pt idx="112">
-                  <c:v>1</c:v>
-                </c:pt>
-                <c:pt idx="113">
-                  <c:v>1</c:v>
-                </c:pt>
-                <c:pt idx="114">
-                  <c:v>1</c:v>
-                </c:pt>
-                <c:pt idx="115">
-                  <c:v>1</c:v>
-                </c:pt>
-                <c:pt idx="116">
-                  <c:v>1</c:v>
-                </c:pt>
-                <c:pt idx="117">
-                  <c:v>1</c:v>
-                </c:pt>
-                <c:pt idx="118">
-                  <c:v>0</c:v>
-                </c:pt>
-                <c:pt idx="119">
-                  <c:v>0</c:v>
-                </c:pt>
-                <c:pt idx="120">
-                  <c:v>0</c:v>
-                </c:pt>
-                <c:pt idx="121">
-                  <c:v>1</c:v>
-                </c:pt>
-                <c:pt idx="122">
-                  <c:v>0</c:v>
-                </c:pt>
-                <c:pt idx="123">
-                  <c:v>0</c:v>
-                </c:pt>
-                <c:pt idx="124">
                   <c:v>0</c:v>
                 </c:pt>
               </c:numCache>
@@ -2506,32 +638,80 @@
         <c:axId val="2118791784"/>
         <c:axId val="2140495176"/>
       </c:lineChart>
-      <c:catAx>
+      <c:dateAx>
         <c:axId val="2118791784"/>
         <c:scaling>
           <c:orientation val="minMax"/>
         </c:scaling>
         <c:delete val="0"/>
         <c:axPos val="b"/>
+        <c:title>
+          <c:tx>
+            <c:rich>
+              <a:bodyPr/>
+              <a:lstStyle/>
+              <a:p>
+                <a:pPr>
+                  <a:defRPr sz="800"/>
+                </a:pPr>
+              </a:p>
+            </c:rich>
+          </c:tx>
+          <c:layout/>
+          <c:overlay val="0"/>
+        </c:title>
+        <c:numFmt formatCode="yyyy\-mm\-dd" sourceLinked="1"/>
         <c:majorTickMark val="out"/>
         <c:minorTickMark val="none"/>
         <c:tickLblPos val="nextTo"/>
+        <c:txPr>
+          <a:bodyPr/>
+          <a:lstStyle/>
+          <a:p>
+            <a:pPr>
+              <a:defRPr sz="700"/>
+            </a:pPr>
+          </a:p>
+        </c:txPr>
         <c:crossAx val="2140495176"/>
         <c:crosses val="autoZero"/>
         <c:auto val="1"/>
-        <c:lblAlgn val="ctr"/>
         <c:lblOffset val="100"/>
-        <c:noMultiLvlLbl val="0"/>
-      </c:catAx>
+        <c:baseTimeUnit val="days"/>
+      </c:dateAx>
       <c:valAx>
         <c:axId val="2140495176"/>
         <c:scaling/>
         <c:delete val="0"/>
         <c:axPos val="l"/>
         <c:majorGridlines/>
+        <c:title>
+          <c:tx>
+            <c:rich>
+              <a:bodyPr/>
+              <a:lstStyle/>
+              <a:p>
+                <a:pPr>
+                  <a:defRPr sz="800"/>
+                </a:pPr>
+              </a:p>
+            </c:rich>
+          </c:tx>
+          <c:layout/>
+          <c:overlay val="0"/>
+        </c:title>
         <c:majorTickMark val="out"/>
         <c:minorTickMark val="none"/>
         <c:tickLblPos val="nextTo"/>
+        <c:txPr>
+          <a:bodyPr/>
+          <a:lstStyle/>
+          <a:p>
+            <a:pPr>
+              <a:defRPr sz="700"/>
+            </a:pPr>
+          </a:p>
+        </c:txPr>
         <c:crossAx val="2118791784"/>
         <c:crosses val="autoZero"/>
       </c:valAx>
@@ -2553,6 +733,526 @@
     <c:plotVisOnly val="1"/>
     <c:dispBlanksAs val="gap"/>
     <c:showDLblsOverMax val="0"/>
+  </c:chart>
+  <c:txPr>
+    <a:bodyPr/>
+    <a:lstStyle/>
+    <a:p>
+      <a:pPr>
+        <a:defRPr sz="1800"/>
+      </a:pPr>
+      <a:endParaRPr lang="en-US"/>
+    </a:p>
+  </c:txPr>
+  <c:externalData r:id="rId1">
+    <c:autoUpdate val="0"/>
+  </c:externalData>
+</c:chartSpace>
+</file>
+
+<file path=ppt/charts/chart10.xml><?xml version="1.0" encoding="utf-8"?>
+<c:chartSpace xmlns:c="http://schemas.openxmlformats.org/drawingml/2006/chart" xmlns:a="http://schemas.openxmlformats.org/drawingml/2006/main" xmlns:r="http://schemas.openxmlformats.org/officeDocument/2006/relationships">
+  <c:date1904 val="0"/>
+  <c:style val="2"/>
+  <c:chart>
+    <c:autoTitleDeleted val="0"/>
+    <c:plotArea>
+      <c:barChart>
+        <c:barDir val="col"/>
+        <c:grouping val="clustered"/>
+        <c:ser>
+          <c:idx val="0"/>
+          <c:order val="0"/>
+          <c:tx>
+            <c:strRef>
+              <c:f>Sheet1!$B$1</c:f>
+              <c:strCache>
+                <c:ptCount val="1"/>
+                <c:pt idx="0">
+                  <c:v>Positive</c:v>
+                </c:pt>
+              </c:strCache>
+            </c:strRef>
+          </c:tx>
+          <c:spPr>
+            <a:solidFill>
+              <a:srgbClr val="45C27E"/>
+            </a:solidFill>
+          </c:spPr>
+          <c:cat>
+            <c:strRef>
+              <c:f>Sheet1!$A$2:$A$17</c:f>
+              <c:strCache>
+                <c:ptCount val="16"/>
+                <c:pt idx="0">
+                  <c:v>ABB Bank</c:v>
+                </c:pt>
+                <c:pt idx="1">
+                  <c:v>AFB Bank</c:v>
+                </c:pt>
+                <c:pt idx="2">
+                  <c:v>AccessBank</c:v>
+                </c:pt>
+                <c:pt idx="3">
+                  <c:v>Azər Türk Bank</c:v>
+                </c:pt>
+                <c:pt idx="4">
+                  <c:v>BTB Bank</c:v>
+                </c:pt>
+                <c:pt idx="5">
+                  <c:v>Bank Of Baku</c:v>
+                </c:pt>
+                <c:pt idx="6">
+                  <c:v>Bank Respublika</c:v>
+                </c:pt>
+                <c:pt idx="7">
+                  <c:v>Kapital Bank</c:v>
+                </c:pt>
+                <c:pt idx="8">
+                  <c:v>Paşa Bank</c:v>
+                </c:pt>
+                <c:pt idx="9">
+                  <c:v>Rabita Bank</c:v>
+                </c:pt>
+                <c:pt idx="10">
+                  <c:v>Turan Bank</c:v>
+                </c:pt>
+                <c:pt idx="11">
+                  <c:v>Unibank</c:v>
+                </c:pt>
+                <c:pt idx="12">
+                  <c:v>VTB Bank</c:v>
+                </c:pt>
+                <c:pt idx="13">
+                  <c:v>Xalq Bank</c:v>
+                </c:pt>
+                <c:pt idx="14">
+                  <c:v>Yelo Bank</c:v>
+                </c:pt>
+                <c:pt idx="15">
+                  <c:v>Ziraat Bank</c:v>
+                </c:pt>
+              </c:strCache>
+            </c:strRef>
+          </c:cat>
+          <c:val>
+            <c:numRef>
+              <c:f>Sheet1!$B$2:$B$17</c:f>
+              <c:numCache>
+                <c:formatCode>General</c:formatCode>
+                <c:ptCount val="16"/>
+                <c:pt idx="0">
+                  <c:v>41</c:v>
+                </c:pt>
+                <c:pt idx="1">
+                  <c:v>3</c:v>
+                </c:pt>
+                <c:pt idx="2">
+                  <c:v>5</c:v>
+                </c:pt>
+                <c:pt idx="3">
+                  <c:v>2</c:v>
+                </c:pt>
+                <c:pt idx="4">
+                  <c:v>2</c:v>
+                </c:pt>
+                <c:pt idx="5">
+                  <c:v>7</c:v>
+                </c:pt>
+                <c:pt idx="6">
+                  <c:v>19</c:v>
+                </c:pt>
+                <c:pt idx="7">
+                  <c:v>12</c:v>
+                </c:pt>
+                <c:pt idx="8">
+                  <c:v>12</c:v>
+                </c:pt>
+                <c:pt idx="9">
+                  <c:v>4</c:v>
+                </c:pt>
+                <c:pt idx="10">
+                  <c:v>1</c:v>
+                </c:pt>
+                <c:pt idx="11">
+                  <c:v>8</c:v>
+                </c:pt>
+                <c:pt idx="12">
+                  <c:v>3</c:v>
+                </c:pt>
+                <c:pt idx="13">
+                  <c:v>27</c:v>
+                </c:pt>
+                <c:pt idx="14">
+                  <c:v>37</c:v>
+                </c:pt>
+                <c:pt idx="15">
+                  <c:v>13</c:v>
+                </c:pt>
+              </c:numCache>
+            </c:numRef>
+          </c:val>
+        </c:ser>
+        <c:ser>
+          <c:idx val="1"/>
+          <c:order val="1"/>
+          <c:tx>
+            <c:strRef>
+              <c:f>Sheet1!$C$1</c:f>
+              <c:strCache>
+                <c:ptCount val="1"/>
+                <c:pt idx="0">
+                  <c:v>Neutral</c:v>
+                </c:pt>
+              </c:strCache>
+            </c:strRef>
+          </c:tx>
+          <c:spPr>
+            <a:solidFill>
+              <a:srgbClr val="FFBF00"/>
+            </a:solidFill>
+          </c:spPr>
+          <c:cat>
+            <c:strRef>
+              <c:f>Sheet1!$A$2:$A$17</c:f>
+              <c:strCache>
+                <c:ptCount val="16"/>
+                <c:pt idx="0">
+                  <c:v>ABB Bank</c:v>
+                </c:pt>
+                <c:pt idx="1">
+                  <c:v>AFB Bank</c:v>
+                </c:pt>
+                <c:pt idx="2">
+                  <c:v>AccessBank</c:v>
+                </c:pt>
+                <c:pt idx="3">
+                  <c:v>Azər Türk Bank</c:v>
+                </c:pt>
+                <c:pt idx="4">
+                  <c:v>BTB Bank</c:v>
+                </c:pt>
+                <c:pt idx="5">
+                  <c:v>Bank Of Baku</c:v>
+                </c:pt>
+                <c:pt idx="6">
+                  <c:v>Bank Respublika</c:v>
+                </c:pt>
+                <c:pt idx="7">
+                  <c:v>Kapital Bank</c:v>
+                </c:pt>
+                <c:pt idx="8">
+                  <c:v>Paşa Bank</c:v>
+                </c:pt>
+                <c:pt idx="9">
+                  <c:v>Rabita Bank</c:v>
+                </c:pt>
+                <c:pt idx="10">
+                  <c:v>Turan Bank</c:v>
+                </c:pt>
+                <c:pt idx="11">
+                  <c:v>Unibank</c:v>
+                </c:pt>
+                <c:pt idx="12">
+                  <c:v>VTB Bank</c:v>
+                </c:pt>
+                <c:pt idx="13">
+                  <c:v>Xalq Bank</c:v>
+                </c:pt>
+                <c:pt idx="14">
+                  <c:v>Yelo Bank</c:v>
+                </c:pt>
+                <c:pt idx="15">
+                  <c:v>Ziraat Bank</c:v>
+                </c:pt>
+              </c:strCache>
+            </c:strRef>
+          </c:cat>
+          <c:val>
+            <c:numRef>
+              <c:f>Sheet1!$C$2:$C$17</c:f>
+              <c:numCache>
+                <c:formatCode>General</c:formatCode>
+                <c:ptCount val="16"/>
+                <c:pt idx="0">
+                  <c:v>201</c:v>
+                </c:pt>
+                <c:pt idx="1">
+                  <c:v>34</c:v>
+                </c:pt>
+                <c:pt idx="2">
+                  <c:v>62</c:v>
+                </c:pt>
+                <c:pt idx="3">
+                  <c:v>7</c:v>
+                </c:pt>
+                <c:pt idx="4">
+                  <c:v>27</c:v>
+                </c:pt>
+                <c:pt idx="5">
+                  <c:v>57</c:v>
+                </c:pt>
+                <c:pt idx="6">
+                  <c:v>95</c:v>
+                </c:pt>
+                <c:pt idx="7">
+                  <c:v>124</c:v>
+                </c:pt>
+                <c:pt idx="8">
+                  <c:v>169</c:v>
+                </c:pt>
+                <c:pt idx="9">
+                  <c:v>34</c:v>
+                </c:pt>
+                <c:pt idx="10">
+                  <c:v>1</c:v>
+                </c:pt>
+                <c:pt idx="11">
+                  <c:v>83</c:v>
+                </c:pt>
+                <c:pt idx="12">
+                  <c:v>65</c:v>
+                </c:pt>
+                <c:pt idx="13">
+                  <c:v>73</c:v>
+                </c:pt>
+                <c:pt idx="14">
+                  <c:v>74</c:v>
+                </c:pt>
+                <c:pt idx="15">
+                  <c:v>30</c:v>
+                </c:pt>
+              </c:numCache>
+            </c:numRef>
+          </c:val>
+        </c:ser>
+        <c:ser>
+          <c:idx val="2"/>
+          <c:order val="2"/>
+          <c:tx>
+            <c:strRef>
+              <c:f>Sheet1!$D$1</c:f>
+              <c:strCache>
+                <c:ptCount val="1"/>
+                <c:pt idx="0">
+                  <c:v>Negative</c:v>
+                </c:pt>
+              </c:strCache>
+            </c:strRef>
+          </c:tx>
+          <c:spPr>
+            <a:solidFill>
+              <a:srgbClr val="F60140"/>
+            </a:solidFill>
+          </c:spPr>
+          <c:cat>
+            <c:strRef>
+              <c:f>Sheet1!$A$2:$A$17</c:f>
+              <c:strCache>
+                <c:ptCount val="16"/>
+                <c:pt idx="0">
+                  <c:v>ABB Bank</c:v>
+                </c:pt>
+                <c:pt idx="1">
+                  <c:v>AFB Bank</c:v>
+                </c:pt>
+                <c:pt idx="2">
+                  <c:v>AccessBank</c:v>
+                </c:pt>
+                <c:pt idx="3">
+                  <c:v>Azər Türk Bank</c:v>
+                </c:pt>
+                <c:pt idx="4">
+                  <c:v>BTB Bank</c:v>
+                </c:pt>
+                <c:pt idx="5">
+                  <c:v>Bank Of Baku</c:v>
+                </c:pt>
+                <c:pt idx="6">
+                  <c:v>Bank Respublika</c:v>
+                </c:pt>
+                <c:pt idx="7">
+                  <c:v>Kapital Bank</c:v>
+                </c:pt>
+                <c:pt idx="8">
+                  <c:v>Paşa Bank</c:v>
+                </c:pt>
+                <c:pt idx="9">
+                  <c:v>Rabita Bank</c:v>
+                </c:pt>
+                <c:pt idx="10">
+                  <c:v>Turan Bank</c:v>
+                </c:pt>
+                <c:pt idx="11">
+                  <c:v>Unibank</c:v>
+                </c:pt>
+                <c:pt idx="12">
+                  <c:v>VTB Bank</c:v>
+                </c:pt>
+                <c:pt idx="13">
+                  <c:v>Xalq Bank</c:v>
+                </c:pt>
+                <c:pt idx="14">
+                  <c:v>Yelo Bank</c:v>
+                </c:pt>
+                <c:pt idx="15">
+                  <c:v>Ziraat Bank</c:v>
+                </c:pt>
+              </c:strCache>
+            </c:strRef>
+          </c:cat>
+          <c:val>
+            <c:numRef>
+              <c:f>Sheet1!$D$2:$D$17</c:f>
+              <c:numCache>
+                <c:formatCode>General</c:formatCode>
+                <c:ptCount val="16"/>
+                <c:pt idx="0">
+                  <c:v>2</c:v>
+                </c:pt>
+                <c:pt idx="1">
+                  <c:v>3</c:v>
+                </c:pt>
+                <c:pt idx="2">
+                  <c:v>4</c:v>
+                </c:pt>
+                <c:pt idx="3">
+                  <c:v>2</c:v>
+                </c:pt>
+                <c:pt idx="4">
+                  <c:v>1</c:v>
+                </c:pt>
+                <c:pt idx="5">
+                  <c:v>1</c:v>
+                </c:pt>
+                <c:pt idx="6">
+                  <c:v>4</c:v>
+                </c:pt>
+                <c:pt idx="7">
+                  <c:v>17</c:v>
+                </c:pt>
+                <c:pt idx="8">
+                  <c:v>2</c:v>
+                </c:pt>
+                <c:pt idx="9">
+                  <c:v>1</c:v>
+                </c:pt>
+                <c:pt idx="10">
+                  <c:v>0</c:v>
+                </c:pt>
+                <c:pt idx="11">
+                  <c:v>0</c:v>
+                </c:pt>
+                <c:pt idx="12">
+                  <c:v>1</c:v>
+                </c:pt>
+                <c:pt idx="13">
+                  <c:v>3</c:v>
+                </c:pt>
+                <c:pt idx="14">
+                  <c:v>0</c:v>
+                </c:pt>
+                <c:pt idx="15">
+                  <c:v>1</c:v>
+                </c:pt>
+              </c:numCache>
+            </c:numRef>
+          </c:val>
+        </c:ser>
+        <c:axId val="-2068027336"/>
+        <c:axId val="-2113994440"/>
+      </c:barChart>
+      <c:catAx>
+        <c:axId val="-2068027336"/>
+        <c:scaling>
+          <c:orientation val="minMax"/>
+        </c:scaling>
+        <c:delete val="0"/>
+        <c:axPos val="b"/>
+        <c:title>
+          <c:tx>
+            <c:rich>
+              <a:bodyPr/>
+              <a:lstStyle/>
+              <a:p>
+                <a:pPr>
+                  <a:defRPr sz="800"/>
+                </a:pPr>
+              </a:p>
+            </c:rich>
+          </c:tx>
+          <c:layout/>
+          <c:overlay val="0"/>
+        </c:title>
+        <c:majorTickMark val="out"/>
+        <c:minorTickMark val="none"/>
+        <c:tickLblPos val="nextTo"/>
+        <c:txPr>
+          <a:bodyPr/>
+          <a:lstStyle/>
+          <a:p>
+            <a:pPr>
+              <a:defRPr sz="700"/>
+            </a:pPr>
+          </a:p>
+        </c:txPr>
+        <c:crossAx val="-2113994440"/>
+        <c:crosses val="autoZero"/>
+        <c:auto val="1"/>
+        <c:lblAlgn val="ctr"/>
+        <c:lblOffset val="100"/>
+        <c:noMultiLvlLbl val="0"/>
+      </c:catAx>
+      <c:valAx>
+        <c:axId val="-2113994440"/>
+        <c:scaling/>
+        <c:delete val="0"/>
+        <c:axPos val="l"/>
+        <c:majorGridlines/>
+        <c:title>
+          <c:tx>
+            <c:rich>
+              <a:bodyPr/>
+              <a:lstStyle/>
+              <a:p>
+                <a:pPr>
+                  <a:defRPr sz="800"/>
+                </a:pPr>
+              </a:p>
+            </c:rich>
+          </c:tx>
+          <c:layout/>
+          <c:overlay val="0"/>
+        </c:title>
+        <c:majorTickMark val="out"/>
+        <c:minorTickMark val="none"/>
+        <c:tickLblPos val="nextTo"/>
+        <c:txPr>
+          <a:bodyPr/>
+          <a:lstStyle/>
+          <a:p>
+            <a:pPr>
+              <a:defRPr sz="700"/>
+            </a:pPr>
+          </a:p>
+        </c:txPr>
+        <c:crossAx val="-2068027336"/>
+        <c:crosses val="autoZero"/>
+      </c:valAx>
+    </c:plotArea>
+    <c:legend>
+      <c:legendPos val="b"/>
+      <c:txPr>
+        <a:bodyPr/>
+        <a:lstStyle/>
+        <a:p>
+          <a:pPr>
+            <a:defRPr sz="1000"/>
+          </a:pPr>
+        </a:p>
+      </c:txPr>
+    </c:legend>
+    <c:dispBlanksAs val="gap"/>
   </c:chart>
   <c:txPr>
     <a:bodyPr/>
@@ -3211,6 +1911,21 @@
         </c:scaling>
         <c:delete val="0"/>
         <c:axPos val="b"/>
+        <c:title>
+          <c:tx>
+            <c:rich>
+              <a:bodyPr/>
+              <a:lstStyle/>
+              <a:p>
+                <a:pPr>
+                  <a:defRPr sz="800"/>
+                </a:pPr>
+              </a:p>
+            </c:rich>
+          </c:tx>
+          <c:layout/>
+          <c:overlay val="0"/>
+        </c:title>
         <c:majorTickMark val="out"/>
         <c:minorTickMark val="none"/>
         <c:tickLblPos val="nextTo"/>
@@ -3219,7 +1934,7 @@
           <a:lstStyle/>
           <a:p>
             <a:pPr>
-              <a:defRPr sz="800"/>
+              <a:defRPr sz="700"/>
             </a:pPr>
           </a:p>
         </c:txPr>
@@ -3236,9 +1951,33 @@
         <c:delete val="0"/>
         <c:axPos val="l"/>
         <c:majorGridlines/>
+        <c:title>
+          <c:tx>
+            <c:rich>
+              <a:bodyPr/>
+              <a:lstStyle/>
+              <a:p>
+                <a:pPr>
+                  <a:defRPr sz="800"/>
+                </a:pPr>
+              </a:p>
+            </c:rich>
+          </c:tx>
+          <c:layout/>
+          <c:overlay val="0"/>
+        </c:title>
         <c:majorTickMark val="out"/>
         <c:minorTickMark val="none"/>
         <c:tickLblPos val="nextTo"/>
+        <c:txPr>
+          <a:bodyPr/>
+          <a:lstStyle/>
+          <a:p>
+            <a:pPr>
+              <a:defRPr sz="700"/>
+            </a:pPr>
+          </a:p>
+        </c:txPr>
         <c:crossAx val="-2068027336"/>
         <c:crosses val="autoZero"/>
       </c:valAx>
@@ -3914,60 +2653,51 @@
           </c:marker>
           <c:cat>
             <c:strRef>
-              <c:f>Sheet1!$A$2:$A$15</c:f>
+              <c:f>Sheet1!$A$2:$A$12</c:f>
               <c:strCache>
-                <c:ptCount val="14"/>
+                <c:ptCount val="11"/>
                 <c:pt idx="0">
-                  <c:v>2025-04-06T07:40:56</c:v>
+                  <c:v>2025-04-06</c:v>
                 </c:pt>
                 <c:pt idx="1">
-                  <c:v>2025-04-10T05:02:17</c:v>
+                  <c:v>2025-04-10</c:v>
                 </c:pt>
                 <c:pt idx="2">
-                  <c:v>2025-04-11T13:42:01</c:v>
+                  <c:v>2025-04-11</c:v>
                 </c:pt>
                 <c:pt idx="3">
-                  <c:v>2025-04-14T13:59:18</c:v>
+                  <c:v>2025-04-14</c:v>
                 </c:pt>
                 <c:pt idx="4">
-                  <c:v>2025-04-15T15:02:19</c:v>
+                  <c:v>2025-04-15</c:v>
                 </c:pt>
                 <c:pt idx="5">
-                  <c:v>2025-04-21T14:53:59</c:v>
+                  <c:v>2025-04-21</c:v>
                 </c:pt>
                 <c:pt idx="6">
-                  <c:v>2025-04-22T08:26:13</c:v>
+                  <c:v>2025-04-22</c:v>
                 </c:pt>
                 <c:pt idx="7">
-                  <c:v>2025-04-22T08:27:46</c:v>
+                  <c:v>2025-04-25</c:v>
                 </c:pt>
                 <c:pt idx="8">
-                  <c:v>2025-04-22T13:49:19</c:v>
+                  <c:v>2025-04-28</c:v>
                 </c:pt>
                 <c:pt idx="9">
-                  <c:v>2025-04-25T14:34:02</c:v>
+                  <c:v>2025-04-29</c:v>
                 </c:pt>
                 <c:pt idx="10">
-                  <c:v>2025-04-28T11:10</c:v>
-                </c:pt>
-                <c:pt idx="11">
-                  <c:v>2025-04-28T14:09:24</c:v>
-                </c:pt>
-                <c:pt idx="12">
-                  <c:v>2025-04-29T07:24:15</c:v>
-                </c:pt>
-                <c:pt idx="13">
-                  <c:v>2025-04-30T05:45:42</c:v>
+                  <c:v>2025-04-30</c:v>
                 </c:pt>
               </c:strCache>
             </c:strRef>
           </c:cat>
           <c:val>
             <c:numRef>
-              <c:f>Sheet1!$B$2:$B$15</c:f>
+              <c:f>Sheet1!$B$2:$B$12</c:f>
               <c:numCache>
                 <c:formatCode>General</c:formatCode>
-                <c:ptCount val="14"/>
+                <c:ptCount val="11"/>
                 <c:pt idx="0">
                   <c:v>0</c:v>
                 </c:pt>
@@ -3987,27 +2717,18 @@
                   <c:v>1</c:v>
                 </c:pt>
                 <c:pt idx="6">
-                  <c:v>1</c:v>
+                  <c:v>2</c:v>
                 </c:pt>
                 <c:pt idx="7">
                   <c:v>1</c:v>
                 </c:pt>
                 <c:pt idx="8">
+                  <c:v>1</c:v>
+                </c:pt>
+                <c:pt idx="9">
                   <c:v>0</c:v>
                 </c:pt>
-                <c:pt idx="9">
-                  <c:v>1</c:v>
-                </c:pt>
                 <c:pt idx="10">
-                  <c:v>0</c:v>
-                </c:pt>
-                <c:pt idx="11">
-                  <c:v>1</c:v>
-                </c:pt>
-                <c:pt idx="12">
-                  <c:v>0</c:v>
-                </c:pt>
-                <c:pt idx="13">
                   <c:v>0</c:v>
                 </c:pt>
               </c:numCache>
@@ -4041,60 +2762,51 @@
           </c:marker>
           <c:cat>
             <c:strRef>
-              <c:f>Sheet1!$A$2:$A$15</c:f>
+              <c:f>Sheet1!$A$2:$A$12</c:f>
               <c:strCache>
-                <c:ptCount val="14"/>
+                <c:ptCount val="11"/>
                 <c:pt idx="0">
-                  <c:v>2025-04-06T07:40:56</c:v>
+                  <c:v>2025-04-06</c:v>
                 </c:pt>
                 <c:pt idx="1">
-                  <c:v>2025-04-10T05:02:17</c:v>
+                  <c:v>2025-04-10</c:v>
                 </c:pt>
                 <c:pt idx="2">
-                  <c:v>2025-04-11T13:42:01</c:v>
+                  <c:v>2025-04-11</c:v>
                 </c:pt>
                 <c:pt idx="3">
-                  <c:v>2025-04-14T13:59:18</c:v>
+                  <c:v>2025-04-14</c:v>
                 </c:pt>
                 <c:pt idx="4">
-                  <c:v>2025-04-15T15:02:19</c:v>
+                  <c:v>2025-04-15</c:v>
                 </c:pt>
                 <c:pt idx="5">
-                  <c:v>2025-04-21T14:53:59</c:v>
+                  <c:v>2025-04-21</c:v>
                 </c:pt>
                 <c:pt idx="6">
-                  <c:v>2025-04-22T08:26:13</c:v>
+                  <c:v>2025-04-22</c:v>
                 </c:pt>
                 <c:pt idx="7">
-                  <c:v>2025-04-22T08:27:46</c:v>
+                  <c:v>2025-04-25</c:v>
                 </c:pt>
                 <c:pt idx="8">
-                  <c:v>2025-04-22T13:49:19</c:v>
+                  <c:v>2025-04-28</c:v>
                 </c:pt>
                 <c:pt idx="9">
-                  <c:v>2025-04-25T14:34:02</c:v>
+                  <c:v>2025-04-29</c:v>
                 </c:pt>
                 <c:pt idx="10">
-                  <c:v>2025-04-28T11:10</c:v>
-                </c:pt>
-                <c:pt idx="11">
-                  <c:v>2025-04-28T14:09:24</c:v>
-                </c:pt>
-                <c:pt idx="12">
-                  <c:v>2025-04-29T07:24:15</c:v>
-                </c:pt>
-                <c:pt idx="13">
-                  <c:v>2025-04-30T05:45:42</c:v>
+                  <c:v>2025-04-30</c:v>
                 </c:pt>
               </c:strCache>
             </c:strRef>
           </c:cat>
           <c:val>
             <c:numRef>
-              <c:f>Sheet1!$C$2:$C$15</c:f>
+              <c:f>Sheet1!$C$2:$C$12</c:f>
               <c:numCache>
                 <c:formatCode>General</c:formatCode>
-                <c:ptCount val="14"/>
+                <c:ptCount val="11"/>
                 <c:pt idx="0">
                   <c:v>1</c:v>
                 </c:pt>
@@ -4114,27 +2826,18 @@
                   <c:v>0</c:v>
                 </c:pt>
                 <c:pt idx="6">
-                  <c:v>0</c:v>
+                  <c:v>2</c:v>
                 </c:pt>
                 <c:pt idx="7">
                   <c:v>0</c:v>
                 </c:pt>
                 <c:pt idx="8">
-                  <c:v>2</c:v>
+                  <c:v>0</c:v>
                 </c:pt>
                 <c:pt idx="9">
-                  <c:v>0</c:v>
+                  <c:v>3</c:v>
                 </c:pt>
                 <c:pt idx="10">
-                  <c:v>0</c:v>
-                </c:pt>
-                <c:pt idx="11">
-                  <c:v>0</c:v>
-                </c:pt>
-                <c:pt idx="12">
-                  <c:v>3</c:v>
-                </c:pt>
-                <c:pt idx="13">
                   <c:v>3</c:v>
                 </c:pt>
               </c:numCache>
@@ -4168,60 +2871,51 @@
           </c:marker>
           <c:cat>
             <c:strRef>
-              <c:f>Sheet1!$A$2:$A$15</c:f>
+              <c:f>Sheet1!$A$2:$A$12</c:f>
               <c:strCache>
-                <c:ptCount val="14"/>
+                <c:ptCount val="11"/>
                 <c:pt idx="0">
-                  <c:v>2025-04-06T07:40:56</c:v>
+                  <c:v>2025-04-06</c:v>
                 </c:pt>
                 <c:pt idx="1">
-                  <c:v>2025-04-10T05:02:17</c:v>
+                  <c:v>2025-04-10</c:v>
                 </c:pt>
                 <c:pt idx="2">
-                  <c:v>2025-04-11T13:42:01</c:v>
+                  <c:v>2025-04-11</c:v>
                 </c:pt>
                 <c:pt idx="3">
-                  <c:v>2025-04-14T13:59:18</c:v>
+                  <c:v>2025-04-14</c:v>
                 </c:pt>
                 <c:pt idx="4">
-                  <c:v>2025-04-15T15:02:19</c:v>
+                  <c:v>2025-04-15</c:v>
                 </c:pt>
                 <c:pt idx="5">
-                  <c:v>2025-04-21T14:53:59</c:v>
+                  <c:v>2025-04-21</c:v>
                 </c:pt>
                 <c:pt idx="6">
-                  <c:v>2025-04-22T08:26:13</c:v>
+                  <c:v>2025-04-22</c:v>
                 </c:pt>
                 <c:pt idx="7">
-                  <c:v>2025-04-22T08:27:46</c:v>
+                  <c:v>2025-04-25</c:v>
                 </c:pt>
                 <c:pt idx="8">
-                  <c:v>2025-04-22T13:49:19</c:v>
+                  <c:v>2025-04-28</c:v>
                 </c:pt>
                 <c:pt idx="9">
-                  <c:v>2025-04-25T14:34:02</c:v>
+                  <c:v>2025-04-29</c:v>
                 </c:pt>
                 <c:pt idx="10">
-                  <c:v>2025-04-28T11:10</c:v>
-                </c:pt>
-                <c:pt idx="11">
-                  <c:v>2025-04-28T14:09:24</c:v>
-                </c:pt>
-                <c:pt idx="12">
-                  <c:v>2025-04-29T07:24:15</c:v>
-                </c:pt>
-                <c:pt idx="13">
-                  <c:v>2025-04-30T05:45:42</c:v>
+                  <c:v>2025-04-30</c:v>
                 </c:pt>
               </c:strCache>
             </c:strRef>
           </c:cat>
           <c:val>
             <c:numRef>
-              <c:f>Sheet1!$D$2:$D$15</c:f>
+              <c:f>Sheet1!$D$2:$D$12</c:f>
               <c:numCache>
                 <c:formatCode>General</c:formatCode>
-                <c:ptCount val="14"/>
+                <c:ptCount val="11"/>
                 <c:pt idx="0">
                   <c:v>0</c:v>
                 </c:pt>
@@ -4247,21 +2941,12 @@
                   <c:v>0</c:v>
                 </c:pt>
                 <c:pt idx="8">
-                  <c:v>0</c:v>
+                  <c:v>1</c:v>
                 </c:pt>
                 <c:pt idx="9">
                   <c:v>0</c:v>
                 </c:pt>
                 <c:pt idx="10">
-                  <c:v>1</c:v>
-                </c:pt>
-                <c:pt idx="11">
-                  <c:v>0</c:v>
-                </c:pt>
-                <c:pt idx="12">
-                  <c:v>0</c:v>
-                </c:pt>
-                <c:pt idx="13">
                   <c:v>0</c:v>
                 </c:pt>
               </c:numCache>
@@ -4829,6 +3514,21 @@
         </c:scaling>
         <c:delete val="0"/>
         <c:axPos val="b"/>
+        <c:title>
+          <c:tx>
+            <c:rich>
+              <a:bodyPr/>
+              <a:lstStyle/>
+              <a:p>
+                <a:pPr>
+                  <a:defRPr sz="800"/>
+                </a:pPr>
+              </a:p>
+            </c:rich>
+          </c:tx>
+          <c:layout/>
+          <c:overlay val="0"/>
+        </c:title>
         <c:majorTickMark val="out"/>
         <c:minorTickMark val="none"/>
         <c:tickLblPos val="nextTo"/>
@@ -4837,7 +3537,7 @@
           <a:lstStyle/>
           <a:p>
             <a:pPr>
-              <a:defRPr sz="800"/>
+              <a:defRPr sz="700"/>
             </a:pPr>
           </a:p>
         </c:txPr>
@@ -4854,9 +3554,33 @@
         <c:delete val="0"/>
         <c:axPos val="l"/>
         <c:majorGridlines/>
+        <c:title>
+          <c:tx>
+            <c:rich>
+              <a:bodyPr/>
+              <a:lstStyle/>
+              <a:p>
+                <a:pPr>
+                  <a:defRPr sz="800"/>
+                </a:pPr>
+              </a:p>
+            </c:rich>
+          </c:tx>
+          <c:layout/>
+          <c:overlay val="0"/>
+        </c:title>
         <c:majorTickMark val="out"/>
         <c:minorTickMark val="none"/>
         <c:tickLblPos val="nextTo"/>
+        <c:txPr>
+          <a:bodyPr/>
+          <a:lstStyle/>
+          <a:p>
+            <a:pPr>
+              <a:defRPr sz="700"/>
+            </a:pPr>
+          </a:p>
+        </c:txPr>
         <c:crossAx val="-2068027336"/>
         <c:crosses val="autoZero"/>
       </c:valAx>
@@ -4874,6 +3598,469 @@
       </c:txPr>
     </c:legend>
     <c:dispBlanksAs val="gap"/>
+  </c:chart>
+  <c:txPr>
+    <a:bodyPr/>
+    <a:lstStyle/>
+    <a:p>
+      <a:pPr>
+        <a:defRPr sz="1800"/>
+      </a:pPr>
+      <a:endParaRPr lang="en-US"/>
+    </a:p>
+  </c:txPr>
+  <c:externalData r:id="rId1">
+    <c:autoUpdate val="0"/>
+  </c:externalData>
+</c:chartSpace>
+</file>
+
+<file path=ppt/charts/chart8.xml><?xml version="1.0" encoding="utf-8"?>
+<c:chartSpace xmlns:c="http://schemas.openxmlformats.org/drawingml/2006/chart" xmlns:a="http://schemas.openxmlformats.org/drawingml/2006/main" xmlns:r="http://schemas.openxmlformats.org/officeDocument/2006/relationships">
+  <c:date1904 val="0"/>
+  <c:roundedCorners val="0"/>
+  <c:style val="2"/>
+  <c:chart>
+    <c:autoTitleDeleted val="0"/>
+    <c:plotArea>
+      <c:layout/>
+      <c:doughnutChart>
+        <c:varyColors val="1"/>
+        <c:ser>
+          <c:idx val="0"/>
+          <c:order val="0"/>
+          <c:tx>
+            <c:strRef>
+              <c:f>Sheet1!$B$1</c:f>
+              <c:strCache>
+                <c:ptCount val="1"/>
+                <c:pt idx="0">
+                  <c:v>Sentiment Distribution</c:v>
+                </c:pt>
+              </c:strCache>
+            </c:strRef>
+          </c:tx>
+          <c:dPt>
+            <c:idx val="0"/>
+            <c:spPr>
+              <a:solidFill>
+                <a:srgbClr val="45C27E"/>
+              </a:solidFill>
+            </c:spPr>
+          </c:dPt>
+          <c:dPt>
+            <c:idx val="1"/>
+            <c:spPr>
+              <a:solidFill>
+                <a:srgbClr val="FFBF00"/>
+              </a:solidFill>
+            </c:spPr>
+          </c:dPt>
+          <c:dPt>
+            <c:idx val="2"/>
+            <c:spPr>
+              <a:solidFill>
+                <a:srgbClr val="F60140"/>
+              </a:solidFill>
+            </c:spPr>
+          </c:dPt>
+          <c:cat>
+            <c:strRef>
+              <c:f>Sheet1!$A$2:$A$4</c:f>
+              <c:strCache>
+                <c:ptCount val="3"/>
+                <c:pt idx="0">
+                  <c:v>Positive</c:v>
+                </c:pt>
+                <c:pt idx="1">
+                  <c:v>Neutral</c:v>
+                </c:pt>
+                <c:pt idx="2">
+                  <c:v>Negative</c:v>
+                </c:pt>
+              </c:strCache>
+            </c:strRef>
+          </c:cat>
+          <c:val>
+            <c:numRef>
+              <c:f>Sheet1!$B$2:$B$4</c:f>
+              <c:numCache>
+                <c:formatCode>General</c:formatCode>
+                <c:ptCount val="3"/>
+                <c:pt idx="0">
+                  <c:v>2</c:v>
+                </c:pt>
+                <c:pt idx="1">
+                  <c:v>27</c:v>
+                </c:pt>
+                <c:pt idx="2">
+                  <c:v>1</c:v>
+                </c:pt>
+              </c:numCache>
+            </c:numRef>
+          </c:val>
+        </c:ser>
+        <c:dLbls>
+          <c:showLegendKey val="0"/>
+          <c:showVal val="0"/>
+          <c:showCatName val="0"/>
+          <c:showSerName val="0"/>
+          <c:showPercent val="0"/>
+          <c:showBubbleSize val="0"/>
+          <c:showLeaderLines val="1"/>
+        </c:dLbls>
+        <c:firstSliceAng val="0"/>
+        <c:holeSize val="50"/>
+      </c:doughnutChart>
+    </c:plotArea>
+    <c:legend>
+      <c:legendPos val="b"/>
+      <c:layout/>
+      <c:overlay val="0"/>
+      <c:txPr>
+        <a:bodyPr/>
+        <a:lstStyle/>
+        <a:p>
+          <a:pPr>
+            <a:defRPr sz="1000"/>
+          </a:pPr>
+        </a:p>
+      </c:txPr>
+    </c:legend>
+    <c:plotVisOnly val="1"/>
+    <c:dispBlanksAs val="gap"/>
+    <c:showDLblsOverMax val="0"/>
+  </c:chart>
+  <c:txPr>
+    <a:bodyPr/>
+    <a:lstStyle/>
+    <a:p>
+      <a:pPr>
+        <a:defRPr sz="1800"/>
+      </a:pPr>
+      <a:endParaRPr/>
+    </a:p>
+  </c:txPr>
+  <c:externalData r:id="rId1">
+    <c:autoUpdate val="0"/>
+  </c:externalData>
+</c:chartSpace>
+</file>
+
+<file path=ppt/charts/chart9.xml><?xml version="1.0" encoding="utf-8"?>
+<c:chartSpace xmlns:c="http://schemas.openxmlformats.org/drawingml/2006/chart" xmlns:a="http://schemas.openxmlformats.org/drawingml/2006/main" xmlns:r="http://schemas.openxmlformats.org/officeDocument/2006/relationships">
+  <c:date1904 val="0"/>
+  <c:style val="2"/>
+  <c:chart>
+    <c:autoTitleDeleted val="0"/>
+    <c:plotArea>
+      <c:lineChart>
+        <c:grouping val="standard"/>
+        <c:varyColors val="0"/>
+        <c:ser>
+          <c:idx val="0"/>
+          <c:order val="0"/>
+          <c:tx>
+            <c:strRef>
+              <c:f>Sheet1!$B$1</c:f>
+              <c:strCache>
+                <c:ptCount val="1"/>
+                <c:pt idx="0">
+                  <c:v>Positive</c:v>
+                </c:pt>
+              </c:strCache>
+            </c:strRef>
+          </c:tx>
+          <c:spPr>
+            <a:ln w="25400">
+              <a:solidFill>
+                <a:srgbClr val="45C27E"/>
+              </a:solidFill>
+            </a:ln>
+          </c:spPr>
+          <c:marker>
+            <c:symbol val="none"/>
+          </c:marker>
+          <c:cat>
+            <c:numRef>
+              <c:f>Sheet1!$A$2:$A$5</c:f>
+              <c:numCache>
+                <c:formatCode>yyyy\-mm\-dd</c:formatCode>
+                <c:ptCount val="4"/>
+                <c:pt idx="0">
+                  <c:v>45761.0</c:v>
+                </c:pt>
+                <c:pt idx="1">
+                  <c:v>45768.0</c:v>
+                </c:pt>
+                <c:pt idx="2">
+                  <c:v>45775.0</c:v>
+                </c:pt>
+                <c:pt idx="3">
+                  <c:v>45777.0</c:v>
+                </c:pt>
+              </c:numCache>
+            </c:numRef>
+          </c:cat>
+          <c:val>
+            <c:numRef>
+              <c:f>Sheet1!$B$2:$B$5</c:f>
+              <c:numCache>
+                <c:formatCode>General</c:formatCode>
+                <c:ptCount val="4"/>
+                <c:pt idx="0">
+                  <c:v>1</c:v>
+                </c:pt>
+                <c:pt idx="1">
+                  <c:v>1</c:v>
+                </c:pt>
+                <c:pt idx="2">
+                  <c:v>0</c:v>
+                </c:pt>
+                <c:pt idx="3">
+                  <c:v>0</c:v>
+                </c:pt>
+              </c:numCache>
+            </c:numRef>
+          </c:val>
+          <c:smooth val="0"/>
+        </c:ser>
+        <c:ser>
+          <c:idx val="1"/>
+          <c:order val="1"/>
+          <c:tx>
+            <c:strRef>
+              <c:f>Sheet1!$C$1</c:f>
+              <c:strCache>
+                <c:ptCount val="1"/>
+                <c:pt idx="0">
+                  <c:v>Neutral</c:v>
+                </c:pt>
+              </c:strCache>
+            </c:strRef>
+          </c:tx>
+          <c:spPr>
+            <a:ln w="25400">
+              <a:solidFill>
+                <a:srgbClr val="FFBF00"/>
+              </a:solidFill>
+            </a:ln>
+          </c:spPr>
+          <c:marker>
+            <c:symbol val="none"/>
+          </c:marker>
+          <c:cat>
+            <c:numRef>
+              <c:f>Sheet1!$A$2:$A$5</c:f>
+              <c:numCache>
+                <c:formatCode>yyyy\-mm\-dd</c:formatCode>
+                <c:ptCount val="4"/>
+                <c:pt idx="0">
+                  <c:v>45761.0</c:v>
+                </c:pt>
+                <c:pt idx="1">
+                  <c:v>45768.0</c:v>
+                </c:pt>
+                <c:pt idx="2">
+                  <c:v>45775.0</c:v>
+                </c:pt>
+                <c:pt idx="3">
+                  <c:v>45777.0</c:v>
+                </c:pt>
+              </c:numCache>
+            </c:numRef>
+          </c:cat>
+          <c:val>
+            <c:numRef>
+              <c:f>Sheet1!$C$2:$C$5</c:f>
+              <c:numCache>
+                <c:formatCode>General</c:formatCode>
+                <c:ptCount val="4"/>
+                <c:pt idx="0">
+                  <c:v>13</c:v>
+                </c:pt>
+                <c:pt idx="1">
+                  <c:v>7</c:v>
+                </c:pt>
+                <c:pt idx="2">
+                  <c:v>5</c:v>
+                </c:pt>
+                <c:pt idx="3">
+                  <c:v>2</c:v>
+                </c:pt>
+              </c:numCache>
+            </c:numRef>
+          </c:val>
+          <c:smooth val="0"/>
+        </c:ser>
+        <c:ser>
+          <c:idx val="2"/>
+          <c:order val="2"/>
+          <c:tx>
+            <c:strRef>
+              <c:f>Sheet1!$D$1</c:f>
+              <c:strCache>
+                <c:ptCount val="1"/>
+                <c:pt idx="0">
+                  <c:v>Negative</c:v>
+                </c:pt>
+              </c:strCache>
+            </c:strRef>
+          </c:tx>
+          <c:spPr>
+            <a:ln w="25400">
+              <a:solidFill>
+                <a:srgbClr val="F60140"/>
+              </a:solidFill>
+            </a:ln>
+          </c:spPr>
+          <c:marker>
+            <c:symbol val="none"/>
+          </c:marker>
+          <c:cat>
+            <c:numRef>
+              <c:f>Sheet1!$A$2:$A$5</c:f>
+              <c:numCache>
+                <c:formatCode>yyyy\-mm\-dd</c:formatCode>
+                <c:ptCount val="4"/>
+                <c:pt idx="0">
+                  <c:v>45761.0</c:v>
+                </c:pt>
+                <c:pt idx="1">
+                  <c:v>45768.0</c:v>
+                </c:pt>
+                <c:pt idx="2">
+                  <c:v>45775.0</c:v>
+                </c:pt>
+                <c:pt idx="3">
+                  <c:v>45777.0</c:v>
+                </c:pt>
+              </c:numCache>
+            </c:numRef>
+          </c:cat>
+          <c:val>
+            <c:numRef>
+              <c:f>Sheet1!$D$2:$D$5</c:f>
+              <c:numCache>
+                <c:formatCode>General</c:formatCode>
+                <c:ptCount val="4"/>
+                <c:pt idx="0">
+                  <c:v>0</c:v>
+                </c:pt>
+                <c:pt idx="1">
+                  <c:v>0</c:v>
+                </c:pt>
+                <c:pt idx="2">
+                  <c:v>1</c:v>
+                </c:pt>
+                <c:pt idx="3">
+                  <c:v>0</c:v>
+                </c:pt>
+              </c:numCache>
+            </c:numRef>
+          </c:val>
+          <c:smooth val="0"/>
+        </c:ser>
+        <c:marker val="1"/>
+        <c:smooth val="0"/>
+        <c:axId val="2118791784"/>
+        <c:axId val="2140495176"/>
+      </c:lineChart>
+      <c:dateAx>
+        <c:axId val="2118791784"/>
+        <c:scaling>
+          <c:orientation val="minMax"/>
+        </c:scaling>
+        <c:delete val="0"/>
+        <c:axPos val="b"/>
+        <c:title>
+          <c:tx>
+            <c:rich>
+              <a:bodyPr/>
+              <a:lstStyle/>
+              <a:p>
+                <a:pPr>
+                  <a:defRPr sz="800"/>
+                </a:pPr>
+              </a:p>
+            </c:rich>
+          </c:tx>
+          <c:layout/>
+          <c:overlay val="0"/>
+        </c:title>
+        <c:numFmt formatCode="yyyy\-mm\-dd" sourceLinked="1"/>
+        <c:majorTickMark val="out"/>
+        <c:minorTickMark val="none"/>
+        <c:tickLblPos val="nextTo"/>
+        <c:txPr>
+          <a:bodyPr/>
+          <a:lstStyle/>
+          <a:p>
+            <a:pPr>
+              <a:defRPr sz="700"/>
+            </a:pPr>
+          </a:p>
+        </c:txPr>
+        <c:crossAx val="2140495176"/>
+        <c:crosses val="autoZero"/>
+        <c:auto val="1"/>
+        <c:lblOffset val="100"/>
+        <c:baseTimeUnit val="days"/>
+      </c:dateAx>
+      <c:valAx>
+        <c:axId val="2140495176"/>
+        <c:scaling/>
+        <c:delete val="0"/>
+        <c:axPos val="l"/>
+        <c:majorGridlines/>
+        <c:title>
+          <c:tx>
+            <c:rich>
+              <a:bodyPr/>
+              <a:lstStyle/>
+              <a:p>
+                <a:pPr>
+                  <a:defRPr sz="800"/>
+                </a:pPr>
+              </a:p>
+            </c:rich>
+          </c:tx>
+          <c:layout/>
+          <c:overlay val="0"/>
+        </c:title>
+        <c:majorTickMark val="out"/>
+        <c:minorTickMark val="none"/>
+        <c:tickLblPos val="nextTo"/>
+        <c:txPr>
+          <a:bodyPr/>
+          <a:lstStyle/>
+          <a:p>
+            <a:pPr>
+              <a:defRPr sz="700"/>
+            </a:pPr>
+          </a:p>
+        </c:txPr>
+        <c:crossAx val="2118791784"/>
+        <c:crosses val="autoZero"/>
+      </c:valAx>
+    </c:plotArea>
+    <c:legend>
+      <c:legendPos val="b"/>
+      <c:layout/>
+      <c:overlay val="0"/>
+      <c:txPr>
+        <a:bodyPr/>
+        <a:lstStyle/>
+        <a:p>
+          <a:pPr>
+            <a:defRPr sz="1000"/>
+          </a:pPr>
+        </a:p>
+      </c:txPr>
+    </c:legend>
+    <c:plotVisOnly val="1"/>
+    <c:dispBlanksAs val="gap"/>
+    <c:showDLblsOverMax val="0"/>
   </c:chart>
   <c:txPr>
     <a:bodyPr/>
@@ -7923,7 +7110,7 @@
               <a:defRPr sz="2400"/>
             </a:pPr>
             <a:r>
-              <a:t>Date: 2025-05-30</a:t>
+              <a:t>Date: 2025-06-02</a:t>
             </a:r>
           </a:p>
         </p:txBody>
@@ -8174,16 +7361,16 @@
       </p:sp>
       <p:sp>
         <p:nvSpPr>
-          <p:cNvPr id="3" name="Rectangle 2"/>
+          <p:cNvPr id="3" name="Rounded Rectangle 2"/>
           <p:cNvSpPr/>
           <p:nvPr/>
         </p:nvSpPr>
         <p:spPr>
           <a:xfrm>
             <a:off x="457200" y="914400"/>
-            <a:ext cx="1828800" cy="4572000"/>
+            <a:ext cx="1828800" cy="731520"/>
           </a:xfrm>
-          <a:prstGeom prst="rect">
+          <a:prstGeom prst="roundRect">
             <a:avLst/>
           </a:prstGeom>
           <a:solidFill>
@@ -8220,8 +7407,8 @@
         </p:nvSpPr>
         <p:spPr>
           <a:xfrm>
-            <a:off x="457200" y="914400"/>
-            <a:ext cx="1828800" cy="4572000"/>
+            <a:off x="548640" y="1005840"/>
+            <a:ext cx="1645920" cy="548640"/>
           </a:xfrm>
           <a:prstGeom prst="rect">
             <a:avLst/>
@@ -8243,9 +7430,73 @@
               </a:defRPr>
             </a:pPr>
             <a:r>
-              <a:t>Posts Count: 6</a:t>
+              <a:t>📝 Posts Count: 6</a:t>
             </a:r>
           </a:p>
+        </p:txBody>
+      </p:sp>
+      <p:sp>
+        <p:nvSpPr>
+          <p:cNvPr id="5" name="Rounded Rectangle 4"/>
+          <p:cNvSpPr/>
+          <p:nvPr/>
+        </p:nvSpPr>
+        <p:spPr>
+          <a:xfrm>
+            <a:off x="457200" y="1828800"/>
+            <a:ext cx="1828800" cy="731520"/>
+          </a:xfrm>
+          <a:prstGeom prst="roundRect">
+            <a:avLst/>
+          </a:prstGeom>
+          <a:solidFill>
+            <a:srgbClr val="FF0000"/>
+          </a:solidFill>
+        </p:spPr>
+        <p:style>
+          <a:lnRef idx="1">
+            <a:schemeClr val="accent1"/>
+          </a:lnRef>
+          <a:fillRef idx="3">
+            <a:schemeClr val="accent1"/>
+          </a:fillRef>
+          <a:effectRef idx="2">
+            <a:schemeClr val="accent1"/>
+          </a:effectRef>
+          <a:fontRef idx="minor">
+            <a:schemeClr val="lt1"/>
+          </a:fontRef>
+        </p:style>
+        <p:txBody>
+          <a:bodyPr rtlCol="0" anchor="ctr"/>
+          <a:lstStyle/>
+          <a:p>
+            <a:pPr algn="ctr"/>
+          </a:p>
+        </p:txBody>
+      </p:sp>
+      <p:sp>
+        <p:nvSpPr>
+          <p:cNvPr id="6" name="TextBox 5"/>
+          <p:cNvSpPr txBox="1"/>
+          <p:nvPr/>
+        </p:nvSpPr>
+        <p:spPr>
+          <a:xfrm>
+            <a:off x="548640" y="1920240"/>
+            <a:ext cx="1645920" cy="548640"/>
+          </a:xfrm>
+          <a:prstGeom prst="rect">
+            <a:avLst/>
+          </a:prstGeom>
+          <a:noFill/>
+        </p:spPr>
+        <p:txBody>
+          <a:bodyPr wrap="none">
+            <a:spAutoFit/>
+          </a:bodyPr>
+          <a:lstStyle/>
+          <a:p/>
           <a:p>
             <a:pPr algn="l">
               <a:defRPr sz="1200">
@@ -8255,9 +7506,73 @@
               </a:defRPr>
             </a:pPr>
             <a:r>
-              <a:t>Total Comments: 1</a:t>
+              <a:t>💬 Total Comments: 1</a:t>
             </a:r>
           </a:p>
+        </p:txBody>
+      </p:sp>
+      <p:sp>
+        <p:nvSpPr>
+          <p:cNvPr id="7" name="Rounded Rectangle 6"/>
+          <p:cNvSpPr/>
+          <p:nvPr/>
+        </p:nvSpPr>
+        <p:spPr>
+          <a:xfrm>
+            <a:off x="457200" y="2743200"/>
+            <a:ext cx="1828800" cy="731520"/>
+          </a:xfrm>
+          <a:prstGeom prst="roundRect">
+            <a:avLst/>
+          </a:prstGeom>
+          <a:solidFill>
+            <a:srgbClr val="FF0000"/>
+          </a:solidFill>
+        </p:spPr>
+        <p:style>
+          <a:lnRef idx="1">
+            <a:schemeClr val="accent1"/>
+          </a:lnRef>
+          <a:fillRef idx="3">
+            <a:schemeClr val="accent1"/>
+          </a:fillRef>
+          <a:effectRef idx="2">
+            <a:schemeClr val="accent1"/>
+          </a:effectRef>
+          <a:fontRef idx="minor">
+            <a:schemeClr val="lt1"/>
+          </a:fontRef>
+        </p:style>
+        <p:txBody>
+          <a:bodyPr rtlCol="0" anchor="ctr"/>
+          <a:lstStyle/>
+          <a:p>
+            <a:pPr algn="ctr"/>
+          </a:p>
+        </p:txBody>
+      </p:sp>
+      <p:sp>
+        <p:nvSpPr>
+          <p:cNvPr id="8" name="TextBox 7"/>
+          <p:cNvSpPr txBox="1"/>
+          <p:nvPr/>
+        </p:nvSpPr>
+        <p:spPr>
+          <a:xfrm>
+            <a:off x="548640" y="2834640"/>
+            <a:ext cx="1645920" cy="548640"/>
+          </a:xfrm>
+          <a:prstGeom prst="rect">
+            <a:avLst/>
+          </a:prstGeom>
+          <a:noFill/>
+        </p:spPr>
+        <p:txBody>
+          <a:bodyPr wrap="none">
+            <a:spAutoFit/>
+          </a:bodyPr>
+          <a:lstStyle/>
+          <a:p/>
           <a:p>
             <a:pPr algn="l">
               <a:defRPr sz="1200">
@@ -8267,9 +7582,73 @@
               </a:defRPr>
             </a:pPr>
             <a:r>
-              <a:t>Total Likes: 249</a:t>
+              <a:t>👍 Total Likes: 249</a:t>
             </a:r>
           </a:p>
+        </p:txBody>
+      </p:sp>
+      <p:sp>
+        <p:nvSpPr>
+          <p:cNvPr id="9" name="Rounded Rectangle 8"/>
+          <p:cNvSpPr/>
+          <p:nvPr/>
+        </p:nvSpPr>
+        <p:spPr>
+          <a:xfrm>
+            <a:off x="457200" y="3657600"/>
+            <a:ext cx="1828800" cy="731520"/>
+          </a:xfrm>
+          <a:prstGeom prst="roundRect">
+            <a:avLst/>
+          </a:prstGeom>
+          <a:solidFill>
+            <a:srgbClr val="FF0000"/>
+          </a:solidFill>
+        </p:spPr>
+        <p:style>
+          <a:lnRef idx="1">
+            <a:schemeClr val="accent1"/>
+          </a:lnRef>
+          <a:fillRef idx="3">
+            <a:schemeClr val="accent1"/>
+          </a:fillRef>
+          <a:effectRef idx="2">
+            <a:schemeClr val="accent1"/>
+          </a:effectRef>
+          <a:fontRef idx="minor">
+            <a:schemeClr val="lt1"/>
+          </a:fontRef>
+        </p:style>
+        <p:txBody>
+          <a:bodyPr rtlCol="0" anchor="ctr"/>
+          <a:lstStyle/>
+          <a:p>
+            <a:pPr algn="ctr"/>
+          </a:p>
+        </p:txBody>
+      </p:sp>
+      <p:sp>
+        <p:nvSpPr>
+          <p:cNvPr id="10" name="TextBox 9"/>
+          <p:cNvSpPr txBox="1"/>
+          <p:nvPr/>
+        </p:nvSpPr>
+        <p:spPr>
+          <a:xfrm>
+            <a:off x="548640" y="3749040"/>
+            <a:ext cx="1645920" cy="548640"/>
+          </a:xfrm>
+          <a:prstGeom prst="rect">
+            <a:avLst/>
+          </a:prstGeom>
+          <a:noFill/>
+        </p:spPr>
+        <p:txBody>
+          <a:bodyPr wrap="none">
+            <a:spAutoFit/>
+          </a:bodyPr>
+          <a:lstStyle/>
+          <a:p/>
           <a:p>
             <a:pPr algn="l">
               <a:defRPr sz="1200">
@@ -8279,9 +7658,73 @@
               </a:defRPr>
             </a:pPr>
             <a:r>
-              <a:t>Total Shares: 59</a:t>
+              <a:t>🔄 Total Shares: 59</a:t>
             </a:r>
           </a:p>
+        </p:txBody>
+      </p:sp>
+      <p:sp>
+        <p:nvSpPr>
+          <p:cNvPr id="11" name="Rounded Rectangle 10"/>
+          <p:cNvSpPr/>
+          <p:nvPr/>
+        </p:nvSpPr>
+        <p:spPr>
+          <a:xfrm>
+            <a:off x="457200" y="4572000"/>
+            <a:ext cx="1828800" cy="731520"/>
+          </a:xfrm>
+          <a:prstGeom prst="roundRect">
+            <a:avLst/>
+          </a:prstGeom>
+          <a:solidFill>
+            <a:srgbClr val="FF0000"/>
+          </a:solidFill>
+        </p:spPr>
+        <p:style>
+          <a:lnRef idx="1">
+            <a:schemeClr val="accent1"/>
+          </a:lnRef>
+          <a:fillRef idx="3">
+            <a:schemeClr val="accent1"/>
+          </a:fillRef>
+          <a:effectRef idx="2">
+            <a:schemeClr val="accent1"/>
+          </a:effectRef>
+          <a:fontRef idx="minor">
+            <a:schemeClr val="lt1"/>
+          </a:fontRef>
+        </p:style>
+        <p:txBody>
+          <a:bodyPr rtlCol="0" anchor="ctr"/>
+          <a:lstStyle/>
+          <a:p>
+            <a:pPr algn="ctr"/>
+          </a:p>
+        </p:txBody>
+      </p:sp>
+      <p:sp>
+        <p:nvSpPr>
+          <p:cNvPr id="12" name="TextBox 11"/>
+          <p:cNvSpPr txBox="1"/>
+          <p:nvPr/>
+        </p:nvSpPr>
+        <p:spPr>
+          <a:xfrm>
+            <a:off x="548640" y="4663440"/>
+            <a:ext cx="1645920" cy="548640"/>
+          </a:xfrm>
+          <a:prstGeom prst="rect">
+            <a:avLst/>
+          </a:prstGeom>
+          <a:noFill/>
+        </p:spPr>
+        <p:txBody>
+          <a:bodyPr wrap="none">
+            <a:spAutoFit/>
+          </a:bodyPr>
+          <a:lstStyle/>
+          <a:p/>
           <a:p>
             <a:pPr algn="l">
               <a:defRPr sz="1200">
@@ -8291,14 +7734,14 @@
               </a:defRPr>
             </a:pPr>
             <a:r>
-              <a:t>Total Views: 11,217</a:t>
+              <a:t>👁️ Total Views: 11,217</a:t>
             </a:r>
           </a:p>
         </p:txBody>
       </p:sp>
       <p:graphicFrame>
         <p:nvGraphicFramePr>
-          <p:cNvPr id="5" name="Chart 4"/>
+          <p:cNvPr id="13" name="Chart 12"/>
           <p:cNvGraphicFramePr>
             <a:graphicFrameLocks noGrp="1"/>
           </p:cNvGraphicFramePr>
@@ -8316,7 +7759,7 @@
       </p:graphicFrame>
       <p:graphicFrame>
         <p:nvGraphicFramePr>
-          <p:cNvPr id="6" name="Chart 5"/>
+          <p:cNvPr id="14" name="Chart 13"/>
           <p:cNvGraphicFramePr>
             <a:graphicFrameLocks noGrp="1"/>
           </p:cNvGraphicFramePr>
@@ -8334,7 +7777,7 @@
       </p:graphicFrame>
       <p:graphicFrame>
         <p:nvGraphicFramePr>
-          <p:cNvPr id="7" name="Chart 6"/>
+          <p:cNvPr id="15" name="Chart 14"/>
           <p:cNvGraphicFramePr>
             <a:graphicFrameLocks noGrp="1"/>
           </p:cNvGraphicFramePr>
@@ -8426,7 +7869,11 @@
                     <a:lstStyle/>
                     <a:p>
                       <a:pPr>
-                        <a:defRPr sz="1200" b="1"/>
+                        <a:defRPr sz="1200" b="1">
+                          <a:solidFill>
+                            <a:srgbClr val="FFFFFF"/>
+                          </a:solidFill>
+                        </a:defRPr>
                       </a:pPr>
                       <a:r>
                         <a:t>Company</a:t>
@@ -8435,17 +7882,21 @@
                   </a:txBody>
                   <a:tcPr>
                     <a:solidFill>
-                      <a:srgbClr val="C8C8C8"/>
-                    </a:solidFill>
-                  </a:tcPr>
-                </a:tc>
-                <a:tc>
-                  <a:txBody>
-                    <a:bodyPr/>
-                    <a:lstStyle/>
-                    <a:p>
-                      <a:pPr>
-                        <a:defRPr sz="1200" b="1"/>
+                      <a:srgbClr val="FF0000"/>
+                    </a:solidFill>
+                  </a:tcPr>
+                </a:tc>
+                <a:tc>
+                  <a:txBody>
+                    <a:bodyPr/>
+                    <a:lstStyle/>
+                    <a:p>
+                      <a:pPr>
+                        <a:defRPr sz="1200" b="1">
+                          <a:solidFill>
+                            <a:srgbClr val="FFFFFF"/>
+                          </a:solidFill>
+                        </a:defRPr>
                       </a:pPr>
                       <a:r>
                         <a:t>Posts</a:t>
@@ -8454,17 +7905,21 @@
                   </a:txBody>
                   <a:tcPr>
                     <a:solidFill>
-                      <a:srgbClr val="C8C8C8"/>
-                    </a:solidFill>
-                  </a:tcPr>
-                </a:tc>
-                <a:tc>
-                  <a:txBody>
-                    <a:bodyPr/>
-                    <a:lstStyle/>
-                    <a:p>
-                      <a:pPr>
-                        <a:defRPr sz="1200" b="1"/>
+                      <a:srgbClr val="FF0000"/>
+                    </a:solidFill>
+                  </a:tcPr>
+                </a:tc>
+                <a:tc>
+                  <a:txBody>
+                    <a:bodyPr/>
+                    <a:lstStyle/>
+                    <a:p>
+                      <a:pPr>
+                        <a:defRPr sz="1200" b="1">
+                          <a:solidFill>
+                            <a:srgbClr val="FFFFFF"/>
+                          </a:solidFill>
+                        </a:defRPr>
                       </a:pPr>
                       <a:r>
                         <a:t>Comments</a:t>
@@ -8473,17 +7928,21 @@
                   </a:txBody>
                   <a:tcPr>
                     <a:solidFill>
-                      <a:srgbClr val="C8C8C8"/>
-                    </a:solidFill>
-                  </a:tcPr>
-                </a:tc>
-                <a:tc>
-                  <a:txBody>
-                    <a:bodyPr/>
-                    <a:lstStyle/>
-                    <a:p>
-                      <a:pPr>
-                        <a:defRPr sz="1200" b="1"/>
+                      <a:srgbClr val="FF0000"/>
+                    </a:solidFill>
+                  </a:tcPr>
+                </a:tc>
+                <a:tc>
+                  <a:txBody>
+                    <a:bodyPr/>
+                    <a:lstStyle/>
+                    <a:p>
+                      <a:pPr>
+                        <a:defRPr sz="1200" b="1">
+                          <a:solidFill>
+                            <a:srgbClr val="FFFFFF"/>
+                          </a:solidFill>
+                        </a:defRPr>
                       </a:pPr>
                       <a:r>
                         <a:t>Likes</a:t>
@@ -8492,17 +7951,21 @@
                   </a:txBody>
                   <a:tcPr>
                     <a:solidFill>
-                      <a:srgbClr val="C8C8C8"/>
-                    </a:solidFill>
-                  </a:tcPr>
-                </a:tc>
-                <a:tc>
-                  <a:txBody>
-                    <a:bodyPr/>
-                    <a:lstStyle/>
-                    <a:p>
-                      <a:pPr>
-                        <a:defRPr sz="1200" b="1"/>
+                      <a:srgbClr val="FF0000"/>
+                    </a:solidFill>
+                  </a:tcPr>
+                </a:tc>
+                <a:tc>
+                  <a:txBody>
+                    <a:bodyPr/>
+                    <a:lstStyle/>
+                    <a:p>
+                      <a:pPr>
+                        <a:defRPr sz="1200" b="1">
+                          <a:solidFill>
+                            <a:srgbClr val="FFFFFF"/>
+                          </a:solidFill>
+                        </a:defRPr>
                       </a:pPr>
                       <a:r>
                         <a:t>Shares</a:t>
@@ -8511,17 +7974,21 @@
                   </a:txBody>
                   <a:tcPr>
                     <a:solidFill>
-                      <a:srgbClr val="C8C8C8"/>
-                    </a:solidFill>
-                  </a:tcPr>
-                </a:tc>
-                <a:tc>
-                  <a:txBody>
-                    <a:bodyPr/>
-                    <a:lstStyle/>
-                    <a:p>
-                      <a:pPr>
-                        <a:defRPr sz="1200" b="1"/>
+                      <a:srgbClr val="FF0000"/>
+                    </a:solidFill>
+                  </a:tcPr>
+                </a:tc>
+                <a:tc>
+                  <a:txBody>
+                    <a:bodyPr/>
+                    <a:lstStyle/>
+                    <a:p>
+                      <a:pPr>
+                        <a:defRPr sz="1200" b="1">
+                          <a:solidFill>
+                            <a:srgbClr val="FFFFFF"/>
+                          </a:solidFill>
+                        </a:defRPr>
                       </a:pPr>
                       <a:r>
                         <a:t>Views</a:t>
@@ -8530,7 +7997,7 @@
                   </a:txBody>
                   <a:tcPr>
                     <a:solidFill>
-                      <a:srgbClr val="C8C8C8"/>
+                      <a:srgbClr val="FF0000"/>
                     </a:solidFill>
                   </a:tcPr>
                 </a:tc>
@@ -8549,7 +8016,11 @@
                       </a:r>
                     </a:p>
                   </a:txBody>
-                  <a:tcPr/>
+                  <a:tcPr>
+                    <a:solidFill>
+                      <a:srgbClr val="F0F0F0"/>
+                    </a:solidFill>
+                  </a:tcPr>
                 </a:tc>
                 <a:tc>
                   <a:txBody>
@@ -8564,7 +8035,11 @@
                       </a:r>
                     </a:p>
                   </a:txBody>
-                  <a:tcPr/>
+                  <a:tcPr>
+                    <a:solidFill>
+                      <a:srgbClr val="F0F0F0"/>
+                    </a:solidFill>
+                  </a:tcPr>
                 </a:tc>
                 <a:tc>
                   <a:txBody>
@@ -8579,7 +8054,11 @@
                       </a:r>
                     </a:p>
                   </a:txBody>
-                  <a:tcPr/>
+                  <a:tcPr>
+                    <a:solidFill>
+                      <a:srgbClr val="F0F0F0"/>
+                    </a:solidFill>
+                  </a:tcPr>
                 </a:tc>
                 <a:tc>
                   <a:txBody>
@@ -8594,7 +8073,11 @@
                       </a:r>
                     </a:p>
                   </a:txBody>
-                  <a:tcPr/>
+                  <a:tcPr>
+                    <a:solidFill>
+                      <a:srgbClr val="F0F0F0"/>
+                    </a:solidFill>
+                  </a:tcPr>
                 </a:tc>
                 <a:tc>
                   <a:txBody>
@@ -8609,7 +8092,11 @@
                       </a:r>
                     </a:p>
                   </a:txBody>
-                  <a:tcPr/>
+                  <a:tcPr>
+                    <a:solidFill>
+                      <a:srgbClr val="F0F0F0"/>
+                    </a:solidFill>
+                  </a:tcPr>
                 </a:tc>
                 <a:tc>
                   <a:txBody>
@@ -8624,7 +8111,11 @@
                       </a:r>
                     </a:p>
                   </a:txBody>
-                  <a:tcPr/>
+                  <a:tcPr>
+                    <a:solidFill>
+                      <a:srgbClr val="F0F0F0"/>
+                    </a:solidFill>
+                  </a:tcPr>
                 </a:tc>
               </a:tr>
               <a:tr h="190500">
@@ -8641,7 +8132,11 @@
                       </a:r>
                     </a:p>
                   </a:txBody>
-                  <a:tcPr/>
+                  <a:tcPr>
+                    <a:solidFill>
+                      <a:srgbClr val="FFFFFF"/>
+                    </a:solidFill>
+                  </a:tcPr>
                 </a:tc>
                 <a:tc>
                   <a:txBody>
@@ -8656,7 +8151,11 @@
                       </a:r>
                     </a:p>
                   </a:txBody>
-                  <a:tcPr/>
+                  <a:tcPr>
+                    <a:solidFill>
+                      <a:srgbClr val="FFFFFF"/>
+                    </a:solidFill>
+                  </a:tcPr>
                 </a:tc>
                 <a:tc>
                   <a:txBody>
@@ -8671,7 +8170,11 @@
                       </a:r>
                     </a:p>
                   </a:txBody>
-                  <a:tcPr/>
+                  <a:tcPr>
+                    <a:solidFill>
+                      <a:srgbClr val="FFFFFF"/>
+                    </a:solidFill>
+                  </a:tcPr>
                 </a:tc>
                 <a:tc>
                   <a:txBody>
@@ -8686,7 +8189,11 @@
                       </a:r>
                     </a:p>
                   </a:txBody>
-                  <a:tcPr/>
+                  <a:tcPr>
+                    <a:solidFill>
+                      <a:srgbClr val="FFFFFF"/>
+                    </a:solidFill>
+                  </a:tcPr>
                 </a:tc>
                 <a:tc>
                   <a:txBody>
@@ -8701,7 +8208,11 @@
                       </a:r>
                     </a:p>
                   </a:txBody>
-                  <a:tcPr/>
+                  <a:tcPr>
+                    <a:solidFill>
+                      <a:srgbClr val="FFFFFF"/>
+                    </a:solidFill>
+                  </a:tcPr>
                 </a:tc>
                 <a:tc>
                   <a:txBody>
@@ -8716,7 +8227,11 @@
                       </a:r>
                     </a:p>
                   </a:txBody>
-                  <a:tcPr/>
+                  <a:tcPr>
+                    <a:solidFill>
+                      <a:srgbClr val="FFFFFF"/>
+                    </a:solidFill>
+                  </a:tcPr>
                 </a:tc>
               </a:tr>
               <a:tr h="190500">
@@ -8733,7 +8248,11 @@
                       </a:r>
                     </a:p>
                   </a:txBody>
-                  <a:tcPr/>
+                  <a:tcPr>
+                    <a:solidFill>
+                      <a:srgbClr val="F0F0F0"/>
+                    </a:solidFill>
+                  </a:tcPr>
                 </a:tc>
                 <a:tc>
                   <a:txBody>
@@ -8748,7 +8267,11 @@
                       </a:r>
                     </a:p>
                   </a:txBody>
-                  <a:tcPr/>
+                  <a:tcPr>
+                    <a:solidFill>
+                      <a:srgbClr val="F0F0F0"/>
+                    </a:solidFill>
+                  </a:tcPr>
                 </a:tc>
                 <a:tc>
                   <a:txBody>
@@ -8763,7 +8286,11 @@
                       </a:r>
                     </a:p>
                   </a:txBody>
-                  <a:tcPr/>
+                  <a:tcPr>
+                    <a:solidFill>
+                      <a:srgbClr val="F0F0F0"/>
+                    </a:solidFill>
+                  </a:tcPr>
                 </a:tc>
                 <a:tc>
                   <a:txBody>
@@ -8778,7 +8305,11 @@
                       </a:r>
                     </a:p>
                   </a:txBody>
-                  <a:tcPr/>
+                  <a:tcPr>
+                    <a:solidFill>
+                      <a:srgbClr val="F0F0F0"/>
+                    </a:solidFill>
+                  </a:tcPr>
                 </a:tc>
                 <a:tc>
                   <a:txBody>
@@ -8793,7 +8324,11 @@
                       </a:r>
                     </a:p>
                   </a:txBody>
-                  <a:tcPr/>
+                  <a:tcPr>
+                    <a:solidFill>
+                      <a:srgbClr val="F0F0F0"/>
+                    </a:solidFill>
+                  </a:tcPr>
                 </a:tc>
                 <a:tc>
                   <a:txBody>
@@ -8808,7 +8343,11 @@
                       </a:r>
                     </a:p>
                   </a:txBody>
-                  <a:tcPr/>
+                  <a:tcPr>
+                    <a:solidFill>
+                      <a:srgbClr val="F0F0F0"/>
+                    </a:solidFill>
+                  </a:tcPr>
                 </a:tc>
               </a:tr>
               <a:tr h="190500">
@@ -8825,7 +8364,11 @@
                       </a:r>
                     </a:p>
                   </a:txBody>
-                  <a:tcPr/>
+                  <a:tcPr>
+                    <a:solidFill>
+                      <a:srgbClr val="FFFFFF"/>
+                    </a:solidFill>
+                  </a:tcPr>
                 </a:tc>
                 <a:tc>
                   <a:txBody>
@@ -8840,7 +8383,11 @@
                       </a:r>
                     </a:p>
                   </a:txBody>
-                  <a:tcPr/>
+                  <a:tcPr>
+                    <a:solidFill>
+                      <a:srgbClr val="FFFFFF"/>
+                    </a:solidFill>
+                  </a:tcPr>
                 </a:tc>
                 <a:tc>
                   <a:txBody>
@@ -8855,7 +8402,11 @@
                       </a:r>
                     </a:p>
                   </a:txBody>
-                  <a:tcPr/>
+                  <a:tcPr>
+                    <a:solidFill>
+                      <a:srgbClr val="FFFFFF"/>
+                    </a:solidFill>
+                  </a:tcPr>
                 </a:tc>
                 <a:tc>
                   <a:txBody>
@@ -8870,7 +8421,11 @@
                       </a:r>
                     </a:p>
                   </a:txBody>
-                  <a:tcPr/>
+                  <a:tcPr>
+                    <a:solidFill>
+                      <a:srgbClr val="FFFFFF"/>
+                    </a:solidFill>
+                  </a:tcPr>
                 </a:tc>
                 <a:tc>
                   <a:txBody>
@@ -8885,7 +8440,11 @@
                       </a:r>
                     </a:p>
                   </a:txBody>
-                  <a:tcPr/>
+                  <a:tcPr>
+                    <a:solidFill>
+                      <a:srgbClr val="FFFFFF"/>
+                    </a:solidFill>
+                  </a:tcPr>
                 </a:tc>
                 <a:tc>
                   <a:txBody>
@@ -8900,7 +8459,11 @@
                       </a:r>
                     </a:p>
                   </a:txBody>
-                  <a:tcPr/>
+                  <a:tcPr>
+                    <a:solidFill>
+                      <a:srgbClr val="FFFFFF"/>
+                    </a:solidFill>
+                  </a:tcPr>
                 </a:tc>
               </a:tr>
               <a:tr h="190500">
@@ -8917,7 +8480,11 @@
                       </a:r>
                     </a:p>
                   </a:txBody>
-                  <a:tcPr/>
+                  <a:tcPr>
+                    <a:solidFill>
+                      <a:srgbClr val="F0F0F0"/>
+                    </a:solidFill>
+                  </a:tcPr>
                 </a:tc>
                 <a:tc>
                   <a:txBody>
@@ -8932,7 +8499,11 @@
                       </a:r>
                     </a:p>
                   </a:txBody>
-                  <a:tcPr/>
+                  <a:tcPr>
+                    <a:solidFill>
+                      <a:srgbClr val="F0F0F0"/>
+                    </a:solidFill>
+                  </a:tcPr>
                 </a:tc>
                 <a:tc>
                   <a:txBody>
@@ -8947,7 +8518,11 @@
                       </a:r>
                     </a:p>
                   </a:txBody>
-                  <a:tcPr/>
+                  <a:tcPr>
+                    <a:solidFill>
+                      <a:srgbClr val="F0F0F0"/>
+                    </a:solidFill>
+                  </a:tcPr>
                 </a:tc>
                 <a:tc>
                   <a:txBody>
@@ -8962,7 +8537,11 @@
                       </a:r>
                     </a:p>
                   </a:txBody>
-                  <a:tcPr/>
+                  <a:tcPr>
+                    <a:solidFill>
+                      <a:srgbClr val="F0F0F0"/>
+                    </a:solidFill>
+                  </a:tcPr>
                 </a:tc>
                 <a:tc>
                   <a:txBody>
@@ -8977,7 +8556,11 @@
                       </a:r>
                     </a:p>
                   </a:txBody>
-                  <a:tcPr/>
+                  <a:tcPr>
+                    <a:solidFill>
+                      <a:srgbClr val="F0F0F0"/>
+                    </a:solidFill>
+                  </a:tcPr>
                 </a:tc>
                 <a:tc>
                   <a:txBody>
@@ -8992,7 +8575,11 @@
                       </a:r>
                     </a:p>
                   </a:txBody>
-                  <a:tcPr/>
+                  <a:tcPr>
+                    <a:solidFill>
+                      <a:srgbClr val="F0F0F0"/>
+                    </a:solidFill>
+                  </a:tcPr>
                 </a:tc>
               </a:tr>
               <a:tr h="190500">
@@ -9009,7 +8596,11 @@
                       </a:r>
                     </a:p>
                   </a:txBody>
-                  <a:tcPr/>
+                  <a:tcPr>
+                    <a:solidFill>
+                      <a:srgbClr val="FFFFFF"/>
+                    </a:solidFill>
+                  </a:tcPr>
                 </a:tc>
                 <a:tc>
                   <a:txBody>
@@ -9024,7 +8615,11 @@
                       </a:r>
                     </a:p>
                   </a:txBody>
-                  <a:tcPr/>
+                  <a:tcPr>
+                    <a:solidFill>
+                      <a:srgbClr val="FFFFFF"/>
+                    </a:solidFill>
+                  </a:tcPr>
                 </a:tc>
                 <a:tc>
                   <a:txBody>
@@ -9039,7 +8634,11 @@
                       </a:r>
                     </a:p>
                   </a:txBody>
-                  <a:tcPr/>
+                  <a:tcPr>
+                    <a:solidFill>
+                      <a:srgbClr val="FFFFFF"/>
+                    </a:solidFill>
+                  </a:tcPr>
                 </a:tc>
                 <a:tc>
                   <a:txBody>
@@ -9054,7 +8653,11 @@
                       </a:r>
                     </a:p>
                   </a:txBody>
-                  <a:tcPr/>
+                  <a:tcPr>
+                    <a:solidFill>
+                      <a:srgbClr val="FFFFFF"/>
+                    </a:solidFill>
+                  </a:tcPr>
                 </a:tc>
                 <a:tc>
                   <a:txBody>
@@ -9069,7 +8672,11 @@
                       </a:r>
                     </a:p>
                   </a:txBody>
-                  <a:tcPr/>
+                  <a:tcPr>
+                    <a:solidFill>
+                      <a:srgbClr val="FFFFFF"/>
+                    </a:solidFill>
+                  </a:tcPr>
                 </a:tc>
                 <a:tc>
                   <a:txBody>
@@ -9084,7 +8691,11 @@
                       </a:r>
                     </a:p>
                   </a:txBody>
-                  <a:tcPr/>
+                  <a:tcPr>
+                    <a:solidFill>
+                      <a:srgbClr val="FFFFFF"/>
+                    </a:solidFill>
+                  </a:tcPr>
                 </a:tc>
               </a:tr>
               <a:tr h="190500">
@@ -9101,7 +8712,11 @@
                       </a:r>
                     </a:p>
                   </a:txBody>
-                  <a:tcPr/>
+                  <a:tcPr>
+                    <a:solidFill>
+                      <a:srgbClr val="F0F0F0"/>
+                    </a:solidFill>
+                  </a:tcPr>
                 </a:tc>
                 <a:tc>
                   <a:txBody>
@@ -9116,7 +8731,11 @@
                       </a:r>
                     </a:p>
                   </a:txBody>
-                  <a:tcPr/>
+                  <a:tcPr>
+                    <a:solidFill>
+                      <a:srgbClr val="F0F0F0"/>
+                    </a:solidFill>
+                  </a:tcPr>
                 </a:tc>
                 <a:tc>
                   <a:txBody>
@@ -9131,7 +8750,11 @@
                       </a:r>
                     </a:p>
                   </a:txBody>
-                  <a:tcPr/>
+                  <a:tcPr>
+                    <a:solidFill>
+                      <a:srgbClr val="F0F0F0"/>
+                    </a:solidFill>
+                  </a:tcPr>
                 </a:tc>
                 <a:tc>
                   <a:txBody>
@@ -9146,7 +8769,11 @@
                       </a:r>
                     </a:p>
                   </a:txBody>
-                  <a:tcPr/>
+                  <a:tcPr>
+                    <a:solidFill>
+                      <a:srgbClr val="F0F0F0"/>
+                    </a:solidFill>
+                  </a:tcPr>
                 </a:tc>
                 <a:tc>
                   <a:txBody>
@@ -9161,7 +8788,11 @@
                       </a:r>
                     </a:p>
                   </a:txBody>
-                  <a:tcPr/>
+                  <a:tcPr>
+                    <a:solidFill>
+                      <a:srgbClr val="F0F0F0"/>
+                    </a:solidFill>
+                  </a:tcPr>
                 </a:tc>
                 <a:tc>
                   <a:txBody>
@@ -9176,7 +8807,11 @@
                       </a:r>
                     </a:p>
                   </a:txBody>
-                  <a:tcPr/>
+                  <a:tcPr>
+                    <a:solidFill>
+                      <a:srgbClr val="F0F0F0"/>
+                    </a:solidFill>
+                  </a:tcPr>
                 </a:tc>
               </a:tr>
               <a:tr h="190500">
@@ -9193,7 +8828,11 @@
                       </a:r>
                     </a:p>
                   </a:txBody>
-                  <a:tcPr/>
+                  <a:tcPr>
+                    <a:solidFill>
+                      <a:srgbClr val="FFFFFF"/>
+                    </a:solidFill>
+                  </a:tcPr>
                 </a:tc>
                 <a:tc>
                   <a:txBody>
@@ -9208,7 +8847,11 @@
                       </a:r>
                     </a:p>
                   </a:txBody>
-                  <a:tcPr/>
+                  <a:tcPr>
+                    <a:solidFill>
+                      <a:srgbClr val="FFFFFF"/>
+                    </a:solidFill>
+                  </a:tcPr>
                 </a:tc>
                 <a:tc>
                   <a:txBody>
@@ -9223,7 +8866,11 @@
                       </a:r>
                     </a:p>
                   </a:txBody>
-                  <a:tcPr/>
+                  <a:tcPr>
+                    <a:solidFill>
+                      <a:srgbClr val="FFFFFF"/>
+                    </a:solidFill>
+                  </a:tcPr>
                 </a:tc>
                 <a:tc>
                   <a:txBody>
@@ -9238,7 +8885,11 @@
                       </a:r>
                     </a:p>
                   </a:txBody>
-                  <a:tcPr/>
+                  <a:tcPr>
+                    <a:solidFill>
+                      <a:srgbClr val="FFFFFF"/>
+                    </a:solidFill>
+                  </a:tcPr>
                 </a:tc>
                 <a:tc>
                   <a:txBody>
@@ -9253,7 +8904,11 @@
                       </a:r>
                     </a:p>
                   </a:txBody>
-                  <a:tcPr/>
+                  <a:tcPr>
+                    <a:solidFill>
+                      <a:srgbClr val="FFFFFF"/>
+                    </a:solidFill>
+                  </a:tcPr>
                 </a:tc>
                 <a:tc>
                   <a:txBody>
@@ -9268,7 +8923,11 @@
                       </a:r>
                     </a:p>
                   </a:txBody>
-                  <a:tcPr/>
+                  <a:tcPr>
+                    <a:solidFill>
+                      <a:srgbClr val="FFFFFF"/>
+                    </a:solidFill>
+                  </a:tcPr>
                 </a:tc>
               </a:tr>
               <a:tr h="190500">
@@ -9285,7 +8944,11 @@
                       </a:r>
                     </a:p>
                   </a:txBody>
-                  <a:tcPr/>
+                  <a:tcPr>
+                    <a:solidFill>
+                      <a:srgbClr val="F0F0F0"/>
+                    </a:solidFill>
+                  </a:tcPr>
                 </a:tc>
                 <a:tc>
                   <a:txBody>
@@ -9300,7 +8963,11 @@
                       </a:r>
                     </a:p>
                   </a:txBody>
-                  <a:tcPr/>
+                  <a:tcPr>
+                    <a:solidFill>
+                      <a:srgbClr val="F0F0F0"/>
+                    </a:solidFill>
+                  </a:tcPr>
                 </a:tc>
                 <a:tc>
                   <a:txBody>
@@ -9315,7 +8982,11 @@
                       </a:r>
                     </a:p>
                   </a:txBody>
-                  <a:tcPr/>
+                  <a:tcPr>
+                    <a:solidFill>
+                      <a:srgbClr val="F0F0F0"/>
+                    </a:solidFill>
+                  </a:tcPr>
                 </a:tc>
                 <a:tc>
                   <a:txBody>
@@ -9330,7 +9001,11 @@
                       </a:r>
                     </a:p>
                   </a:txBody>
-                  <a:tcPr/>
+                  <a:tcPr>
+                    <a:solidFill>
+                      <a:srgbClr val="F0F0F0"/>
+                    </a:solidFill>
+                  </a:tcPr>
                 </a:tc>
                 <a:tc>
                   <a:txBody>
@@ -9345,7 +9020,11 @@
                       </a:r>
                     </a:p>
                   </a:txBody>
-                  <a:tcPr/>
+                  <a:tcPr>
+                    <a:solidFill>
+                      <a:srgbClr val="F0F0F0"/>
+                    </a:solidFill>
+                  </a:tcPr>
                 </a:tc>
                 <a:tc>
                   <a:txBody>
@@ -9360,7 +9039,11 @@
                       </a:r>
                     </a:p>
                   </a:txBody>
-                  <a:tcPr/>
+                  <a:tcPr>
+                    <a:solidFill>
+                      <a:srgbClr val="F0F0F0"/>
+                    </a:solidFill>
+                  </a:tcPr>
                 </a:tc>
               </a:tr>
               <a:tr h="190500">
@@ -9377,7 +9060,11 @@
                       </a:r>
                     </a:p>
                   </a:txBody>
-                  <a:tcPr/>
+                  <a:tcPr>
+                    <a:solidFill>
+                      <a:srgbClr val="FFFFFF"/>
+                    </a:solidFill>
+                  </a:tcPr>
                 </a:tc>
                 <a:tc>
                   <a:txBody>
@@ -9392,7 +9079,11 @@
                       </a:r>
                     </a:p>
                   </a:txBody>
-                  <a:tcPr/>
+                  <a:tcPr>
+                    <a:solidFill>
+                      <a:srgbClr val="FFFFFF"/>
+                    </a:solidFill>
+                  </a:tcPr>
                 </a:tc>
                 <a:tc>
                   <a:txBody>
@@ -9407,7 +9098,11 @@
                       </a:r>
                     </a:p>
                   </a:txBody>
-                  <a:tcPr/>
+                  <a:tcPr>
+                    <a:solidFill>
+                      <a:srgbClr val="FFFFFF"/>
+                    </a:solidFill>
+                  </a:tcPr>
                 </a:tc>
                 <a:tc>
                   <a:txBody>
@@ -9422,7 +9117,11 @@
                       </a:r>
                     </a:p>
                   </a:txBody>
-                  <a:tcPr/>
+                  <a:tcPr>
+                    <a:solidFill>
+                      <a:srgbClr val="FFFFFF"/>
+                    </a:solidFill>
+                  </a:tcPr>
                 </a:tc>
                 <a:tc>
                   <a:txBody>
@@ -9437,7 +9136,11 @@
                       </a:r>
                     </a:p>
                   </a:txBody>
-                  <a:tcPr/>
+                  <a:tcPr>
+                    <a:solidFill>
+                      <a:srgbClr val="FFFFFF"/>
+                    </a:solidFill>
+                  </a:tcPr>
                 </a:tc>
                 <a:tc>
                   <a:txBody>
@@ -9452,7 +9155,11 @@
                       </a:r>
                     </a:p>
                   </a:txBody>
-                  <a:tcPr/>
+                  <a:tcPr>
+                    <a:solidFill>
+                      <a:srgbClr val="FFFFFF"/>
+                    </a:solidFill>
+                  </a:tcPr>
                 </a:tc>
               </a:tr>
               <a:tr h="190500">
@@ -9469,7 +9176,11 @@
                       </a:r>
                     </a:p>
                   </a:txBody>
-                  <a:tcPr/>
+                  <a:tcPr>
+                    <a:solidFill>
+                      <a:srgbClr val="F0F0F0"/>
+                    </a:solidFill>
+                  </a:tcPr>
                 </a:tc>
                 <a:tc>
                   <a:txBody>
@@ -9484,7 +9195,11 @@
                       </a:r>
                     </a:p>
                   </a:txBody>
-                  <a:tcPr/>
+                  <a:tcPr>
+                    <a:solidFill>
+                      <a:srgbClr val="F0F0F0"/>
+                    </a:solidFill>
+                  </a:tcPr>
                 </a:tc>
                 <a:tc>
                   <a:txBody>
@@ -9499,7 +9214,11 @@
                       </a:r>
                     </a:p>
                   </a:txBody>
-                  <a:tcPr/>
+                  <a:tcPr>
+                    <a:solidFill>
+                      <a:srgbClr val="F0F0F0"/>
+                    </a:solidFill>
+                  </a:tcPr>
                 </a:tc>
                 <a:tc>
                   <a:txBody>
@@ -9514,7 +9233,11 @@
                       </a:r>
                     </a:p>
                   </a:txBody>
-                  <a:tcPr/>
+                  <a:tcPr>
+                    <a:solidFill>
+                      <a:srgbClr val="F0F0F0"/>
+                    </a:solidFill>
+                  </a:tcPr>
                 </a:tc>
                 <a:tc>
                   <a:txBody>
@@ -9529,7 +9252,11 @@
                       </a:r>
                     </a:p>
                   </a:txBody>
-                  <a:tcPr/>
+                  <a:tcPr>
+                    <a:solidFill>
+                      <a:srgbClr val="F0F0F0"/>
+                    </a:solidFill>
+                  </a:tcPr>
                 </a:tc>
                 <a:tc>
                   <a:txBody>
@@ -9544,7 +9271,11 @@
                       </a:r>
                     </a:p>
                   </a:txBody>
-                  <a:tcPr/>
+                  <a:tcPr>
+                    <a:solidFill>
+                      <a:srgbClr val="F0F0F0"/>
+                    </a:solidFill>
+                  </a:tcPr>
                 </a:tc>
               </a:tr>
               <a:tr h="190500">
@@ -9561,7 +9292,11 @@
                       </a:r>
                     </a:p>
                   </a:txBody>
-                  <a:tcPr/>
+                  <a:tcPr>
+                    <a:solidFill>
+                      <a:srgbClr val="FFFFFF"/>
+                    </a:solidFill>
+                  </a:tcPr>
                 </a:tc>
                 <a:tc>
                   <a:txBody>
@@ -9576,7 +9311,11 @@
                       </a:r>
                     </a:p>
                   </a:txBody>
-                  <a:tcPr/>
+                  <a:tcPr>
+                    <a:solidFill>
+                      <a:srgbClr val="FFFFFF"/>
+                    </a:solidFill>
+                  </a:tcPr>
                 </a:tc>
                 <a:tc>
                   <a:txBody>
@@ -9591,7 +9330,11 @@
                       </a:r>
                     </a:p>
                   </a:txBody>
-                  <a:tcPr/>
+                  <a:tcPr>
+                    <a:solidFill>
+                      <a:srgbClr val="FFFFFF"/>
+                    </a:solidFill>
+                  </a:tcPr>
                 </a:tc>
                 <a:tc>
                   <a:txBody>
@@ -9606,7 +9349,11 @@
                       </a:r>
                     </a:p>
                   </a:txBody>
-                  <a:tcPr/>
+                  <a:tcPr>
+                    <a:solidFill>
+                      <a:srgbClr val="FFFFFF"/>
+                    </a:solidFill>
+                  </a:tcPr>
                 </a:tc>
                 <a:tc>
                   <a:txBody>
@@ -9621,7 +9368,11 @@
                       </a:r>
                     </a:p>
                   </a:txBody>
-                  <a:tcPr/>
+                  <a:tcPr>
+                    <a:solidFill>
+                      <a:srgbClr val="FFFFFF"/>
+                    </a:solidFill>
+                  </a:tcPr>
                 </a:tc>
                 <a:tc>
                   <a:txBody>
@@ -9636,7 +9387,11 @@
                       </a:r>
                     </a:p>
                   </a:txBody>
-                  <a:tcPr/>
+                  <a:tcPr>
+                    <a:solidFill>
+                      <a:srgbClr val="FFFFFF"/>
+                    </a:solidFill>
+                  </a:tcPr>
                 </a:tc>
               </a:tr>
               <a:tr h="190500">
@@ -9653,7 +9408,11 @@
                       </a:r>
                     </a:p>
                   </a:txBody>
-                  <a:tcPr/>
+                  <a:tcPr>
+                    <a:solidFill>
+                      <a:srgbClr val="F0F0F0"/>
+                    </a:solidFill>
+                  </a:tcPr>
                 </a:tc>
                 <a:tc>
                   <a:txBody>
@@ -9668,7 +9427,11 @@
                       </a:r>
                     </a:p>
                   </a:txBody>
-                  <a:tcPr/>
+                  <a:tcPr>
+                    <a:solidFill>
+                      <a:srgbClr val="F0F0F0"/>
+                    </a:solidFill>
+                  </a:tcPr>
                 </a:tc>
                 <a:tc>
                   <a:txBody>
@@ -9683,7 +9446,11 @@
                       </a:r>
                     </a:p>
                   </a:txBody>
-                  <a:tcPr/>
+                  <a:tcPr>
+                    <a:solidFill>
+                      <a:srgbClr val="F0F0F0"/>
+                    </a:solidFill>
+                  </a:tcPr>
                 </a:tc>
                 <a:tc>
                   <a:txBody>
@@ -9698,7 +9465,11 @@
                       </a:r>
                     </a:p>
                   </a:txBody>
-                  <a:tcPr/>
+                  <a:tcPr>
+                    <a:solidFill>
+                      <a:srgbClr val="F0F0F0"/>
+                    </a:solidFill>
+                  </a:tcPr>
                 </a:tc>
                 <a:tc>
                   <a:txBody>
@@ -9713,7 +9484,11 @@
                       </a:r>
                     </a:p>
                   </a:txBody>
-                  <a:tcPr/>
+                  <a:tcPr>
+                    <a:solidFill>
+                      <a:srgbClr val="F0F0F0"/>
+                    </a:solidFill>
+                  </a:tcPr>
                 </a:tc>
                 <a:tc>
                   <a:txBody>
@@ -9728,7 +9503,11 @@
                       </a:r>
                     </a:p>
                   </a:txBody>
-                  <a:tcPr/>
+                  <a:tcPr>
+                    <a:solidFill>
+                      <a:srgbClr val="F0F0F0"/>
+                    </a:solidFill>
+                  </a:tcPr>
                 </a:tc>
               </a:tr>
               <a:tr h="190500">
@@ -9745,7 +9524,11 @@
                       </a:r>
                     </a:p>
                   </a:txBody>
-                  <a:tcPr/>
+                  <a:tcPr>
+                    <a:solidFill>
+                      <a:srgbClr val="FFFFFF"/>
+                    </a:solidFill>
+                  </a:tcPr>
                 </a:tc>
                 <a:tc>
                   <a:txBody>
@@ -9760,7 +9543,11 @@
                       </a:r>
                     </a:p>
                   </a:txBody>
-                  <a:tcPr/>
+                  <a:tcPr>
+                    <a:solidFill>
+                      <a:srgbClr val="FFFFFF"/>
+                    </a:solidFill>
+                  </a:tcPr>
                 </a:tc>
                 <a:tc>
                   <a:txBody>
@@ -9775,7 +9562,11 @@
                       </a:r>
                     </a:p>
                   </a:txBody>
-                  <a:tcPr/>
+                  <a:tcPr>
+                    <a:solidFill>
+                      <a:srgbClr val="FFFFFF"/>
+                    </a:solidFill>
+                  </a:tcPr>
                 </a:tc>
                 <a:tc>
                   <a:txBody>
@@ -9790,7 +9581,11 @@
                       </a:r>
                     </a:p>
                   </a:txBody>
-                  <a:tcPr/>
+                  <a:tcPr>
+                    <a:solidFill>
+                      <a:srgbClr val="FFFFFF"/>
+                    </a:solidFill>
+                  </a:tcPr>
                 </a:tc>
                 <a:tc>
                   <a:txBody>
@@ -9805,7 +9600,11 @@
                       </a:r>
                     </a:p>
                   </a:txBody>
-                  <a:tcPr/>
+                  <a:tcPr>
+                    <a:solidFill>
+                      <a:srgbClr val="FFFFFF"/>
+                    </a:solidFill>
+                  </a:tcPr>
                 </a:tc>
                 <a:tc>
                   <a:txBody>
@@ -9820,7 +9619,11 @@
                       </a:r>
                     </a:p>
                   </a:txBody>
-                  <a:tcPr/>
+                  <a:tcPr>
+                    <a:solidFill>
+                      <a:srgbClr val="FFFFFF"/>
+                    </a:solidFill>
+                  </a:tcPr>
                 </a:tc>
               </a:tr>
               <a:tr h="190500">
@@ -9837,7 +9640,11 @@
                       </a:r>
                     </a:p>
                   </a:txBody>
-                  <a:tcPr/>
+                  <a:tcPr>
+                    <a:solidFill>
+                      <a:srgbClr val="F0F0F0"/>
+                    </a:solidFill>
+                  </a:tcPr>
                 </a:tc>
                 <a:tc>
                   <a:txBody>
@@ -9852,7 +9659,11 @@
                       </a:r>
                     </a:p>
                   </a:txBody>
-                  <a:tcPr/>
+                  <a:tcPr>
+                    <a:solidFill>
+                      <a:srgbClr val="F0F0F0"/>
+                    </a:solidFill>
+                  </a:tcPr>
                 </a:tc>
                 <a:tc>
                   <a:txBody>
@@ -9867,7 +9678,11 @@
                       </a:r>
                     </a:p>
                   </a:txBody>
-                  <a:tcPr/>
+                  <a:tcPr>
+                    <a:solidFill>
+                      <a:srgbClr val="F0F0F0"/>
+                    </a:solidFill>
+                  </a:tcPr>
                 </a:tc>
                 <a:tc>
                   <a:txBody>
@@ -9882,7 +9697,11 @@
                       </a:r>
                     </a:p>
                   </a:txBody>
-                  <a:tcPr/>
+                  <a:tcPr>
+                    <a:solidFill>
+                      <a:srgbClr val="F0F0F0"/>
+                    </a:solidFill>
+                  </a:tcPr>
                 </a:tc>
                 <a:tc>
                   <a:txBody>
@@ -9897,7 +9716,11 @@
                       </a:r>
                     </a:p>
                   </a:txBody>
-                  <a:tcPr/>
+                  <a:tcPr>
+                    <a:solidFill>
+                      <a:srgbClr val="F0F0F0"/>
+                    </a:solidFill>
+                  </a:tcPr>
                 </a:tc>
                 <a:tc>
                   <a:txBody>
@@ -9912,7 +9735,11 @@
                       </a:r>
                     </a:p>
                   </a:txBody>
-                  <a:tcPr/>
+                  <a:tcPr>
+                    <a:solidFill>
+                      <a:srgbClr val="F0F0F0"/>
+                    </a:solidFill>
+                  </a:tcPr>
                 </a:tc>
               </a:tr>
               <a:tr h="190500">
@@ -9929,7 +9756,11 @@
                       </a:r>
                     </a:p>
                   </a:txBody>
-                  <a:tcPr/>
+                  <a:tcPr>
+                    <a:solidFill>
+                      <a:srgbClr val="FFFFFF"/>
+                    </a:solidFill>
+                  </a:tcPr>
                 </a:tc>
                 <a:tc>
                   <a:txBody>
@@ -9944,7 +9775,11 @@
                       </a:r>
                     </a:p>
                   </a:txBody>
-                  <a:tcPr/>
+                  <a:tcPr>
+                    <a:solidFill>
+                      <a:srgbClr val="FFFFFF"/>
+                    </a:solidFill>
+                  </a:tcPr>
                 </a:tc>
                 <a:tc>
                   <a:txBody>
@@ -9959,7 +9794,11 @@
                       </a:r>
                     </a:p>
                   </a:txBody>
-                  <a:tcPr/>
+                  <a:tcPr>
+                    <a:solidFill>
+                      <a:srgbClr val="FFFFFF"/>
+                    </a:solidFill>
+                  </a:tcPr>
                 </a:tc>
                 <a:tc>
                   <a:txBody>
@@ -9974,7 +9813,11 @@
                       </a:r>
                     </a:p>
                   </a:txBody>
-                  <a:tcPr/>
+                  <a:tcPr>
+                    <a:solidFill>
+                      <a:srgbClr val="FFFFFF"/>
+                    </a:solidFill>
+                  </a:tcPr>
                 </a:tc>
                 <a:tc>
                   <a:txBody>
@@ -9989,7 +9832,11 @@
                       </a:r>
                     </a:p>
                   </a:txBody>
-                  <a:tcPr/>
+                  <a:tcPr>
+                    <a:solidFill>
+                      <a:srgbClr val="FFFFFF"/>
+                    </a:solidFill>
+                  </a:tcPr>
                 </a:tc>
                 <a:tc>
                   <a:txBody>
@@ -10004,7 +9851,11 @@
                       </a:r>
                     </a:p>
                   </a:txBody>
-                  <a:tcPr/>
+                  <a:tcPr>
+                    <a:solidFill>
+                      <a:srgbClr val="FFFFFF"/>
+                    </a:solidFill>
+                  </a:tcPr>
                 </a:tc>
               </a:tr>
               <a:tr h="190500">
@@ -10021,7 +9872,11 @@
                       </a:r>
                     </a:p>
                   </a:txBody>
-                  <a:tcPr/>
+                  <a:tcPr>
+                    <a:solidFill>
+                      <a:srgbClr val="F0F0F0"/>
+                    </a:solidFill>
+                  </a:tcPr>
                 </a:tc>
                 <a:tc>
                   <a:txBody>
@@ -10036,7 +9891,11 @@
                       </a:r>
                     </a:p>
                   </a:txBody>
-                  <a:tcPr/>
+                  <a:tcPr>
+                    <a:solidFill>
+                      <a:srgbClr val="F0F0F0"/>
+                    </a:solidFill>
+                  </a:tcPr>
                 </a:tc>
                 <a:tc>
                   <a:txBody>
@@ -10051,7 +9910,11 @@
                       </a:r>
                     </a:p>
                   </a:txBody>
-                  <a:tcPr/>
+                  <a:tcPr>
+                    <a:solidFill>
+                      <a:srgbClr val="F0F0F0"/>
+                    </a:solidFill>
+                  </a:tcPr>
                 </a:tc>
                 <a:tc>
                   <a:txBody>
@@ -10066,7 +9929,11 @@
                       </a:r>
                     </a:p>
                   </a:txBody>
-                  <a:tcPr/>
+                  <a:tcPr>
+                    <a:solidFill>
+                      <a:srgbClr val="F0F0F0"/>
+                    </a:solidFill>
+                  </a:tcPr>
                 </a:tc>
                 <a:tc>
                   <a:txBody>
@@ -10081,7 +9948,11 @@
                       </a:r>
                     </a:p>
                   </a:txBody>
-                  <a:tcPr/>
+                  <a:tcPr>
+                    <a:solidFill>
+                      <a:srgbClr val="F0F0F0"/>
+                    </a:solidFill>
+                  </a:tcPr>
                 </a:tc>
                 <a:tc>
                   <a:txBody>
@@ -10096,7 +9967,11 @@
                       </a:r>
                     </a:p>
                   </a:txBody>
-                  <a:tcPr/>
+                  <a:tcPr>
+                    <a:solidFill>
+                      <a:srgbClr val="F0F0F0"/>
+                    </a:solidFill>
+                  </a:tcPr>
                 </a:tc>
               </a:tr>
               <a:tr h="190500">
@@ -10113,7 +9988,11 @@
                       </a:r>
                     </a:p>
                   </a:txBody>
-                  <a:tcPr/>
+                  <a:tcPr>
+                    <a:solidFill>
+                      <a:srgbClr val="FFFFFF"/>
+                    </a:solidFill>
+                  </a:tcPr>
                 </a:tc>
                 <a:tc>
                   <a:txBody>
@@ -10128,7 +10007,11 @@
                       </a:r>
                     </a:p>
                   </a:txBody>
-                  <a:tcPr/>
+                  <a:tcPr>
+                    <a:solidFill>
+                      <a:srgbClr val="FFFFFF"/>
+                    </a:solidFill>
+                  </a:tcPr>
                 </a:tc>
                 <a:tc>
                   <a:txBody>
@@ -10143,7 +10026,11 @@
                       </a:r>
                     </a:p>
                   </a:txBody>
-                  <a:tcPr/>
+                  <a:tcPr>
+                    <a:solidFill>
+                      <a:srgbClr val="FFFFFF"/>
+                    </a:solidFill>
+                  </a:tcPr>
                 </a:tc>
                 <a:tc>
                   <a:txBody>
@@ -10158,7 +10045,11 @@
                       </a:r>
                     </a:p>
                   </a:txBody>
-                  <a:tcPr/>
+                  <a:tcPr>
+                    <a:solidFill>
+                      <a:srgbClr val="FFFFFF"/>
+                    </a:solidFill>
+                  </a:tcPr>
                 </a:tc>
                 <a:tc>
                   <a:txBody>
@@ -10173,7 +10064,11 @@
                       </a:r>
                     </a:p>
                   </a:txBody>
-                  <a:tcPr/>
+                  <a:tcPr>
+                    <a:solidFill>
+                      <a:srgbClr val="FFFFFF"/>
+                    </a:solidFill>
+                  </a:tcPr>
                 </a:tc>
                 <a:tc>
                   <a:txBody>
@@ -10188,7 +10083,11 @@
                       </a:r>
                     </a:p>
                   </a:txBody>
-                  <a:tcPr/>
+                  <a:tcPr>
+                    <a:solidFill>
+                      <a:srgbClr val="FFFFFF"/>
+                    </a:solidFill>
+                  </a:tcPr>
                 </a:tc>
               </a:tr>
               <a:tr h="190500">
@@ -10205,7 +10104,11 @@
                       </a:r>
                     </a:p>
                   </a:txBody>
-                  <a:tcPr/>
+                  <a:tcPr>
+                    <a:solidFill>
+                      <a:srgbClr val="F0F0F0"/>
+                    </a:solidFill>
+                  </a:tcPr>
                 </a:tc>
                 <a:tc>
                   <a:txBody>
@@ -10220,7 +10123,11 @@
                       </a:r>
                     </a:p>
                   </a:txBody>
-                  <a:tcPr/>
+                  <a:tcPr>
+                    <a:solidFill>
+                      <a:srgbClr val="F0F0F0"/>
+                    </a:solidFill>
+                  </a:tcPr>
                 </a:tc>
                 <a:tc>
                   <a:txBody>
@@ -10235,7 +10142,11 @@
                       </a:r>
                     </a:p>
                   </a:txBody>
-                  <a:tcPr/>
+                  <a:tcPr>
+                    <a:solidFill>
+                      <a:srgbClr val="F0F0F0"/>
+                    </a:solidFill>
+                  </a:tcPr>
                 </a:tc>
                 <a:tc>
                   <a:txBody>
@@ -10250,7 +10161,11 @@
                       </a:r>
                     </a:p>
                   </a:txBody>
-                  <a:tcPr/>
+                  <a:tcPr>
+                    <a:solidFill>
+                      <a:srgbClr val="F0F0F0"/>
+                    </a:solidFill>
+                  </a:tcPr>
                 </a:tc>
                 <a:tc>
                   <a:txBody>
@@ -10265,7 +10180,11 @@
                       </a:r>
                     </a:p>
                   </a:txBody>
-                  <a:tcPr/>
+                  <a:tcPr>
+                    <a:solidFill>
+                      <a:srgbClr val="F0F0F0"/>
+                    </a:solidFill>
+                  </a:tcPr>
                 </a:tc>
                 <a:tc>
                   <a:txBody>
@@ -10280,7 +10199,11 @@
                       </a:r>
                     </a:p>
                   </a:txBody>
-                  <a:tcPr/>
+                  <a:tcPr>
+                    <a:solidFill>
+                      <a:srgbClr val="F0F0F0"/>
+                    </a:solidFill>
+                  </a:tcPr>
                 </a:tc>
               </a:tr>
               <a:tr h="190500">
@@ -10297,7 +10220,11 @@
                       </a:r>
                     </a:p>
                   </a:txBody>
-                  <a:tcPr/>
+                  <a:tcPr>
+                    <a:solidFill>
+                      <a:srgbClr val="FFFFFF"/>
+                    </a:solidFill>
+                  </a:tcPr>
                 </a:tc>
                 <a:tc>
                   <a:txBody>
@@ -10312,7 +10239,11 @@
                       </a:r>
                     </a:p>
                   </a:txBody>
-                  <a:tcPr/>
+                  <a:tcPr>
+                    <a:solidFill>
+                      <a:srgbClr val="FFFFFF"/>
+                    </a:solidFill>
+                  </a:tcPr>
                 </a:tc>
                 <a:tc>
                   <a:txBody>
@@ -10327,7 +10258,11 @@
                       </a:r>
                     </a:p>
                   </a:txBody>
-                  <a:tcPr/>
+                  <a:tcPr>
+                    <a:solidFill>
+                      <a:srgbClr val="FFFFFF"/>
+                    </a:solidFill>
+                  </a:tcPr>
                 </a:tc>
                 <a:tc>
                   <a:txBody>
@@ -10342,7 +10277,11 @@
                       </a:r>
                     </a:p>
                   </a:txBody>
-                  <a:tcPr/>
+                  <a:tcPr>
+                    <a:solidFill>
+                      <a:srgbClr val="FFFFFF"/>
+                    </a:solidFill>
+                  </a:tcPr>
                 </a:tc>
                 <a:tc>
                   <a:txBody>
@@ -10357,7 +10296,11 @@
                       </a:r>
                     </a:p>
                   </a:txBody>
-                  <a:tcPr/>
+                  <a:tcPr>
+                    <a:solidFill>
+                      <a:srgbClr val="FFFFFF"/>
+                    </a:solidFill>
+                  </a:tcPr>
                 </a:tc>
                 <a:tc>
                   <a:txBody>
@@ -10372,7 +10315,11 @@
                       </a:r>
                     </a:p>
                   </a:txBody>
-                  <a:tcPr/>
+                  <a:tcPr>
+                    <a:solidFill>
+                      <a:srgbClr val="FFFFFF"/>
+                    </a:solidFill>
+                  </a:tcPr>
                 </a:tc>
               </a:tr>
               <a:tr h="190500">
@@ -10389,7 +10336,11 @@
                       </a:r>
                     </a:p>
                   </a:txBody>
-                  <a:tcPr/>
+                  <a:tcPr>
+                    <a:solidFill>
+                      <a:srgbClr val="F0F0F0"/>
+                    </a:solidFill>
+                  </a:tcPr>
                 </a:tc>
                 <a:tc>
                   <a:txBody>
@@ -10404,7 +10355,11 @@
                       </a:r>
                     </a:p>
                   </a:txBody>
-                  <a:tcPr/>
+                  <a:tcPr>
+                    <a:solidFill>
+                      <a:srgbClr val="F0F0F0"/>
+                    </a:solidFill>
+                  </a:tcPr>
                 </a:tc>
                 <a:tc>
                   <a:txBody>
@@ -10419,7 +10374,11 @@
                       </a:r>
                     </a:p>
                   </a:txBody>
-                  <a:tcPr/>
+                  <a:tcPr>
+                    <a:solidFill>
+                      <a:srgbClr val="F0F0F0"/>
+                    </a:solidFill>
+                  </a:tcPr>
                 </a:tc>
                 <a:tc>
                   <a:txBody>
@@ -10434,7 +10393,11 @@
                       </a:r>
                     </a:p>
                   </a:txBody>
-                  <a:tcPr/>
+                  <a:tcPr>
+                    <a:solidFill>
+                      <a:srgbClr val="F0F0F0"/>
+                    </a:solidFill>
+                  </a:tcPr>
                 </a:tc>
                 <a:tc>
                   <a:txBody>
@@ -10449,7 +10412,11 @@
                       </a:r>
                     </a:p>
                   </a:txBody>
-                  <a:tcPr/>
+                  <a:tcPr>
+                    <a:solidFill>
+                      <a:srgbClr val="F0F0F0"/>
+                    </a:solidFill>
+                  </a:tcPr>
                 </a:tc>
                 <a:tc>
                   <a:txBody>
@@ -10464,7 +10431,11 @@
                       </a:r>
                     </a:p>
                   </a:txBody>
-                  <a:tcPr/>
+                  <a:tcPr>
+                    <a:solidFill>
+                      <a:srgbClr val="F0F0F0"/>
+                    </a:solidFill>
+                  </a:tcPr>
                 </a:tc>
               </a:tr>
               <a:tr h="190500">
@@ -10481,7 +10452,11 @@
                       </a:r>
                     </a:p>
                   </a:txBody>
-                  <a:tcPr/>
+                  <a:tcPr>
+                    <a:solidFill>
+                      <a:srgbClr val="FFFFFF"/>
+                    </a:solidFill>
+                  </a:tcPr>
                 </a:tc>
                 <a:tc>
                   <a:txBody>
@@ -10496,7 +10471,11 @@
                       </a:r>
                     </a:p>
                   </a:txBody>
-                  <a:tcPr/>
+                  <a:tcPr>
+                    <a:solidFill>
+                      <a:srgbClr val="FFFFFF"/>
+                    </a:solidFill>
+                  </a:tcPr>
                 </a:tc>
                 <a:tc>
                   <a:txBody>
@@ -10511,7 +10490,11 @@
                       </a:r>
                     </a:p>
                   </a:txBody>
-                  <a:tcPr/>
+                  <a:tcPr>
+                    <a:solidFill>
+                      <a:srgbClr val="FFFFFF"/>
+                    </a:solidFill>
+                  </a:tcPr>
                 </a:tc>
                 <a:tc>
                   <a:txBody>
@@ -10526,7 +10509,11 @@
                       </a:r>
                     </a:p>
                   </a:txBody>
-                  <a:tcPr/>
+                  <a:tcPr>
+                    <a:solidFill>
+                      <a:srgbClr val="FFFFFF"/>
+                    </a:solidFill>
+                  </a:tcPr>
                 </a:tc>
                 <a:tc>
                   <a:txBody>
@@ -10541,7 +10528,11 @@
                       </a:r>
                     </a:p>
                   </a:txBody>
-                  <a:tcPr/>
+                  <a:tcPr>
+                    <a:solidFill>
+                      <a:srgbClr val="FFFFFF"/>
+                    </a:solidFill>
+                  </a:tcPr>
                 </a:tc>
                 <a:tc>
                   <a:txBody>
@@ -10556,7 +10547,11 @@
                       </a:r>
                     </a:p>
                   </a:txBody>
-                  <a:tcPr/>
+                  <a:tcPr>
+                    <a:solidFill>
+                      <a:srgbClr val="FFFFFF"/>
+                    </a:solidFill>
+                  </a:tcPr>
                 </a:tc>
               </a:tr>
               <a:tr h="190500">
@@ -10573,7 +10568,11 @@
                       </a:r>
                     </a:p>
                   </a:txBody>
-                  <a:tcPr/>
+                  <a:tcPr>
+                    <a:solidFill>
+                      <a:srgbClr val="F0F0F0"/>
+                    </a:solidFill>
+                  </a:tcPr>
                 </a:tc>
                 <a:tc>
                   <a:txBody>
@@ -10588,7 +10587,11 @@
                       </a:r>
                     </a:p>
                   </a:txBody>
-                  <a:tcPr/>
+                  <a:tcPr>
+                    <a:solidFill>
+                      <a:srgbClr val="F0F0F0"/>
+                    </a:solidFill>
+                  </a:tcPr>
                 </a:tc>
                 <a:tc>
                   <a:txBody>
@@ -10603,7 +10606,11 @@
                       </a:r>
                     </a:p>
                   </a:txBody>
-                  <a:tcPr/>
+                  <a:tcPr>
+                    <a:solidFill>
+                      <a:srgbClr val="F0F0F0"/>
+                    </a:solidFill>
+                  </a:tcPr>
                 </a:tc>
                 <a:tc>
                   <a:txBody>
@@ -10618,7 +10625,11 @@
                       </a:r>
                     </a:p>
                   </a:txBody>
-                  <a:tcPr/>
+                  <a:tcPr>
+                    <a:solidFill>
+                      <a:srgbClr val="F0F0F0"/>
+                    </a:solidFill>
+                  </a:tcPr>
                 </a:tc>
                 <a:tc>
                   <a:txBody>
@@ -10633,7 +10644,11 @@
                       </a:r>
                     </a:p>
                   </a:txBody>
-                  <a:tcPr/>
+                  <a:tcPr>
+                    <a:solidFill>
+                      <a:srgbClr val="F0F0F0"/>
+                    </a:solidFill>
+                  </a:tcPr>
                 </a:tc>
                 <a:tc>
                   <a:txBody>
@@ -10648,10 +10663,111 @@
                       </a:r>
                     </a:p>
                   </a:txBody>
-                  <a:tcPr/>
+                  <a:tcPr>
+                    <a:solidFill>
+                      <a:srgbClr val="F0F0F0"/>
+                    </a:solidFill>
+                  </a:tcPr>
                 </a:tc>
               </a:tr>
             </a:tbl>
+          </a:graphicData>
+        </a:graphic>
+      </p:graphicFrame>
+    </p:spTree>
+  </p:cSld>
+  <p:clrMapOvr>
+    <a:masterClrMapping/>
+  </p:clrMapOvr>
+</p:sld>
+</file>
+
+<file path=ppt/slides/slide7.xml><?xml version="1.0" encoding="utf-8"?>
+<p:sld xmlns:a="http://schemas.openxmlformats.org/drawingml/2006/main" xmlns:p="http://schemas.openxmlformats.org/presentationml/2006/main" xmlns:r="http://schemas.openxmlformats.org/officeDocument/2006/relationships">
+  <p:cSld>
+    <p:bg>
+      <p:bgPr>
+        <a:solidFill>
+          <a:srgbClr val="F0F0F0"/>
+        </a:solidFill>
+        <a:effectLst/>
+      </p:bgPr>
+    </p:bg>
+    <p:spTree>
+      <p:nvGrpSpPr>
+        <p:cNvPr id="1" name=""/>
+        <p:cNvGrpSpPr/>
+        <p:nvPr/>
+      </p:nvGrpSpPr>
+      <p:grpSpPr/>
+      <p:sp>
+        <p:nvSpPr>
+          <p:cNvPr id="2" name="Title 1"/>
+          <p:cNvSpPr>
+            <a:spLocks noGrp="1"/>
+          </p:cNvSpPr>
+          <p:nvPr>
+            <p:ph type="title"/>
+          </p:nvPr>
+        </p:nvSpPr>
+        <p:spPr/>
+        <p:txBody>
+          <a:bodyPr/>
+          <a:lstStyle/>
+          <a:p/>
+        </p:txBody>
+      </p:sp>
+      <p:graphicFrame>
+        <p:nvGraphicFramePr>
+          <p:cNvPr id="3" name="Chart 2"/>
+          <p:cNvGraphicFramePr>
+            <a:graphicFrameLocks noGrp="1"/>
+          </p:cNvGraphicFramePr>
+          <p:nvPr/>
+        </p:nvGraphicFramePr>
+        <p:xfrm>
+          <a:off x="457200" y="914400"/>
+          <a:ext cx="3657600" cy="3657600"/>
+        </p:xfrm>
+        <a:graphic>
+          <a:graphicData uri="http://schemas.openxmlformats.org/drawingml/2006/chart">
+            <c:chart xmlns:c="http://schemas.openxmlformats.org/drawingml/2006/chart" r:id="rId2"/>
+          </a:graphicData>
+        </a:graphic>
+      </p:graphicFrame>
+      <p:graphicFrame>
+        <p:nvGraphicFramePr>
+          <p:cNvPr id="4" name="Chart 3"/>
+          <p:cNvGraphicFramePr>
+            <a:graphicFrameLocks noGrp="1"/>
+          </p:cNvGraphicFramePr>
+          <p:nvPr/>
+        </p:nvGraphicFramePr>
+        <p:xfrm>
+          <a:off x="4572000" y="914400"/>
+          <a:ext cx="4114800" cy="3657600"/>
+        </p:xfrm>
+        <a:graphic>
+          <a:graphicData uri="http://schemas.openxmlformats.org/drawingml/2006/chart">
+            <c:chart xmlns:c="http://schemas.openxmlformats.org/drawingml/2006/chart" r:id="rId3"/>
+          </a:graphicData>
+        </a:graphic>
+      </p:graphicFrame>
+      <p:graphicFrame>
+        <p:nvGraphicFramePr>
+          <p:cNvPr id="5" name="Chart 4"/>
+          <p:cNvGraphicFramePr>
+            <a:graphicFrameLocks noGrp="1"/>
+          </p:cNvGraphicFramePr>
+          <p:nvPr/>
+        </p:nvGraphicFramePr>
+        <p:xfrm>
+          <a:off x="457200" y="4572000"/>
+          <a:ext cx="8229600" cy="2743200"/>
+        </p:xfrm>
+        <a:graphic>
+          <a:graphicData uri="http://schemas.openxmlformats.org/drawingml/2006/chart">
+            <c:chart xmlns:c="http://schemas.openxmlformats.org/drawingml/2006/chart" r:id="rId4"/>
           </a:graphicData>
         </a:graphic>
       </p:graphicFrame>
